--- a/a1008 (1).pptx
+++ b/a1008 (1).pptx
@@ -5,7 +5,7 @@
     <p:sldMasterId id="2147483648" r:id="rId1"/>
   </p:sldMasterIdLst>
   <p:notesMasterIdLst>
-    <p:notesMasterId r:id="rId25"/>
+    <p:notesMasterId r:id="rId26"/>
   </p:notesMasterIdLst>
   <p:sldIdLst>
     <p:sldId id="256" r:id="rId2"/>
@@ -23,14 +23,15 @@
     <p:sldId id="276" r:id="rId14"/>
     <p:sldId id="277" r:id="rId15"/>
     <p:sldId id="278" r:id="rId16"/>
-    <p:sldId id="279" r:id="rId17"/>
-    <p:sldId id="280" r:id="rId18"/>
-    <p:sldId id="281" r:id="rId19"/>
-    <p:sldId id="265" r:id="rId20"/>
-    <p:sldId id="268" r:id="rId21"/>
-    <p:sldId id="266" r:id="rId22"/>
-    <p:sldId id="267" r:id="rId23"/>
-    <p:sldId id="271" r:id="rId24"/>
+    <p:sldId id="282" r:id="rId17"/>
+    <p:sldId id="279" r:id="rId18"/>
+    <p:sldId id="280" r:id="rId19"/>
+    <p:sldId id="281" r:id="rId20"/>
+    <p:sldId id="265" r:id="rId21"/>
+    <p:sldId id="268" r:id="rId22"/>
+    <p:sldId id="266" r:id="rId23"/>
+    <p:sldId id="267" r:id="rId24"/>
+    <p:sldId id="271" r:id="rId25"/>
   </p:sldIdLst>
   <p:sldSz cx="12192000" cy="6858000"/>
   <p:notesSz cx="6858000" cy="9144000"/>
@@ -11692,7 +11693,7 @@
           <a:p>
             <a:fld id="{E002F92A-7CB2-45A5-ACFF-262987056576}" type="datetimeFigureOut">
               <a:rPr lang="de-DE" smtClean="0"/>
-              <a:t>24.04.2022</a:t>
+              <a:t>25.04.2022</a:t>
             </a:fld>
             <a:endParaRPr lang="de-DE"/>
           </a:p>
@@ -12425,7 +12426,7 @@
             <a:fld id="{B61BEF0D-F0BB-DE4B-95CE-6DB70DBA9567}" type="datetimeFigureOut">
               <a:rPr lang="en-US" dirty="0"/>
               <a:pPr/>
-              <a:t>4/24/2022</a:t>
+              <a:t>4/25/2022</a:t>
             </a:fld>
             <a:endParaRPr lang="en-US" dirty="0"/>
           </a:p>
@@ -12713,7 +12714,7 @@
             <a:fld id="{B61BEF0D-F0BB-DE4B-95CE-6DB70DBA9567}" type="datetimeFigureOut">
               <a:rPr lang="en-US" dirty="0"/>
               <a:pPr/>
-              <a:t>4/24/2022</a:t>
+              <a:t>4/25/2022</a:t>
             </a:fld>
             <a:endParaRPr lang="en-US" dirty="0"/>
           </a:p>
@@ -12969,7 +12970,7 @@
             <a:fld id="{B61BEF0D-F0BB-DE4B-95CE-6DB70DBA9567}" type="datetimeFigureOut">
               <a:rPr lang="en-US" dirty="0"/>
               <a:pPr/>
-              <a:t>4/24/2022</a:t>
+              <a:t>4/25/2022</a:t>
             </a:fld>
             <a:endParaRPr lang="en-US" dirty="0"/>
           </a:p>
@@ -13435,7 +13436,7 @@
             <a:fld id="{B61BEF0D-F0BB-DE4B-95CE-6DB70DBA9567}" type="datetimeFigureOut">
               <a:rPr lang="en-US" dirty="0"/>
               <a:pPr/>
-              <a:t>4/24/2022</a:t>
+              <a:t>4/25/2022</a:t>
             </a:fld>
             <a:endParaRPr lang="en-US" dirty="0"/>
           </a:p>
@@ -13612,7 +13613,7 @@
             <a:fld id="{B61BEF0D-F0BB-DE4B-95CE-6DB70DBA9567}" type="datetimeFigureOut">
               <a:rPr lang="en-US" dirty="0"/>
               <a:pPr/>
-              <a:t>4/24/2022</a:t>
+              <a:t>4/25/2022</a:t>
             </a:fld>
             <a:endParaRPr lang="en-US" dirty="0"/>
           </a:p>
@@ -14185,7 +14186,7 @@
             <a:fld id="{B61BEF0D-F0BB-DE4B-95CE-6DB70DBA9567}" type="datetimeFigureOut">
               <a:rPr lang="en-US" dirty="0"/>
               <a:pPr/>
-              <a:t>4/24/2022</a:t>
+              <a:t>4/25/2022</a:t>
             </a:fld>
             <a:endParaRPr lang="en-US" dirty="0"/>
           </a:p>
@@ -14514,7 +14515,7 @@
             <a:fld id="{B61BEF0D-F0BB-DE4B-95CE-6DB70DBA9567}" type="datetimeFigureOut">
               <a:rPr lang="en-US" dirty="0"/>
               <a:pPr/>
-              <a:t>4/24/2022</a:t>
+              <a:t>4/25/2022</a:t>
             </a:fld>
             <a:endParaRPr lang="en-US" dirty="0"/>
           </a:p>
@@ -14686,7 +14687,7 @@
             <a:fld id="{B61BEF0D-F0BB-DE4B-95CE-6DB70DBA9567}" type="datetimeFigureOut">
               <a:rPr lang="en-US" dirty="0"/>
               <a:pPr/>
-              <a:t>4/24/2022</a:t>
+              <a:t>4/25/2022</a:t>
             </a:fld>
             <a:endParaRPr lang="en-US" dirty="0"/>
           </a:p>
@@ -14863,7 +14864,7 @@
             <a:fld id="{B61BEF0D-F0BB-DE4B-95CE-6DB70DBA9567}" type="datetimeFigureOut">
               <a:rPr lang="en-US" dirty="0"/>
               <a:pPr/>
-              <a:t>4/24/2022</a:t>
+              <a:t>4/25/2022</a:t>
             </a:fld>
             <a:endParaRPr lang="en-US" dirty="0"/>
           </a:p>
@@ -15030,7 +15031,7 @@
             <a:fld id="{B61BEF0D-F0BB-DE4B-95CE-6DB70DBA9567}" type="datetimeFigureOut">
               <a:rPr lang="en-US" dirty="0"/>
               <a:pPr/>
-              <a:t>4/24/2022</a:t>
+              <a:t>4/25/2022</a:t>
             </a:fld>
             <a:endParaRPr lang="en-US" dirty="0"/>
           </a:p>
@@ -15284,7 +15285,7 @@
             <a:fld id="{B61BEF0D-F0BB-DE4B-95CE-6DB70DBA9567}" type="datetimeFigureOut">
               <a:rPr lang="en-US" dirty="0"/>
               <a:pPr/>
-              <a:t>4/24/2022</a:t>
+              <a:t>4/25/2022</a:t>
             </a:fld>
             <a:endParaRPr lang="en-US" dirty="0"/>
           </a:p>
@@ -15573,7 +15574,7 @@
             <a:fld id="{B61BEF0D-F0BB-DE4B-95CE-6DB70DBA9567}" type="datetimeFigureOut">
               <a:rPr lang="en-US" dirty="0"/>
               <a:pPr/>
-              <a:t>4/24/2022</a:t>
+              <a:t>4/25/2022</a:t>
             </a:fld>
             <a:endParaRPr lang="en-US" dirty="0"/>
           </a:p>
@@ -16000,7 +16001,7 @@
             <a:fld id="{B61BEF0D-F0BB-DE4B-95CE-6DB70DBA9567}" type="datetimeFigureOut">
               <a:rPr lang="en-US" dirty="0"/>
               <a:pPr/>
-              <a:t>4/24/2022</a:t>
+              <a:t>4/25/2022</a:t>
             </a:fld>
             <a:endParaRPr lang="en-US" dirty="0"/>
           </a:p>
@@ -16115,7 +16116,7 @@
             <a:fld id="{B61BEF0D-F0BB-DE4B-95CE-6DB70DBA9567}" type="datetimeFigureOut">
               <a:rPr lang="en-US" dirty="0"/>
               <a:pPr/>
-              <a:t>4/24/2022</a:t>
+              <a:t>4/25/2022</a:t>
             </a:fld>
             <a:endParaRPr lang="en-US" dirty="0"/>
           </a:p>
@@ -16207,7 +16208,7 @@
             <a:fld id="{B61BEF0D-F0BB-DE4B-95CE-6DB70DBA9567}" type="datetimeFigureOut">
               <a:rPr lang="en-US" dirty="0"/>
               <a:pPr/>
-              <a:t>4/24/2022</a:t>
+              <a:t>4/25/2022</a:t>
             </a:fld>
             <a:endParaRPr lang="en-US" dirty="0"/>
           </a:p>
@@ -16487,7 +16488,7 @@
             <a:fld id="{B61BEF0D-F0BB-DE4B-95CE-6DB70DBA9567}" type="datetimeFigureOut">
               <a:rPr lang="en-US" dirty="0"/>
               <a:pPr/>
-              <a:t>4/24/2022</a:t>
+              <a:t>4/25/2022</a:t>
             </a:fld>
             <a:endParaRPr lang="en-US" dirty="0"/>
           </a:p>
@@ -16775,7 +16776,7 @@
             <a:fld id="{B61BEF0D-F0BB-DE4B-95CE-6DB70DBA9567}" type="datetimeFigureOut">
               <a:rPr lang="en-US" dirty="0"/>
               <a:pPr/>
-              <a:t>4/24/2022</a:t>
+              <a:t>4/25/2022</a:t>
             </a:fld>
             <a:endParaRPr lang="en-US" dirty="0"/>
           </a:p>
@@ -17003,7 +17004,7 @@
             <a:fld id="{B61BEF0D-F0BB-DE4B-95CE-6DB70DBA9567}" type="datetimeFigureOut">
               <a:rPr lang="en-US" dirty="0"/>
               <a:pPr/>
-              <a:t>4/24/2022</a:t>
+              <a:t>4/25/2022</a:t>
             </a:fld>
             <a:endParaRPr lang="en-US" dirty="0"/>
           </a:p>
@@ -19177,11 +19178,17 @@
           <p:cNvGraphicFramePr>
             <a:graphicFrameLocks noGrp="1"/>
           </p:cNvGraphicFramePr>
-          <p:nvPr/>
+          <p:nvPr>
+            <p:extLst>
+              <p:ext uri="{D42A27DB-BD31-4B8C-83A1-F6EECF244321}">
+                <p14:modId xmlns:p14="http://schemas.microsoft.com/office/powerpoint/2010/main" val="256173802"/>
+              </p:ext>
+            </p:extLst>
+          </p:nvPr>
         </p:nvGraphicFramePr>
         <p:xfrm>
           <a:off x="893979" y="5468852"/>
-          <a:ext cx="10400866" cy="1112520"/>
+          <a:ext cx="10400866" cy="1107440"/>
         </p:xfrm>
         <a:graphic>
           <a:graphicData uri="http://schemas.openxmlformats.org/drawingml/2006/table">
@@ -19499,7 +19506,7 @@
                   </a:ext>
                 </a:extLst>
               </a:tr>
-              <a:tr h="370840">
+              <a:tr h="190268">
                 <a:tc>
                   <a:txBody>
                     <a:bodyPr/>
@@ -21453,9 +21460,6 @@
                     <p:cTn id="3" fill="hold">
                       <p:stCondLst>
                         <p:cond delay="indefinite"/>
-                        <p:cond evt="onBegin" delay="0">
-                          <p:tn val="2"/>
-                        </p:cond>
                       </p:stCondLst>
                       <p:childTnLst>
                         <p:par>
@@ -21465,7 +21469,7 @@
                             </p:stCondLst>
                             <p:childTnLst>
                               <p:par>
-                                <p:cTn id="5" presetID="22" presetClass="entr" presetSubtype="4" fill="hold" nodeType="withEffect">
+                                <p:cTn id="5" presetID="1" presetClass="entr" presetSubtype="0" fill="hold" nodeType="clickEffect">
                                   <p:stCondLst>
                                     <p:cond delay="0"/>
                                   </p:stCondLst>
@@ -21473,6 +21477,348 @@
                                     <p:set>
                                       <p:cBhvr>
                                         <p:cTn id="6" dur="1" fill="hold">
+                                          <p:stCondLst>
+                                            <p:cond delay="0"/>
+                                          </p:stCondLst>
+                                        </p:cTn>
+                                        <p:tgtEl>
+                                          <p:spTgt spid="7"/>
+                                        </p:tgtEl>
+                                        <p:attrNameLst>
+                                          <p:attrName>style.visibility</p:attrName>
+                                        </p:attrNameLst>
+                                      </p:cBhvr>
+                                      <p:to>
+                                        <p:strVal val="visible"/>
+                                      </p:to>
+                                    </p:set>
+                                  </p:childTnLst>
+                                </p:cTn>
+                              </p:par>
+                              <p:par>
+                                <p:cTn id="7" presetID="1" presetClass="entr" presetSubtype="0" fill="hold" nodeType="withEffect">
+                                  <p:stCondLst>
+                                    <p:cond delay="0"/>
+                                  </p:stCondLst>
+                                  <p:childTnLst>
+                                    <p:set>
+                                      <p:cBhvr>
+                                        <p:cTn id="8" dur="1" fill="hold">
+                                          <p:stCondLst>
+                                            <p:cond delay="0"/>
+                                          </p:stCondLst>
+                                        </p:cTn>
+                                        <p:tgtEl>
+                                          <p:spTgt spid="14"/>
+                                        </p:tgtEl>
+                                        <p:attrNameLst>
+                                          <p:attrName>style.visibility</p:attrName>
+                                        </p:attrNameLst>
+                                      </p:cBhvr>
+                                      <p:to>
+                                        <p:strVal val="visible"/>
+                                      </p:to>
+                                    </p:set>
+                                  </p:childTnLst>
+                                </p:cTn>
+                              </p:par>
+                              <p:par>
+                                <p:cTn id="9" presetID="1" presetClass="entr" presetSubtype="0" fill="hold" nodeType="withEffect">
+                                  <p:stCondLst>
+                                    <p:cond delay="0"/>
+                                  </p:stCondLst>
+                                  <p:childTnLst>
+                                    <p:set>
+                                      <p:cBhvr>
+                                        <p:cTn id="10" dur="1" fill="hold">
+                                          <p:stCondLst>
+                                            <p:cond delay="0"/>
+                                          </p:stCondLst>
+                                        </p:cTn>
+                                        <p:tgtEl>
+                                          <p:spTgt spid="17"/>
+                                        </p:tgtEl>
+                                        <p:attrNameLst>
+                                          <p:attrName>style.visibility</p:attrName>
+                                        </p:attrNameLst>
+                                      </p:cBhvr>
+                                      <p:to>
+                                        <p:strVal val="visible"/>
+                                      </p:to>
+                                    </p:set>
+                                  </p:childTnLst>
+                                </p:cTn>
+                              </p:par>
+                              <p:par>
+                                <p:cTn id="11" presetID="1" presetClass="entr" presetSubtype="0" fill="hold" nodeType="withEffect">
+                                  <p:stCondLst>
+                                    <p:cond delay="0"/>
+                                  </p:stCondLst>
+                                  <p:childTnLst>
+                                    <p:set>
+                                      <p:cBhvr>
+                                        <p:cTn id="12" dur="1" fill="hold">
+                                          <p:stCondLst>
+                                            <p:cond delay="0"/>
+                                          </p:stCondLst>
+                                        </p:cTn>
+                                        <p:tgtEl>
+                                          <p:spTgt spid="16"/>
+                                        </p:tgtEl>
+                                        <p:attrNameLst>
+                                          <p:attrName>style.visibility</p:attrName>
+                                        </p:attrNameLst>
+                                      </p:cBhvr>
+                                      <p:to>
+                                        <p:strVal val="visible"/>
+                                      </p:to>
+                                    </p:set>
+                                  </p:childTnLst>
+                                </p:cTn>
+                              </p:par>
+                              <p:par>
+                                <p:cTn id="13" presetID="1" presetClass="entr" presetSubtype="0" fill="hold" nodeType="withEffect">
+                                  <p:stCondLst>
+                                    <p:cond delay="0"/>
+                                  </p:stCondLst>
+                                  <p:childTnLst>
+                                    <p:set>
+                                      <p:cBhvr>
+                                        <p:cTn id="14" dur="1" fill="hold">
+                                          <p:stCondLst>
+                                            <p:cond delay="0"/>
+                                          </p:stCondLst>
+                                        </p:cTn>
+                                        <p:tgtEl>
+                                          <p:spTgt spid="18"/>
+                                        </p:tgtEl>
+                                        <p:attrNameLst>
+                                          <p:attrName>style.visibility</p:attrName>
+                                        </p:attrNameLst>
+                                      </p:cBhvr>
+                                      <p:to>
+                                        <p:strVal val="visible"/>
+                                      </p:to>
+                                    </p:set>
+                                  </p:childTnLst>
+                                </p:cTn>
+                              </p:par>
+                              <p:par>
+                                <p:cTn id="15" presetID="1" presetClass="entr" presetSubtype="0" fill="hold" nodeType="withEffect">
+                                  <p:stCondLst>
+                                    <p:cond delay="0"/>
+                                  </p:stCondLst>
+                                  <p:childTnLst>
+                                    <p:set>
+                                      <p:cBhvr>
+                                        <p:cTn id="16" dur="1" fill="hold">
+                                          <p:stCondLst>
+                                            <p:cond delay="0"/>
+                                          </p:stCondLst>
+                                        </p:cTn>
+                                        <p:tgtEl>
+                                          <p:spTgt spid="15"/>
+                                        </p:tgtEl>
+                                        <p:attrNameLst>
+                                          <p:attrName>style.visibility</p:attrName>
+                                        </p:attrNameLst>
+                                      </p:cBhvr>
+                                      <p:to>
+                                        <p:strVal val="visible"/>
+                                      </p:to>
+                                    </p:set>
+                                  </p:childTnLst>
+                                </p:cTn>
+                              </p:par>
+                              <p:par>
+                                <p:cTn id="17" presetID="1" presetClass="entr" presetSubtype="0" fill="hold" nodeType="withEffect">
+                                  <p:stCondLst>
+                                    <p:cond delay="0"/>
+                                  </p:stCondLst>
+                                  <p:childTnLst>
+                                    <p:set>
+                                      <p:cBhvr>
+                                        <p:cTn id="18" dur="1" fill="hold">
+                                          <p:stCondLst>
+                                            <p:cond delay="0"/>
+                                          </p:stCondLst>
+                                        </p:cTn>
+                                        <p:tgtEl>
+                                          <p:spTgt spid="13"/>
+                                        </p:tgtEl>
+                                        <p:attrNameLst>
+                                          <p:attrName>style.visibility</p:attrName>
+                                        </p:attrNameLst>
+                                      </p:cBhvr>
+                                      <p:to>
+                                        <p:strVal val="visible"/>
+                                      </p:to>
+                                    </p:set>
+                                  </p:childTnLst>
+                                </p:cTn>
+                              </p:par>
+                              <p:par>
+                                <p:cTn id="19" presetID="1" presetClass="entr" presetSubtype="0" fill="hold" nodeType="withEffect">
+                                  <p:stCondLst>
+                                    <p:cond delay="0"/>
+                                  </p:stCondLst>
+                                  <p:childTnLst>
+                                    <p:set>
+                                      <p:cBhvr>
+                                        <p:cTn id="20" dur="1" fill="hold">
+                                          <p:stCondLst>
+                                            <p:cond delay="0"/>
+                                          </p:stCondLst>
+                                        </p:cTn>
+                                        <p:tgtEl>
+                                          <p:spTgt spid="12"/>
+                                        </p:tgtEl>
+                                        <p:attrNameLst>
+                                          <p:attrName>style.visibility</p:attrName>
+                                        </p:attrNameLst>
+                                      </p:cBhvr>
+                                      <p:to>
+                                        <p:strVal val="visible"/>
+                                      </p:to>
+                                    </p:set>
+                                  </p:childTnLst>
+                                </p:cTn>
+                              </p:par>
+                            </p:childTnLst>
+                          </p:cTn>
+                        </p:par>
+                      </p:childTnLst>
+                    </p:cTn>
+                  </p:par>
+                  <p:par>
+                    <p:cTn id="21" fill="hold">
+                      <p:stCondLst>
+                        <p:cond delay="indefinite"/>
+                      </p:stCondLst>
+                      <p:childTnLst>
+                        <p:par>
+                          <p:cTn id="22" fill="hold">
+                            <p:stCondLst>
+                              <p:cond delay="0"/>
+                            </p:stCondLst>
+                            <p:childTnLst>
+                              <p:par>
+                                <p:cTn id="23" presetID="1" presetClass="entr" presetSubtype="0" fill="hold" nodeType="clickEffect">
+                                  <p:stCondLst>
+                                    <p:cond delay="0"/>
+                                  </p:stCondLst>
+                                  <p:childTnLst>
+                                    <p:set>
+                                      <p:cBhvr>
+                                        <p:cTn id="24" dur="1" fill="hold">
+                                          <p:stCondLst>
+                                            <p:cond delay="0"/>
+                                          </p:stCondLst>
+                                        </p:cTn>
+                                        <p:tgtEl>
+                                          <p:spTgt spid="22"/>
+                                        </p:tgtEl>
+                                        <p:attrNameLst>
+                                          <p:attrName>style.visibility</p:attrName>
+                                        </p:attrNameLst>
+                                      </p:cBhvr>
+                                      <p:to>
+                                        <p:strVal val="visible"/>
+                                      </p:to>
+                                    </p:set>
+                                  </p:childTnLst>
+                                </p:cTn>
+                              </p:par>
+                              <p:par>
+                                <p:cTn id="25" presetID="1" presetClass="entr" presetSubtype="0" fill="hold" nodeType="withEffect">
+                                  <p:stCondLst>
+                                    <p:cond delay="0"/>
+                                  </p:stCondLst>
+                                  <p:childTnLst>
+                                    <p:set>
+                                      <p:cBhvr>
+                                        <p:cTn id="26" dur="1" fill="hold">
+                                          <p:stCondLst>
+                                            <p:cond delay="0"/>
+                                          </p:stCondLst>
+                                        </p:cTn>
+                                        <p:tgtEl>
+                                          <p:spTgt spid="20"/>
+                                        </p:tgtEl>
+                                        <p:attrNameLst>
+                                          <p:attrName>style.visibility</p:attrName>
+                                        </p:attrNameLst>
+                                      </p:cBhvr>
+                                      <p:to>
+                                        <p:strVal val="visible"/>
+                                      </p:to>
+                                    </p:set>
+                                  </p:childTnLst>
+                                </p:cTn>
+                              </p:par>
+                              <p:par>
+                                <p:cTn id="27" presetID="1" presetClass="entr" presetSubtype="0" fill="hold" nodeType="withEffect">
+                                  <p:stCondLst>
+                                    <p:cond delay="0"/>
+                                  </p:stCondLst>
+                                  <p:childTnLst>
+                                    <p:set>
+                                      <p:cBhvr>
+                                        <p:cTn id="28" dur="1" fill="hold">
+                                          <p:stCondLst>
+                                            <p:cond delay="0"/>
+                                          </p:stCondLst>
+                                        </p:cTn>
+                                        <p:tgtEl>
+                                          <p:spTgt spid="26"/>
+                                        </p:tgtEl>
+                                        <p:attrNameLst>
+                                          <p:attrName>style.visibility</p:attrName>
+                                        </p:attrNameLst>
+                                      </p:cBhvr>
+                                      <p:to>
+                                        <p:strVal val="visible"/>
+                                      </p:to>
+                                    </p:set>
+                                  </p:childTnLst>
+                                </p:cTn>
+                              </p:par>
+                              <p:par>
+                                <p:cTn id="29" presetID="1" presetClass="entr" presetSubtype="0" fill="hold" nodeType="withEffect">
+                                  <p:stCondLst>
+                                    <p:cond delay="0"/>
+                                  </p:stCondLst>
+                                  <p:childTnLst>
+                                    <p:set>
+                                      <p:cBhvr>
+                                        <p:cTn id="30" dur="1" fill="hold">
+                                          <p:stCondLst>
+                                            <p:cond delay="0"/>
+                                          </p:stCondLst>
+                                        </p:cTn>
+                                        <p:tgtEl>
+                                          <p:spTgt spid="30"/>
+                                        </p:tgtEl>
+                                        <p:attrNameLst>
+                                          <p:attrName>style.visibility</p:attrName>
+                                        </p:attrNameLst>
+                                      </p:cBhvr>
+                                      <p:to>
+                                        <p:strVal val="visible"/>
+                                      </p:to>
+                                    </p:set>
+                                  </p:childTnLst>
+                                </p:cTn>
+                              </p:par>
+                              <p:par>
+                                <p:cTn id="31" presetID="1" presetClass="entr" presetSubtype="0" fill="hold" nodeType="withEffect">
+                                  <p:stCondLst>
+                                    <p:cond delay="0"/>
+                                  </p:stCondLst>
+                                  <p:childTnLst>
+                                    <p:set>
+                                      <p:cBhvr>
+                                        <p:cTn id="32" dur="1" fill="hold">
                                           <p:stCondLst>
                                             <p:cond delay="0"/>
                                           </p:stCondLst>
@@ -21488,61 +21834,18 @@
                                         <p:strVal val="visible"/>
                                       </p:to>
                                     </p:set>
-                                    <p:animEffect transition="in" filter="wipe(down)">
-                                      <p:cBhvr>
-                                        <p:cTn id="7" dur="10"/>
-                                        <p:tgtEl>
-                                          <p:spTgt spid="24"/>
-                                        </p:tgtEl>
-                                      </p:cBhvr>
-                                    </p:animEffect>
                                   </p:childTnLst>
                                 </p:cTn>
                               </p:par>
                               <p:par>
-                                <p:cTn id="8" presetID="22" presetClass="entr" presetSubtype="4" fill="hold" nodeType="withEffect">
+                                <p:cTn id="33" presetID="1" presetClass="entr" presetSubtype="0" fill="hold" nodeType="withEffect">
                                   <p:stCondLst>
                                     <p:cond delay="0"/>
                                   </p:stCondLst>
                                   <p:childTnLst>
                                     <p:set>
                                       <p:cBhvr>
-                                        <p:cTn id="9" dur="1" fill="hold">
-                                          <p:stCondLst>
-                                            <p:cond delay="0"/>
-                                          </p:stCondLst>
-                                        </p:cTn>
-                                        <p:tgtEl>
-                                          <p:spTgt spid="26"/>
-                                        </p:tgtEl>
-                                        <p:attrNameLst>
-                                          <p:attrName>style.visibility</p:attrName>
-                                        </p:attrNameLst>
-                                      </p:cBhvr>
-                                      <p:to>
-                                        <p:strVal val="visible"/>
-                                      </p:to>
-                                    </p:set>
-                                    <p:animEffect transition="in" filter="wipe(down)">
-                                      <p:cBhvr>
-                                        <p:cTn id="10" dur="10"/>
-                                        <p:tgtEl>
-                                          <p:spTgt spid="26"/>
-                                        </p:tgtEl>
-                                      </p:cBhvr>
-                                    </p:animEffect>
-                                  </p:childTnLst>
-                                </p:cTn>
-                              </p:par>
-                              <p:par>
-                                <p:cTn id="11" presetID="22" presetClass="entr" presetSubtype="4" fill="hold" nodeType="withEffect">
-                                  <p:stCondLst>
-                                    <p:cond delay="0"/>
-                                  </p:stCondLst>
-                                  <p:childTnLst>
-                                    <p:set>
-                                      <p:cBhvr>
-                                        <p:cTn id="12" dur="1" fill="hold">
+                                        <p:cTn id="34" dur="1" fill="hold">
                                           <p:stCondLst>
                                             <p:cond delay="0"/>
                                           </p:stCondLst>
@@ -21558,32 +21861,24 @@
                                         <p:strVal val="visible"/>
                                       </p:to>
                                     </p:set>
-                                    <p:animEffect transition="in" filter="wipe(down)">
-                                      <p:cBhvr>
-                                        <p:cTn id="13" dur="10"/>
-                                        <p:tgtEl>
-                                          <p:spTgt spid="28"/>
-                                        </p:tgtEl>
-                                      </p:cBhvr>
-                                    </p:animEffect>
                                   </p:childTnLst>
                                 </p:cTn>
                               </p:par>
                               <p:par>
-                                <p:cTn id="14" presetID="22" presetClass="entr" presetSubtype="4" fill="hold" nodeType="withEffect">
+                                <p:cTn id="35" presetID="1" presetClass="entr" presetSubtype="0" fill="hold" nodeType="withEffect">
                                   <p:stCondLst>
                                     <p:cond delay="0"/>
                                   </p:stCondLst>
                                   <p:childTnLst>
                                     <p:set>
                                       <p:cBhvr>
-                                        <p:cTn id="15" dur="1" fill="hold">
+                                        <p:cTn id="36" dur="1" fill="hold">
                                           <p:stCondLst>
                                             <p:cond delay="0"/>
                                           </p:stCondLst>
                                         </p:cTn>
                                         <p:tgtEl>
-                                          <p:spTgt spid="30"/>
+                                          <p:spTgt spid="34"/>
                                         </p:tgtEl>
                                         <p:attrNameLst>
                                           <p:attrName>style.visibility</p:attrName>
@@ -21593,26 +21888,45 @@
                                         <p:strVal val="visible"/>
                                       </p:to>
                                     </p:set>
-                                    <p:animEffect transition="in" filter="wipe(down)">
-                                      <p:cBhvr>
-                                        <p:cTn id="16" dur="10"/>
-                                        <p:tgtEl>
-                                          <p:spTgt spid="30"/>
-                                        </p:tgtEl>
-                                      </p:cBhvr>
-                                    </p:animEffect>
                                   </p:childTnLst>
                                 </p:cTn>
                               </p:par>
                               <p:par>
-                                <p:cTn id="17" presetID="22" presetClass="entr" presetSubtype="4" fill="hold" nodeType="withEffect">
+                                <p:cTn id="37" presetID="1" presetClass="entr" presetSubtype="0" fill="hold" nodeType="withEffect">
                                   <p:stCondLst>
                                     <p:cond delay="0"/>
                                   </p:stCondLst>
                                   <p:childTnLst>
                                     <p:set>
                                       <p:cBhvr>
-                                        <p:cTn id="18" dur="1" fill="hold">
+                                        <p:cTn id="38" dur="1" fill="hold">
+                                          <p:stCondLst>
+                                            <p:cond delay="0"/>
+                                          </p:stCondLst>
+                                        </p:cTn>
+                                        <p:tgtEl>
+                                          <p:spTgt spid="36"/>
+                                        </p:tgtEl>
+                                        <p:attrNameLst>
+                                          <p:attrName>style.visibility</p:attrName>
+                                        </p:attrNameLst>
+                                      </p:cBhvr>
+                                      <p:to>
+                                        <p:strVal val="visible"/>
+                                      </p:to>
+                                    </p:set>
+                                  </p:childTnLst>
+                                </p:cTn>
+                              </p:par>
+                              <p:par>
+                                <p:cTn id="39" presetID="1" presetClass="entr" presetSubtype="0" fill="hold" nodeType="withEffect">
+                                  <p:stCondLst>
+                                    <p:cond delay="0"/>
+                                  </p:stCondLst>
+                                  <p:childTnLst>
+                                    <p:set>
+                                      <p:cBhvr>
+                                        <p:cTn id="40" dur="1" fill="hold">
                                           <p:stCondLst>
                                             <p:cond delay="0"/>
                                           </p:stCondLst>
@@ -21628,96 +21942,18 @@
                                         <p:strVal val="visible"/>
                                       </p:to>
                                     </p:set>
-                                    <p:animEffect transition="in" filter="wipe(down)">
-                                      <p:cBhvr>
-                                        <p:cTn id="19" dur="10"/>
-                                        <p:tgtEl>
-                                          <p:spTgt spid="32"/>
-                                        </p:tgtEl>
-                                      </p:cBhvr>
-                                    </p:animEffect>
                                   </p:childTnLst>
                                 </p:cTn>
                               </p:par>
                               <p:par>
-                                <p:cTn id="20" presetID="22" presetClass="entr" presetSubtype="4" fill="hold" nodeType="withEffect">
+                                <p:cTn id="41" presetID="1" presetClass="entr" presetSubtype="0" fill="hold" nodeType="withEffect">
                                   <p:stCondLst>
                                     <p:cond delay="0"/>
                                   </p:stCondLst>
                                   <p:childTnLst>
                                     <p:set>
                                       <p:cBhvr>
-                                        <p:cTn id="21" dur="1" fill="hold">
-                                          <p:stCondLst>
-                                            <p:cond delay="0"/>
-                                          </p:stCondLst>
-                                        </p:cTn>
-                                        <p:tgtEl>
-                                          <p:spTgt spid="34"/>
-                                        </p:tgtEl>
-                                        <p:attrNameLst>
-                                          <p:attrName>style.visibility</p:attrName>
-                                        </p:attrNameLst>
-                                      </p:cBhvr>
-                                      <p:to>
-                                        <p:strVal val="visible"/>
-                                      </p:to>
-                                    </p:set>
-                                    <p:animEffect transition="in" filter="wipe(down)">
-                                      <p:cBhvr>
-                                        <p:cTn id="22" dur="10"/>
-                                        <p:tgtEl>
-                                          <p:spTgt spid="34"/>
-                                        </p:tgtEl>
-                                      </p:cBhvr>
-                                    </p:animEffect>
-                                  </p:childTnLst>
-                                </p:cTn>
-                              </p:par>
-                              <p:par>
-                                <p:cTn id="23" presetID="22" presetClass="entr" presetSubtype="4" fill="hold" nodeType="withEffect">
-                                  <p:stCondLst>
-                                    <p:cond delay="0"/>
-                                  </p:stCondLst>
-                                  <p:childTnLst>
-                                    <p:set>
-                                      <p:cBhvr>
-                                        <p:cTn id="24" dur="1" fill="hold">
-                                          <p:stCondLst>
-                                            <p:cond delay="0"/>
-                                          </p:stCondLst>
-                                        </p:cTn>
-                                        <p:tgtEl>
-                                          <p:spTgt spid="36"/>
-                                        </p:tgtEl>
-                                        <p:attrNameLst>
-                                          <p:attrName>style.visibility</p:attrName>
-                                        </p:attrNameLst>
-                                      </p:cBhvr>
-                                      <p:to>
-                                        <p:strVal val="visible"/>
-                                      </p:to>
-                                    </p:set>
-                                    <p:animEffect transition="in" filter="wipe(down)">
-                                      <p:cBhvr>
-                                        <p:cTn id="25" dur="10"/>
-                                        <p:tgtEl>
-                                          <p:spTgt spid="36"/>
-                                        </p:tgtEl>
-                                      </p:cBhvr>
-                                    </p:animEffect>
-                                  </p:childTnLst>
-                                </p:cTn>
-                              </p:par>
-                              <p:par>
-                                <p:cTn id="26" presetID="22" presetClass="entr" presetSubtype="4" fill="hold" nodeType="withEffect">
-                                  <p:stCondLst>
-                                    <p:cond delay="0"/>
-                                  </p:stCondLst>
-                                  <p:childTnLst>
-                                    <p:set>
-                                      <p:cBhvr>
-                                        <p:cTn id="27" dur="1" fill="hold">
+                                        <p:cTn id="42" dur="1" fill="hold">
                                           <p:stCondLst>
                                             <p:cond delay="0"/>
                                           </p:stCondLst>
@@ -21733,32 +21969,24 @@
                                         <p:strVal val="visible"/>
                                       </p:to>
                                     </p:set>
-                                    <p:animEffect transition="in" filter="wipe(down)">
-                                      <p:cBhvr>
-                                        <p:cTn id="28" dur="10"/>
-                                        <p:tgtEl>
-                                          <p:spTgt spid="38"/>
-                                        </p:tgtEl>
-                                      </p:cBhvr>
-                                    </p:animEffect>
                                   </p:childTnLst>
                                 </p:cTn>
                               </p:par>
                               <p:par>
-                                <p:cTn id="29" presetID="22" presetClass="entr" presetSubtype="4" fill="hold" nodeType="withEffect">
+                                <p:cTn id="43" presetID="1" presetClass="entr" presetSubtype="0" fill="hold" nodeType="withEffect">
                                   <p:stCondLst>
                                     <p:cond delay="0"/>
                                   </p:stCondLst>
                                   <p:childTnLst>
                                     <p:set>
                                       <p:cBhvr>
-                                        <p:cTn id="30" dur="1" fill="hold">
+                                        <p:cTn id="44" dur="1" fill="hold">
                                           <p:stCondLst>
                                             <p:cond delay="0"/>
                                           </p:stCondLst>
                                         </p:cTn>
                                         <p:tgtEl>
-                                          <p:spTgt spid="20"/>
+                                          <p:spTgt spid="40"/>
                                         </p:tgtEl>
                                         <p:attrNameLst>
                                           <p:attrName>style.visibility</p:attrName>
@@ -21768,61 +21996,18 @@
                                         <p:strVal val="visible"/>
                                       </p:to>
                                     </p:set>
-                                    <p:animEffect transition="in" filter="wipe(down)">
-                                      <p:cBhvr>
-                                        <p:cTn id="31" dur="10"/>
-                                        <p:tgtEl>
-                                          <p:spTgt spid="20"/>
-                                        </p:tgtEl>
-                                      </p:cBhvr>
-                                    </p:animEffect>
                                   </p:childTnLst>
                                 </p:cTn>
                               </p:par>
                               <p:par>
-                                <p:cTn id="32" presetID="22" presetClass="entr" presetSubtype="4" fill="hold" nodeType="withEffect">
+                                <p:cTn id="45" presetID="1" presetClass="entr" presetSubtype="0" fill="hold" nodeType="withEffect">
                                   <p:stCondLst>
                                     <p:cond delay="0"/>
                                   </p:stCondLst>
                                   <p:childTnLst>
                                     <p:set>
                                       <p:cBhvr>
-                                        <p:cTn id="33" dur="1" fill="hold">
-                                          <p:stCondLst>
-                                            <p:cond delay="0"/>
-                                          </p:stCondLst>
-                                        </p:cTn>
-                                        <p:tgtEl>
-                                          <p:spTgt spid="22"/>
-                                        </p:tgtEl>
-                                        <p:attrNameLst>
-                                          <p:attrName>style.visibility</p:attrName>
-                                        </p:attrNameLst>
-                                      </p:cBhvr>
-                                      <p:to>
-                                        <p:strVal val="visible"/>
-                                      </p:to>
-                                    </p:set>
-                                    <p:animEffect transition="in" filter="wipe(down)">
-                                      <p:cBhvr>
-                                        <p:cTn id="34" dur="10"/>
-                                        <p:tgtEl>
-                                          <p:spTgt spid="22"/>
-                                        </p:tgtEl>
-                                      </p:cBhvr>
-                                    </p:animEffect>
-                                  </p:childTnLst>
-                                </p:cTn>
-                              </p:par>
-                              <p:par>
-                                <p:cTn id="35" presetID="22" presetClass="entr" presetSubtype="4" fill="hold" nodeType="withEffect">
-                                  <p:stCondLst>
-                                    <p:cond delay="0"/>
-                                  </p:stCondLst>
-                                  <p:childTnLst>
-                                    <p:set>
-                                      <p:cBhvr>
-                                        <p:cTn id="36" dur="1" fill="hold">
+                                        <p:cTn id="46" dur="1" fill="hold">
                                           <p:stCondLst>
                                             <p:cond delay="0"/>
                                           </p:stCondLst>
@@ -21838,49 +22023,6 @@
                                         <p:strVal val="visible"/>
                                       </p:to>
                                     </p:set>
-                                    <p:animEffect transition="in" filter="wipe(down)">
-                                      <p:cBhvr>
-                                        <p:cTn id="37" dur="10"/>
-                                        <p:tgtEl>
-                                          <p:spTgt spid="42"/>
-                                        </p:tgtEl>
-                                      </p:cBhvr>
-                                    </p:animEffect>
-                                  </p:childTnLst>
-                                </p:cTn>
-                              </p:par>
-                              <p:par>
-                                <p:cTn id="38" presetID="22" presetClass="entr" presetSubtype="4" fill="hold" nodeType="withEffect">
-                                  <p:stCondLst>
-                                    <p:cond delay="0"/>
-                                  </p:stCondLst>
-                                  <p:childTnLst>
-                                    <p:set>
-                                      <p:cBhvr>
-                                        <p:cTn id="39" dur="1" fill="hold">
-                                          <p:stCondLst>
-                                            <p:cond delay="0"/>
-                                          </p:stCondLst>
-                                        </p:cTn>
-                                        <p:tgtEl>
-                                          <p:spTgt spid="40"/>
-                                        </p:tgtEl>
-                                        <p:attrNameLst>
-                                          <p:attrName>style.visibility</p:attrName>
-                                        </p:attrNameLst>
-                                      </p:cBhvr>
-                                      <p:to>
-                                        <p:strVal val="visible"/>
-                                      </p:to>
-                                    </p:set>
-                                    <p:animEffect transition="in" filter="wipe(down)">
-                                      <p:cBhvr>
-                                        <p:cTn id="40" dur="10"/>
-                                        <p:tgtEl>
-                                          <p:spTgt spid="40"/>
-                                        </p:tgtEl>
-                                      </p:cBhvr>
-                                    </p:animEffect>
                                   </p:childTnLst>
                                 </p:cTn>
                               </p:par>
@@ -21916,6 +22058,3067 @@
 </file>
 
 <file path=ppt/slides/slide16.xml><?xml version="1.0" encoding="utf-8"?>
+<p:sld xmlns:a="http://schemas.openxmlformats.org/drawingml/2006/main" xmlns:r="http://schemas.openxmlformats.org/officeDocument/2006/relationships" xmlns:p="http://schemas.openxmlformats.org/presentationml/2006/main">
+  <p:cSld>
+    <p:spTree>
+      <p:nvGrpSpPr>
+        <p:cNvPr id="1" name=""/>
+        <p:cNvGrpSpPr/>
+        <p:nvPr/>
+      </p:nvGrpSpPr>
+      <p:grpSpPr>
+        <a:xfrm>
+          <a:off x="0" y="0"/>
+          <a:ext cx="0" cy="0"/>
+          <a:chOff x="0" y="0"/>
+          <a:chExt cx="0" cy="0"/>
+        </a:xfrm>
+      </p:grpSpPr>
+      <p:sp>
+        <p:nvSpPr>
+          <p:cNvPr id="2" name="Titel 1">
+            <a:extLst>
+              <a:ext uri="{FF2B5EF4-FFF2-40B4-BE49-F238E27FC236}">
+                <a16:creationId xmlns:a16="http://schemas.microsoft.com/office/drawing/2014/main" id="{83CC4940-D9E2-437C-B6F5-0351CCAE4C7A}"/>
+              </a:ext>
+            </a:extLst>
+          </p:cNvPr>
+          <p:cNvSpPr>
+            <a:spLocks noGrp="1"/>
+          </p:cNvSpPr>
+          <p:nvPr>
+            <p:ph type="title"/>
+          </p:nvPr>
+        </p:nvSpPr>
+        <p:spPr>
+          <a:xfrm>
+            <a:off x="1141413" y="341745"/>
+            <a:ext cx="9905998" cy="895928"/>
+          </a:xfrm>
+        </p:spPr>
+        <p:txBody>
+          <a:bodyPr/>
+          <a:lstStyle/>
+          <a:p>
+            <a:r>
+              <a:rPr lang="de-DE" dirty="0"/>
+              <a:t>PERT - Diagramm</a:t>
+            </a:r>
+          </a:p>
+        </p:txBody>
+      </p:sp>
+      <p:graphicFrame>
+        <p:nvGraphicFramePr>
+          <p:cNvPr id="5" name="Tabelle 5">
+            <a:extLst>
+              <a:ext uri="{FF2B5EF4-FFF2-40B4-BE49-F238E27FC236}">
+                <a16:creationId xmlns:a16="http://schemas.microsoft.com/office/drawing/2014/main" id="{8553D567-1B04-44BE-8C3B-A5F2F45A5424}"/>
+              </a:ext>
+            </a:extLst>
+          </p:cNvPr>
+          <p:cNvGraphicFramePr>
+            <a:graphicFrameLocks noGrp="1"/>
+          </p:cNvGraphicFramePr>
+          <p:nvPr/>
+        </p:nvGraphicFramePr>
+        <p:xfrm>
+          <a:off x="6094412" y="420651"/>
+          <a:ext cx="3853152" cy="731520"/>
+        </p:xfrm>
+        <a:graphic>
+          <a:graphicData uri="http://schemas.openxmlformats.org/drawingml/2006/table">
+            <a:tbl>
+              <a:tblPr bandRow="1">
+                <a:tableStyleId>{5C22544A-7EE6-4342-B048-85BDC9FD1C3A}</a:tableStyleId>
+              </a:tblPr>
+              <a:tblGrid>
+                <a:gridCol w="1926576">
+                  <a:extLst>
+                    <a:ext uri="{9D8B030D-6E8A-4147-A177-3AD203B41FA5}">
+                      <a16:colId xmlns:a16="http://schemas.microsoft.com/office/drawing/2014/main" val="2556629905"/>
+                    </a:ext>
+                  </a:extLst>
+                </a:gridCol>
+                <a:gridCol w="1926576">
+                  <a:extLst>
+                    <a:ext uri="{9D8B030D-6E8A-4147-A177-3AD203B41FA5}">
+                      <a16:colId xmlns:a16="http://schemas.microsoft.com/office/drawing/2014/main" val="2166376972"/>
+                    </a:ext>
+                  </a:extLst>
+                </a:gridCol>
+              </a:tblGrid>
+              <a:tr h="337513">
+                <a:tc>
+                  <a:txBody>
+                    <a:bodyPr/>
+                    <a:lstStyle/>
+                    <a:p>
+                      <a:r>
+                        <a:rPr lang="de-DE" sz="1800" b="0" dirty="0">
+                          <a:solidFill>
+                            <a:schemeClr val="bg1"/>
+                          </a:solidFill>
+                        </a:rPr>
+                        <a:t>Frühester Start</a:t>
+                      </a:r>
+                    </a:p>
+                  </a:txBody>
+                  <a:tcPr/>
+                </a:tc>
+                <a:tc>
+                  <a:txBody>
+                    <a:bodyPr/>
+                    <a:lstStyle/>
+                    <a:p>
+                      <a:r>
+                        <a:rPr lang="de-DE" sz="1800" b="0" dirty="0">
+                          <a:solidFill>
+                            <a:schemeClr val="bg1"/>
+                          </a:solidFill>
+                        </a:rPr>
+                        <a:t>Frühestes Ende</a:t>
+                      </a:r>
+                    </a:p>
+                  </a:txBody>
+                  <a:tcPr/>
+                </a:tc>
+                <a:extLst>
+                  <a:ext uri="{0D108BD9-81ED-4DB2-BD59-A6C34878D82A}">
+                    <a16:rowId xmlns:a16="http://schemas.microsoft.com/office/drawing/2014/main" val="1951186189"/>
+                  </a:ext>
+                </a:extLst>
+              </a:tr>
+              <a:tr h="337513">
+                <a:tc>
+                  <a:txBody>
+                    <a:bodyPr/>
+                    <a:lstStyle/>
+                    <a:p>
+                      <a:r>
+                        <a:rPr lang="de-DE" sz="1800" b="0" dirty="0">
+                          <a:solidFill>
+                            <a:schemeClr val="bg1"/>
+                          </a:solidFill>
+                        </a:rPr>
+                        <a:t>Spätester Start</a:t>
+                      </a:r>
+                    </a:p>
+                  </a:txBody>
+                  <a:tcPr/>
+                </a:tc>
+                <a:tc>
+                  <a:txBody>
+                    <a:bodyPr/>
+                    <a:lstStyle/>
+                    <a:p>
+                      <a:r>
+                        <a:rPr lang="de-DE" sz="1800" b="0" dirty="0">
+                          <a:solidFill>
+                            <a:schemeClr val="bg1"/>
+                          </a:solidFill>
+                        </a:rPr>
+                        <a:t>Spätestes Ende</a:t>
+                      </a:r>
+                    </a:p>
+                  </a:txBody>
+                  <a:tcPr/>
+                </a:tc>
+                <a:extLst>
+                  <a:ext uri="{0D108BD9-81ED-4DB2-BD59-A6C34878D82A}">
+                    <a16:rowId xmlns:a16="http://schemas.microsoft.com/office/drawing/2014/main" val="1045124613"/>
+                  </a:ext>
+                </a:extLst>
+              </a:tr>
+            </a:tbl>
+          </a:graphicData>
+        </a:graphic>
+      </p:graphicFrame>
+      <p:graphicFrame>
+        <p:nvGraphicFramePr>
+          <p:cNvPr id="6" name="Tabelle 6">
+            <a:extLst>
+              <a:ext uri="{FF2B5EF4-FFF2-40B4-BE49-F238E27FC236}">
+                <a16:creationId xmlns:a16="http://schemas.microsoft.com/office/drawing/2014/main" id="{69AF70EB-2655-4657-B86B-5C10A56A85F1}"/>
+              </a:ext>
+            </a:extLst>
+          </p:cNvPr>
+          <p:cNvGraphicFramePr>
+            <a:graphicFrameLocks noGrp="1"/>
+          </p:cNvGraphicFramePr>
+          <p:nvPr/>
+        </p:nvGraphicFramePr>
+        <p:xfrm>
+          <a:off x="893979" y="5468852"/>
+          <a:ext cx="10400866" cy="1107440"/>
+        </p:xfrm>
+        <a:graphic>
+          <a:graphicData uri="http://schemas.openxmlformats.org/drawingml/2006/table">
+            <a:tbl>
+              <a:tblPr firstRow="1" bandRow="1">
+                <a:tableStyleId>{5C22544A-7EE6-4342-B048-85BDC9FD1C3A}</a:tableStyleId>
+              </a:tblPr>
+              <a:tblGrid>
+                <a:gridCol w="2297498">
+                  <a:extLst>
+                    <a:ext uri="{9D8B030D-6E8A-4147-A177-3AD203B41FA5}">
+                      <a16:colId xmlns:a16="http://schemas.microsoft.com/office/drawing/2014/main" val="679930394"/>
+                    </a:ext>
+                  </a:extLst>
+                </a:gridCol>
+                <a:gridCol w="1012921">
+                  <a:extLst>
+                    <a:ext uri="{9D8B030D-6E8A-4147-A177-3AD203B41FA5}">
+                      <a16:colId xmlns:a16="http://schemas.microsoft.com/office/drawing/2014/main" val="3840608952"/>
+                    </a:ext>
+                  </a:extLst>
+                </a:gridCol>
+                <a:gridCol w="1012921">
+                  <a:extLst>
+                    <a:ext uri="{9D8B030D-6E8A-4147-A177-3AD203B41FA5}">
+                      <a16:colId xmlns:a16="http://schemas.microsoft.com/office/drawing/2014/main" val="758525459"/>
+                    </a:ext>
+                  </a:extLst>
+                </a:gridCol>
+                <a:gridCol w="1012921">
+                  <a:extLst>
+                    <a:ext uri="{9D8B030D-6E8A-4147-A177-3AD203B41FA5}">
+                      <a16:colId xmlns:a16="http://schemas.microsoft.com/office/drawing/2014/main" val="114140554"/>
+                    </a:ext>
+                  </a:extLst>
+                </a:gridCol>
+                <a:gridCol w="1012921">
+                  <a:extLst>
+                    <a:ext uri="{9D8B030D-6E8A-4147-A177-3AD203B41FA5}">
+                      <a16:colId xmlns:a16="http://schemas.microsoft.com/office/drawing/2014/main" val="1460018751"/>
+                    </a:ext>
+                  </a:extLst>
+                </a:gridCol>
+                <a:gridCol w="1012921">
+                  <a:extLst>
+                    <a:ext uri="{9D8B030D-6E8A-4147-A177-3AD203B41FA5}">
+                      <a16:colId xmlns:a16="http://schemas.microsoft.com/office/drawing/2014/main" val="31346433"/>
+                    </a:ext>
+                  </a:extLst>
+                </a:gridCol>
+                <a:gridCol w="1012921">
+                  <a:extLst>
+                    <a:ext uri="{9D8B030D-6E8A-4147-A177-3AD203B41FA5}">
+                      <a16:colId xmlns:a16="http://schemas.microsoft.com/office/drawing/2014/main" val="2852990974"/>
+                    </a:ext>
+                  </a:extLst>
+                </a:gridCol>
+                <a:gridCol w="1012921">
+                  <a:extLst>
+                    <a:ext uri="{9D8B030D-6E8A-4147-A177-3AD203B41FA5}">
+                      <a16:colId xmlns:a16="http://schemas.microsoft.com/office/drawing/2014/main" val="3782814516"/>
+                    </a:ext>
+                  </a:extLst>
+                </a:gridCol>
+                <a:gridCol w="1012921">
+                  <a:extLst>
+                    <a:ext uri="{9D8B030D-6E8A-4147-A177-3AD203B41FA5}">
+                      <a16:colId xmlns:a16="http://schemas.microsoft.com/office/drawing/2014/main" val="3528093438"/>
+                    </a:ext>
+                  </a:extLst>
+                </a:gridCol>
+              </a:tblGrid>
+              <a:tr h="370840">
+                <a:tc>
+                  <a:txBody>
+                    <a:bodyPr/>
+                    <a:lstStyle/>
+                    <a:p>
+                      <a:endParaRPr lang="de-DE" dirty="0"/>
+                    </a:p>
+                  </a:txBody>
+                  <a:tcPr/>
+                </a:tc>
+                <a:tc>
+                  <a:txBody>
+                    <a:bodyPr/>
+                    <a:lstStyle/>
+                    <a:p>
+                      <a:r>
+                        <a:rPr lang="de-DE" dirty="0"/>
+                        <a:t>A</a:t>
+                      </a:r>
+                    </a:p>
+                  </a:txBody>
+                  <a:tcPr/>
+                </a:tc>
+                <a:tc>
+                  <a:txBody>
+                    <a:bodyPr/>
+                    <a:lstStyle/>
+                    <a:p>
+                      <a:r>
+                        <a:rPr lang="de-DE" dirty="0"/>
+                        <a:t>B</a:t>
+                      </a:r>
+                    </a:p>
+                  </a:txBody>
+                  <a:tcPr/>
+                </a:tc>
+                <a:tc>
+                  <a:txBody>
+                    <a:bodyPr/>
+                    <a:lstStyle/>
+                    <a:p>
+                      <a:r>
+                        <a:rPr lang="de-DE" dirty="0"/>
+                        <a:t>C</a:t>
+                      </a:r>
+                    </a:p>
+                  </a:txBody>
+                  <a:tcPr/>
+                </a:tc>
+                <a:tc>
+                  <a:txBody>
+                    <a:bodyPr/>
+                    <a:lstStyle/>
+                    <a:p>
+                      <a:r>
+                        <a:rPr lang="de-DE" dirty="0"/>
+                        <a:t>D</a:t>
+                      </a:r>
+                    </a:p>
+                  </a:txBody>
+                  <a:tcPr/>
+                </a:tc>
+                <a:tc>
+                  <a:txBody>
+                    <a:bodyPr/>
+                    <a:lstStyle/>
+                    <a:p>
+                      <a:r>
+                        <a:rPr lang="de-DE" dirty="0"/>
+                        <a:t>E</a:t>
+                      </a:r>
+                    </a:p>
+                  </a:txBody>
+                  <a:tcPr/>
+                </a:tc>
+                <a:tc>
+                  <a:txBody>
+                    <a:bodyPr/>
+                    <a:lstStyle/>
+                    <a:p>
+                      <a:r>
+                        <a:rPr lang="de-DE" dirty="0"/>
+                        <a:t>F</a:t>
+                      </a:r>
+                    </a:p>
+                  </a:txBody>
+                  <a:tcPr/>
+                </a:tc>
+                <a:tc>
+                  <a:txBody>
+                    <a:bodyPr/>
+                    <a:lstStyle/>
+                    <a:p>
+                      <a:r>
+                        <a:rPr lang="de-DE" dirty="0"/>
+                        <a:t>G</a:t>
+                      </a:r>
+                    </a:p>
+                  </a:txBody>
+                  <a:tcPr/>
+                </a:tc>
+                <a:tc>
+                  <a:txBody>
+                    <a:bodyPr/>
+                    <a:lstStyle/>
+                    <a:p>
+                      <a:r>
+                        <a:rPr lang="de-DE" dirty="0"/>
+                        <a:t>H</a:t>
+                      </a:r>
+                    </a:p>
+                  </a:txBody>
+                  <a:tcPr/>
+                </a:tc>
+                <a:extLst>
+                  <a:ext uri="{0D108BD9-81ED-4DB2-BD59-A6C34878D82A}">
+                    <a16:rowId xmlns:a16="http://schemas.microsoft.com/office/drawing/2014/main" val="3533153664"/>
+                  </a:ext>
+                </a:extLst>
+              </a:tr>
+              <a:tr h="370840">
+                <a:tc>
+                  <a:txBody>
+                    <a:bodyPr/>
+                    <a:lstStyle/>
+                    <a:p>
+                      <a:r>
+                        <a:rPr lang="de-DE" dirty="0"/>
+                        <a:t>Abhängig von</a:t>
+                      </a:r>
+                    </a:p>
+                  </a:txBody>
+                  <a:tcPr/>
+                </a:tc>
+                <a:tc>
+                  <a:txBody>
+                    <a:bodyPr/>
+                    <a:lstStyle/>
+                    <a:p>
+                      <a:r>
+                        <a:rPr lang="de-DE" dirty="0"/>
+                        <a:t>-</a:t>
+                      </a:r>
+                    </a:p>
+                  </a:txBody>
+                  <a:tcPr/>
+                </a:tc>
+                <a:tc>
+                  <a:txBody>
+                    <a:bodyPr/>
+                    <a:lstStyle/>
+                    <a:p>
+                      <a:r>
+                        <a:rPr lang="de-DE" dirty="0"/>
+                        <a:t>-</a:t>
+                      </a:r>
+                    </a:p>
+                  </a:txBody>
+                  <a:tcPr/>
+                </a:tc>
+                <a:tc>
+                  <a:txBody>
+                    <a:bodyPr/>
+                    <a:lstStyle/>
+                    <a:p>
+                      <a:r>
+                        <a:rPr lang="de-DE" dirty="0"/>
+                        <a:t>B</a:t>
+                      </a:r>
+                    </a:p>
+                  </a:txBody>
+                  <a:tcPr/>
+                </a:tc>
+                <a:tc>
+                  <a:txBody>
+                    <a:bodyPr/>
+                    <a:lstStyle/>
+                    <a:p>
+                      <a:r>
+                        <a:rPr lang="de-DE" dirty="0"/>
+                        <a:t>A, C</a:t>
+                      </a:r>
+                    </a:p>
+                  </a:txBody>
+                  <a:tcPr/>
+                </a:tc>
+                <a:tc>
+                  <a:txBody>
+                    <a:bodyPr/>
+                    <a:lstStyle/>
+                    <a:p>
+                      <a:r>
+                        <a:rPr lang="de-DE" dirty="0"/>
+                        <a:t>B</a:t>
+                      </a:r>
+                    </a:p>
+                  </a:txBody>
+                  <a:tcPr/>
+                </a:tc>
+                <a:tc>
+                  <a:txBody>
+                    <a:bodyPr/>
+                    <a:lstStyle/>
+                    <a:p>
+                      <a:r>
+                        <a:rPr lang="de-DE" dirty="0"/>
+                        <a:t>E</a:t>
+                      </a:r>
+                    </a:p>
+                  </a:txBody>
+                  <a:tcPr/>
+                </a:tc>
+                <a:tc>
+                  <a:txBody>
+                    <a:bodyPr/>
+                    <a:lstStyle/>
+                    <a:p>
+                      <a:r>
+                        <a:rPr lang="de-DE" dirty="0"/>
+                        <a:t>D, E</a:t>
+                      </a:r>
+                    </a:p>
+                  </a:txBody>
+                  <a:tcPr/>
+                </a:tc>
+                <a:tc>
+                  <a:txBody>
+                    <a:bodyPr/>
+                    <a:lstStyle/>
+                    <a:p>
+                      <a:r>
+                        <a:rPr lang="de-DE" dirty="0"/>
+                        <a:t>F</a:t>
+                      </a:r>
+                    </a:p>
+                  </a:txBody>
+                  <a:tcPr/>
+                </a:tc>
+                <a:extLst>
+                  <a:ext uri="{0D108BD9-81ED-4DB2-BD59-A6C34878D82A}">
+                    <a16:rowId xmlns:a16="http://schemas.microsoft.com/office/drawing/2014/main" val="132499841"/>
+                  </a:ext>
+                </a:extLst>
+              </a:tr>
+              <a:tr h="190268">
+                <a:tc>
+                  <a:txBody>
+                    <a:bodyPr/>
+                    <a:lstStyle/>
+                    <a:p>
+                      <a:r>
+                        <a:rPr lang="de-DE" dirty="0"/>
+                        <a:t>Geschätzte Dauer</a:t>
+                      </a:r>
+                    </a:p>
+                  </a:txBody>
+                  <a:tcPr/>
+                </a:tc>
+                <a:tc>
+                  <a:txBody>
+                    <a:bodyPr/>
+                    <a:lstStyle/>
+                    <a:p>
+                      <a:r>
+                        <a:rPr lang="de-DE" dirty="0"/>
+                        <a:t>5</a:t>
+                      </a:r>
+                    </a:p>
+                  </a:txBody>
+                  <a:tcPr/>
+                </a:tc>
+                <a:tc>
+                  <a:txBody>
+                    <a:bodyPr/>
+                    <a:lstStyle/>
+                    <a:p>
+                      <a:r>
+                        <a:rPr lang="de-DE" dirty="0"/>
+                        <a:t>8</a:t>
+                      </a:r>
+                    </a:p>
+                  </a:txBody>
+                  <a:tcPr/>
+                </a:tc>
+                <a:tc>
+                  <a:txBody>
+                    <a:bodyPr/>
+                    <a:lstStyle/>
+                    <a:p>
+                      <a:r>
+                        <a:rPr lang="de-DE" dirty="0"/>
+                        <a:t>6</a:t>
+                      </a:r>
+                    </a:p>
+                  </a:txBody>
+                  <a:tcPr/>
+                </a:tc>
+                <a:tc>
+                  <a:txBody>
+                    <a:bodyPr/>
+                    <a:lstStyle/>
+                    <a:p>
+                      <a:r>
+                        <a:rPr lang="de-DE" dirty="0"/>
+                        <a:t>4</a:t>
+                      </a:r>
+                    </a:p>
+                  </a:txBody>
+                  <a:tcPr/>
+                </a:tc>
+                <a:tc>
+                  <a:txBody>
+                    <a:bodyPr/>
+                    <a:lstStyle/>
+                    <a:p>
+                      <a:r>
+                        <a:rPr lang="de-DE" dirty="0"/>
+                        <a:t>7</a:t>
+                      </a:r>
+                    </a:p>
+                  </a:txBody>
+                  <a:tcPr/>
+                </a:tc>
+                <a:tc>
+                  <a:txBody>
+                    <a:bodyPr/>
+                    <a:lstStyle/>
+                    <a:p>
+                      <a:r>
+                        <a:rPr lang="de-DE" dirty="0"/>
+                        <a:t>9</a:t>
+                      </a:r>
+                    </a:p>
+                  </a:txBody>
+                  <a:tcPr/>
+                </a:tc>
+                <a:tc>
+                  <a:txBody>
+                    <a:bodyPr/>
+                    <a:lstStyle/>
+                    <a:p>
+                      <a:r>
+                        <a:rPr lang="de-DE" dirty="0"/>
+                        <a:t>3</a:t>
+                      </a:r>
+                    </a:p>
+                  </a:txBody>
+                  <a:tcPr/>
+                </a:tc>
+                <a:tc>
+                  <a:txBody>
+                    <a:bodyPr/>
+                    <a:lstStyle/>
+                    <a:p>
+                      <a:r>
+                        <a:rPr lang="de-DE" dirty="0"/>
+                        <a:t>6</a:t>
+                      </a:r>
+                    </a:p>
+                  </a:txBody>
+                  <a:tcPr/>
+                </a:tc>
+                <a:extLst>
+                  <a:ext uri="{0D108BD9-81ED-4DB2-BD59-A6C34878D82A}">
+                    <a16:rowId xmlns:a16="http://schemas.microsoft.com/office/drawing/2014/main" val="4227464681"/>
+                  </a:ext>
+                </a:extLst>
+              </a:tr>
+            </a:tbl>
+          </a:graphicData>
+        </a:graphic>
+      </p:graphicFrame>
+      <p:graphicFrame>
+        <p:nvGraphicFramePr>
+          <p:cNvPr id="7" name="Tabelle 7">
+            <a:extLst>
+              <a:ext uri="{FF2B5EF4-FFF2-40B4-BE49-F238E27FC236}">
+                <a16:creationId xmlns:a16="http://schemas.microsoft.com/office/drawing/2014/main" id="{64732D29-CEF4-4540-9A56-168D7EFE0625}"/>
+              </a:ext>
+            </a:extLst>
+          </p:cNvPr>
+          <p:cNvGraphicFramePr>
+            <a:graphicFrameLocks noGrp="1"/>
+          </p:cNvGraphicFramePr>
+          <p:nvPr/>
+        </p:nvGraphicFramePr>
+        <p:xfrm>
+          <a:off x="2168596" y="1529157"/>
+          <a:ext cx="944058" cy="1097280"/>
+        </p:xfrm>
+        <a:graphic>
+          <a:graphicData uri="http://schemas.openxmlformats.org/drawingml/2006/table">
+            <a:tbl>
+              <a:tblPr firstRow="1" bandRow="1">
+                <a:tableStyleId>{5C22544A-7EE6-4342-B048-85BDC9FD1C3A}</a:tableStyleId>
+              </a:tblPr>
+              <a:tblGrid>
+                <a:gridCol w="472029">
+                  <a:extLst>
+                    <a:ext uri="{9D8B030D-6E8A-4147-A177-3AD203B41FA5}">
+                      <a16:colId xmlns:a16="http://schemas.microsoft.com/office/drawing/2014/main" val="1329225509"/>
+                    </a:ext>
+                  </a:extLst>
+                </a:gridCol>
+                <a:gridCol w="472029">
+                  <a:extLst>
+                    <a:ext uri="{9D8B030D-6E8A-4147-A177-3AD203B41FA5}">
+                      <a16:colId xmlns:a16="http://schemas.microsoft.com/office/drawing/2014/main" val="4206129725"/>
+                    </a:ext>
+                  </a:extLst>
+                </a:gridCol>
+              </a:tblGrid>
+              <a:tr h="306647">
+                <a:tc gridSpan="2">
+                  <a:txBody>
+                    <a:bodyPr/>
+                    <a:lstStyle/>
+                    <a:p>
+                      <a:pPr algn="ctr"/>
+                      <a:r>
+                        <a:rPr lang="de-DE" dirty="0"/>
+                        <a:t>A</a:t>
+                      </a:r>
+                    </a:p>
+                  </a:txBody>
+                  <a:tcPr/>
+                </a:tc>
+                <a:tc hMerge="1">
+                  <a:txBody>
+                    <a:bodyPr/>
+                    <a:lstStyle/>
+                    <a:p>
+                      <a:endParaRPr lang="de-DE" dirty="0"/>
+                    </a:p>
+                  </a:txBody>
+                  <a:tcPr/>
+                </a:tc>
+                <a:extLst>
+                  <a:ext uri="{0D108BD9-81ED-4DB2-BD59-A6C34878D82A}">
+                    <a16:rowId xmlns:a16="http://schemas.microsoft.com/office/drawing/2014/main" val="3507648942"/>
+                  </a:ext>
+                </a:extLst>
+              </a:tr>
+              <a:tr h="306647">
+                <a:tc>
+                  <a:txBody>
+                    <a:bodyPr/>
+                    <a:lstStyle/>
+                    <a:p>
+                      <a:pPr algn="ctr"/>
+                      <a:r>
+                        <a:rPr lang="de-DE" dirty="0"/>
+                        <a:t>0</a:t>
+                      </a:r>
+                    </a:p>
+                  </a:txBody>
+                  <a:tcPr/>
+                </a:tc>
+                <a:tc>
+                  <a:txBody>
+                    <a:bodyPr/>
+                    <a:lstStyle/>
+                    <a:p>
+                      <a:pPr algn="ctr"/>
+                      <a:r>
+                        <a:rPr lang="de-DE" dirty="0"/>
+                        <a:t>5</a:t>
+                      </a:r>
+                    </a:p>
+                  </a:txBody>
+                  <a:tcPr/>
+                </a:tc>
+                <a:extLst>
+                  <a:ext uri="{0D108BD9-81ED-4DB2-BD59-A6C34878D82A}">
+                    <a16:rowId xmlns:a16="http://schemas.microsoft.com/office/drawing/2014/main" val="404102209"/>
+                  </a:ext>
+                </a:extLst>
+              </a:tr>
+              <a:tr h="306647">
+                <a:tc>
+                  <a:txBody>
+                    <a:bodyPr/>
+                    <a:lstStyle/>
+                    <a:p>
+                      <a:pPr algn="ctr"/>
+                      <a:r>
+                        <a:rPr lang="de-DE" dirty="0"/>
+                        <a:t>17</a:t>
+                      </a:r>
+                    </a:p>
+                  </a:txBody>
+                  <a:tcPr/>
+                </a:tc>
+                <a:tc>
+                  <a:txBody>
+                    <a:bodyPr/>
+                    <a:lstStyle/>
+                    <a:p>
+                      <a:pPr algn="ctr"/>
+                      <a:r>
+                        <a:rPr lang="de-DE" dirty="0"/>
+                        <a:t>23</a:t>
+                      </a:r>
+                    </a:p>
+                  </a:txBody>
+                  <a:tcPr/>
+                </a:tc>
+                <a:extLst>
+                  <a:ext uri="{0D108BD9-81ED-4DB2-BD59-A6C34878D82A}">
+                    <a16:rowId xmlns:a16="http://schemas.microsoft.com/office/drawing/2014/main" val="3665094232"/>
+                  </a:ext>
+                </a:extLst>
+              </a:tr>
+            </a:tbl>
+          </a:graphicData>
+        </a:graphic>
+      </p:graphicFrame>
+      <p:graphicFrame>
+        <p:nvGraphicFramePr>
+          <p:cNvPr id="8" name="Tabelle 8">
+            <a:extLst>
+              <a:ext uri="{FF2B5EF4-FFF2-40B4-BE49-F238E27FC236}">
+                <a16:creationId xmlns:a16="http://schemas.microsoft.com/office/drawing/2014/main" id="{D11727E6-EA16-48CB-8861-F44BCD57FE02}"/>
+              </a:ext>
+            </a:extLst>
+          </p:cNvPr>
+          <p:cNvGraphicFramePr>
+            <a:graphicFrameLocks noGrp="1"/>
+          </p:cNvGraphicFramePr>
+          <p:nvPr/>
+        </p:nvGraphicFramePr>
+        <p:xfrm>
+          <a:off x="683492" y="2917921"/>
+          <a:ext cx="711200" cy="370840"/>
+        </p:xfrm>
+        <a:graphic>
+          <a:graphicData uri="http://schemas.openxmlformats.org/drawingml/2006/table">
+            <a:tbl>
+              <a:tblPr firstRow="1" bandRow="1">
+                <a:tableStyleId>{5C22544A-7EE6-4342-B048-85BDC9FD1C3A}</a:tableStyleId>
+              </a:tblPr>
+              <a:tblGrid>
+                <a:gridCol w="711200">
+                  <a:extLst>
+                    <a:ext uri="{9D8B030D-6E8A-4147-A177-3AD203B41FA5}">
+                      <a16:colId xmlns:a16="http://schemas.microsoft.com/office/drawing/2014/main" val="2079429877"/>
+                    </a:ext>
+                  </a:extLst>
+                </a:gridCol>
+              </a:tblGrid>
+              <a:tr h="370840">
+                <a:tc>
+                  <a:txBody>
+                    <a:bodyPr/>
+                    <a:lstStyle/>
+                    <a:p>
+                      <a:pPr algn="ctr"/>
+                      <a:r>
+                        <a:rPr lang="de-DE" dirty="0"/>
+                        <a:t>Start</a:t>
+                      </a:r>
+                    </a:p>
+                  </a:txBody>
+                  <a:tcPr/>
+                </a:tc>
+                <a:extLst>
+                  <a:ext uri="{0D108BD9-81ED-4DB2-BD59-A6C34878D82A}">
+                    <a16:rowId xmlns:a16="http://schemas.microsoft.com/office/drawing/2014/main" val="2320370699"/>
+                  </a:ext>
+                </a:extLst>
+              </a:tr>
+            </a:tbl>
+          </a:graphicData>
+        </a:graphic>
+      </p:graphicFrame>
+      <p:graphicFrame>
+        <p:nvGraphicFramePr>
+          <p:cNvPr id="9" name="Tabelle 8">
+            <a:extLst>
+              <a:ext uri="{FF2B5EF4-FFF2-40B4-BE49-F238E27FC236}">
+                <a16:creationId xmlns:a16="http://schemas.microsoft.com/office/drawing/2014/main" id="{4B371848-5A6A-4B05-A238-1E5FDDE9DD5D}"/>
+              </a:ext>
+            </a:extLst>
+          </p:cNvPr>
+          <p:cNvGraphicFramePr>
+            <a:graphicFrameLocks noGrp="1"/>
+          </p:cNvGraphicFramePr>
+          <p:nvPr/>
+        </p:nvGraphicFramePr>
+        <p:xfrm>
+          <a:off x="10836203" y="2917921"/>
+          <a:ext cx="773905" cy="370840"/>
+        </p:xfrm>
+        <a:graphic>
+          <a:graphicData uri="http://schemas.openxmlformats.org/drawingml/2006/table">
+            <a:tbl>
+              <a:tblPr firstRow="1" bandRow="1">
+                <a:tableStyleId>{5C22544A-7EE6-4342-B048-85BDC9FD1C3A}</a:tableStyleId>
+              </a:tblPr>
+              <a:tblGrid>
+                <a:gridCol w="773905">
+                  <a:extLst>
+                    <a:ext uri="{9D8B030D-6E8A-4147-A177-3AD203B41FA5}">
+                      <a16:colId xmlns:a16="http://schemas.microsoft.com/office/drawing/2014/main" val="2079429877"/>
+                    </a:ext>
+                  </a:extLst>
+                </a:gridCol>
+              </a:tblGrid>
+              <a:tr h="370840">
+                <a:tc>
+                  <a:txBody>
+                    <a:bodyPr/>
+                    <a:lstStyle/>
+                    <a:p>
+                      <a:pPr algn="ctr"/>
+                      <a:r>
+                        <a:rPr lang="de-DE" dirty="0"/>
+                        <a:t>Ende</a:t>
+                      </a:r>
+                    </a:p>
+                  </a:txBody>
+                  <a:tcPr/>
+                </a:tc>
+                <a:extLst>
+                  <a:ext uri="{0D108BD9-81ED-4DB2-BD59-A6C34878D82A}">
+                    <a16:rowId xmlns:a16="http://schemas.microsoft.com/office/drawing/2014/main" val="2320370699"/>
+                  </a:ext>
+                </a:extLst>
+              </a:tr>
+            </a:tbl>
+          </a:graphicData>
+        </a:graphic>
+      </p:graphicFrame>
+      <p:graphicFrame>
+        <p:nvGraphicFramePr>
+          <p:cNvPr id="12" name="Tabelle 7">
+            <a:extLst>
+              <a:ext uri="{FF2B5EF4-FFF2-40B4-BE49-F238E27FC236}">
+                <a16:creationId xmlns:a16="http://schemas.microsoft.com/office/drawing/2014/main" id="{EAE56F77-6945-443F-B3DD-C10C82DAA015}"/>
+              </a:ext>
+            </a:extLst>
+          </p:cNvPr>
+          <p:cNvGraphicFramePr>
+            <a:graphicFrameLocks noGrp="1"/>
+          </p:cNvGraphicFramePr>
+          <p:nvPr/>
+        </p:nvGraphicFramePr>
+        <p:xfrm>
+          <a:off x="2169841" y="3566469"/>
+          <a:ext cx="944058" cy="1097280"/>
+        </p:xfrm>
+        <a:graphic>
+          <a:graphicData uri="http://schemas.openxmlformats.org/drawingml/2006/table">
+            <a:tbl>
+              <a:tblPr firstRow="1" bandRow="1">
+                <a:tableStyleId>{5C22544A-7EE6-4342-B048-85BDC9FD1C3A}</a:tableStyleId>
+              </a:tblPr>
+              <a:tblGrid>
+                <a:gridCol w="472029">
+                  <a:extLst>
+                    <a:ext uri="{9D8B030D-6E8A-4147-A177-3AD203B41FA5}">
+                      <a16:colId xmlns:a16="http://schemas.microsoft.com/office/drawing/2014/main" val="1329225509"/>
+                    </a:ext>
+                  </a:extLst>
+                </a:gridCol>
+                <a:gridCol w="472029">
+                  <a:extLst>
+                    <a:ext uri="{9D8B030D-6E8A-4147-A177-3AD203B41FA5}">
+                      <a16:colId xmlns:a16="http://schemas.microsoft.com/office/drawing/2014/main" val="4206129725"/>
+                    </a:ext>
+                  </a:extLst>
+                </a:gridCol>
+              </a:tblGrid>
+              <a:tr h="306647">
+                <a:tc gridSpan="2">
+                  <a:txBody>
+                    <a:bodyPr/>
+                    <a:lstStyle/>
+                    <a:p>
+                      <a:pPr algn="ctr"/>
+                      <a:r>
+                        <a:rPr lang="de-DE" dirty="0"/>
+                        <a:t>B</a:t>
+                      </a:r>
+                    </a:p>
+                  </a:txBody>
+                  <a:tcPr/>
+                </a:tc>
+                <a:tc hMerge="1">
+                  <a:txBody>
+                    <a:bodyPr/>
+                    <a:lstStyle/>
+                    <a:p>
+                      <a:endParaRPr lang="de-DE" dirty="0"/>
+                    </a:p>
+                  </a:txBody>
+                  <a:tcPr/>
+                </a:tc>
+                <a:extLst>
+                  <a:ext uri="{0D108BD9-81ED-4DB2-BD59-A6C34878D82A}">
+                    <a16:rowId xmlns:a16="http://schemas.microsoft.com/office/drawing/2014/main" val="3507648942"/>
+                  </a:ext>
+                </a:extLst>
+              </a:tr>
+              <a:tr h="306647">
+                <a:tc>
+                  <a:txBody>
+                    <a:bodyPr/>
+                    <a:lstStyle/>
+                    <a:p>
+                      <a:pPr algn="ctr"/>
+                      <a:r>
+                        <a:rPr lang="de-DE" dirty="0"/>
+                        <a:t>0</a:t>
+                      </a:r>
+                    </a:p>
+                  </a:txBody>
+                  <a:tcPr/>
+                </a:tc>
+                <a:tc>
+                  <a:txBody>
+                    <a:bodyPr/>
+                    <a:lstStyle/>
+                    <a:p>
+                      <a:pPr algn="ctr"/>
+                      <a:r>
+                        <a:rPr lang="de-DE" dirty="0"/>
+                        <a:t>8</a:t>
+                      </a:r>
+                    </a:p>
+                  </a:txBody>
+                  <a:tcPr/>
+                </a:tc>
+                <a:extLst>
+                  <a:ext uri="{0D108BD9-81ED-4DB2-BD59-A6C34878D82A}">
+                    <a16:rowId xmlns:a16="http://schemas.microsoft.com/office/drawing/2014/main" val="404102209"/>
+                  </a:ext>
+                </a:extLst>
+              </a:tr>
+              <a:tr h="306647">
+                <a:tc>
+                  <a:txBody>
+                    <a:bodyPr/>
+                    <a:lstStyle/>
+                    <a:p>
+                      <a:pPr algn="ctr"/>
+                      <a:r>
+                        <a:rPr lang="de-DE" dirty="0"/>
+                        <a:t>0</a:t>
+                      </a:r>
+                    </a:p>
+                  </a:txBody>
+                  <a:tcPr/>
+                </a:tc>
+                <a:tc>
+                  <a:txBody>
+                    <a:bodyPr/>
+                    <a:lstStyle/>
+                    <a:p>
+                      <a:pPr algn="ctr"/>
+                      <a:r>
+                        <a:rPr lang="de-DE" dirty="0"/>
+                        <a:t>8</a:t>
+                      </a:r>
+                    </a:p>
+                  </a:txBody>
+                  <a:tcPr/>
+                </a:tc>
+                <a:extLst>
+                  <a:ext uri="{0D108BD9-81ED-4DB2-BD59-A6C34878D82A}">
+                    <a16:rowId xmlns:a16="http://schemas.microsoft.com/office/drawing/2014/main" val="3665094232"/>
+                  </a:ext>
+                </a:extLst>
+              </a:tr>
+            </a:tbl>
+          </a:graphicData>
+        </a:graphic>
+      </p:graphicFrame>
+      <p:graphicFrame>
+        <p:nvGraphicFramePr>
+          <p:cNvPr id="13" name="Tabelle 7">
+            <a:extLst>
+              <a:ext uri="{FF2B5EF4-FFF2-40B4-BE49-F238E27FC236}">
+                <a16:creationId xmlns:a16="http://schemas.microsoft.com/office/drawing/2014/main" id="{CB49659D-D072-4FDC-896C-9F7D2EC1B278}"/>
+              </a:ext>
+            </a:extLst>
+          </p:cNvPr>
+          <p:cNvGraphicFramePr>
+            <a:graphicFrameLocks noGrp="1"/>
+          </p:cNvGraphicFramePr>
+          <p:nvPr/>
+        </p:nvGraphicFramePr>
+        <p:xfrm>
+          <a:off x="3575680" y="2758981"/>
+          <a:ext cx="944058" cy="1097280"/>
+        </p:xfrm>
+        <a:graphic>
+          <a:graphicData uri="http://schemas.openxmlformats.org/drawingml/2006/table">
+            <a:tbl>
+              <a:tblPr firstRow="1" bandRow="1">
+                <a:tableStyleId>{5C22544A-7EE6-4342-B048-85BDC9FD1C3A}</a:tableStyleId>
+              </a:tblPr>
+              <a:tblGrid>
+                <a:gridCol w="472029">
+                  <a:extLst>
+                    <a:ext uri="{9D8B030D-6E8A-4147-A177-3AD203B41FA5}">
+                      <a16:colId xmlns:a16="http://schemas.microsoft.com/office/drawing/2014/main" val="1329225509"/>
+                    </a:ext>
+                  </a:extLst>
+                </a:gridCol>
+                <a:gridCol w="472029">
+                  <a:extLst>
+                    <a:ext uri="{9D8B030D-6E8A-4147-A177-3AD203B41FA5}">
+                      <a16:colId xmlns:a16="http://schemas.microsoft.com/office/drawing/2014/main" val="4206129725"/>
+                    </a:ext>
+                  </a:extLst>
+                </a:gridCol>
+              </a:tblGrid>
+              <a:tr h="216516">
+                <a:tc gridSpan="2">
+                  <a:txBody>
+                    <a:bodyPr/>
+                    <a:lstStyle/>
+                    <a:p>
+                      <a:pPr algn="ctr"/>
+                      <a:r>
+                        <a:rPr lang="de-DE" dirty="0"/>
+                        <a:t>C</a:t>
+                      </a:r>
+                    </a:p>
+                  </a:txBody>
+                  <a:tcPr/>
+                </a:tc>
+                <a:tc hMerge="1">
+                  <a:txBody>
+                    <a:bodyPr/>
+                    <a:lstStyle/>
+                    <a:p>
+                      <a:endParaRPr lang="de-DE" dirty="0"/>
+                    </a:p>
+                  </a:txBody>
+                  <a:tcPr/>
+                </a:tc>
+                <a:extLst>
+                  <a:ext uri="{0D108BD9-81ED-4DB2-BD59-A6C34878D82A}">
+                    <a16:rowId xmlns:a16="http://schemas.microsoft.com/office/drawing/2014/main" val="3507648942"/>
+                  </a:ext>
+                </a:extLst>
+              </a:tr>
+              <a:tr h="306647">
+                <a:tc>
+                  <a:txBody>
+                    <a:bodyPr/>
+                    <a:lstStyle/>
+                    <a:p>
+                      <a:pPr algn="ctr"/>
+                      <a:r>
+                        <a:rPr lang="de-DE" dirty="0"/>
+                        <a:t>8</a:t>
+                      </a:r>
+                    </a:p>
+                  </a:txBody>
+                  <a:tcPr/>
+                </a:tc>
+                <a:tc>
+                  <a:txBody>
+                    <a:bodyPr/>
+                    <a:lstStyle/>
+                    <a:p>
+                      <a:pPr algn="ctr"/>
+                      <a:r>
+                        <a:rPr lang="de-DE" dirty="0"/>
+                        <a:t>14</a:t>
+                      </a:r>
+                    </a:p>
+                  </a:txBody>
+                  <a:tcPr/>
+                </a:tc>
+                <a:extLst>
+                  <a:ext uri="{0D108BD9-81ED-4DB2-BD59-A6C34878D82A}">
+                    <a16:rowId xmlns:a16="http://schemas.microsoft.com/office/drawing/2014/main" val="404102209"/>
+                  </a:ext>
+                </a:extLst>
+              </a:tr>
+              <a:tr h="306647">
+                <a:tc>
+                  <a:txBody>
+                    <a:bodyPr/>
+                    <a:lstStyle/>
+                    <a:p>
+                      <a:pPr algn="ctr"/>
+                      <a:r>
+                        <a:rPr lang="de-DE" dirty="0"/>
+                        <a:t>16</a:t>
+                      </a:r>
+                    </a:p>
+                  </a:txBody>
+                  <a:tcPr/>
+                </a:tc>
+                <a:tc>
+                  <a:txBody>
+                    <a:bodyPr/>
+                    <a:lstStyle/>
+                    <a:p>
+                      <a:pPr algn="ctr"/>
+                      <a:r>
+                        <a:rPr lang="de-DE" dirty="0"/>
+                        <a:t>23</a:t>
+                      </a:r>
+                    </a:p>
+                  </a:txBody>
+                  <a:tcPr/>
+                </a:tc>
+                <a:extLst>
+                  <a:ext uri="{0D108BD9-81ED-4DB2-BD59-A6C34878D82A}">
+                    <a16:rowId xmlns:a16="http://schemas.microsoft.com/office/drawing/2014/main" val="3665094232"/>
+                  </a:ext>
+                </a:extLst>
+              </a:tr>
+            </a:tbl>
+          </a:graphicData>
+        </a:graphic>
+      </p:graphicFrame>
+      <p:graphicFrame>
+        <p:nvGraphicFramePr>
+          <p:cNvPr id="14" name="Tabelle 7">
+            <a:extLst>
+              <a:ext uri="{FF2B5EF4-FFF2-40B4-BE49-F238E27FC236}">
+                <a16:creationId xmlns:a16="http://schemas.microsoft.com/office/drawing/2014/main" id="{7C0B6D47-C339-4AC5-ABF6-788B796E36F4}"/>
+              </a:ext>
+            </a:extLst>
+          </p:cNvPr>
+          <p:cNvGraphicFramePr>
+            <a:graphicFrameLocks noGrp="1"/>
+          </p:cNvGraphicFramePr>
+          <p:nvPr/>
+        </p:nvGraphicFramePr>
+        <p:xfrm>
+          <a:off x="5003918" y="1512618"/>
+          <a:ext cx="944058" cy="1097280"/>
+        </p:xfrm>
+        <a:graphic>
+          <a:graphicData uri="http://schemas.openxmlformats.org/drawingml/2006/table">
+            <a:tbl>
+              <a:tblPr firstRow="1" bandRow="1">
+                <a:tableStyleId>{5C22544A-7EE6-4342-B048-85BDC9FD1C3A}</a:tableStyleId>
+              </a:tblPr>
+              <a:tblGrid>
+                <a:gridCol w="472029">
+                  <a:extLst>
+                    <a:ext uri="{9D8B030D-6E8A-4147-A177-3AD203B41FA5}">
+                      <a16:colId xmlns:a16="http://schemas.microsoft.com/office/drawing/2014/main" val="1329225509"/>
+                    </a:ext>
+                  </a:extLst>
+                </a:gridCol>
+                <a:gridCol w="472029">
+                  <a:extLst>
+                    <a:ext uri="{9D8B030D-6E8A-4147-A177-3AD203B41FA5}">
+                      <a16:colId xmlns:a16="http://schemas.microsoft.com/office/drawing/2014/main" val="4206129725"/>
+                    </a:ext>
+                  </a:extLst>
+                </a:gridCol>
+              </a:tblGrid>
+              <a:tr h="306647">
+                <a:tc gridSpan="2">
+                  <a:txBody>
+                    <a:bodyPr/>
+                    <a:lstStyle/>
+                    <a:p>
+                      <a:pPr algn="ctr"/>
+                      <a:r>
+                        <a:rPr lang="de-DE" dirty="0"/>
+                        <a:t>D</a:t>
+                      </a:r>
+                    </a:p>
+                  </a:txBody>
+                  <a:tcPr/>
+                </a:tc>
+                <a:tc hMerge="1">
+                  <a:txBody>
+                    <a:bodyPr/>
+                    <a:lstStyle/>
+                    <a:p>
+                      <a:endParaRPr lang="de-DE" dirty="0"/>
+                    </a:p>
+                  </a:txBody>
+                  <a:tcPr/>
+                </a:tc>
+                <a:extLst>
+                  <a:ext uri="{0D108BD9-81ED-4DB2-BD59-A6C34878D82A}">
+                    <a16:rowId xmlns:a16="http://schemas.microsoft.com/office/drawing/2014/main" val="3507648942"/>
+                  </a:ext>
+                </a:extLst>
+              </a:tr>
+              <a:tr h="306647">
+                <a:tc>
+                  <a:txBody>
+                    <a:bodyPr/>
+                    <a:lstStyle/>
+                    <a:p>
+                      <a:pPr algn="ctr"/>
+                      <a:r>
+                        <a:rPr lang="de-DE" dirty="0"/>
+                        <a:t>14</a:t>
+                      </a:r>
+                    </a:p>
+                  </a:txBody>
+                  <a:tcPr/>
+                </a:tc>
+                <a:tc>
+                  <a:txBody>
+                    <a:bodyPr/>
+                    <a:lstStyle/>
+                    <a:p>
+                      <a:pPr algn="ctr"/>
+                      <a:r>
+                        <a:rPr lang="de-DE" dirty="0"/>
+                        <a:t>18</a:t>
+                      </a:r>
+                    </a:p>
+                  </a:txBody>
+                  <a:tcPr/>
+                </a:tc>
+                <a:extLst>
+                  <a:ext uri="{0D108BD9-81ED-4DB2-BD59-A6C34878D82A}">
+                    <a16:rowId xmlns:a16="http://schemas.microsoft.com/office/drawing/2014/main" val="404102209"/>
+                  </a:ext>
+                </a:extLst>
+              </a:tr>
+              <a:tr h="306647">
+                <a:tc>
+                  <a:txBody>
+                    <a:bodyPr/>
+                    <a:lstStyle/>
+                    <a:p>
+                      <a:pPr algn="ctr"/>
+                      <a:r>
+                        <a:rPr lang="de-DE" dirty="0"/>
+                        <a:t>23</a:t>
+                      </a:r>
+                    </a:p>
+                  </a:txBody>
+                  <a:tcPr/>
+                </a:tc>
+                <a:tc>
+                  <a:txBody>
+                    <a:bodyPr/>
+                    <a:lstStyle/>
+                    <a:p>
+                      <a:pPr algn="ctr"/>
+                      <a:r>
+                        <a:rPr lang="de-DE" dirty="0"/>
+                        <a:t>27</a:t>
+                      </a:r>
+                    </a:p>
+                  </a:txBody>
+                  <a:tcPr/>
+                </a:tc>
+                <a:extLst>
+                  <a:ext uri="{0D108BD9-81ED-4DB2-BD59-A6C34878D82A}">
+                    <a16:rowId xmlns:a16="http://schemas.microsoft.com/office/drawing/2014/main" val="3665094232"/>
+                  </a:ext>
+                </a:extLst>
+              </a:tr>
+            </a:tbl>
+          </a:graphicData>
+        </a:graphic>
+      </p:graphicFrame>
+      <p:graphicFrame>
+        <p:nvGraphicFramePr>
+          <p:cNvPr id="15" name="Tabelle 7">
+            <a:extLst>
+              <a:ext uri="{FF2B5EF4-FFF2-40B4-BE49-F238E27FC236}">
+                <a16:creationId xmlns:a16="http://schemas.microsoft.com/office/drawing/2014/main" id="{B15E56F1-29BE-436D-97D0-FAFB29C5FFA5}"/>
+              </a:ext>
+            </a:extLst>
+          </p:cNvPr>
+          <p:cNvGraphicFramePr>
+            <a:graphicFrameLocks noGrp="1"/>
+          </p:cNvGraphicFramePr>
+          <p:nvPr/>
+        </p:nvGraphicFramePr>
+        <p:xfrm>
+          <a:off x="5009264" y="3785428"/>
+          <a:ext cx="944058" cy="1097280"/>
+        </p:xfrm>
+        <a:graphic>
+          <a:graphicData uri="http://schemas.openxmlformats.org/drawingml/2006/table">
+            <a:tbl>
+              <a:tblPr firstRow="1" bandRow="1">
+                <a:tableStyleId>{5C22544A-7EE6-4342-B048-85BDC9FD1C3A}</a:tableStyleId>
+              </a:tblPr>
+              <a:tblGrid>
+                <a:gridCol w="472029">
+                  <a:extLst>
+                    <a:ext uri="{9D8B030D-6E8A-4147-A177-3AD203B41FA5}">
+                      <a16:colId xmlns:a16="http://schemas.microsoft.com/office/drawing/2014/main" val="1329225509"/>
+                    </a:ext>
+                  </a:extLst>
+                </a:gridCol>
+                <a:gridCol w="472029">
+                  <a:extLst>
+                    <a:ext uri="{9D8B030D-6E8A-4147-A177-3AD203B41FA5}">
+                      <a16:colId xmlns:a16="http://schemas.microsoft.com/office/drawing/2014/main" val="4206129725"/>
+                    </a:ext>
+                  </a:extLst>
+                </a:gridCol>
+              </a:tblGrid>
+              <a:tr h="306647">
+                <a:tc gridSpan="2">
+                  <a:txBody>
+                    <a:bodyPr/>
+                    <a:lstStyle/>
+                    <a:p>
+                      <a:pPr algn="ctr"/>
+                      <a:r>
+                        <a:rPr lang="de-DE" dirty="0"/>
+                        <a:t>E</a:t>
+                      </a:r>
+                    </a:p>
+                  </a:txBody>
+                  <a:tcPr/>
+                </a:tc>
+                <a:tc hMerge="1">
+                  <a:txBody>
+                    <a:bodyPr/>
+                    <a:lstStyle/>
+                    <a:p>
+                      <a:endParaRPr lang="de-DE" dirty="0"/>
+                    </a:p>
+                  </a:txBody>
+                  <a:tcPr/>
+                </a:tc>
+                <a:extLst>
+                  <a:ext uri="{0D108BD9-81ED-4DB2-BD59-A6C34878D82A}">
+                    <a16:rowId xmlns:a16="http://schemas.microsoft.com/office/drawing/2014/main" val="3507648942"/>
+                  </a:ext>
+                </a:extLst>
+              </a:tr>
+              <a:tr h="306647">
+                <a:tc>
+                  <a:txBody>
+                    <a:bodyPr/>
+                    <a:lstStyle/>
+                    <a:p>
+                      <a:pPr algn="ctr"/>
+                      <a:r>
+                        <a:rPr lang="de-DE" dirty="0"/>
+                        <a:t>8</a:t>
+                      </a:r>
+                    </a:p>
+                  </a:txBody>
+                  <a:tcPr/>
+                </a:tc>
+                <a:tc>
+                  <a:txBody>
+                    <a:bodyPr/>
+                    <a:lstStyle/>
+                    <a:p>
+                      <a:pPr algn="ctr"/>
+                      <a:r>
+                        <a:rPr lang="de-DE" dirty="0"/>
+                        <a:t>15</a:t>
+                      </a:r>
+                    </a:p>
+                  </a:txBody>
+                  <a:tcPr/>
+                </a:tc>
+                <a:extLst>
+                  <a:ext uri="{0D108BD9-81ED-4DB2-BD59-A6C34878D82A}">
+                    <a16:rowId xmlns:a16="http://schemas.microsoft.com/office/drawing/2014/main" val="404102209"/>
+                  </a:ext>
+                </a:extLst>
+              </a:tr>
+              <a:tr h="306647">
+                <a:tc>
+                  <a:txBody>
+                    <a:bodyPr/>
+                    <a:lstStyle/>
+                    <a:p>
+                      <a:pPr algn="ctr"/>
+                      <a:r>
+                        <a:rPr lang="de-DE" dirty="0"/>
+                        <a:t>8</a:t>
+                      </a:r>
+                    </a:p>
+                  </a:txBody>
+                  <a:tcPr/>
+                </a:tc>
+                <a:tc>
+                  <a:txBody>
+                    <a:bodyPr/>
+                    <a:lstStyle/>
+                    <a:p>
+                      <a:pPr algn="ctr"/>
+                      <a:r>
+                        <a:rPr lang="de-DE" dirty="0"/>
+                        <a:t>15</a:t>
+                      </a:r>
+                    </a:p>
+                  </a:txBody>
+                  <a:tcPr/>
+                </a:tc>
+                <a:extLst>
+                  <a:ext uri="{0D108BD9-81ED-4DB2-BD59-A6C34878D82A}">
+                    <a16:rowId xmlns:a16="http://schemas.microsoft.com/office/drawing/2014/main" val="3665094232"/>
+                  </a:ext>
+                </a:extLst>
+              </a:tr>
+            </a:tbl>
+          </a:graphicData>
+        </a:graphic>
+      </p:graphicFrame>
+      <p:graphicFrame>
+        <p:nvGraphicFramePr>
+          <p:cNvPr id="16" name="Tabelle 7">
+            <a:extLst>
+              <a:ext uri="{FF2B5EF4-FFF2-40B4-BE49-F238E27FC236}">
+                <a16:creationId xmlns:a16="http://schemas.microsoft.com/office/drawing/2014/main" id="{19B4D30F-11B7-4E66-8D08-0783423EF944}"/>
+              </a:ext>
+            </a:extLst>
+          </p:cNvPr>
+          <p:cNvGraphicFramePr>
+            <a:graphicFrameLocks noGrp="1"/>
+          </p:cNvGraphicFramePr>
+          <p:nvPr/>
+        </p:nvGraphicFramePr>
+        <p:xfrm>
+          <a:off x="6774619" y="3536172"/>
+          <a:ext cx="944058" cy="1097280"/>
+        </p:xfrm>
+        <a:graphic>
+          <a:graphicData uri="http://schemas.openxmlformats.org/drawingml/2006/table">
+            <a:tbl>
+              <a:tblPr firstRow="1" bandRow="1">
+                <a:tableStyleId>{5C22544A-7EE6-4342-B048-85BDC9FD1C3A}</a:tableStyleId>
+              </a:tblPr>
+              <a:tblGrid>
+                <a:gridCol w="472029">
+                  <a:extLst>
+                    <a:ext uri="{9D8B030D-6E8A-4147-A177-3AD203B41FA5}">
+                      <a16:colId xmlns:a16="http://schemas.microsoft.com/office/drawing/2014/main" val="1329225509"/>
+                    </a:ext>
+                  </a:extLst>
+                </a:gridCol>
+                <a:gridCol w="472029">
+                  <a:extLst>
+                    <a:ext uri="{9D8B030D-6E8A-4147-A177-3AD203B41FA5}">
+                      <a16:colId xmlns:a16="http://schemas.microsoft.com/office/drawing/2014/main" val="4206129725"/>
+                    </a:ext>
+                  </a:extLst>
+                </a:gridCol>
+              </a:tblGrid>
+              <a:tr h="306647">
+                <a:tc gridSpan="2">
+                  <a:txBody>
+                    <a:bodyPr/>
+                    <a:lstStyle/>
+                    <a:p>
+                      <a:pPr algn="ctr"/>
+                      <a:r>
+                        <a:rPr lang="de-DE" dirty="0"/>
+                        <a:t>F</a:t>
+                      </a:r>
+                    </a:p>
+                  </a:txBody>
+                  <a:tcPr/>
+                </a:tc>
+                <a:tc hMerge="1">
+                  <a:txBody>
+                    <a:bodyPr/>
+                    <a:lstStyle/>
+                    <a:p>
+                      <a:endParaRPr lang="de-DE" dirty="0"/>
+                    </a:p>
+                  </a:txBody>
+                  <a:tcPr/>
+                </a:tc>
+                <a:extLst>
+                  <a:ext uri="{0D108BD9-81ED-4DB2-BD59-A6C34878D82A}">
+                    <a16:rowId xmlns:a16="http://schemas.microsoft.com/office/drawing/2014/main" val="3507648942"/>
+                  </a:ext>
+                </a:extLst>
+              </a:tr>
+              <a:tr h="306647">
+                <a:tc>
+                  <a:txBody>
+                    <a:bodyPr/>
+                    <a:lstStyle/>
+                    <a:p>
+                      <a:pPr algn="ctr"/>
+                      <a:r>
+                        <a:rPr lang="de-DE" dirty="0"/>
+                        <a:t>15</a:t>
+                      </a:r>
+                    </a:p>
+                  </a:txBody>
+                  <a:tcPr/>
+                </a:tc>
+                <a:tc>
+                  <a:txBody>
+                    <a:bodyPr/>
+                    <a:lstStyle/>
+                    <a:p>
+                      <a:pPr algn="ctr"/>
+                      <a:r>
+                        <a:rPr lang="de-DE" dirty="0"/>
+                        <a:t>24</a:t>
+                      </a:r>
+                    </a:p>
+                  </a:txBody>
+                  <a:tcPr/>
+                </a:tc>
+                <a:extLst>
+                  <a:ext uri="{0D108BD9-81ED-4DB2-BD59-A6C34878D82A}">
+                    <a16:rowId xmlns:a16="http://schemas.microsoft.com/office/drawing/2014/main" val="404102209"/>
+                  </a:ext>
+                </a:extLst>
+              </a:tr>
+              <a:tr h="306647">
+                <a:tc>
+                  <a:txBody>
+                    <a:bodyPr/>
+                    <a:lstStyle/>
+                    <a:p>
+                      <a:pPr algn="ctr"/>
+                      <a:r>
+                        <a:rPr lang="de-DE" dirty="0"/>
+                        <a:t>15</a:t>
+                      </a:r>
+                    </a:p>
+                  </a:txBody>
+                  <a:tcPr/>
+                </a:tc>
+                <a:tc>
+                  <a:txBody>
+                    <a:bodyPr/>
+                    <a:lstStyle/>
+                    <a:p>
+                      <a:pPr algn="ctr"/>
+                      <a:r>
+                        <a:rPr lang="de-DE" dirty="0"/>
+                        <a:t>24</a:t>
+                      </a:r>
+                    </a:p>
+                  </a:txBody>
+                  <a:tcPr/>
+                </a:tc>
+                <a:extLst>
+                  <a:ext uri="{0D108BD9-81ED-4DB2-BD59-A6C34878D82A}">
+                    <a16:rowId xmlns:a16="http://schemas.microsoft.com/office/drawing/2014/main" val="3665094232"/>
+                  </a:ext>
+                </a:extLst>
+              </a:tr>
+            </a:tbl>
+          </a:graphicData>
+        </a:graphic>
+      </p:graphicFrame>
+      <p:graphicFrame>
+        <p:nvGraphicFramePr>
+          <p:cNvPr id="17" name="Tabelle 7">
+            <a:extLst>
+              <a:ext uri="{FF2B5EF4-FFF2-40B4-BE49-F238E27FC236}">
+                <a16:creationId xmlns:a16="http://schemas.microsoft.com/office/drawing/2014/main" id="{4C9B357A-694A-42C9-B9F2-E90F3878BE75}"/>
+              </a:ext>
+            </a:extLst>
+          </p:cNvPr>
+          <p:cNvGraphicFramePr>
+            <a:graphicFrameLocks noGrp="1"/>
+          </p:cNvGraphicFramePr>
+          <p:nvPr/>
+        </p:nvGraphicFramePr>
+        <p:xfrm>
+          <a:off x="7672264" y="1749906"/>
+          <a:ext cx="944058" cy="1097280"/>
+        </p:xfrm>
+        <a:graphic>
+          <a:graphicData uri="http://schemas.openxmlformats.org/drawingml/2006/table">
+            <a:tbl>
+              <a:tblPr firstRow="1" bandRow="1">
+                <a:tableStyleId>{5C22544A-7EE6-4342-B048-85BDC9FD1C3A}</a:tableStyleId>
+              </a:tblPr>
+              <a:tblGrid>
+                <a:gridCol w="472029">
+                  <a:extLst>
+                    <a:ext uri="{9D8B030D-6E8A-4147-A177-3AD203B41FA5}">
+                      <a16:colId xmlns:a16="http://schemas.microsoft.com/office/drawing/2014/main" val="1329225509"/>
+                    </a:ext>
+                  </a:extLst>
+                </a:gridCol>
+                <a:gridCol w="472029">
+                  <a:extLst>
+                    <a:ext uri="{9D8B030D-6E8A-4147-A177-3AD203B41FA5}">
+                      <a16:colId xmlns:a16="http://schemas.microsoft.com/office/drawing/2014/main" val="4206129725"/>
+                    </a:ext>
+                  </a:extLst>
+                </a:gridCol>
+              </a:tblGrid>
+              <a:tr h="306647">
+                <a:tc gridSpan="2">
+                  <a:txBody>
+                    <a:bodyPr/>
+                    <a:lstStyle/>
+                    <a:p>
+                      <a:pPr algn="ctr"/>
+                      <a:r>
+                        <a:rPr lang="de-DE" dirty="0"/>
+                        <a:t>G</a:t>
+                      </a:r>
+                    </a:p>
+                  </a:txBody>
+                  <a:tcPr/>
+                </a:tc>
+                <a:tc hMerge="1">
+                  <a:txBody>
+                    <a:bodyPr/>
+                    <a:lstStyle/>
+                    <a:p>
+                      <a:endParaRPr lang="de-DE" dirty="0"/>
+                    </a:p>
+                  </a:txBody>
+                  <a:tcPr/>
+                </a:tc>
+                <a:extLst>
+                  <a:ext uri="{0D108BD9-81ED-4DB2-BD59-A6C34878D82A}">
+                    <a16:rowId xmlns:a16="http://schemas.microsoft.com/office/drawing/2014/main" val="3507648942"/>
+                  </a:ext>
+                </a:extLst>
+              </a:tr>
+              <a:tr h="306647">
+                <a:tc>
+                  <a:txBody>
+                    <a:bodyPr/>
+                    <a:lstStyle/>
+                    <a:p>
+                      <a:pPr algn="ctr"/>
+                      <a:r>
+                        <a:rPr lang="de-DE" dirty="0"/>
+                        <a:t>18</a:t>
+                      </a:r>
+                    </a:p>
+                  </a:txBody>
+                  <a:tcPr/>
+                </a:tc>
+                <a:tc>
+                  <a:txBody>
+                    <a:bodyPr/>
+                    <a:lstStyle/>
+                    <a:p>
+                      <a:pPr algn="ctr"/>
+                      <a:r>
+                        <a:rPr lang="de-DE" dirty="0"/>
+                        <a:t>21</a:t>
+                      </a:r>
+                    </a:p>
+                  </a:txBody>
+                  <a:tcPr/>
+                </a:tc>
+                <a:extLst>
+                  <a:ext uri="{0D108BD9-81ED-4DB2-BD59-A6C34878D82A}">
+                    <a16:rowId xmlns:a16="http://schemas.microsoft.com/office/drawing/2014/main" val="404102209"/>
+                  </a:ext>
+                </a:extLst>
+              </a:tr>
+              <a:tr h="306647">
+                <a:tc>
+                  <a:txBody>
+                    <a:bodyPr/>
+                    <a:lstStyle/>
+                    <a:p>
+                      <a:pPr algn="ctr"/>
+                      <a:r>
+                        <a:rPr lang="de-DE" dirty="0"/>
+                        <a:t>27</a:t>
+                      </a:r>
+                    </a:p>
+                  </a:txBody>
+                  <a:tcPr/>
+                </a:tc>
+                <a:tc>
+                  <a:txBody>
+                    <a:bodyPr/>
+                    <a:lstStyle/>
+                    <a:p>
+                      <a:pPr algn="ctr"/>
+                      <a:r>
+                        <a:rPr lang="de-DE" dirty="0"/>
+                        <a:t>30</a:t>
+                      </a:r>
+                    </a:p>
+                  </a:txBody>
+                  <a:tcPr/>
+                </a:tc>
+                <a:extLst>
+                  <a:ext uri="{0D108BD9-81ED-4DB2-BD59-A6C34878D82A}">
+                    <a16:rowId xmlns:a16="http://schemas.microsoft.com/office/drawing/2014/main" val="3665094232"/>
+                  </a:ext>
+                </a:extLst>
+              </a:tr>
+            </a:tbl>
+          </a:graphicData>
+        </a:graphic>
+      </p:graphicFrame>
+      <p:graphicFrame>
+        <p:nvGraphicFramePr>
+          <p:cNvPr id="18" name="Tabelle 7">
+            <a:extLst>
+              <a:ext uri="{FF2B5EF4-FFF2-40B4-BE49-F238E27FC236}">
+                <a16:creationId xmlns:a16="http://schemas.microsoft.com/office/drawing/2014/main" id="{0115C7A4-B8D5-41BB-B8DC-AB4FEE68DA22}"/>
+              </a:ext>
+            </a:extLst>
+          </p:cNvPr>
+          <p:cNvGraphicFramePr>
+            <a:graphicFrameLocks noGrp="1"/>
+          </p:cNvGraphicFramePr>
+          <p:nvPr/>
+        </p:nvGraphicFramePr>
+        <p:xfrm>
+          <a:off x="8680232" y="3605686"/>
+          <a:ext cx="944058" cy="1097280"/>
+        </p:xfrm>
+        <a:graphic>
+          <a:graphicData uri="http://schemas.openxmlformats.org/drawingml/2006/table">
+            <a:tbl>
+              <a:tblPr firstRow="1" bandRow="1">
+                <a:tableStyleId>{5C22544A-7EE6-4342-B048-85BDC9FD1C3A}</a:tableStyleId>
+              </a:tblPr>
+              <a:tblGrid>
+                <a:gridCol w="472029">
+                  <a:extLst>
+                    <a:ext uri="{9D8B030D-6E8A-4147-A177-3AD203B41FA5}">
+                      <a16:colId xmlns:a16="http://schemas.microsoft.com/office/drawing/2014/main" val="1329225509"/>
+                    </a:ext>
+                  </a:extLst>
+                </a:gridCol>
+                <a:gridCol w="472029">
+                  <a:extLst>
+                    <a:ext uri="{9D8B030D-6E8A-4147-A177-3AD203B41FA5}">
+                      <a16:colId xmlns:a16="http://schemas.microsoft.com/office/drawing/2014/main" val="4206129725"/>
+                    </a:ext>
+                  </a:extLst>
+                </a:gridCol>
+              </a:tblGrid>
+              <a:tr h="306647">
+                <a:tc gridSpan="2">
+                  <a:txBody>
+                    <a:bodyPr/>
+                    <a:lstStyle/>
+                    <a:p>
+                      <a:pPr algn="ctr"/>
+                      <a:r>
+                        <a:rPr lang="de-DE" dirty="0"/>
+                        <a:t>H</a:t>
+                      </a:r>
+                    </a:p>
+                  </a:txBody>
+                  <a:tcPr/>
+                </a:tc>
+                <a:tc hMerge="1">
+                  <a:txBody>
+                    <a:bodyPr/>
+                    <a:lstStyle/>
+                    <a:p>
+                      <a:endParaRPr lang="de-DE" dirty="0"/>
+                    </a:p>
+                  </a:txBody>
+                  <a:tcPr/>
+                </a:tc>
+                <a:extLst>
+                  <a:ext uri="{0D108BD9-81ED-4DB2-BD59-A6C34878D82A}">
+                    <a16:rowId xmlns:a16="http://schemas.microsoft.com/office/drawing/2014/main" val="3507648942"/>
+                  </a:ext>
+                </a:extLst>
+              </a:tr>
+              <a:tr h="306647">
+                <a:tc>
+                  <a:txBody>
+                    <a:bodyPr/>
+                    <a:lstStyle/>
+                    <a:p>
+                      <a:pPr algn="ctr"/>
+                      <a:r>
+                        <a:rPr lang="de-DE" dirty="0"/>
+                        <a:t>24</a:t>
+                      </a:r>
+                    </a:p>
+                  </a:txBody>
+                  <a:tcPr/>
+                </a:tc>
+                <a:tc>
+                  <a:txBody>
+                    <a:bodyPr/>
+                    <a:lstStyle/>
+                    <a:p>
+                      <a:pPr algn="ctr"/>
+                      <a:r>
+                        <a:rPr lang="de-DE" dirty="0"/>
+                        <a:t>30</a:t>
+                      </a:r>
+                    </a:p>
+                  </a:txBody>
+                  <a:tcPr/>
+                </a:tc>
+                <a:extLst>
+                  <a:ext uri="{0D108BD9-81ED-4DB2-BD59-A6C34878D82A}">
+                    <a16:rowId xmlns:a16="http://schemas.microsoft.com/office/drawing/2014/main" val="404102209"/>
+                  </a:ext>
+                </a:extLst>
+              </a:tr>
+              <a:tr h="306647">
+                <a:tc>
+                  <a:txBody>
+                    <a:bodyPr/>
+                    <a:lstStyle/>
+                    <a:p>
+                      <a:pPr algn="ctr"/>
+                      <a:r>
+                        <a:rPr lang="de-DE" dirty="0"/>
+                        <a:t>24</a:t>
+                      </a:r>
+                    </a:p>
+                  </a:txBody>
+                  <a:tcPr/>
+                </a:tc>
+                <a:tc>
+                  <a:txBody>
+                    <a:bodyPr/>
+                    <a:lstStyle/>
+                    <a:p>
+                      <a:pPr algn="ctr"/>
+                      <a:r>
+                        <a:rPr lang="de-DE" dirty="0"/>
+                        <a:t>30</a:t>
+                      </a:r>
+                    </a:p>
+                  </a:txBody>
+                  <a:tcPr/>
+                </a:tc>
+                <a:extLst>
+                  <a:ext uri="{0D108BD9-81ED-4DB2-BD59-A6C34878D82A}">
+                    <a16:rowId xmlns:a16="http://schemas.microsoft.com/office/drawing/2014/main" val="3665094232"/>
+                  </a:ext>
+                </a:extLst>
+              </a:tr>
+            </a:tbl>
+          </a:graphicData>
+        </a:graphic>
+      </p:graphicFrame>
+      <p:cxnSp>
+        <p:nvCxnSpPr>
+          <p:cNvPr id="20" name="Gerade Verbindung mit Pfeil 19">
+            <a:extLst>
+              <a:ext uri="{FF2B5EF4-FFF2-40B4-BE49-F238E27FC236}">
+                <a16:creationId xmlns:a16="http://schemas.microsoft.com/office/drawing/2014/main" id="{29C491A0-D6DF-48BA-A59B-347C848908A7}"/>
+              </a:ext>
+            </a:extLst>
+          </p:cNvPr>
+          <p:cNvCxnSpPr>
+            <a:cxnSpLocks/>
+          </p:cNvCxnSpPr>
+          <p:nvPr/>
+        </p:nvCxnSpPr>
+        <p:spPr>
+          <a:xfrm>
+            <a:off x="1518867" y="3307621"/>
+            <a:ext cx="524257" cy="386685"/>
+          </a:xfrm>
+          <a:prstGeom prst="straightConnector1">
+            <a:avLst/>
+          </a:prstGeom>
+          <a:ln>
+            <a:solidFill>
+              <a:schemeClr val="tx1"/>
+            </a:solidFill>
+            <a:tailEnd type="triangle"/>
+          </a:ln>
+        </p:spPr>
+        <p:style>
+          <a:lnRef idx="3">
+            <a:schemeClr val="dk1"/>
+          </a:lnRef>
+          <a:fillRef idx="0">
+            <a:schemeClr val="dk1"/>
+          </a:fillRef>
+          <a:effectRef idx="2">
+            <a:schemeClr val="dk1"/>
+          </a:effectRef>
+          <a:fontRef idx="minor">
+            <a:schemeClr val="tx1"/>
+          </a:fontRef>
+        </p:style>
+      </p:cxnSp>
+      <p:cxnSp>
+        <p:nvCxnSpPr>
+          <p:cNvPr id="22" name="Gerade Verbindung mit Pfeil 21">
+            <a:extLst>
+              <a:ext uri="{FF2B5EF4-FFF2-40B4-BE49-F238E27FC236}">
+                <a16:creationId xmlns:a16="http://schemas.microsoft.com/office/drawing/2014/main" id="{B10A5E99-86C1-4BD3-905A-681E3D074055}"/>
+              </a:ext>
+            </a:extLst>
+          </p:cNvPr>
+          <p:cNvCxnSpPr>
+            <a:cxnSpLocks/>
+          </p:cNvCxnSpPr>
+          <p:nvPr/>
+        </p:nvCxnSpPr>
+        <p:spPr>
+          <a:xfrm flipV="1">
+            <a:off x="1518867" y="2367921"/>
+            <a:ext cx="503293" cy="518872"/>
+          </a:xfrm>
+          <a:prstGeom prst="straightConnector1">
+            <a:avLst/>
+          </a:prstGeom>
+          <a:ln>
+            <a:solidFill>
+              <a:schemeClr val="tx1"/>
+            </a:solidFill>
+            <a:tailEnd type="triangle"/>
+          </a:ln>
+        </p:spPr>
+        <p:style>
+          <a:lnRef idx="3">
+            <a:schemeClr val="dk1"/>
+          </a:lnRef>
+          <a:fillRef idx="0">
+            <a:schemeClr val="dk1"/>
+          </a:fillRef>
+          <a:effectRef idx="2">
+            <a:schemeClr val="dk1"/>
+          </a:effectRef>
+          <a:fontRef idx="minor">
+            <a:schemeClr val="tx1"/>
+          </a:fontRef>
+        </p:style>
+      </p:cxnSp>
+      <p:cxnSp>
+        <p:nvCxnSpPr>
+          <p:cNvPr id="24" name="Gerade Verbindung mit Pfeil 23">
+            <a:extLst>
+              <a:ext uri="{FF2B5EF4-FFF2-40B4-BE49-F238E27FC236}">
+                <a16:creationId xmlns:a16="http://schemas.microsoft.com/office/drawing/2014/main" id="{5BF33FAF-192E-4C4E-9A01-3155756A4053}"/>
+              </a:ext>
+            </a:extLst>
+          </p:cNvPr>
+          <p:cNvCxnSpPr>
+            <a:cxnSpLocks/>
+          </p:cNvCxnSpPr>
+          <p:nvPr/>
+        </p:nvCxnSpPr>
+        <p:spPr>
+          <a:xfrm>
+            <a:off x="3336429" y="2081244"/>
+            <a:ext cx="1494576" cy="46492"/>
+          </a:xfrm>
+          <a:prstGeom prst="straightConnector1">
+            <a:avLst/>
+          </a:prstGeom>
+          <a:ln>
+            <a:solidFill>
+              <a:schemeClr val="tx1"/>
+            </a:solidFill>
+            <a:tailEnd type="triangle"/>
+          </a:ln>
+        </p:spPr>
+        <p:style>
+          <a:lnRef idx="3">
+            <a:schemeClr val="dk1"/>
+          </a:lnRef>
+          <a:fillRef idx="0">
+            <a:schemeClr val="dk1"/>
+          </a:fillRef>
+          <a:effectRef idx="2">
+            <a:schemeClr val="dk1"/>
+          </a:effectRef>
+          <a:fontRef idx="minor">
+            <a:schemeClr val="tx1"/>
+          </a:fontRef>
+        </p:style>
+      </p:cxnSp>
+      <p:cxnSp>
+        <p:nvCxnSpPr>
+          <p:cNvPr id="26" name="Gerade Verbindung mit Pfeil 25">
+            <a:extLst>
+              <a:ext uri="{FF2B5EF4-FFF2-40B4-BE49-F238E27FC236}">
+                <a16:creationId xmlns:a16="http://schemas.microsoft.com/office/drawing/2014/main" id="{5CD4E21D-2589-4891-86D7-CDB49E89E96A}"/>
+              </a:ext>
+            </a:extLst>
+          </p:cNvPr>
+          <p:cNvCxnSpPr>
+            <a:cxnSpLocks/>
+          </p:cNvCxnSpPr>
+          <p:nvPr/>
+        </p:nvCxnSpPr>
+        <p:spPr>
+          <a:xfrm flipV="1">
+            <a:off x="3206538" y="3397243"/>
+            <a:ext cx="197349" cy="138929"/>
+          </a:xfrm>
+          <a:prstGeom prst="straightConnector1">
+            <a:avLst/>
+          </a:prstGeom>
+          <a:ln>
+            <a:solidFill>
+              <a:schemeClr val="tx1"/>
+            </a:solidFill>
+            <a:tailEnd type="triangle"/>
+          </a:ln>
+        </p:spPr>
+        <p:style>
+          <a:lnRef idx="3">
+            <a:schemeClr val="dk1"/>
+          </a:lnRef>
+          <a:fillRef idx="0">
+            <a:schemeClr val="dk1"/>
+          </a:fillRef>
+          <a:effectRef idx="2">
+            <a:schemeClr val="dk1"/>
+          </a:effectRef>
+          <a:fontRef idx="minor">
+            <a:schemeClr val="tx1"/>
+          </a:fontRef>
+        </p:style>
+      </p:cxnSp>
+      <p:cxnSp>
+        <p:nvCxnSpPr>
+          <p:cNvPr id="28" name="Gerade Verbindung mit Pfeil 27">
+            <a:extLst>
+              <a:ext uri="{FF2B5EF4-FFF2-40B4-BE49-F238E27FC236}">
+                <a16:creationId xmlns:a16="http://schemas.microsoft.com/office/drawing/2014/main" id="{A4806846-88EB-42E7-99F9-2A25E9B254E2}"/>
+              </a:ext>
+            </a:extLst>
+          </p:cNvPr>
+          <p:cNvCxnSpPr>
+            <a:cxnSpLocks/>
+          </p:cNvCxnSpPr>
+          <p:nvPr/>
+        </p:nvCxnSpPr>
+        <p:spPr>
+          <a:xfrm flipV="1">
+            <a:off x="4645210" y="2326674"/>
+            <a:ext cx="185795" cy="314754"/>
+          </a:xfrm>
+          <a:prstGeom prst="straightConnector1">
+            <a:avLst/>
+          </a:prstGeom>
+          <a:ln>
+            <a:solidFill>
+              <a:schemeClr val="tx1"/>
+            </a:solidFill>
+            <a:tailEnd type="triangle"/>
+          </a:ln>
+        </p:spPr>
+        <p:style>
+          <a:lnRef idx="3">
+            <a:schemeClr val="dk1"/>
+          </a:lnRef>
+          <a:fillRef idx="0">
+            <a:schemeClr val="dk1"/>
+          </a:fillRef>
+          <a:effectRef idx="2">
+            <a:schemeClr val="dk1"/>
+          </a:effectRef>
+          <a:fontRef idx="minor">
+            <a:schemeClr val="tx1"/>
+          </a:fontRef>
+        </p:style>
+      </p:cxnSp>
+      <p:cxnSp>
+        <p:nvCxnSpPr>
+          <p:cNvPr id="30" name="Gerade Verbindung mit Pfeil 29">
+            <a:extLst>
+              <a:ext uri="{FF2B5EF4-FFF2-40B4-BE49-F238E27FC236}">
+                <a16:creationId xmlns:a16="http://schemas.microsoft.com/office/drawing/2014/main" id="{16B182F6-D29D-4844-AC5F-B6D2B3AA97FD}"/>
+              </a:ext>
+            </a:extLst>
+          </p:cNvPr>
+          <p:cNvCxnSpPr>
+            <a:cxnSpLocks/>
+          </p:cNvCxnSpPr>
+          <p:nvPr/>
+        </p:nvCxnSpPr>
+        <p:spPr>
+          <a:xfrm>
+            <a:off x="3256834" y="4115109"/>
+            <a:ext cx="1609495" cy="218959"/>
+          </a:xfrm>
+          <a:prstGeom prst="straightConnector1">
+            <a:avLst/>
+          </a:prstGeom>
+          <a:ln>
+            <a:solidFill>
+              <a:schemeClr val="tx1"/>
+            </a:solidFill>
+            <a:tailEnd type="triangle"/>
+          </a:ln>
+        </p:spPr>
+        <p:style>
+          <a:lnRef idx="3">
+            <a:schemeClr val="dk1"/>
+          </a:lnRef>
+          <a:fillRef idx="0">
+            <a:schemeClr val="dk1"/>
+          </a:fillRef>
+          <a:effectRef idx="2">
+            <a:schemeClr val="dk1"/>
+          </a:effectRef>
+          <a:fontRef idx="minor">
+            <a:schemeClr val="tx1"/>
+          </a:fontRef>
+        </p:style>
+      </p:cxnSp>
+      <p:cxnSp>
+        <p:nvCxnSpPr>
+          <p:cNvPr id="32" name="Gerade Verbindung mit Pfeil 31">
+            <a:extLst>
+              <a:ext uri="{FF2B5EF4-FFF2-40B4-BE49-F238E27FC236}">
+                <a16:creationId xmlns:a16="http://schemas.microsoft.com/office/drawing/2014/main" id="{809BF9B1-C52B-47A6-B12A-0ED59B5FEFFC}"/>
+              </a:ext>
+            </a:extLst>
+          </p:cNvPr>
+          <p:cNvCxnSpPr>
+            <a:cxnSpLocks/>
+          </p:cNvCxnSpPr>
+          <p:nvPr/>
+        </p:nvCxnSpPr>
+        <p:spPr>
+          <a:xfrm flipV="1">
+            <a:off x="6093580" y="4131056"/>
+            <a:ext cx="538104" cy="203012"/>
+          </a:xfrm>
+          <a:prstGeom prst="straightConnector1">
+            <a:avLst/>
+          </a:prstGeom>
+          <a:ln>
+            <a:solidFill>
+              <a:schemeClr val="tx1"/>
+            </a:solidFill>
+            <a:tailEnd type="triangle"/>
+          </a:ln>
+        </p:spPr>
+        <p:style>
+          <a:lnRef idx="3">
+            <a:schemeClr val="dk1"/>
+          </a:lnRef>
+          <a:fillRef idx="0">
+            <a:schemeClr val="dk1"/>
+          </a:fillRef>
+          <a:effectRef idx="2">
+            <a:schemeClr val="dk1"/>
+          </a:effectRef>
+          <a:fontRef idx="minor">
+            <a:schemeClr val="tx1"/>
+          </a:fontRef>
+        </p:style>
+      </p:cxnSp>
+      <p:cxnSp>
+        <p:nvCxnSpPr>
+          <p:cNvPr id="34" name="Gerade Verbindung mit Pfeil 33">
+            <a:extLst>
+              <a:ext uri="{FF2B5EF4-FFF2-40B4-BE49-F238E27FC236}">
+                <a16:creationId xmlns:a16="http://schemas.microsoft.com/office/drawing/2014/main" id="{971DF43C-F3DE-4E81-972C-86629FB7A981}"/>
+              </a:ext>
+            </a:extLst>
+          </p:cNvPr>
+          <p:cNvCxnSpPr>
+            <a:cxnSpLocks/>
+          </p:cNvCxnSpPr>
+          <p:nvPr/>
+        </p:nvCxnSpPr>
+        <p:spPr>
+          <a:xfrm>
+            <a:off x="6094412" y="2170046"/>
+            <a:ext cx="1437358" cy="179917"/>
+          </a:xfrm>
+          <a:prstGeom prst="straightConnector1">
+            <a:avLst/>
+          </a:prstGeom>
+          <a:ln>
+            <a:solidFill>
+              <a:schemeClr val="tx1"/>
+            </a:solidFill>
+            <a:tailEnd type="triangle"/>
+          </a:ln>
+        </p:spPr>
+        <p:style>
+          <a:lnRef idx="3">
+            <a:schemeClr val="dk1"/>
+          </a:lnRef>
+          <a:fillRef idx="0">
+            <a:schemeClr val="dk1"/>
+          </a:fillRef>
+          <a:effectRef idx="2">
+            <a:schemeClr val="dk1"/>
+          </a:effectRef>
+          <a:fontRef idx="minor">
+            <a:schemeClr val="tx1"/>
+          </a:fontRef>
+        </p:style>
+      </p:cxnSp>
+      <p:cxnSp>
+        <p:nvCxnSpPr>
+          <p:cNvPr id="36" name="Gerade Verbindung mit Pfeil 35">
+            <a:extLst>
+              <a:ext uri="{FF2B5EF4-FFF2-40B4-BE49-F238E27FC236}">
+                <a16:creationId xmlns:a16="http://schemas.microsoft.com/office/drawing/2014/main" id="{041CBEE2-FD2E-41EA-8CE3-1E3D46B39BDB}"/>
+              </a:ext>
+            </a:extLst>
+          </p:cNvPr>
+          <p:cNvCxnSpPr>
+            <a:cxnSpLocks/>
+          </p:cNvCxnSpPr>
+          <p:nvPr/>
+        </p:nvCxnSpPr>
+        <p:spPr>
+          <a:xfrm flipV="1">
+            <a:off x="6093816" y="2550103"/>
+            <a:ext cx="1354673" cy="1144203"/>
+          </a:xfrm>
+          <a:prstGeom prst="straightConnector1">
+            <a:avLst/>
+          </a:prstGeom>
+          <a:ln>
+            <a:solidFill>
+              <a:schemeClr val="tx1"/>
+            </a:solidFill>
+            <a:tailEnd type="triangle"/>
+          </a:ln>
+        </p:spPr>
+        <p:style>
+          <a:lnRef idx="3">
+            <a:schemeClr val="dk1"/>
+          </a:lnRef>
+          <a:fillRef idx="0">
+            <a:schemeClr val="dk1"/>
+          </a:fillRef>
+          <a:effectRef idx="2">
+            <a:schemeClr val="dk1"/>
+          </a:effectRef>
+          <a:fontRef idx="minor">
+            <a:schemeClr val="tx1"/>
+          </a:fontRef>
+        </p:style>
+      </p:cxnSp>
+      <p:cxnSp>
+        <p:nvCxnSpPr>
+          <p:cNvPr id="38" name="Gerade Verbindung mit Pfeil 37">
+            <a:extLst>
+              <a:ext uri="{FF2B5EF4-FFF2-40B4-BE49-F238E27FC236}">
+                <a16:creationId xmlns:a16="http://schemas.microsoft.com/office/drawing/2014/main" id="{73FE8A86-DD29-44C2-814F-FAC0DEACC390}"/>
+              </a:ext>
+            </a:extLst>
+          </p:cNvPr>
+          <p:cNvCxnSpPr>
+            <a:cxnSpLocks/>
+          </p:cNvCxnSpPr>
+          <p:nvPr/>
+        </p:nvCxnSpPr>
+        <p:spPr>
+          <a:xfrm>
+            <a:off x="7861612" y="4096627"/>
+            <a:ext cx="678362" cy="18482"/>
+          </a:xfrm>
+          <a:prstGeom prst="straightConnector1">
+            <a:avLst/>
+          </a:prstGeom>
+          <a:ln>
+            <a:solidFill>
+              <a:schemeClr val="tx1"/>
+            </a:solidFill>
+            <a:tailEnd type="triangle"/>
+          </a:ln>
+        </p:spPr>
+        <p:style>
+          <a:lnRef idx="3">
+            <a:schemeClr val="dk1"/>
+          </a:lnRef>
+          <a:fillRef idx="0">
+            <a:schemeClr val="dk1"/>
+          </a:fillRef>
+          <a:effectRef idx="2">
+            <a:schemeClr val="dk1"/>
+          </a:effectRef>
+          <a:fontRef idx="minor">
+            <a:schemeClr val="tx1"/>
+          </a:fontRef>
+        </p:style>
+      </p:cxnSp>
+      <p:cxnSp>
+        <p:nvCxnSpPr>
+          <p:cNvPr id="40" name="Gerade Verbindung mit Pfeil 39">
+            <a:extLst>
+              <a:ext uri="{FF2B5EF4-FFF2-40B4-BE49-F238E27FC236}">
+                <a16:creationId xmlns:a16="http://schemas.microsoft.com/office/drawing/2014/main" id="{108615F8-965D-402A-A1DD-11B63D14B345}"/>
+              </a:ext>
+            </a:extLst>
+          </p:cNvPr>
+          <p:cNvCxnSpPr>
+            <a:cxnSpLocks/>
+          </p:cNvCxnSpPr>
+          <p:nvPr/>
+        </p:nvCxnSpPr>
+        <p:spPr>
+          <a:xfrm flipV="1">
+            <a:off x="9675462" y="3186545"/>
+            <a:ext cx="918647" cy="508344"/>
+          </a:xfrm>
+          <a:prstGeom prst="straightConnector1">
+            <a:avLst/>
+          </a:prstGeom>
+          <a:ln>
+            <a:solidFill>
+              <a:schemeClr val="tx1"/>
+            </a:solidFill>
+            <a:tailEnd type="triangle"/>
+          </a:ln>
+        </p:spPr>
+        <p:style>
+          <a:lnRef idx="3">
+            <a:schemeClr val="dk1"/>
+          </a:lnRef>
+          <a:fillRef idx="0">
+            <a:schemeClr val="dk1"/>
+          </a:fillRef>
+          <a:effectRef idx="2">
+            <a:schemeClr val="dk1"/>
+          </a:effectRef>
+          <a:fontRef idx="minor">
+            <a:schemeClr val="tx1"/>
+          </a:fontRef>
+        </p:style>
+      </p:cxnSp>
+      <p:cxnSp>
+        <p:nvCxnSpPr>
+          <p:cNvPr id="42" name="Gerade Verbindung mit Pfeil 41">
+            <a:extLst>
+              <a:ext uri="{FF2B5EF4-FFF2-40B4-BE49-F238E27FC236}">
+                <a16:creationId xmlns:a16="http://schemas.microsoft.com/office/drawing/2014/main" id="{A9DF2A30-920D-46F8-A681-FDE458FCC837}"/>
+              </a:ext>
+            </a:extLst>
+          </p:cNvPr>
+          <p:cNvCxnSpPr>
+            <a:cxnSpLocks/>
+          </p:cNvCxnSpPr>
+          <p:nvPr/>
+        </p:nvCxnSpPr>
+        <p:spPr>
+          <a:xfrm>
+            <a:off x="8756816" y="2252368"/>
+            <a:ext cx="1837293" cy="759851"/>
+          </a:xfrm>
+          <a:prstGeom prst="straightConnector1">
+            <a:avLst/>
+          </a:prstGeom>
+          <a:ln>
+            <a:solidFill>
+              <a:schemeClr val="tx1"/>
+            </a:solidFill>
+            <a:tailEnd type="triangle"/>
+          </a:ln>
+        </p:spPr>
+        <p:style>
+          <a:lnRef idx="3">
+            <a:schemeClr val="dk1"/>
+          </a:lnRef>
+          <a:fillRef idx="0">
+            <a:schemeClr val="dk1"/>
+          </a:fillRef>
+          <a:effectRef idx="2">
+            <a:schemeClr val="dk1"/>
+          </a:effectRef>
+          <a:fontRef idx="minor">
+            <a:schemeClr val="tx1"/>
+          </a:fontRef>
+        </p:style>
+      </p:cxnSp>
+    </p:spTree>
+    <p:extLst>
+      <p:ext uri="{BB962C8B-B14F-4D97-AF65-F5344CB8AC3E}">
+        <p14:creationId xmlns:p14="http://schemas.microsoft.com/office/powerpoint/2010/main" val="262973383"/>
+      </p:ext>
+    </p:extLst>
+  </p:cSld>
+  <p:clrMapOvr>
+    <a:masterClrMapping/>
+  </p:clrMapOvr>
+  <p:timing>
+    <p:tnLst>
+      <p:par>
+        <p:cTn id="1" dur="indefinite" restart="never" nodeType="tmRoot">
+          <p:childTnLst>
+            <p:seq concurrent="1" nextAc="seek">
+              <p:cTn id="2" dur="indefinite" nodeType="mainSeq">
+                <p:childTnLst>
+                  <p:par>
+                    <p:cTn id="3" fill="hold">
+                      <p:stCondLst>
+                        <p:cond delay="indefinite"/>
+                      </p:stCondLst>
+                      <p:childTnLst>
+                        <p:par>
+                          <p:cTn id="4" fill="hold">
+                            <p:stCondLst>
+                              <p:cond delay="0"/>
+                            </p:stCondLst>
+                            <p:childTnLst>
+                              <p:par>
+                                <p:cTn id="5" presetID="1" presetClass="entr" presetSubtype="0" fill="hold" nodeType="clickEffect">
+                                  <p:stCondLst>
+                                    <p:cond delay="0"/>
+                                  </p:stCondLst>
+                                  <p:childTnLst>
+                                    <p:set>
+                                      <p:cBhvr>
+                                        <p:cTn id="6" dur="1" fill="hold">
+                                          <p:stCondLst>
+                                            <p:cond delay="0"/>
+                                          </p:stCondLst>
+                                        </p:cTn>
+                                        <p:tgtEl>
+                                          <p:spTgt spid="7"/>
+                                        </p:tgtEl>
+                                        <p:attrNameLst>
+                                          <p:attrName>style.visibility</p:attrName>
+                                        </p:attrNameLst>
+                                      </p:cBhvr>
+                                      <p:to>
+                                        <p:strVal val="visible"/>
+                                      </p:to>
+                                    </p:set>
+                                  </p:childTnLst>
+                                </p:cTn>
+                              </p:par>
+                              <p:par>
+                                <p:cTn id="7" presetID="1" presetClass="entr" presetSubtype="0" fill="hold" nodeType="withEffect">
+                                  <p:stCondLst>
+                                    <p:cond delay="0"/>
+                                  </p:stCondLst>
+                                  <p:childTnLst>
+                                    <p:set>
+                                      <p:cBhvr>
+                                        <p:cTn id="8" dur="1" fill="hold">
+                                          <p:stCondLst>
+                                            <p:cond delay="0"/>
+                                          </p:stCondLst>
+                                        </p:cTn>
+                                        <p:tgtEl>
+                                          <p:spTgt spid="14"/>
+                                        </p:tgtEl>
+                                        <p:attrNameLst>
+                                          <p:attrName>style.visibility</p:attrName>
+                                        </p:attrNameLst>
+                                      </p:cBhvr>
+                                      <p:to>
+                                        <p:strVal val="visible"/>
+                                      </p:to>
+                                    </p:set>
+                                  </p:childTnLst>
+                                </p:cTn>
+                              </p:par>
+                              <p:par>
+                                <p:cTn id="9" presetID="1" presetClass="entr" presetSubtype="0" fill="hold" nodeType="withEffect">
+                                  <p:stCondLst>
+                                    <p:cond delay="0"/>
+                                  </p:stCondLst>
+                                  <p:childTnLst>
+                                    <p:set>
+                                      <p:cBhvr>
+                                        <p:cTn id="10" dur="1" fill="hold">
+                                          <p:stCondLst>
+                                            <p:cond delay="0"/>
+                                          </p:stCondLst>
+                                        </p:cTn>
+                                        <p:tgtEl>
+                                          <p:spTgt spid="17"/>
+                                        </p:tgtEl>
+                                        <p:attrNameLst>
+                                          <p:attrName>style.visibility</p:attrName>
+                                        </p:attrNameLst>
+                                      </p:cBhvr>
+                                      <p:to>
+                                        <p:strVal val="visible"/>
+                                      </p:to>
+                                    </p:set>
+                                  </p:childTnLst>
+                                </p:cTn>
+                              </p:par>
+                              <p:par>
+                                <p:cTn id="11" presetID="1" presetClass="entr" presetSubtype="0" fill="hold" nodeType="withEffect">
+                                  <p:stCondLst>
+                                    <p:cond delay="0"/>
+                                  </p:stCondLst>
+                                  <p:childTnLst>
+                                    <p:set>
+                                      <p:cBhvr>
+                                        <p:cTn id="12" dur="1" fill="hold">
+                                          <p:stCondLst>
+                                            <p:cond delay="0"/>
+                                          </p:stCondLst>
+                                        </p:cTn>
+                                        <p:tgtEl>
+                                          <p:spTgt spid="16"/>
+                                        </p:tgtEl>
+                                        <p:attrNameLst>
+                                          <p:attrName>style.visibility</p:attrName>
+                                        </p:attrNameLst>
+                                      </p:cBhvr>
+                                      <p:to>
+                                        <p:strVal val="visible"/>
+                                      </p:to>
+                                    </p:set>
+                                  </p:childTnLst>
+                                </p:cTn>
+                              </p:par>
+                              <p:par>
+                                <p:cTn id="13" presetID="1" presetClass="entr" presetSubtype="0" fill="hold" nodeType="withEffect">
+                                  <p:stCondLst>
+                                    <p:cond delay="0"/>
+                                  </p:stCondLst>
+                                  <p:childTnLst>
+                                    <p:set>
+                                      <p:cBhvr>
+                                        <p:cTn id="14" dur="1" fill="hold">
+                                          <p:stCondLst>
+                                            <p:cond delay="0"/>
+                                          </p:stCondLst>
+                                        </p:cTn>
+                                        <p:tgtEl>
+                                          <p:spTgt spid="18"/>
+                                        </p:tgtEl>
+                                        <p:attrNameLst>
+                                          <p:attrName>style.visibility</p:attrName>
+                                        </p:attrNameLst>
+                                      </p:cBhvr>
+                                      <p:to>
+                                        <p:strVal val="visible"/>
+                                      </p:to>
+                                    </p:set>
+                                  </p:childTnLst>
+                                </p:cTn>
+                              </p:par>
+                              <p:par>
+                                <p:cTn id="15" presetID="1" presetClass="entr" presetSubtype="0" fill="hold" nodeType="withEffect">
+                                  <p:stCondLst>
+                                    <p:cond delay="0"/>
+                                  </p:stCondLst>
+                                  <p:childTnLst>
+                                    <p:set>
+                                      <p:cBhvr>
+                                        <p:cTn id="16" dur="1" fill="hold">
+                                          <p:stCondLst>
+                                            <p:cond delay="0"/>
+                                          </p:stCondLst>
+                                        </p:cTn>
+                                        <p:tgtEl>
+                                          <p:spTgt spid="15"/>
+                                        </p:tgtEl>
+                                        <p:attrNameLst>
+                                          <p:attrName>style.visibility</p:attrName>
+                                        </p:attrNameLst>
+                                      </p:cBhvr>
+                                      <p:to>
+                                        <p:strVal val="visible"/>
+                                      </p:to>
+                                    </p:set>
+                                  </p:childTnLst>
+                                </p:cTn>
+                              </p:par>
+                              <p:par>
+                                <p:cTn id="17" presetID="1" presetClass="entr" presetSubtype="0" fill="hold" nodeType="withEffect">
+                                  <p:stCondLst>
+                                    <p:cond delay="0"/>
+                                  </p:stCondLst>
+                                  <p:childTnLst>
+                                    <p:set>
+                                      <p:cBhvr>
+                                        <p:cTn id="18" dur="1" fill="hold">
+                                          <p:stCondLst>
+                                            <p:cond delay="0"/>
+                                          </p:stCondLst>
+                                        </p:cTn>
+                                        <p:tgtEl>
+                                          <p:spTgt spid="13"/>
+                                        </p:tgtEl>
+                                        <p:attrNameLst>
+                                          <p:attrName>style.visibility</p:attrName>
+                                        </p:attrNameLst>
+                                      </p:cBhvr>
+                                      <p:to>
+                                        <p:strVal val="visible"/>
+                                      </p:to>
+                                    </p:set>
+                                  </p:childTnLst>
+                                </p:cTn>
+                              </p:par>
+                              <p:par>
+                                <p:cTn id="19" presetID="1" presetClass="entr" presetSubtype="0" fill="hold" nodeType="withEffect">
+                                  <p:stCondLst>
+                                    <p:cond delay="0"/>
+                                  </p:stCondLst>
+                                  <p:childTnLst>
+                                    <p:set>
+                                      <p:cBhvr>
+                                        <p:cTn id="20" dur="1" fill="hold">
+                                          <p:stCondLst>
+                                            <p:cond delay="0"/>
+                                          </p:stCondLst>
+                                        </p:cTn>
+                                        <p:tgtEl>
+                                          <p:spTgt spid="12"/>
+                                        </p:tgtEl>
+                                        <p:attrNameLst>
+                                          <p:attrName>style.visibility</p:attrName>
+                                        </p:attrNameLst>
+                                      </p:cBhvr>
+                                      <p:to>
+                                        <p:strVal val="visible"/>
+                                      </p:to>
+                                    </p:set>
+                                  </p:childTnLst>
+                                </p:cTn>
+                              </p:par>
+                            </p:childTnLst>
+                          </p:cTn>
+                        </p:par>
+                      </p:childTnLst>
+                    </p:cTn>
+                  </p:par>
+                  <p:par>
+                    <p:cTn id="21" fill="hold">
+                      <p:stCondLst>
+                        <p:cond delay="indefinite"/>
+                      </p:stCondLst>
+                      <p:childTnLst>
+                        <p:par>
+                          <p:cTn id="22" fill="hold">
+                            <p:stCondLst>
+                              <p:cond delay="0"/>
+                            </p:stCondLst>
+                            <p:childTnLst>
+                              <p:par>
+                                <p:cTn id="23" presetID="1" presetClass="entr" presetSubtype="0" fill="hold" nodeType="clickEffect">
+                                  <p:stCondLst>
+                                    <p:cond delay="0"/>
+                                  </p:stCondLst>
+                                  <p:childTnLst>
+                                    <p:set>
+                                      <p:cBhvr>
+                                        <p:cTn id="24" dur="1" fill="hold">
+                                          <p:stCondLst>
+                                            <p:cond delay="0"/>
+                                          </p:stCondLst>
+                                        </p:cTn>
+                                        <p:tgtEl>
+                                          <p:spTgt spid="22"/>
+                                        </p:tgtEl>
+                                        <p:attrNameLst>
+                                          <p:attrName>style.visibility</p:attrName>
+                                        </p:attrNameLst>
+                                      </p:cBhvr>
+                                      <p:to>
+                                        <p:strVal val="visible"/>
+                                      </p:to>
+                                    </p:set>
+                                  </p:childTnLst>
+                                </p:cTn>
+                              </p:par>
+                              <p:par>
+                                <p:cTn id="25" presetID="1" presetClass="entr" presetSubtype="0" fill="hold" nodeType="withEffect">
+                                  <p:stCondLst>
+                                    <p:cond delay="0"/>
+                                  </p:stCondLst>
+                                  <p:childTnLst>
+                                    <p:set>
+                                      <p:cBhvr>
+                                        <p:cTn id="26" dur="1" fill="hold">
+                                          <p:stCondLst>
+                                            <p:cond delay="0"/>
+                                          </p:stCondLst>
+                                        </p:cTn>
+                                        <p:tgtEl>
+                                          <p:spTgt spid="20"/>
+                                        </p:tgtEl>
+                                        <p:attrNameLst>
+                                          <p:attrName>style.visibility</p:attrName>
+                                        </p:attrNameLst>
+                                      </p:cBhvr>
+                                      <p:to>
+                                        <p:strVal val="visible"/>
+                                      </p:to>
+                                    </p:set>
+                                  </p:childTnLst>
+                                </p:cTn>
+                              </p:par>
+                              <p:par>
+                                <p:cTn id="27" presetID="1" presetClass="entr" presetSubtype="0" fill="hold" nodeType="withEffect">
+                                  <p:stCondLst>
+                                    <p:cond delay="0"/>
+                                  </p:stCondLst>
+                                  <p:childTnLst>
+                                    <p:set>
+                                      <p:cBhvr>
+                                        <p:cTn id="28" dur="1" fill="hold">
+                                          <p:stCondLst>
+                                            <p:cond delay="0"/>
+                                          </p:stCondLst>
+                                        </p:cTn>
+                                        <p:tgtEl>
+                                          <p:spTgt spid="26"/>
+                                        </p:tgtEl>
+                                        <p:attrNameLst>
+                                          <p:attrName>style.visibility</p:attrName>
+                                        </p:attrNameLst>
+                                      </p:cBhvr>
+                                      <p:to>
+                                        <p:strVal val="visible"/>
+                                      </p:to>
+                                    </p:set>
+                                  </p:childTnLst>
+                                </p:cTn>
+                              </p:par>
+                              <p:par>
+                                <p:cTn id="29" presetID="1" presetClass="entr" presetSubtype="0" fill="hold" nodeType="withEffect">
+                                  <p:stCondLst>
+                                    <p:cond delay="0"/>
+                                  </p:stCondLst>
+                                  <p:childTnLst>
+                                    <p:set>
+                                      <p:cBhvr>
+                                        <p:cTn id="30" dur="1" fill="hold">
+                                          <p:stCondLst>
+                                            <p:cond delay="0"/>
+                                          </p:stCondLst>
+                                        </p:cTn>
+                                        <p:tgtEl>
+                                          <p:spTgt spid="30"/>
+                                        </p:tgtEl>
+                                        <p:attrNameLst>
+                                          <p:attrName>style.visibility</p:attrName>
+                                        </p:attrNameLst>
+                                      </p:cBhvr>
+                                      <p:to>
+                                        <p:strVal val="visible"/>
+                                      </p:to>
+                                    </p:set>
+                                  </p:childTnLst>
+                                </p:cTn>
+                              </p:par>
+                              <p:par>
+                                <p:cTn id="31" presetID="1" presetClass="entr" presetSubtype="0" fill="hold" nodeType="withEffect">
+                                  <p:stCondLst>
+                                    <p:cond delay="0"/>
+                                  </p:stCondLst>
+                                  <p:childTnLst>
+                                    <p:set>
+                                      <p:cBhvr>
+                                        <p:cTn id="32" dur="1" fill="hold">
+                                          <p:stCondLst>
+                                            <p:cond delay="0"/>
+                                          </p:stCondLst>
+                                        </p:cTn>
+                                        <p:tgtEl>
+                                          <p:spTgt spid="24"/>
+                                        </p:tgtEl>
+                                        <p:attrNameLst>
+                                          <p:attrName>style.visibility</p:attrName>
+                                        </p:attrNameLst>
+                                      </p:cBhvr>
+                                      <p:to>
+                                        <p:strVal val="visible"/>
+                                      </p:to>
+                                    </p:set>
+                                  </p:childTnLst>
+                                </p:cTn>
+                              </p:par>
+                              <p:par>
+                                <p:cTn id="33" presetID="1" presetClass="entr" presetSubtype="0" fill="hold" nodeType="withEffect">
+                                  <p:stCondLst>
+                                    <p:cond delay="0"/>
+                                  </p:stCondLst>
+                                  <p:childTnLst>
+                                    <p:set>
+                                      <p:cBhvr>
+                                        <p:cTn id="34" dur="1" fill="hold">
+                                          <p:stCondLst>
+                                            <p:cond delay="0"/>
+                                          </p:stCondLst>
+                                        </p:cTn>
+                                        <p:tgtEl>
+                                          <p:spTgt spid="28"/>
+                                        </p:tgtEl>
+                                        <p:attrNameLst>
+                                          <p:attrName>style.visibility</p:attrName>
+                                        </p:attrNameLst>
+                                      </p:cBhvr>
+                                      <p:to>
+                                        <p:strVal val="visible"/>
+                                      </p:to>
+                                    </p:set>
+                                  </p:childTnLst>
+                                </p:cTn>
+                              </p:par>
+                              <p:par>
+                                <p:cTn id="35" presetID="1" presetClass="entr" presetSubtype="0" fill="hold" nodeType="withEffect">
+                                  <p:stCondLst>
+                                    <p:cond delay="0"/>
+                                  </p:stCondLst>
+                                  <p:childTnLst>
+                                    <p:set>
+                                      <p:cBhvr>
+                                        <p:cTn id="36" dur="1" fill="hold">
+                                          <p:stCondLst>
+                                            <p:cond delay="0"/>
+                                          </p:stCondLst>
+                                        </p:cTn>
+                                        <p:tgtEl>
+                                          <p:spTgt spid="34"/>
+                                        </p:tgtEl>
+                                        <p:attrNameLst>
+                                          <p:attrName>style.visibility</p:attrName>
+                                        </p:attrNameLst>
+                                      </p:cBhvr>
+                                      <p:to>
+                                        <p:strVal val="visible"/>
+                                      </p:to>
+                                    </p:set>
+                                  </p:childTnLst>
+                                </p:cTn>
+                              </p:par>
+                              <p:par>
+                                <p:cTn id="37" presetID="1" presetClass="entr" presetSubtype="0" fill="hold" nodeType="withEffect">
+                                  <p:stCondLst>
+                                    <p:cond delay="0"/>
+                                  </p:stCondLst>
+                                  <p:childTnLst>
+                                    <p:set>
+                                      <p:cBhvr>
+                                        <p:cTn id="38" dur="1" fill="hold">
+                                          <p:stCondLst>
+                                            <p:cond delay="0"/>
+                                          </p:stCondLst>
+                                        </p:cTn>
+                                        <p:tgtEl>
+                                          <p:spTgt spid="36"/>
+                                        </p:tgtEl>
+                                        <p:attrNameLst>
+                                          <p:attrName>style.visibility</p:attrName>
+                                        </p:attrNameLst>
+                                      </p:cBhvr>
+                                      <p:to>
+                                        <p:strVal val="visible"/>
+                                      </p:to>
+                                    </p:set>
+                                  </p:childTnLst>
+                                </p:cTn>
+                              </p:par>
+                              <p:par>
+                                <p:cTn id="39" presetID="1" presetClass="entr" presetSubtype="0" fill="hold" nodeType="withEffect">
+                                  <p:stCondLst>
+                                    <p:cond delay="0"/>
+                                  </p:stCondLst>
+                                  <p:childTnLst>
+                                    <p:set>
+                                      <p:cBhvr>
+                                        <p:cTn id="40" dur="1" fill="hold">
+                                          <p:stCondLst>
+                                            <p:cond delay="0"/>
+                                          </p:stCondLst>
+                                        </p:cTn>
+                                        <p:tgtEl>
+                                          <p:spTgt spid="32"/>
+                                        </p:tgtEl>
+                                        <p:attrNameLst>
+                                          <p:attrName>style.visibility</p:attrName>
+                                        </p:attrNameLst>
+                                      </p:cBhvr>
+                                      <p:to>
+                                        <p:strVal val="visible"/>
+                                      </p:to>
+                                    </p:set>
+                                  </p:childTnLst>
+                                </p:cTn>
+                              </p:par>
+                              <p:par>
+                                <p:cTn id="41" presetID="1" presetClass="entr" presetSubtype="0" fill="hold" nodeType="withEffect">
+                                  <p:stCondLst>
+                                    <p:cond delay="0"/>
+                                  </p:stCondLst>
+                                  <p:childTnLst>
+                                    <p:set>
+                                      <p:cBhvr>
+                                        <p:cTn id="42" dur="1" fill="hold">
+                                          <p:stCondLst>
+                                            <p:cond delay="0"/>
+                                          </p:stCondLst>
+                                        </p:cTn>
+                                        <p:tgtEl>
+                                          <p:spTgt spid="38"/>
+                                        </p:tgtEl>
+                                        <p:attrNameLst>
+                                          <p:attrName>style.visibility</p:attrName>
+                                        </p:attrNameLst>
+                                      </p:cBhvr>
+                                      <p:to>
+                                        <p:strVal val="visible"/>
+                                      </p:to>
+                                    </p:set>
+                                  </p:childTnLst>
+                                </p:cTn>
+                              </p:par>
+                              <p:par>
+                                <p:cTn id="43" presetID="1" presetClass="entr" presetSubtype="0" fill="hold" nodeType="withEffect">
+                                  <p:stCondLst>
+                                    <p:cond delay="0"/>
+                                  </p:stCondLst>
+                                  <p:childTnLst>
+                                    <p:set>
+                                      <p:cBhvr>
+                                        <p:cTn id="44" dur="1" fill="hold">
+                                          <p:stCondLst>
+                                            <p:cond delay="0"/>
+                                          </p:stCondLst>
+                                        </p:cTn>
+                                        <p:tgtEl>
+                                          <p:spTgt spid="40"/>
+                                        </p:tgtEl>
+                                        <p:attrNameLst>
+                                          <p:attrName>style.visibility</p:attrName>
+                                        </p:attrNameLst>
+                                      </p:cBhvr>
+                                      <p:to>
+                                        <p:strVal val="visible"/>
+                                      </p:to>
+                                    </p:set>
+                                  </p:childTnLst>
+                                </p:cTn>
+                              </p:par>
+                              <p:par>
+                                <p:cTn id="45" presetID="1" presetClass="entr" presetSubtype="0" fill="hold" nodeType="withEffect">
+                                  <p:stCondLst>
+                                    <p:cond delay="0"/>
+                                  </p:stCondLst>
+                                  <p:childTnLst>
+                                    <p:set>
+                                      <p:cBhvr>
+                                        <p:cTn id="46" dur="1" fill="hold">
+                                          <p:stCondLst>
+                                            <p:cond delay="0"/>
+                                          </p:stCondLst>
+                                        </p:cTn>
+                                        <p:tgtEl>
+                                          <p:spTgt spid="42"/>
+                                        </p:tgtEl>
+                                        <p:attrNameLst>
+                                          <p:attrName>style.visibility</p:attrName>
+                                        </p:attrNameLst>
+                                      </p:cBhvr>
+                                      <p:to>
+                                        <p:strVal val="visible"/>
+                                      </p:to>
+                                    </p:set>
+                                  </p:childTnLst>
+                                </p:cTn>
+                              </p:par>
+                            </p:childTnLst>
+                          </p:cTn>
+                        </p:par>
+                      </p:childTnLst>
+                    </p:cTn>
+                  </p:par>
+                </p:childTnLst>
+              </p:cTn>
+              <p:prevCondLst>
+                <p:cond evt="onPrev" delay="0">
+                  <p:tgtEl>
+                    <p:sldTgt/>
+                  </p:tgtEl>
+                </p:cond>
+              </p:prevCondLst>
+              <p:nextCondLst>
+                <p:cond evt="onNext" delay="0">
+                  <p:tgtEl>
+                    <p:sldTgt/>
+                  </p:tgtEl>
+                </p:cond>
+              </p:nextCondLst>
+            </p:seq>
+          </p:childTnLst>
+        </p:cTn>
+      </p:par>
+    </p:tnLst>
+  </p:timing>
+</p:sld>
+</file>
+
+<file path=ppt/slides/slide17.xml><?xml version="1.0" encoding="utf-8"?>
 <p:sld xmlns:a="http://schemas.openxmlformats.org/drawingml/2006/main" xmlns:r="http://schemas.openxmlformats.org/officeDocument/2006/relationships" xmlns:p="http://schemas.openxmlformats.org/presentationml/2006/main">
   <p:cSld>
     <p:spTree>
@@ -22014,7 +25217,7 @@
 </p:sld>
 </file>
 
-<file path=ppt/slides/slide17.xml><?xml version="1.0" encoding="utf-8"?>
+<file path=ppt/slides/slide18.xml><?xml version="1.0" encoding="utf-8"?>
 <p:sld xmlns:a="http://schemas.openxmlformats.org/drawingml/2006/main" xmlns:r="http://schemas.openxmlformats.org/officeDocument/2006/relationships" xmlns:p="http://schemas.openxmlformats.org/presentationml/2006/main">
   <p:cSld>
     <p:spTree>
@@ -22408,7 +25611,7 @@
 </p:sld>
 </file>
 
-<file path=ppt/slides/slide18.xml><?xml version="1.0" encoding="utf-8"?>
+<file path=ppt/slides/slide19.xml><?xml version="1.0" encoding="utf-8"?>
 <p:sld xmlns:a="http://schemas.openxmlformats.org/drawingml/2006/main" xmlns:r="http://schemas.openxmlformats.org/officeDocument/2006/relationships" xmlns:p="http://schemas.openxmlformats.org/presentationml/2006/main">
   <p:cSld>
     <p:spTree>
@@ -22570,90 +25773,6 @@
 </p:sld>
 </file>
 
-<file path=ppt/slides/slide19.xml><?xml version="1.0" encoding="utf-8"?>
-<p:sld xmlns:a="http://schemas.openxmlformats.org/drawingml/2006/main" xmlns:r="http://schemas.openxmlformats.org/officeDocument/2006/relationships" xmlns:p="http://schemas.openxmlformats.org/presentationml/2006/main">
-  <p:cSld>
-    <p:spTree>
-      <p:nvGrpSpPr>
-        <p:cNvPr id="1" name=""/>
-        <p:cNvGrpSpPr/>
-        <p:nvPr/>
-      </p:nvGrpSpPr>
-      <p:grpSpPr>
-        <a:xfrm>
-          <a:off x="0" y="0"/>
-          <a:ext cx="0" cy="0"/>
-          <a:chOff x="0" y="0"/>
-          <a:chExt cx="0" cy="0"/>
-        </a:xfrm>
-      </p:grpSpPr>
-      <p:sp>
-        <p:nvSpPr>
-          <p:cNvPr id="2" name="Titel 1">
-            <a:extLst>
-              <a:ext uri="{FF2B5EF4-FFF2-40B4-BE49-F238E27FC236}">
-                <a16:creationId xmlns:a16="http://schemas.microsoft.com/office/drawing/2014/main" id="{ECBAF7B1-E23F-48B9-BA51-9A02452902DD}"/>
-              </a:ext>
-            </a:extLst>
-          </p:cNvPr>
-          <p:cNvSpPr>
-            <a:spLocks noGrp="1"/>
-          </p:cNvSpPr>
-          <p:nvPr>
-            <p:ph type="title"/>
-          </p:nvPr>
-        </p:nvSpPr>
-        <p:spPr/>
-        <p:txBody>
-          <a:bodyPr/>
-          <a:lstStyle/>
-          <a:p>
-            <a:pPr algn="ctr"/>
-            <a:r>
-              <a:rPr lang="de-DE" dirty="0"/>
-              <a:t>Fazit &amp; Wahl der Schätzmethode</a:t>
-            </a:r>
-          </a:p>
-        </p:txBody>
-      </p:sp>
-      <p:sp>
-        <p:nvSpPr>
-          <p:cNvPr id="3" name="Inhaltsplatzhalter 2">
-            <a:extLst>
-              <a:ext uri="{FF2B5EF4-FFF2-40B4-BE49-F238E27FC236}">
-                <a16:creationId xmlns:a16="http://schemas.microsoft.com/office/drawing/2014/main" id="{93567E31-E6DA-41BF-98A3-F6DF118F7F86}"/>
-              </a:ext>
-            </a:extLst>
-          </p:cNvPr>
-          <p:cNvSpPr>
-            <a:spLocks noGrp="1"/>
-          </p:cNvSpPr>
-          <p:nvPr>
-            <p:ph idx="1"/>
-          </p:nvPr>
-        </p:nvSpPr>
-        <p:spPr/>
-        <p:txBody>
-          <a:bodyPr/>
-          <a:lstStyle/>
-          <a:p>
-            <a:endParaRPr lang="de-DE"/>
-          </a:p>
-        </p:txBody>
-      </p:sp>
-    </p:spTree>
-    <p:extLst>
-      <p:ext uri="{BB962C8B-B14F-4D97-AF65-F5344CB8AC3E}">
-        <p14:creationId xmlns:p14="http://schemas.microsoft.com/office/powerpoint/2010/main" val="975627160"/>
-      </p:ext>
-    </p:extLst>
-  </p:cSld>
-  <p:clrMapOvr>
-    <a:masterClrMapping/>
-  </p:clrMapOvr>
-</p:sld>
-</file>
-
 <file path=ppt/slides/slide2.xml><?xml version="1.0" encoding="utf-8"?>
 <p:sld xmlns:a="http://schemas.openxmlformats.org/drawingml/2006/main" xmlns:r="http://schemas.openxmlformats.org/officeDocument/2006/relationships" xmlns:p="http://schemas.openxmlformats.org/presentationml/2006/main">
   <p:cSld>
@@ -22797,6 +25916,90 @@
       </p:grpSpPr>
       <p:sp>
         <p:nvSpPr>
+          <p:cNvPr id="2" name="Titel 1">
+            <a:extLst>
+              <a:ext uri="{FF2B5EF4-FFF2-40B4-BE49-F238E27FC236}">
+                <a16:creationId xmlns:a16="http://schemas.microsoft.com/office/drawing/2014/main" id="{ECBAF7B1-E23F-48B9-BA51-9A02452902DD}"/>
+              </a:ext>
+            </a:extLst>
+          </p:cNvPr>
+          <p:cNvSpPr>
+            <a:spLocks noGrp="1"/>
+          </p:cNvSpPr>
+          <p:nvPr>
+            <p:ph type="title"/>
+          </p:nvPr>
+        </p:nvSpPr>
+        <p:spPr/>
+        <p:txBody>
+          <a:bodyPr/>
+          <a:lstStyle/>
+          <a:p>
+            <a:pPr algn="ctr"/>
+            <a:r>
+              <a:rPr lang="de-DE" dirty="0"/>
+              <a:t>Fazit &amp; Wahl der Schätzmethode</a:t>
+            </a:r>
+          </a:p>
+        </p:txBody>
+      </p:sp>
+      <p:sp>
+        <p:nvSpPr>
+          <p:cNvPr id="3" name="Inhaltsplatzhalter 2">
+            <a:extLst>
+              <a:ext uri="{FF2B5EF4-FFF2-40B4-BE49-F238E27FC236}">
+                <a16:creationId xmlns:a16="http://schemas.microsoft.com/office/drawing/2014/main" id="{93567E31-E6DA-41BF-98A3-F6DF118F7F86}"/>
+              </a:ext>
+            </a:extLst>
+          </p:cNvPr>
+          <p:cNvSpPr>
+            <a:spLocks noGrp="1"/>
+          </p:cNvSpPr>
+          <p:nvPr>
+            <p:ph idx="1"/>
+          </p:nvPr>
+        </p:nvSpPr>
+        <p:spPr/>
+        <p:txBody>
+          <a:bodyPr/>
+          <a:lstStyle/>
+          <a:p>
+            <a:endParaRPr lang="de-DE"/>
+          </a:p>
+        </p:txBody>
+      </p:sp>
+    </p:spTree>
+    <p:extLst>
+      <p:ext uri="{BB962C8B-B14F-4D97-AF65-F5344CB8AC3E}">
+        <p14:creationId xmlns:p14="http://schemas.microsoft.com/office/powerpoint/2010/main" val="975627160"/>
+      </p:ext>
+    </p:extLst>
+  </p:cSld>
+  <p:clrMapOvr>
+    <a:masterClrMapping/>
+  </p:clrMapOvr>
+</p:sld>
+</file>
+
+<file path=ppt/slides/slide21.xml><?xml version="1.0" encoding="utf-8"?>
+<p:sld xmlns:a="http://schemas.openxmlformats.org/drawingml/2006/main" xmlns:r="http://schemas.openxmlformats.org/officeDocument/2006/relationships" xmlns:p="http://schemas.openxmlformats.org/presentationml/2006/main">
+  <p:cSld>
+    <p:spTree>
+      <p:nvGrpSpPr>
+        <p:cNvPr id="1" name=""/>
+        <p:cNvGrpSpPr/>
+        <p:nvPr/>
+      </p:nvGrpSpPr>
+      <p:grpSpPr>
+        <a:xfrm>
+          <a:off x="0" y="0"/>
+          <a:ext cx="0" cy="0"/>
+          <a:chOff x="0" y="0"/>
+          <a:chExt cx="0" cy="0"/>
+        </a:xfrm>
+      </p:grpSpPr>
+      <p:sp>
+        <p:nvSpPr>
           <p:cNvPr id="4" name="Textfeld 3">
             <a:extLst>
               <a:ext uri="{FF2B5EF4-FFF2-40B4-BE49-F238E27FC236}">
@@ -22854,7 +26057,7 @@
 </p:sld>
 </file>
 
-<file path=ppt/slides/slide21.xml><?xml version="1.0" encoding="utf-8"?>
+<file path=ppt/slides/slide22.xml><?xml version="1.0" encoding="utf-8"?>
 <p:sld xmlns:a="http://schemas.openxmlformats.org/drawingml/2006/main" xmlns:r="http://schemas.openxmlformats.org/officeDocument/2006/relationships" xmlns:p="http://schemas.openxmlformats.org/presentationml/2006/main">
   <p:cSld>
     <p:spTree>
@@ -23149,7 +26352,7 @@
 </p:sld>
 </file>
 
-<file path=ppt/slides/slide22.xml><?xml version="1.0" encoding="utf-8"?>
+<file path=ppt/slides/slide23.xml><?xml version="1.0" encoding="utf-8"?>
 <p:sld xmlns:a="http://schemas.openxmlformats.org/drawingml/2006/main" xmlns:r="http://schemas.openxmlformats.org/officeDocument/2006/relationships" xmlns:p="http://schemas.openxmlformats.org/presentationml/2006/main">
   <p:cSld>
     <p:spTree>
@@ -23332,7 +26535,7 @@
 </p:sld>
 </file>
 
-<file path=ppt/slides/slide23.xml><?xml version="1.0" encoding="utf-8"?>
+<file path=ppt/slides/slide24.xml><?xml version="1.0" encoding="utf-8"?>
 <p:sld xmlns:a="http://schemas.openxmlformats.org/drawingml/2006/main" xmlns:r="http://schemas.openxmlformats.org/officeDocument/2006/relationships" xmlns:p="http://schemas.openxmlformats.org/presentationml/2006/main">
   <p:cSld>
     <p:spTree>

--- a/a1008 (1).pptx
+++ b/a1008 (1).pptx
@@ -5,33 +5,32 @@
     <p:sldMasterId id="2147483648" r:id="rId1"/>
   </p:sldMasterIdLst>
   <p:notesMasterIdLst>
-    <p:notesMasterId r:id="rId26"/>
+    <p:notesMasterId r:id="rId25"/>
   </p:notesMasterIdLst>
   <p:sldIdLst>
     <p:sldId id="256" r:id="rId2"/>
     <p:sldId id="257" r:id="rId3"/>
     <p:sldId id="258" r:id="rId4"/>
-    <p:sldId id="270" r:id="rId5"/>
+    <p:sldId id="284" r:id="rId5"/>
     <p:sldId id="259" r:id="rId6"/>
-    <p:sldId id="260" r:id="rId7"/>
-    <p:sldId id="261" r:id="rId8"/>
-    <p:sldId id="272" r:id="rId9"/>
-    <p:sldId id="275" r:id="rId10"/>
-    <p:sldId id="273" r:id="rId11"/>
-    <p:sldId id="274" r:id="rId12"/>
-    <p:sldId id="262" r:id="rId13"/>
-    <p:sldId id="276" r:id="rId14"/>
-    <p:sldId id="277" r:id="rId15"/>
-    <p:sldId id="278" r:id="rId16"/>
-    <p:sldId id="282" r:id="rId17"/>
+    <p:sldId id="283" r:id="rId7"/>
+    <p:sldId id="260" r:id="rId8"/>
+    <p:sldId id="261" r:id="rId9"/>
+    <p:sldId id="272" r:id="rId10"/>
+    <p:sldId id="275" r:id="rId11"/>
+    <p:sldId id="273" r:id="rId12"/>
+    <p:sldId id="274" r:id="rId13"/>
+    <p:sldId id="262" r:id="rId14"/>
+    <p:sldId id="276" r:id="rId15"/>
+    <p:sldId id="277" r:id="rId16"/>
+    <p:sldId id="278" r:id="rId17"/>
     <p:sldId id="279" r:id="rId18"/>
     <p:sldId id="280" r:id="rId19"/>
-    <p:sldId id="281" r:id="rId20"/>
-    <p:sldId id="265" r:id="rId21"/>
-    <p:sldId id="268" r:id="rId22"/>
-    <p:sldId id="266" r:id="rId23"/>
-    <p:sldId id="267" r:id="rId24"/>
-    <p:sldId id="271" r:id="rId25"/>
+    <p:sldId id="265" r:id="rId20"/>
+    <p:sldId id="268" r:id="rId21"/>
+    <p:sldId id="266" r:id="rId22"/>
+    <p:sldId id="267" r:id="rId23"/>
+    <p:sldId id="271" r:id="rId24"/>
   </p:sldIdLst>
   <p:sldSz cx="12192000" cy="6858000"/>
   <p:notesSz cx="6858000" cy="9144000"/>
@@ -12025,7 +12024,7 @@
           <a:p>
             <a:fld id="{C9071F95-0312-4097-A033-B27785ED25A1}" type="slidenum">
               <a:rPr lang="de-DE" smtClean="0"/>
-              <a:t>7</a:t>
+              <a:t>8</a:t>
             </a:fld>
             <a:endParaRPr lang="de-DE"/>
           </a:p>
@@ -12109,7 +12108,7 @@
           <a:p>
             <a:fld id="{C9071F95-0312-4097-A033-B27785ED25A1}" type="slidenum">
               <a:rPr lang="de-DE" smtClean="0"/>
-              <a:t>9</a:t>
+              <a:t>10</a:t>
             </a:fld>
             <a:endParaRPr lang="de-DE"/>
           </a:p>
@@ -12193,7 +12192,7 @@
           <a:p>
             <a:fld id="{C9071F95-0312-4097-A033-B27785ED25A1}" type="slidenum">
               <a:rPr lang="de-DE" smtClean="0"/>
-              <a:t>10</a:t>
+              <a:t>11</a:t>
             </a:fld>
             <a:endParaRPr lang="de-DE"/>
           </a:p>
@@ -17897,6 +17896,231 @@
       </p:sp>
       <p:graphicFrame>
         <p:nvGraphicFramePr>
+          <p:cNvPr id="5" name="Inhaltsplatzhalter 4">
+            <a:extLst>
+              <a:ext uri="{FF2B5EF4-FFF2-40B4-BE49-F238E27FC236}">
+                <a16:creationId xmlns:a16="http://schemas.microsoft.com/office/drawing/2014/main" id="{0C51DC7C-58DF-492C-97AA-EF05C305D42B}"/>
+              </a:ext>
+            </a:extLst>
+          </p:cNvPr>
+          <p:cNvGraphicFramePr>
+            <a:graphicFrameLocks noGrp="1"/>
+          </p:cNvGraphicFramePr>
+          <p:nvPr>
+            <p:ph idx="1"/>
+            <p:extLst>
+              <p:ext uri="{D42A27DB-BD31-4B8C-83A1-F6EECF244321}">
+                <p14:modId xmlns:p14="http://schemas.microsoft.com/office/powerpoint/2010/main" val="2019249904"/>
+              </p:ext>
+            </p:extLst>
+          </p:nvPr>
+        </p:nvGraphicFramePr>
+        <p:xfrm>
+          <a:off x="1141413" y="2009776"/>
+          <a:ext cx="9906000" cy="3999138"/>
+        </p:xfrm>
+        <a:graphic>
+          <a:graphicData uri="http://schemas.openxmlformats.org/drawingml/2006/diagram">
+            <dgm:relIds xmlns:dgm="http://schemas.openxmlformats.org/drawingml/2006/diagram" xmlns:r="http://schemas.openxmlformats.org/officeDocument/2006/relationships" r:dm="rId3" r:lo="rId4" r:qs="rId5" r:cs="rId6"/>
+          </a:graphicData>
+        </a:graphic>
+      </p:graphicFrame>
+      <p:sp>
+        <p:nvSpPr>
+          <p:cNvPr id="6" name="Textfeld 5">
+            <a:extLst>
+              <a:ext uri="{FF2B5EF4-FFF2-40B4-BE49-F238E27FC236}">
+                <a16:creationId xmlns:a16="http://schemas.microsoft.com/office/drawing/2014/main" id="{A696B488-D6D0-4FCC-BC51-C63CA0E0A5AD}"/>
+              </a:ext>
+            </a:extLst>
+          </p:cNvPr>
+          <p:cNvSpPr txBox="1"/>
+          <p:nvPr/>
+        </p:nvSpPr>
+        <p:spPr>
+          <a:xfrm>
+            <a:off x="-90435" y="6008914"/>
+            <a:ext cx="12570488" cy="646331"/>
+          </a:xfrm>
+          <a:prstGeom prst="rect">
+            <a:avLst/>
+          </a:prstGeom>
+          <a:noFill/>
+        </p:spPr>
+        <p:txBody>
+          <a:bodyPr wrap="square" rtlCol="0">
+            <a:spAutoFit/>
+          </a:bodyPr>
+          <a:lstStyle/>
+          <a:p>
+            <a:r>
+              <a:rPr lang="de-DE" sz="1800" dirty="0">
+                <a:effectLst>
+                  <a:outerShdw blurRad="38100" dist="38100" dir="2700000" algn="tl">
+                    <a:srgbClr val="000000">
+                      <a:alpha val="43137"/>
+                    </a:srgbClr>
+                  </a:outerShdw>
+                </a:effectLst>
+                <a:latin typeface="Calibri" panose="020F0502020204030204" pitchFamily="34" charset="0"/>
+                <a:ea typeface="Calibri" panose="020F0502020204030204" pitchFamily="34" charset="0"/>
+                <a:cs typeface="Times New Roman" panose="02020603050405020304" pitchFamily="18" charset="0"/>
+              </a:rPr>
+              <a:t>„Die Orientierung der eigenen Antwort an die soziale Erwünschtheit und daraus resultierende Verzerrungen der Antworten können bei der Meinungsfindung durch die anonyme Methode des Delphi-Verfahrens gezielt vermieden werden.“ (Moon, 2021, S. 154)</a:t>
+            </a:r>
+            <a:endParaRPr lang="de-DE" dirty="0">
+              <a:effectLst>
+                <a:outerShdw blurRad="38100" dist="38100" dir="2700000" algn="tl">
+                  <a:srgbClr val="000000">
+                    <a:alpha val="43137"/>
+                  </a:srgbClr>
+                </a:outerShdw>
+              </a:effectLst>
+            </a:endParaRPr>
+          </a:p>
+        </p:txBody>
+      </p:sp>
+      <p:sp>
+        <p:nvSpPr>
+          <p:cNvPr id="7" name="Textfeld 6">
+            <a:extLst>
+              <a:ext uri="{FF2B5EF4-FFF2-40B4-BE49-F238E27FC236}">
+                <a16:creationId xmlns:a16="http://schemas.microsoft.com/office/drawing/2014/main" id="{ED52A875-7348-4A48-AA24-2192B7FAE126}"/>
+              </a:ext>
+            </a:extLst>
+          </p:cNvPr>
+          <p:cNvSpPr txBox="1"/>
+          <p:nvPr/>
+        </p:nvSpPr>
+        <p:spPr>
+          <a:xfrm>
+            <a:off x="10430188" y="5014129"/>
+            <a:ext cx="3165231" cy="830997"/>
+          </a:xfrm>
+          <a:prstGeom prst="rect">
+            <a:avLst/>
+          </a:prstGeom>
+          <a:noFill/>
+        </p:spPr>
+        <p:txBody>
+          <a:bodyPr wrap="square" rtlCol="0">
+            <a:spAutoFit/>
+          </a:bodyPr>
+          <a:lstStyle/>
+          <a:p>
+            <a:r>
+              <a:rPr lang="de-DE" sz="1200" dirty="0">
+                <a:solidFill>
+                  <a:schemeClr val="accent4"/>
+                </a:solidFill>
+              </a:rPr>
+              <a:t>Quellen:</a:t>
+            </a:r>
+          </a:p>
+          <a:p>
+            <a:r>
+              <a:rPr lang="de-DE" sz="1200" dirty="0">
+                <a:solidFill>
+                  <a:schemeClr val="accent4"/>
+                </a:solidFill>
+              </a:rPr>
+              <a:t>Eigene Darstellung </a:t>
+            </a:r>
+          </a:p>
+          <a:p>
+            <a:r>
+              <a:rPr lang="de-DE" sz="1200" dirty="0">
+                <a:solidFill>
+                  <a:schemeClr val="accent4"/>
+                </a:solidFill>
+                <a:effectLst/>
+                <a:latin typeface="Calibri" panose="020F0502020204030204" pitchFamily="34" charset="0"/>
+                <a:ea typeface="Calibri" panose="020F0502020204030204" pitchFamily="34" charset="0"/>
+                <a:cs typeface="Times New Roman" panose="02020603050405020304" pitchFamily="18" charset="0"/>
+              </a:rPr>
+              <a:t>vgl. Moon, 2021, S. 152</a:t>
+            </a:r>
+          </a:p>
+          <a:p>
+            <a:r>
+              <a:rPr lang="de-DE" sz="1200" dirty="0">
+                <a:solidFill>
+                  <a:schemeClr val="accent4"/>
+                </a:solidFill>
+                <a:latin typeface="Calibri" panose="020F0502020204030204" pitchFamily="34" charset="0"/>
+                <a:cs typeface="Times New Roman" panose="02020603050405020304" pitchFamily="18" charset="0"/>
+              </a:rPr>
+              <a:t>vgl. Moon, 2021, S. 153f.</a:t>
+            </a:r>
+            <a:endParaRPr lang="de-DE" sz="1200" dirty="0">
+              <a:solidFill>
+                <a:schemeClr val="accent4"/>
+              </a:solidFill>
+            </a:endParaRPr>
+          </a:p>
+        </p:txBody>
+      </p:sp>
+    </p:spTree>
+    <p:extLst>
+      <p:ext uri="{BB962C8B-B14F-4D97-AF65-F5344CB8AC3E}">
+        <p14:creationId xmlns:p14="http://schemas.microsoft.com/office/powerpoint/2010/main" val="4205217365"/>
+      </p:ext>
+    </p:extLst>
+  </p:cSld>
+  <p:clrMapOvr>
+    <a:masterClrMapping/>
+  </p:clrMapOvr>
+</p:sld>
+</file>
+
+<file path=ppt/slides/slide11.xml><?xml version="1.0" encoding="utf-8"?>
+<p:sld xmlns:a="http://schemas.openxmlformats.org/drawingml/2006/main" xmlns:r="http://schemas.openxmlformats.org/officeDocument/2006/relationships" xmlns:p="http://schemas.openxmlformats.org/presentationml/2006/main">
+  <p:cSld>
+    <p:spTree>
+      <p:nvGrpSpPr>
+        <p:cNvPr id="1" name=""/>
+        <p:cNvGrpSpPr/>
+        <p:nvPr/>
+      </p:nvGrpSpPr>
+      <p:grpSpPr>
+        <a:xfrm>
+          <a:off x="0" y="0"/>
+          <a:ext cx="0" cy="0"/>
+          <a:chOff x="0" y="0"/>
+          <a:chExt cx="0" cy="0"/>
+        </a:xfrm>
+      </p:grpSpPr>
+      <p:sp>
+        <p:nvSpPr>
+          <p:cNvPr id="2" name="Titel 1">
+            <a:extLst>
+              <a:ext uri="{FF2B5EF4-FFF2-40B4-BE49-F238E27FC236}">
+                <a16:creationId xmlns:a16="http://schemas.microsoft.com/office/drawing/2014/main" id="{C69C870D-64F4-42DA-A8E5-366FD6E597F8}"/>
+              </a:ext>
+            </a:extLst>
+          </p:cNvPr>
+          <p:cNvSpPr>
+            <a:spLocks noGrp="1"/>
+          </p:cNvSpPr>
+          <p:nvPr>
+            <p:ph type="title"/>
+          </p:nvPr>
+        </p:nvSpPr>
+        <p:spPr/>
+        <p:txBody>
+          <a:bodyPr/>
+          <a:lstStyle/>
+          <a:p>
+            <a:pPr algn="ctr"/>
+            <a:r>
+              <a:rPr lang="de-DE" dirty="0"/>
+              <a:t>Delphi - Methode</a:t>
+            </a:r>
+          </a:p>
+        </p:txBody>
+      </p:sp>
+      <p:graphicFrame>
+        <p:nvGraphicFramePr>
           <p:cNvPr id="8" name="Inhaltsplatzhalter 7">
             <a:extLst>
               <a:ext uri="{FF2B5EF4-FFF2-40B4-BE49-F238E27FC236}">
@@ -17988,7 +18212,7 @@
 </p:sld>
 </file>
 
-<file path=ppt/slides/slide11.xml><?xml version="1.0" encoding="utf-8"?>
+<file path=ppt/slides/slide12.xml><?xml version="1.0" encoding="utf-8"?>
 <p:sld xmlns:a="http://schemas.openxmlformats.org/drawingml/2006/main" xmlns:r="http://schemas.openxmlformats.org/officeDocument/2006/relationships" xmlns:p="http://schemas.openxmlformats.org/presentationml/2006/main">
   <p:cSld>
     <p:spTree>
@@ -18192,7 +18416,7 @@
 </p:sld>
 </file>
 
-<file path=ppt/slides/slide12.xml><?xml version="1.0" encoding="utf-8"?>
+<file path=ppt/slides/slide13.xml><?xml version="1.0" encoding="utf-8"?>
 <p:sld xmlns:a="http://schemas.openxmlformats.org/drawingml/2006/main" xmlns:r="http://schemas.openxmlformats.org/officeDocument/2006/relationships" xmlns:p="http://schemas.openxmlformats.org/presentationml/2006/main">
   <p:cSld>
     <p:spTree>
@@ -18284,7 +18508,7 @@
         <p:spPr>
           <a:xfrm>
             <a:off x="7267575" y="5562600"/>
-            <a:ext cx="5741986" cy="1200329"/>
+            <a:ext cx="5741986" cy="1015663"/>
           </a:xfrm>
           <a:prstGeom prst="rect">
             <a:avLst/>
@@ -18324,16 +18548,6 @@
                 </a:solidFill>
               </a:rPr>
               <a:t>vgl. Mühlbacher, 2014, S. 60f.</a:t>
-            </a:r>
-          </a:p>
-          <a:p>
-            <a:r>
-              <a:rPr lang="de-DE" sz="1200" dirty="0">
-                <a:solidFill>
-                  <a:schemeClr val="accent4"/>
-                </a:solidFill>
-              </a:rPr>
-              <a:t>vgl. Bühring, 2021, S. 23</a:t>
             </a:r>
           </a:p>
           <a:p>
@@ -18399,7 +18613,7 @@
 </p:sld>
 </file>
 
-<file path=ppt/slides/slide13.xml><?xml version="1.0" encoding="utf-8"?>
+<file path=ppt/slides/slide14.xml><?xml version="1.0" encoding="utf-8"?>
 <p:sld xmlns:a="http://schemas.openxmlformats.org/drawingml/2006/main" xmlns:r="http://schemas.openxmlformats.org/officeDocument/2006/relationships" xmlns:p="http://schemas.openxmlformats.org/presentationml/2006/main">
   <p:cSld>
     <p:spTree>
@@ -18516,7 +18730,7 @@
 </p:sld>
 </file>
 
-<file path=ppt/slides/slide14.xml><?xml version="1.0" encoding="utf-8"?>
+<file path=ppt/slides/slide15.xml><?xml version="1.0" encoding="utf-8"?>
 <p:sld xmlns:a="http://schemas.openxmlformats.org/drawingml/2006/main" xmlns:r="http://schemas.openxmlformats.org/officeDocument/2006/relationships" xmlns:p="http://schemas.openxmlformats.org/presentationml/2006/main">
   <p:cSld>
     <p:spTree>
@@ -18990,7 +19204,7 @@
 </p:sld>
 </file>
 
-<file path=ppt/slides/slide15.xml><?xml version="1.0" encoding="utf-8"?>
+<file path=ppt/slides/slide16.xml><?xml version="1.0" encoding="utf-8"?>
 <p:sld xmlns:a="http://schemas.openxmlformats.org/drawingml/2006/main" xmlns:r="http://schemas.openxmlformats.org/officeDocument/2006/relationships" xmlns:p="http://schemas.openxmlformats.org/presentationml/2006/main">
   <p:cSld>
     <p:spTree>
@@ -22057,3067 +22271,6 @@
 </p:sld>
 </file>
 
-<file path=ppt/slides/slide16.xml><?xml version="1.0" encoding="utf-8"?>
-<p:sld xmlns:a="http://schemas.openxmlformats.org/drawingml/2006/main" xmlns:r="http://schemas.openxmlformats.org/officeDocument/2006/relationships" xmlns:p="http://schemas.openxmlformats.org/presentationml/2006/main">
-  <p:cSld>
-    <p:spTree>
-      <p:nvGrpSpPr>
-        <p:cNvPr id="1" name=""/>
-        <p:cNvGrpSpPr/>
-        <p:nvPr/>
-      </p:nvGrpSpPr>
-      <p:grpSpPr>
-        <a:xfrm>
-          <a:off x="0" y="0"/>
-          <a:ext cx="0" cy="0"/>
-          <a:chOff x="0" y="0"/>
-          <a:chExt cx="0" cy="0"/>
-        </a:xfrm>
-      </p:grpSpPr>
-      <p:sp>
-        <p:nvSpPr>
-          <p:cNvPr id="2" name="Titel 1">
-            <a:extLst>
-              <a:ext uri="{FF2B5EF4-FFF2-40B4-BE49-F238E27FC236}">
-                <a16:creationId xmlns:a16="http://schemas.microsoft.com/office/drawing/2014/main" id="{83CC4940-D9E2-437C-B6F5-0351CCAE4C7A}"/>
-              </a:ext>
-            </a:extLst>
-          </p:cNvPr>
-          <p:cNvSpPr>
-            <a:spLocks noGrp="1"/>
-          </p:cNvSpPr>
-          <p:nvPr>
-            <p:ph type="title"/>
-          </p:nvPr>
-        </p:nvSpPr>
-        <p:spPr>
-          <a:xfrm>
-            <a:off x="1141413" y="341745"/>
-            <a:ext cx="9905998" cy="895928"/>
-          </a:xfrm>
-        </p:spPr>
-        <p:txBody>
-          <a:bodyPr/>
-          <a:lstStyle/>
-          <a:p>
-            <a:r>
-              <a:rPr lang="de-DE" dirty="0"/>
-              <a:t>PERT - Diagramm</a:t>
-            </a:r>
-          </a:p>
-        </p:txBody>
-      </p:sp>
-      <p:graphicFrame>
-        <p:nvGraphicFramePr>
-          <p:cNvPr id="5" name="Tabelle 5">
-            <a:extLst>
-              <a:ext uri="{FF2B5EF4-FFF2-40B4-BE49-F238E27FC236}">
-                <a16:creationId xmlns:a16="http://schemas.microsoft.com/office/drawing/2014/main" id="{8553D567-1B04-44BE-8C3B-A5F2F45A5424}"/>
-              </a:ext>
-            </a:extLst>
-          </p:cNvPr>
-          <p:cNvGraphicFramePr>
-            <a:graphicFrameLocks noGrp="1"/>
-          </p:cNvGraphicFramePr>
-          <p:nvPr/>
-        </p:nvGraphicFramePr>
-        <p:xfrm>
-          <a:off x="6094412" y="420651"/>
-          <a:ext cx="3853152" cy="731520"/>
-        </p:xfrm>
-        <a:graphic>
-          <a:graphicData uri="http://schemas.openxmlformats.org/drawingml/2006/table">
-            <a:tbl>
-              <a:tblPr bandRow="1">
-                <a:tableStyleId>{5C22544A-7EE6-4342-B048-85BDC9FD1C3A}</a:tableStyleId>
-              </a:tblPr>
-              <a:tblGrid>
-                <a:gridCol w="1926576">
-                  <a:extLst>
-                    <a:ext uri="{9D8B030D-6E8A-4147-A177-3AD203B41FA5}">
-                      <a16:colId xmlns:a16="http://schemas.microsoft.com/office/drawing/2014/main" val="2556629905"/>
-                    </a:ext>
-                  </a:extLst>
-                </a:gridCol>
-                <a:gridCol w="1926576">
-                  <a:extLst>
-                    <a:ext uri="{9D8B030D-6E8A-4147-A177-3AD203B41FA5}">
-                      <a16:colId xmlns:a16="http://schemas.microsoft.com/office/drawing/2014/main" val="2166376972"/>
-                    </a:ext>
-                  </a:extLst>
-                </a:gridCol>
-              </a:tblGrid>
-              <a:tr h="337513">
-                <a:tc>
-                  <a:txBody>
-                    <a:bodyPr/>
-                    <a:lstStyle/>
-                    <a:p>
-                      <a:r>
-                        <a:rPr lang="de-DE" sz="1800" b="0" dirty="0">
-                          <a:solidFill>
-                            <a:schemeClr val="bg1"/>
-                          </a:solidFill>
-                        </a:rPr>
-                        <a:t>Frühester Start</a:t>
-                      </a:r>
-                    </a:p>
-                  </a:txBody>
-                  <a:tcPr/>
-                </a:tc>
-                <a:tc>
-                  <a:txBody>
-                    <a:bodyPr/>
-                    <a:lstStyle/>
-                    <a:p>
-                      <a:r>
-                        <a:rPr lang="de-DE" sz="1800" b="0" dirty="0">
-                          <a:solidFill>
-                            <a:schemeClr val="bg1"/>
-                          </a:solidFill>
-                        </a:rPr>
-                        <a:t>Frühestes Ende</a:t>
-                      </a:r>
-                    </a:p>
-                  </a:txBody>
-                  <a:tcPr/>
-                </a:tc>
-                <a:extLst>
-                  <a:ext uri="{0D108BD9-81ED-4DB2-BD59-A6C34878D82A}">
-                    <a16:rowId xmlns:a16="http://schemas.microsoft.com/office/drawing/2014/main" val="1951186189"/>
-                  </a:ext>
-                </a:extLst>
-              </a:tr>
-              <a:tr h="337513">
-                <a:tc>
-                  <a:txBody>
-                    <a:bodyPr/>
-                    <a:lstStyle/>
-                    <a:p>
-                      <a:r>
-                        <a:rPr lang="de-DE" sz="1800" b="0" dirty="0">
-                          <a:solidFill>
-                            <a:schemeClr val="bg1"/>
-                          </a:solidFill>
-                        </a:rPr>
-                        <a:t>Spätester Start</a:t>
-                      </a:r>
-                    </a:p>
-                  </a:txBody>
-                  <a:tcPr/>
-                </a:tc>
-                <a:tc>
-                  <a:txBody>
-                    <a:bodyPr/>
-                    <a:lstStyle/>
-                    <a:p>
-                      <a:r>
-                        <a:rPr lang="de-DE" sz="1800" b="0" dirty="0">
-                          <a:solidFill>
-                            <a:schemeClr val="bg1"/>
-                          </a:solidFill>
-                        </a:rPr>
-                        <a:t>Spätestes Ende</a:t>
-                      </a:r>
-                    </a:p>
-                  </a:txBody>
-                  <a:tcPr/>
-                </a:tc>
-                <a:extLst>
-                  <a:ext uri="{0D108BD9-81ED-4DB2-BD59-A6C34878D82A}">
-                    <a16:rowId xmlns:a16="http://schemas.microsoft.com/office/drawing/2014/main" val="1045124613"/>
-                  </a:ext>
-                </a:extLst>
-              </a:tr>
-            </a:tbl>
-          </a:graphicData>
-        </a:graphic>
-      </p:graphicFrame>
-      <p:graphicFrame>
-        <p:nvGraphicFramePr>
-          <p:cNvPr id="6" name="Tabelle 6">
-            <a:extLst>
-              <a:ext uri="{FF2B5EF4-FFF2-40B4-BE49-F238E27FC236}">
-                <a16:creationId xmlns:a16="http://schemas.microsoft.com/office/drawing/2014/main" id="{69AF70EB-2655-4657-B86B-5C10A56A85F1}"/>
-              </a:ext>
-            </a:extLst>
-          </p:cNvPr>
-          <p:cNvGraphicFramePr>
-            <a:graphicFrameLocks noGrp="1"/>
-          </p:cNvGraphicFramePr>
-          <p:nvPr/>
-        </p:nvGraphicFramePr>
-        <p:xfrm>
-          <a:off x="893979" y="5468852"/>
-          <a:ext cx="10400866" cy="1107440"/>
-        </p:xfrm>
-        <a:graphic>
-          <a:graphicData uri="http://schemas.openxmlformats.org/drawingml/2006/table">
-            <a:tbl>
-              <a:tblPr firstRow="1" bandRow="1">
-                <a:tableStyleId>{5C22544A-7EE6-4342-B048-85BDC9FD1C3A}</a:tableStyleId>
-              </a:tblPr>
-              <a:tblGrid>
-                <a:gridCol w="2297498">
-                  <a:extLst>
-                    <a:ext uri="{9D8B030D-6E8A-4147-A177-3AD203B41FA5}">
-                      <a16:colId xmlns:a16="http://schemas.microsoft.com/office/drawing/2014/main" val="679930394"/>
-                    </a:ext>
-                  </a:extLst>
-                </a:gridCol>
-                <a:gridCol w="1012921">
-                  <a:extLst>
-                    <a:ext uri="{9D8B030D-6E8A-4147-A177-3AD203B41FA5}">
-                      <a16:colId xmlns:a16="http://schemas.microsoft.com/office/drawing/2014/main" val="3840608952"/>
-                    </a:ext>
-                  </a:extLst>
-                </a:gridCol>
-                <a:gridCol w="1012921">
-                  <a:extLst>
-                    <a:ext uri="{9D8B030D-6E8A-4147-A177-3AD203B41FA5}">
-                      <a16:colId xmlns:a16="http://schemas.microsoft.com/office/drawing/2014/main" val="758525459"/>
-                    </a:ext>
-                  </a:extLst>
-                </a:gridCol>
-                <a:gridCol w="1012921">
-                  <a:extLst>
-                    <a:ext uri="{9D8B030D-6E8A-4147-A177-3AD203B41FA5}">
-                      <a16:colId xmlns:a16="http://schemas.microsoft.com/office/drawing/2014/main" val="114140554"/>
-                    </a:ext>
-                  </a:extLst>
-                </a:gridCol>
-                <a:gridCol w="1012921">
-                  <a:extLst>
-                    <a:ext uri="{9D8B030D-6E8A-4147-A177-3AD203B41FA5}">
-                      <a16:colId xmlns:a16="http://schemas.microsoft.com/office/drawing/2014/main" val="1460018751"/>
-                    </a:ext>
-                  </a:extLst>
-                </a:gridCol>
-                <a:gridCol w="1012921">
-                  <a:extLst>
-                    <a:ext uri="{9D8B030D-6E8A-4147-A177-3AD203B41FA5}">
-                      <a16:colId xmlns:a16="http://schemas.microsoft.com/office/drawing/2014/main" val="31346433"/>
-                    </a:ext>
-                  </a:extLst>
-                </a:gridCol>
-                <a:gridCol w="1012921">
-                  <a:extLst>
-                    <a:ext uri="{9D8B030D-6E8A-4147-A177-3AD203B41FA5}">
-                      <a16:colId xmlns:a16="http://schemas.microsoft.com/office/drawing/2014/main" val="2852990974"/>
-                    </a:ext>
-                  </a:extLst>
-                </a:gridCol>
-                <a:gridCol w="1012921">
-                  <a:extLst>
-                    <a:ext uri="{9D8B030D-6E8A-4147-A177-3AD203B41FA5}">
-                      <a16:colId xmlns:a16="http://schemas.microsoft.com/office/drawing/2014/main" val="3782814516"/>
-                    </a:ext>
-                  </a:extLst>
-                </a:gridCol>
-                <a:gridCol w="1012921">
-                  <a:extLst>
-                    <a:ext uri="{9D8B030D-6E8A-4147-A177-3AD203B41FA5}">
-                      <a16:colId xmlns:a16="http://schemas.microsoft.com/office/drawing/2014/main" val="3528093438"/>
-                    </a:ext>
-                  </a:extLst>
-                </a:gridCol>
-              </a:tblGrid>
-              <a:tr h="370840">
-                <a:tc>
-                  <a:txBody>
-                    <a:bodyPr/>
-                    <a:lstStyle/>
-                    <a:p>
-                      <a:endParaRPr lang="de-DE" dirty="0"/>
-                    </a:p>
-                  </a:txBody>
-                  <a:tcPr/>
-                </a:tc>
-                <a:tc>
-                  <a:txBody>
-                    <a:bodyPr/>
-                    <a:lstStyle/>
-                    <a:p>
-                      <a:r>
-                        <a:rPr lang="de-DE" dirty="0"/>
-                        <a:t>A</a:t>
-                      </a:r>
-                    </a:p>
-                  </a:txBody>
-                  <a:tcPr/>
-                </a:tc>
-                <a:tc>
-                  <a:txBody>
-                    <a:bodyPr/>
-                    <a:lstStyle/>
-                    <a:p>
-                      <a:r>
-                        <a:rPr lang="de-DE" dirty="0"/>
-                        <a:t>B</a:t>
-                      </a:r>
-                    </a:p>
-                  </a:txBody>
-                  <a:tcPr/>
-                </a:tc>
-                <a:tc>
-                  <a:txBody>
-                    <a:bodyPr/>
-                    <a:lstStyle/>
-                    <a:p>
-                      <a:r>
-                        <a:rPr lang="de-DE" dirty="0"/>
-                        <a:t>C</a:t>
-                      </a:r>
-                    </a:p>
-                  </a:txBody>
-                  <a:tcPr/>
-                </a:tc>
-                <a:tc>
-                  <a:txBody>
-                    <a:bodyPr/>
-                    <a:lstStyle/>
-                    <a:p>
-                      <a:r>
-                        <a:rPr lang="de-DE" dirty="0"/>
-                        <a:t>D</a:t>
-                      </a:r>
-                    </a:p>
-                  </a:txBody>
-                  <a:tcPr/>
-                </a:tc>
-                <a:tc>
-                  <a:txBody>
-                    <a:bodyPr/>
-                    <a:lstStyle/>
-                    <a:p>
-                      <a:r>
-                        <a:rPr lang="de-DE" dirty="0"/>
-                        <a:t>E</a:t>
-                      </a:r>
-                    </a:p>
-                  </a:txBody>
-                  <a:tcPr/>
-                </a:tc>
-                <a:tc>
-                  <a:txBody>
-                    <a:bodyPr/>
-                    <a:lstStyle/>
-                    <a:p>
-                      <a:r>
-                        <a:rPr lang="de-DE" dirty="0"/>
-                        <a:t>F</a:t>
-                      </a:r>
-                    </a:p>
-                  </a:txBody>
-                  <a:tcPr/>
-                </a:tc>
-                <a:tc>
-                  <a:txBody>
-                    <a:bodyPr/>
-                    <a:lstStyle/>
-                    <a:p>
-                      <a:r>
-                        <a:rPr lang="de-DE" dirty="0"/>
-                        <a:t>G</a:t>
-                      </a:r>
-                    </a:p>
-                  </a:txBody>
-                  <a:tcPr/>
-                </a:tc>
-                <a:tc>
-                  <a:txBody>
-                    <a:bodyPr/>
-                    <a:lstStyle/>
-                    <a:p>
-                      <a:r>
-                        <a:rPr lang="de-DE" dirty="0"/>
-                        <a:t>H</a:t>
-                      </a:r>
-                    </a:p>
-                  </a:txBody>
-                  <a:tcPr/>
-                </a:tc>
-                <a:extLst>
-                  <a:ext uri="{0D108BD9-81ED-4DB2-BD59-A6C34878D82A}">
-                    <a16:rowId xmlns:a16="http://schemas.microsoft.com/office/drawing/2014/main" val="3533153664"/>
-                  </a:ext>
-                </a:extLst>
-              </a:tr>
-              <a:tr h="370840">
-                <a:tc>
-                  <a:txBody>
-                    <a:bodyPr/>
-                    <a:lstStyle/>
-                    <a:p>
-                      <a:r>
-                        <a:rPr lang="de-DE" dirty="0"/>
-                        <a:t>Abhängig von</a:t>
-                      </a:r>
-                    </a:p>
-                  </a:txBody>
-                  <a:tcPr/>
-                </a:tc>
-                <a:tc>
-                  <a:txBody>
-                    <a:bodyPr/>
-                    <a:lstStyle/>
-                    <a:p>
-                      <a:r>
-                        <a:rPr lang="de-DE" dirty="0"/>
-                        <a:t>-</a:t>
-                      </a:r>
-                    </a:p>
-                  </a:txBody>
-                  <a:tcPr/>
-                </a:tc>
-                <a:tc>
-                  <a:txBody>
-                    <a:bodyPr/>
-                    <a:lstStyle/>
-                    <a:p>
-                      <a:r>
-                        <a:rPr lang="de-DE" dirty="0"/>
-                        <a:t>-</a:t>
-                      </a:r>
-                    </a:p>
-                  </a:txBody>
-                  <a:tcPr/>
-                </a:tc>
-                <a:tc>
-                  <a:txBody>
-                    <a:bodyPr/>
-                    <a:lstStyle/>
-                    <a:p>
-                      <a:r>
-                        <a:rPr lang="de-DE" dirty="0"/>
-                        <a:t>B</a:t>
-                      </a:r>
-                    </a:p>
-                  </a:txBody>
-                  <a:tcPr/>
-                </a:tc>
-                <a:tc>
-                  <a:txBody>
-                    <a:bodyPr/>
-                    <a:lstStyle/>
-                    <a:p>
-                      <a:r>
-                        <a:rPr lang="de-DE" dirty="0"/>
-                        <a:t>A, C</a:t>
-                      </a:r>
-                    </a:p>
-                  </a:txBody>
-                  <a:tcPr/>
-                </a:tc>
-                <a:tc>
-                  <a:txBody>
-                    <a:bodyPr/>
-                    <a:lstStyle/>
-                    <a:p>
-                      <a:r>
-                        <a:rPr lang="de-DE" dirty="0"/>
-                        <a:t>B</a:t>
-                      </a:r>
-                    </a:p>
-                  </a:txBody>
-                  <a:tcPr/>
-                </a:tc>
-                <a:tc>
-                  <a:txBody>
-                    <a:bodyPr/>
-                    <a:lstStyle/>
-                    <a:p>
-                      <a:r>
-                        <a:rPr lang="de-DE" dirty="0"/>
-                        <a:t>E</a:t>
-                      </a:r>
-                    </a:p>
-                  </a:txBody>
-                  <a:tcPr/>
-                </a:tc>
-                <a:tc>
-                  <a:txBody>
-                    <a:bodyPr/>
-                    <a:lstStyle/>
-                    <a:p>
-                      <a:r>
-                        <a:rPr lang="de-DE" dirty="0"/>
-                        <a:t>D, E</a:t>
-                      </a:r>
-                    </a:p>
-                  </a:txBody>
-                  <a:tcPr/>
-                </a:tc>
-                <a:tc>
-                  <a:txBody>
-                    <a:bodyPr/>
-                    <a:lstStyle/>
-                    <a:p>
-                      <a:r>
-                        <a:rPr lang="de-DE" dirty="0"/>
-                        <a:t>F</a:t>
-                      </a:r>
-                    </a:p>
-                  </a:txBody>
-                  <a:tcPr/>
-                </a:tc>
-                <a:extLst>
-                  <a:ext uri="{0D108BD9-81ED-4DB2-BD59-A6C34878D82A}">
-                    <a16:rowId xmlns:a16="http://schemas.microsoft.com/office/drawing/2014/main" val="132499841"/>
-                  </a:ext>
-                </a:extLst>
-              </a:tr>
-              <a:tr h="190268">
-                <a:tc>
-                  <a:txBody>
-                    <a:bodyPr/>
-                    <a:lstStyle/>
-                    <a:p>
-                      <a:r>
-                        <a:rPr lang="de-DE" dirty="0"/>
-                        <a:t>Geschätzte Dauer</a:t>
-                      </a:r>
-                    </a:p>
-                  </a:txBody>
-                  <a:tcPr/>
-                </a:tc>
-                <a:tc>
-                  <a:txBody>
-                    <a:bodyPr/>
-                    <a:lstStyle/>
-                    <a:p>
-                      <a:r>
-                        <a:rPr lang="de-DE" dirty="0"/>
-                        <a:t>5</a:t>
-                      </a:r>
-                    </a:p>
-                  </a:txBody>
-                  <a:tcPr/>
-                </a:tc>
-                <a:tc>
-                  <a:txBody>
-                    <a:bodyPr/>
-                    <a:lstStyle/>
-                    <a:p>
-                      <a:r>
-                        <a:rPr lang="de-DE" dirty="0"/>
-                        <a:t>8</a:t>
-                      </a:r>
-                    </a:p>
-                  </a:txBody>
-                  <a:tcPr/>
-                </a:tc>
-                <a:tc>
-                  <a:txBody>
-                    <a:bodyPr/>
-                    <a:lstStyle/>
-                    <a:p>
-                      <a:r>
-                        <a:rPr lang="de-DE" dirty="0"/>
-                        <a:t>6</a:t>
-                      </a:r>
-                    </a:p>
-                  </a:txBody>
-                  <a:tcPr/>
-                </a:tc>
-                <a:tc>
-                  <a:txBody>
-                    <a:bodyPr/>
-                    <a:lstStyle/>
-                    <a:p>
-                      <a:r>
-                        <a:rPr lang="de-DE" dirty="0"/>
-                        <a:t>4</a:t>
-                      </a:r>
-                    </a:p>
-                  </a:txBody>
-                  <a:tcPr/>
-                </a:tc>
-                <a:tc>
-                  <a:txBody>
-                    <a:bodyPr/>
-                    <a:lstStyle/>
-                    <a:p>
-                      <a:r>
-                        <a:rPr lang="de-DE" dirty="0"/>
-                        <a:t>7</a:t>
-                      </a:r>
-                    </a:p>
-                  </a:txBody>
-                  <a:tcPr/>
-                </a:tc>
-                <a:tc>
-                  <a:txBody>
-                    <a:bodyPr/>
-                    <a:lstStyle/>
-                    <a:p>
-                      <a:r>
-                        <a:rPr lang="de-DE" dirty="0"/>
-                        <a:t>9</a:t>
-                      </a:r>
-                    </a:p>
-                  </a:txBody>
-                  <a:tcPr/>
-                </a:tc>
-                <a:tc>
-                  <a:txBody>
-                    <a:bodyPr/>
-                    <a:lstStyle/>
-                    <a:p>
-                      <a:r>
-                        <a:rPr lang="de-DE" dirty="0"/>
-                        <a:t>3</a:t>
-                      </a:r>
-                    </a:p>
-                  </a:txBody>
-                  <a:tcPr/>
-                </a:tc>
-                <a:tc>
-                  <a:txBody>
-                    <a:bodyPr/>
-                    <a:lstStyle/>
-                    <a:p>
-                      <a:r>
-                        <a:rPr lang="de-DE" dirty="0"/>
-                        <a:t>6</a:t>
-                      </a:r>
-                    </a:p>
-                  </a:txBody>
-                  <a:tcPr/>
-                </a:tc>
-                <a:extLst>
-                  <a:ext uri="{0D108BD9-81ED-4DB2-BD59-A6C34878D82A}">
-                    <a16:rowId xmlns:a16="http://schemas.microsoft.com/office/drawing/2014/main" val="4227464681"/>
-                  </a:ext>
-                </a:extLst>
-              </a:tr>
-            </a:tbl>
-          </a:graphicData>
-        </a:graphic>
-      </p:graphicFrame>
-      <p:graphicFrame>
-        <p:nvGraphicFramePr>
-          <p:cNvPr id="7" name="Tabelle 7">
-            <a:extLst>
-              <a:ext uri="{FF2B5EF4-FFF2-40B4-BE49-F238E27FC236}">
-                <a16:creationId xmlns:a16="http://schemas.microsoft.com/office/drawing/2014/main" id="{64732D29-CEF4-4540-9A56-168D7EFE0625}"/>
-              </a:ext>
-            </a:extLst>
-          </p:cNvPr>
-          <p:cNvGraphicFramePr>
-            <a:graphicFrameLocks noGrp="1"/>
-          </p:cNvGraphicFramePr>
-          <p:nvPr/>
-        </p:nvGraphicFramePr>
-        <p:xfrm>
-          <a:off x="2168596" y="1529157"/>
-          <a:ext cx="944058" cy="1097280"/>
-        </p:xfrm>
-        <a:graphic>
-          <a:graphicData uri="http://schemas.openxmlformats.org/drawingml/2006/table">
-            <a:tbl>
-              <a:tblPr firstRow="1" bandRow="1">
-                <a:tableStyleId>{5C22544A-7EE6-4342-B048-85BDC9FD1C3A}</a:tableStyleId>
-              </a:tblPr>
-              <a:tblGrid>
-                <a:gridCol w="472029">
-                  <a:extLst>
-                    <a:ext uri="{9D8B030D-6E8A-4147-A177-3AD203B41FA5}">
-                      <a16:colId xmlns:a16="http://schemas.microsoft.com/office/drawing/2014/main" val="1329225509"/>
-                    </a:ext>
-                  </a:extLst>
-                </a:gridCol>
-                <a:gridCol w="472029">
-                  <a:extLst>
-                    <a:ext uri="{9D8B030D-6E8A-4147-A177-3AD203B41FA5}">
-                      <a16:colId xmlns:a16="http://schemas.microsoft.com/office/drawing/2014/main" val="4206129725"/>
-                    </a:ext>
-                  </a:extLst>
-                </a:gridCol>
-              </a:tblGrid>
-              <a:tr h="306647">
-                <a:tc gridSpan="2">
-                  <a:txBody>
-                    <a:bodyPr/>
-                    <a:lstStyle/>
-                    <a:p>
-                      <a:pPr algn="ctr"/>
-                      <a:r>
-                        <a:rPr lang="de-DE" dirty="0"/>
-                        <a:t>A</a:t>
-                      </a:r>
-                    </a:p>
-                  </a:txBody>
-                  <a:tcPr/>
-                </a:tc>
-                <a:tc hMerge="1">
-                  <a:txBody>
-                    <a:bodyPr/>
-                    <a:lstStyle/>
-                    <a:p>
-                      <a:endParaRPr lang="de-DE" dirty="0"/>
-                    </a:p>
-                  </a:txBody>
-                  <a:tcPr/>
-                </a:tc>
-                <a:extLst>
-                  <a:ext uri="{0D108BD9-81ED-4DB2-BD59-A6C34878D82A}">
-                    <a16:rowId xmlns:a16="http://schemas.microsoft.com/office/drawing/2014/main" val="3507648942"/>
-                  </a:ext>
-                </a:extLst>
-              </a:tr>
-              <a:tr h="306647">
-                <a:tc>
-                  <a:txBody>
-                    <a:bodyPr/>
-                    <a:lstStyle/>
-                    <a:p>
-                      <a:pPr algn="ctr"/>
-                      <a:r>
-                        <a:rPr lang="de-DE" dirty="0"/>
-                        <a:t>0</a:t>
-                      </a:r>
-                    </a:p>
-                  </a:txBody>
-                  <a:tcPr/>
-                </a:tc>
-                <a:tc>
-                  <a:txBody>
-                    <a:bodyPr/>
-                    <a:lstStyle/>
-                    <a:p>
-                      <a:pPr algn="ctr"/>
-                      <a:r>
-                        <a:rPr lang="de-DE" dirty="0"/>
-                        <a:t>5</a:t>
-                      </a:r>
-                    </a:p>
-                  </a:txBody>
-                  <a:tcPr/>
-                </a:tc>
-                <a:extLst>
-                  <a:ext uri="{0D108BD9-81ED-4DB2-BD59-A6C34878D82A}">
-                    <a16:rowId xmlns:a16="http://schemas.microsoft.com/office/drawing/2014/main" val="404102209"/>
-                  </a:ext>
-                </a:extLst>
-              </a:tr>
-              <a:tr h="306647">
-                <a:tc>
-                  <a:txBody>
-                    <a:bodyPr/>
-                    <a:lstStyle/>
-                    <a:p>
-                      <a:pPr algn="ctr"/>
-                      <a:r>
-                        <a:rPr lang="de-DE" dirty="0"/>
-                        <a:t>17</a:t>
-                      </a:r>
-                    </a:p>
-                  </a:txBody>
-                  <a:tcPr/>
-                </a:tc>
-                <a:tc>
-                  <a:txBody>
-                    <a:bodyPr/>
-                    <a:lstStyle/>
-                    <a:p>
-                      <a:pPr algn="ctr"/>
-                      <a:r>
-                        <a:rPr lang="de-DE" dirty="0"/>
-                        <a:t>23</a:t>
-                      </a:r>
-                    </a:p>
-                  </a:txBody>
-                  <a:tcPr/>
-                </a:tc>
-                <a:extLst>
-                  <a:ext uri="{0D108BD9-81ED-4DB2-BD59-A6C34878D82A}">
-                    <a16:rowId xmlns:a16="http://schemas.microsoft.com/office/drawing/2014/main" val="3665094232"/>
-                  </a:ext>
-                </a:extLst>
-              </a:tr>
-            </a:tbl>
-          </a:graphicData>
-        </a:graphic>
-      </p:graphicFrame>
-      <p:graphicFrame>
-        <p:nvGraphicFramePr>
-          <p:cNvPr id="8" name="Tabelle 8">
-            <a:extLst>
-              <a:ext uri="{FF2B5EF4-FFF2-40B4-BE49-F238E27FC236}">
-                <a16:creationId xmlns:a16="http://schemas.microsoft.com/office/drawing/2014/main" id="{D11727E6-EA16-48CB-8861-F44BCD57FE02}"/>
-              </a:ext>
-            </a:extLst>
-          </p:cNvPr>
-          <p:cNvGraphicFramePr>
-            <a:graphicFrameLocks noGrp="1"/>
-          </p:cNvGraphicFramePr>
-          <p:nvPr/>
-        </p:nvGraphicFramePr>
-        <p:xfrm>
-          <a:off x="683492" y="2917921"/>
-          <a:ext cx="711200" cy="370840"/>
-        </p:xfrm>
-        <a:graphic>
-          <a:graphicData uri="http://schemas.openxmlformats.org/drawingml/2006/table">
-            <a:tbl>
-              <a:tblPr firstRow="1" bandRow="1">
-                <a:tableStyleId>{5C22544A-7EE6-4342-B048-85BDC9FD1C3A}</a:tableStyleId>
-              </a:tblPr>
-              <a:tblGrid>
-                <a:gridCol w="711200">
-                  <a:extLst>
-                    <a:ext uri="{9D8B030D-6E8A-4147-A177-3AD203B41FA5}">
-                      <a16:colId xmlns:a16="http://schemas.microsoft.com/office/drawing/2014/main" val="2079429877"/>
-                    </a:ext>
-                  </a:extLst>
-                </a:gridCol>
-              </a:tblGrid>
-              <a:tr h="370840">
-                <a:tc>
-                  <a:txBody>
-                    <a:bodyPr/>
-                    <a:lstStyle/>
-                    <a:p>
-                      <a:pPr algn="ctr"/>
-                      <a:r>
-                        <a:rPr lang="de-DE" dirty="0"/>
-                        <a:t>Start</a:t>
-                      </a:r>
-                    </a:p>
-                  </a:txBody>
-                  <a:tcPr/>
-                </a:tc>
-                <a:extLst>
-                  <a:ext uri="{0D108BD9-81ED-4DB2-BD59-A6C34878D82A}">
-                    <a16:rowId xmlns:a16="http://schemas.microsoft.com/office/drawing/2014/main" val="2320370699"/>
-                  </a:ext>
-                </a:extLst>
-              </a:tr>
-            </a:tbl>
-          </a:graphicData>
-        </a:graphic>
-      </p:graphicFrame>
-      <p:graphicFrame>
-        <p:nvGraphicFramePr>
-          <p:cNvPr id="9" name="Tabelle 8">
-            <a:extLst>
-              <a:ext uri="{FF2B5EF4-FFF2-40B4-BE49-F238E27FC236}">
-                <a16:creationId xmlns:a16="http://schemas.microsoft.com/office/drawing/2014/main" id="{4B371848-5A6A-4B05-A238-1E5FDDE9DD5D}"/>
-              </a:ext>
-            </a:extLst>
-          </p:cNvPr>
-          <p:cNvGraphicFramePr>
-            <a:graphicFrameLocks noGrp="1"/>
-          </p:cNvGraphicFramePr>
-          <p:nvPr/>
-        </p:nvGraphicFramePr>
-        <p:xfrm>
-          <a:off x="10836203" y="2917921"/>
-          <a:ext cx="773905" cy="370840"/>
-        </p:xfrm>
-        <a:graphic>
-          <a:graphicData uri="http://schemas.openxmlformats.org/drawingml/2006/table">
-            <a:tbl>
-              <a:tblPr firstRow="1" bandRow="1">
-                <a:tableStyleId>{5C22544A-7EE6-4342-B048-85BDC9FD1C3A}</a:tableStyleId>
-              </a:tblPr>
-              <a:tblGrid>
-                <a:gridCol w="773905">
-                  <a:extLst>
-                    <a:ext uri="{9D8B030D-6E8A-4147-A177-3AD203B41FA5}">
-                      <a16:colId xmlns:a16="http://schemas.microsoft.com/office/drawing/2014/main" val="2079429877"/>
-                    </a:ext>
-                  </a:extLst>
-                </a:gridCol>
-              </a:tblGrid>
-              <a:tr h="370840">
-                <a:tc>
-                  <a:txBody>
-                    <a:bodyPr/>
-                    <a:lstStyle/>
-                    <a:p>
-                      <a:pPr algn="ctr"/>
-                      <a:r>
-                        <a:rPr lang="de-DE" dirty="0"/>
-                        <a:t>Ende</a:t>
-                      </a:r>
-                    </a:p>
-                  </a:txBody>
-                  <a:tcPr/>
-                </a:tc>
-                <a:extLst>
-                  <a:ext uri="{0D108BD9-81ED-4DB2-BD59-A6C34878D82A}">
-                    <a16:rowId xmlns:a16="http://schemas.microsoft.com/office/drawing/2014/main" val="2320370699"/>
-                  </a:ext>
-                </a:extLst>
-              </a:tr>
-            </a:tbl>
-          </a:graphicData>
-        </a:graphic>
-      </p:graphicFrame>
-      <p:graphicFrame>
-        <p:nvGraphicFramePr>
-          <p:cNvPr id="12" name="Tabelle 7">
-            <a:extLst>
-              <a:ext uri="{FF2B5EF4-FFF2-40B4-BE49-F238E27FC236}">
-                <a16:creationId xmlns:a16="http://schemas.microsoft.com/office/drawing/2014/main" id="{EAE56F77-6945-443F-B3DD-C10C82DAA015}"/>
-              </a:ext>
-            </a:extLst>
-          </p:cNvPr>
-          <p:cNvGraphicFramePr>
-            <a:graphicFrameLocks noGrp="1"/>
-          </p:cNvGraphicFramePr>
-          <p:nvPr/>
-        </p:nvGraphicFramePr>
-        <p:xfrm>
-          <a:off x="2169841" y="3566469"/>
-          <a:ext cx="944058" cy="1097280"/>
-        </p:xfrm>
-        <a:graphic>
-          <a:graphicData uri="http://schemas.openxmlformats.org/drawingml/2006/table">
-            <a:tbl>
-              <a:tblPr firstRow="1" bandRow="1">
-                <a:tableStyleId>{5C22544A-7EE6-4342-B048-85BDC9FD1C3A}</a:tableStyleId>
-              </a:tblPr>
-              <a:tblGrid>
-                <a:gridCol w="472029">
-                  <a:extLst>
-                    <a:ext uri="{9D8B030D-6E8A-4147-A177-3AD203B41FA5}">
-                      <a16:colId xmlns:a16="http://schemas.microsoft.com/office/drawing/2014/main" val="1329225509"/>
-                    </a:ext>
-                  </a:extLst>
-                </a:gridCol>
-                <a:gridCol w="472029">
-                  <a:extLst>
-                    <a:ext uri="{9D8B030D-6E8A-4147-A177-3AD203B41FA5}">
-                      <a16:colId xmlns:a16="http://schemas.microsoft.com/office/drawing/2014/main" val="4206129725"/>
-                    </a:ext>
-                  </a:extLst>
-                </a:gridCol>
-              </a:tblGrid>
-              <a:tr h="306647">
-                <a:tc gridSpan="2">
-                  <a:txBody>
-                    <a:bodyPr/>
-                    <a:lstStyle/>
-                    <a:p>
-                      <a:pPr algn="ctr"/>
-                      <a:r>
-                        <a:rPr lang="de-DE" dirty="0"/>
-                        <a:t>B</a:t>
-                      </a:r>
-                    </a:p>
-                  </a:txBody>
-                  <a:tcPr/>
-                </a:tc>
-                <a:tc hMerge="1">
-                  <a:txBody>
-                    <a:bodyPr/>
-                    <a:lstStyle/>
-                    <a:p>
-                      <a:endParaRPr lang="de-DE" dirty="0"/>
-                    </a:p>
-                  </a:txBody>
-                  <a:tcPr/>
-                </a:tc>
-                <a:extLst>
-                  <a:ext uri="{0D108BD9-81ED-4DB2-BD59-A6C34878D82A}">
-                    <a16:rowId xmlns:a16="http://schemas.microsoft.com/office/drawing/2014/main" val="3507648942"/>
-                  </a:ext>
-                </a:extLst>
-              </a:tr>
-              <a:tr h="306647">
-                <a:tc>
-                  <a:txBody>
-                    <a:bodyPr/>
-                    <a:lstStyle/>
-                    <a:p>
-                      <a:pPr algn="ctr"/>
-                      <a:r>
-                        <a:rPr lang="de-DE" dirty="0"/>
-                        <a:t>0</a:t>
-                      </a:r>
-                    </a:p>
-                  </a:txBody>
-                  <a:tcPr/>
-                </a:tc>
-                <a:tc>
-                  <a:txBody>
-                    <a:bodyPr/>
-                    <a:lstStyle/>
-                    <a:p>
-                      <a:pPr algn="ctr"/>
-                      <a:r>
-                        <a:rPr lang="de-DE" dirty="0"/>
-                        <a:t>8</a:t>
-                      </a:r>
-                    </a:p>
-                  </a:txBody>
-                  <a:tcPr/>
-                </a:tc>
-                <a:extLst>
-                  <a:ext uri="{0D108BD9-81ED-4DB2-BD59-A6C34878D82A}">
-                    <a16:rowId xmlns:a16="http://schemas.microsoft.com/office/drawing/2014/main" val="404102209"/>
-                  </a:ext>
-                </a:extLst>
-              </a:tr>
-              <a:tr h="306647">
-                <a:tc>
-                  <a:txBody>
-                    <a:bodyPr/>
-                    <a:lstStyle/>
-                    <a:p>
-                      <a:pPr algn="ctr"/>
-                      <a:r>
-                        <a:rPr lang="de-DE" dirty="0"/>
-                        <a:t>0</a:t>
-                      </a:r>
-                    </a:p>
-                  </a:txBody>
-                  <a:tcPr/>
-                </a:tc>
-                <a:tc>
-                  <a:txBody>
-                    <a:bodyPr/>
-                    <a:lstStyle/>
-                    <a:p>
-                      <a:pPr algn="ctr"/>
-                      <a:r>
-                        <a:rPr lang="de-DE" dirty="0"/>
-                        <a:t>8</a:t>
-                      </a:r>
-                    </a:p>
-                  </a:txBody>
-                  <a:tcPr/>
-                </a:tc>
-                <a:extLst>
-                  <a:ext uri="{0D108BD9-81ED-4DB2-BD59-A6C34878D82A}">
-                    <a16:rowId xmlns:a16="http://schemas.microsoft.com/office/drawing/2014/main" val="3665094232"/>
-                  </a:ext>
-                </a:extLst>
-              </a:tr>
-            </a:tbl>
-          </a:graphicData>
-        </a:graphic>
-      </p:graphicFrame>
-      <p:graphicFrame>
-        <p:nvGraphicFramePr>
-          <p:cNvPr id="13" name="Tabelle 7">
-            <a:extLst>
-              <a:ext uri="{FF2B5EF4-FFF2-40B4-BE49-F238E27FC236}">
-                <a16:creationId xmlns:a16="http://schemas.microsoft.com/office/drawing/2014/main" id="{CB49659D-D072-4FDC-896C-9F7D2EC1B278}"/>
-              </a:ext>
-            </a:extLst>
-          </p:cNvPr>
-          <p:cNvGraphicFramePr>
-            <a:graphicFrameLocks noGrp="1"/>
-          </p:cNvGraphicFramePr>
-          <p:nvPr/>
-        </p:nvGraphicFramePr>
-        <p:xfrm>
-          <a:off x="3575680" y="2758981"/>
-          <a:ext cx="944058" cy="1097280"/>
-        </p:xfrm>
-        <a:graphic>
-          <a:graphicData uri="http://schemas.openxmlformats.org/drawingml/2006/table">
-            <a:tbl>
-              <a:tblPr firstRow="1" bandRow="1">
-                <a:tableStyleId>{5C22544A-7EE6-4342-B048-85BDC9FD1C3A}</a:tableStyleId>
-              </a:tblPr>
-              <a:tblGrid>
-                <a:gridCol w="472029">
-                  <a:extLst>
-                    <a:ext uri="{9D8B030D-6E8A-4147-A177-3AD203B41FA5}">
-                      <a16:colId xmlns:a16="http://schemas.microsoft.com/office/drawing/2014/main" val="1329225509"/>
-                    </a:ext>
-                  </a:extLst>
-                </a:gridCol>
-                <a:gridCol w="472029">
-                  <a:extLst>
-                    <a:ext uri="{9D8B030D-6E8A-4147-A177-3AD203B41FA5}">
-                      <a16:colId xmlns:a16="http://schemas.microsoft.com/office/drawing/2014/main" val="4206129725"/>
-                    </a:ext>
-                  </a:extLst>
-                </a:gridCol>
-              </a:tblGrid>
-              <a:tr h="216516">
-                <a:tc gridSpan="2">
-                  <a:txBody>
-                    <a:bodyPr/>
-                    <a:lstStyle/>
-                    <a:p>
-                      <a:pPr algn="ctr"/>
-                      <a:r>
-                        <a:rPr lang="de-DE" dirty="0"/>
-                        <a:t>C</a:t>
-                      </a:r>
-                    </a:p>
-                  </a:txBody>
-                  <a:tcPr/>
-                </a:tc>
-                <a:tc hMerge="1">
-                  <a:txBody>
-                    <a:bodyPr/>
-                    <a:lstStyle/>
-                    <a:p>
-                      <a:endParaRPr lang="de-DE" dirty="0"/>
-                    </a:p>
-                  </a:txBody>
-                  <a:tcPr/>
-                </a:tc>
-                <a:extLst>
-                  <a:ext uri="{0D108BD9-81ED-4DB2-BD59-A6C34878D82A}">
-                    <a16:rowId xmlns:a16="http://schemas.microsoft.com/office/drawing/2014/main" val="3507648942"/>
-                  </a:ext>
-                </a:extLst>
-              </a:tr>
-              <a:tr h="306647">
-                <a:tc>
-                  <a:txBody>
-                    <a:bodyPr/>
-                    <a:lstStyle/>
-                    <a:p>
-                      <a:pPr algn="ctr"/>
-                      <a:r>
-                        <a:rPr lang="de-DE" dirty="0"/>
-                        <a:t>8</a:t>
-                      </a:r>
-                    </a:p>
-                  </a:txBody>
-                  <a:tcPr/>
-                </a:tc>
-                <a:tc>
-                  <a:txBody>
-                    <a:bodyPr/>
-                    <a:lstStyle/>
-                    <a:p>
-                      <a:pPr algn="ctr"/>
-                      <a:r>
-                        <a:rPr lang="de-DE" dirty="0"/>
-                        <a:t>14</a:t>
-                      </a:r>
-                    </a:p>
-                  </a:txBody>
-                  <a:tcPr/>
-                </a:tc>
-                <a:extLst>
-                  <a:ext uri="{0D108BD9-81ED-4DB2-BD59-A6C34878D82A}">
-                    <a16:rowId xmlns:a16="http://schemas.microsoft.com/office/drawing/2014/main" val="404102209"/>
-                  </a:ext>
-                </a:extLst>
-              </a:tr>
-              <a:tr h="306647">
-                <a:tc>
-                  <a:txBody>
-                    <a:bodyPr/>
-                    <a:lstStyle/>
-                    <a:p>
-                      <a:pPr algn="ctr"/>
-                      <a:r>
-                        <a:rPr lang="de-DE" dirty="0"/>
-                        <a:t>16</a:t>
-                      </a:r>
-                    </a:p>
-                  </a:txBody>
-                  <a:tcPr/>
-                </a:tc>
-                <a:tc>
-                  <a:txBody>
-                    <a:bodyPr/>
-                    <a:lstStyle/>
-                    <a:p>
-                      <a:pPr algn="ctr"/>
-                      <a:r>
-                        <a:rPr lang="de-DE" dirty="0"/>
-                        <a:t>23</a:t>
-                      </a:r>
-                    </a:p>
-                  </a:txBody>
-                  <a:tcPr/>
-                </a:tc>
-                <a:extLst>
-                  <a:ext uri="{0D108BD9-81ED-4DB2-BD59-A6C34878D82A}">
-                    <a16:rowId xmlns:a16="http://schemas.microsoft.com/office/drawing/2014/main" val="3665094232"/>
-                  </a:ext>
-                </a:extLst>
-              </a:tr>
-            </a:tbl>
-          </a:graphicData>
-        </a:graphic>
-      </p:graphicFrame>
-      <p:graphicFrame>
-        <p:nvGraphicFramePr>
-          <p:cNvPr id="14" name="Tabelle 7">
-            <a:extLst>
-              <a:ext uri="{FF2B5EF4-FFF2-40B4-BE49-F238E27FC236}">
-                <a16:creationId xmlns:a16="http://schemas.microsoft.com/office/drawing/2014/main" id="{7C0B6D47-C339-4AC5-ABF6-788B796E36F4}"/>
-              </a:ext>
-            </a:extLst>
-          </p:cNvPr>
-          <p:cNvGraphicFramePr>
-            <a:graphicFrameLocks noGrp="1"/>
-          </p:cNvGraphicFramePr>
-          <p:nvPr/>
-        </p:nvGraphicFramePr>
-        <p:xfrm>
-          <a:off x="5003918" y="1512618"/>
-          <a:ext cx="944058" cy="1097280"/>
-        </p:xfrm>
-        <a:graphic>
-          <a:graphicData uri="http://schemas.openxmlformats.org/drawingml/2006/table">
-            <a:tbl>
-              <a:tblPr firstRow="1" bandRow="1">
-                <a:tableStyleId>{5C22544A-7EE6-4342-B048-85BDC9FD1C3A}</a:tableStyleId>
-              </a:tblPr>
-              <a:tblGrid>
-                <a:gridCol w="472029">
-                  <a:extLst>
-                    <a:ext uri="{9D8B030D-6E8A-4147-A177-3AD203B41FA5}">
-                      <a16:colId xmlns:a16="http://schemas.microsoft.com/office/drawing/2014/main" val="1329225509"/>
-                    </a:ext>
-                  </a:extLst>
-                </a:gridCol>
-                <a:gridCol w="472029">
-                  <a:extLst>
-                    <a:ext uri="{9D8B030D-6E8A-4147-A177-3AD203B41FA5}">
-                      <a16:colId xmlns:a16="http://schemas.microsoft.com/office/drawing/2014/main" val="4206129725"/>
-                    </a:ext>
-                  </a:extLst>
-                </a:gridCol>
-              </a:tblGrid>
-              <a:tr h="306647">
-                <a:tc gridSpan="2">
-                  <a:txBody>
-                    <a:bodyPr/>
-                    <a:lstStyle/>
-                    <a:p>
-                      <a:pPr algn="ctr"/>
-                      <a:r>
-                        <a:rPr lang="de-DE" dirty="0"/>
-                        <a:t>D</a:t>
-                      </a:r>
-                    </a:p>
-                  </a:txBody>
-                  <a:tcPr/>
-                </a:tc>
-                <a:tc hMerge="1">
-                  <a:txBody>
-                    <a:bodyPr/>
-                    <a:lstStyle/>
-                    <a:p>
-                      <a:endParaRPr lang="de-DE" dirty="0"/>
-                    </a:p>
-                  </a:txBody>
-                  <a:tcPr/>
-                </a:tc>
-                <a:extLst>
-                  <a:ext uri="{0D108BD9-81ED-4DB2-BD59-A6C34878D82A}">
-                    <a16:rowId xmlns:a16="http://schemas.microsoft.com/office/drawing/2014/main" val="3507648942"/>
-                  </a:ext>
-                </a:extLst>
-              </a:tr>
-              <a:tr h="306647">
-                <a:tc>
-                  <a:txBody>
-                    <a:bodyPr/>
-                    <a:lstStyle/>
-                    <a:p>
-                      <a:pPr algn="ctr"/>
-                      <a:r>
-                        <a:rPr lang="de-DE" dirty="0"/>
-                        <a:t>14</a:t>
-                      </a:r>
-                    </a:p>
-                  </a:txBody>
-                  <a:tcPr/>
-                </a:tc>
-                <a:tc>
-                  <a:txBody>
-                    <a:bodyPr/>
-                    <a:lstStyle/>
-                    <a:p>
-                      <a:pPr algn="ctr"/>
-                      <a:r>
-                        <a:rPr lang="de-DE" dirty="0"/>
-                        <a:t>18</a:t>
-                      </a:r>
-                    </a:p>
-                  </a:txBody>
-                  <a:tcPr/>
-                </a:tc>
-                <a:extLst>
-                  <a:ext uri="{0D108BD9-81ED-4DB2-BD59-A6C34878D82A}">
-                    <a16:rowId xmlns:a16="http://schemas.microsoft.com/office/drawing/2014/main" val="404102209"/>
-                  </a:ext>
-                </a:extLst>
-              </a:tr>
-              <a:tr h="306647">
-                <a:tc>
-                  <a:txBody>
-                    <a:bodyPr/>
-                    <a:lstStyle/>
-                    <a:p>
-                      <a:pPr algn="ctr"/>
-                      <a:r>
-                        <a:rPr lang="de-DE" dirty="0"/>
-                        <a:t>23</a:t>
-                      </a:r>
-                    </a:p>
-                  </a:txBody>
-                  <a:tcPr/>
-                </a:tc>
-                <a:tc>
-                  <a:txBody>
-                    <a:bodyPr/>
-                    <a:lstStyle/>
-                    <a:p>
-                      <a:pPr algn="ctr"/>
-                      <a:r>
-                        <a:rPr lang="de-DE" dirty="0"/>
-                        <a:t>27</a:t>
-                      </a:r>
-                    </a:p>
-                  </a:txBody>
-                  <a:tcPr/>
-                </a:tc>
-                <a:extLst>
-                  <a:ext uri="{0D108BD9-81ED-4DB2-BD59-A6C34878D82A}">
-                    <a16:rowId xmlns:a16="http://schemas.microsoft.com/office/drawing/2014/main" val="3665094232"/>
-                  </a:ext>
-                </a:extLst>
-              </a:tr>
-            </a:tbl>
-          </a:graphicData>
-        </a:graphic>
-      </p:graphicFrame>
-      <p:graphicFrame>
-        <p:nvGraphicFramePr>
-          <p:cNvPr id="15" name="Tabelle 7">
-            <a:extLst>
-              <a:ext uri="{FF2B5EF4-FFF2-40B4-BE49-F238E27FC236}">
-                <a16:creationId xmlns:a16="http://schemas.microsoft.com/office/drawing/2014/main" id="{B15E56F1-29BE-436D-97D0-FAFB29C5FFA5}"/>
-              </a:ext>
-            </a:extLst>
-          </p:cNvPr>
-          <p:cNvGraphicFramePr>
-            <a:graphicFrameLocks noGrp="1"/>
-          </p:cNvGraphicFramePr>
-          <p:nvPr/>
-        </p:nvGraphicFramePr>
-        <p:xfrm>
-          <a:off x="5009264" y="3785428"/>
-          <a:ext cx="944058" cy="1097280"/>
-        </p:xfrm>
-        <a:graphic>
-          <a:graphicData uri="http://schemas.openxmlformats.org/drawingml/2006/table">
-            <a:tbl>
-              <a:tblPr firstRow="1" bandRow="1">
-                <a:tableStyleId>{5C22544A-7EE6-4342-B048-85BDC9FD1C3A}</a:tableStyleId>
-              </a:tblPr>
-              <a:tblGrid>
-                <a:gridCol w="472029">
-                  <a:extLst>
-                    <a:ext uri="{9D8B030D-6E8A-4147-A177-3AD203B41FA5}">
-                      <a16:colId xmlns:a16="http://schemas.microsoft.com/office/drawing/2014/main" val="1329225509"/>
-                    </a:ext>
-                  </a:extLst>
-                </a:gridCol>
-                <a:gridCol w="472029">
-                  <a:extLst>
-                    <a:ext uri="{9D8B030D-6E8A-4147-A177-3AD203B41FA5}">
-                      <a16:colId xmlns:a16="http://schemas.microsoft.com/office/drawing/2014/main" val="4206129725"/>
-                    </a:ext>
-                  </a:extLst>
-                </a:gridCol>
-              </a:tblGrid>
-              <a:tr h="306647">
-                <a:tc gridSpan="2">
-                  <a:txBody>
-                    <a:bodyPr/>
-                    <a:lstStyle/>
-                    <a:p>
-                      <a:pPr algn="ctr"/>
-                      <a:r>
-                        <a:rPr lang="de-DE" dirty="0"/>
-                        <a:t>E</a:t>
-                      </a:r>
-                    </a:p>
-                  </a:txBody>
-                  <a:tcPr/>
-                </a:tc>
-                <a:tc hMerge="1">
-                  <a:txBody>
-                    <a:bodyPr/>
-                    <a:lstStyle/>
-                    <a:p>
-                      <a:endParaRPr lang="de-DE" dirty="0"/>
-                    </a:p>
-                  </a:txBody>
-                  <a:tcPr/>
-                </a:tc>
-                <a:extLst>
-                  <a:ext uri="{0D108BD9-81ED-4DB2-BD59-A6C34878D82A}">
-                    <a16:rowId xmlns:a16="http://schemas.microsoft.com/office/drawing/2014/main" val="3507648942"/>
-                  </a:ext>
-                </a:extLst>
-              </a:tr>
-              <a:tr h="306647">
-                <a:tc>
-                  <a:txBody>
-                    <a:bodyPr/>
-                    <a:lstStyle/>
-                    <a:p>
-                      <a:pPr algn="ctr"/>
-                      <a:r>
-                        <a:rPr lang="de-DE" dirty="0"/>
-                        <a:t>8</a:t>
-                      </a:r>
-                    </a:p>
-                  </a:txBody>
-                  <a:tcPr/>
-                </a:tc>
-                <a:tc>
-                  <a:txBody>
-                    <a:bodyPr/>
-                    <a:lstStyle/>
-                    <a:p>
-                      <a:pPr algn="ctr"/>
-                      <a:r>
-                        <a:rPr lang="de-DE" dirty="0"/>
-                        <a:t>15</a:t>
-                      </a:r>
-                    </a:p>
-                  </a:txBody>
-                  <a:tcPr/>
-                </a:tc>
-                <a:extLst>
-                  <a:ext uri="{0D108BD9-81ED-4DB2-BD59-A6C34878D82A}">
-                    <a16:rowId xmlns:a16="http://schemas.microsoft.com/office/drawing/2014/main" val="404102209"/>
-                  </a:ext>
-                </a:extLst>
-              </a:tr>
-              <a:tr h="306647">
-                <a:tc>
-                  <a:txBody>
-                    <a:bodyPr/>
-                    <a:lstStyle/>
-                    <a:p>
-                      <a:pPr algn="ctr"/>
-                      <a:r>
-                        <a:rPr lang="de-DE" dirty="0"/>
-                        <a:t>8</a:t>
-                      </a:r>
-                    </a:p>
-                  </a:txBody>
-                  <a:tcPr/>
-                </a:tc>
-                <a:tc>
-                  <a:txBody>
-                    <a:bodyPr/>
-                    <a:lstStyle/>
-                    <a:p>
-                      <a:pPr algn="ctr"/>
-                      <a:r>
-                        <a:rPr lang="de-DE" dirty="0"/>
-                        <a:t>15</a:t>
-                      </a:r>
-                    </a:p>
-                  </a:txBody>
-                  <a:tcPr/>
-                </a:tc>
-                <a:extLst>
-                  <a:ext uri="{0D108BD9-81ED-4DB2-BD59-A6C34878D82A}">
-                    <a16:rowId xmlns:a16="http://schemas.microsoft.com/office/drawing/2014/main" val="3665094232"/>
-                  </a:ext>
-                </a:extLst>
-              </a:tr>
-            </a:tbl>
-          </a:graphicData>
-        </a:graphic>
-      </p:graphicFrame>
-      <p:graphicFrame>
-        <p:nvGraphicFramePr>
-          <p:cNvPr id="16" name="Tabelle 7">
-            <a:extLst>
-              <a:ext uri="{FF2B5EF4-FFF2-40B4-BE49-F238E27FC236}">
-                <a16:creationId xmlns:a16="http://schemas.microsoft.com/office/drawing/2014/main" id="{19B4D30F-11B7-4E66-8D08-0783423EF944}"/>
-              </a:ext>
-            </a:extLst>
-          </p:cNvPr>
-          <p:cNvGraphicFramePr>
-            <a:graphicFrameLocks noGrp="1"/>
-          </p:cNvGraphicFramePr>
-          <p:nvPr/>
-        </p:nvGraphicFramePr>
-        <p:xfrm>
-          <a:off x="6774619" y="3536172"/>
-          <a:ext cx="944058" cy="1097280"/>
-        </p:xfrm>
-        <a:graphic>
-          <a:graphicData uri="http://schemas.openxmlformats.org/drawingml/2006/table">
-            <a:tbl>
-              <a:tblPr firstRow="1" bandRow="1">
-                <a:tableStyleId>{5C22544A-7EE6-4342-B048-85BDC9FD1C3A}</a:tableStyleId>
-              </a:tblPr>
-              <a:tblGrid>
-                <a:gridCol w="472029">
-                  <a:extLst>
-                    <a:ext uri="{9D8B030D-6E8A-4147-A177-3AD203B41FA5}">
-                      <a16:colId xmlns:a16="http://schemas.microsoft.com/office/drawing/2014/main" val="1329225509"/>
-                    </a:ext>
-                  </a:extLst>
-                </a:gridCol>
-                <a:gridCol w="472029">
-                  <a:extLst>
-                    <a:ext uri="{9D8B030D-6E8A-4147-A177-3AD203B41FA5}">
-                      <a16:colId xmlns:a16="http://schemas.microsoft.com/office/drawing/2014/main" val="4206129725"/>
-                    </a:ext>
-                  </a:extLst>
-                </a:gridCol>
-              </a:tblGrid>
-              <a:tr h="306647">
-                <a:tc gridSpan="2">
-                  <a:txBody>
-                    <a:bodyPr/>
-                    <a:lstStyle/>
-                    <a:p>
-                      <a:pPr algn="ctr"/>
-                      <a:r>
-                        <a:rPr lang="de-DE" dirty="0"/>
-                        <a:t>F</a:t>
-                      </a:r>
-                    </a:p>
-                  </a:txBody>
-                  <a:tcPr/>
-                </a:tc>
-                <a:tc hMerge="1">
-                  <a:txBody>
-                    <a:bodyPr/>
-                    <a:lstStyle/>
-                    <a:p>
-                      <a:endParaRPr lang="de-DE" dirty="0"/>
-                    </a:p>
-                  </a:txBody>
-                  <a:tcPr/>
-                </a:tc>
-                <a:extLst>
-                  <a:ext uri="{0D108BD9-81ED-4DB2-BD59-A6C34878D82A}">
-                    <a16:rowId xmlns:a16="http://schemas.microsoft.com/office/drawing/2014/main" val="3507648942"/>
-                  </a:ext>
-                </a:extLst>
-              </a:tr>
-              <a:tr h="306647">
-                <a:tc>
-                  <a:txBody>
-                    <a:bodyPr/>
-                    <a:lstStyle/>
-                    <a:p>
-                      <a:pPr algn="ctr"/>
-                      <a:r>
-                        <a:rPr lang="de-DE" dirty="0"/>
-                        <a:t>15</a:t>
-                      </a:r>
-                    </a:p>
-                  </a:txBody>
-                  <a:tcPr/>
-                </a:tc>
-                <a:tc>
-                  <a:txBody>
-                    <a:bodyPr/>
-                    <a:lstStyle/>
-                    <a:p>
-                      <a:pPr algn="ctr"/>
-                      <a:r>
-                        <a:rPr lang="de-DE" dirty="0"/>
-                        <a:t>24</a:t>
-                      </a:r>
-                    </a:p>
-                  </a:txBody>
-                  <a:tcPr/>
-                </a:tc>
-                <a:extLst>
-                  <a:ext uri="{0D108BD9-81ED-4DB2-BD59-A6C34878D82A}">
-                    <a16:rowId xmlns:a16="http://schemas.microsoft.com/office/drawing/2014/main" val="404102209"/>
-                  </a:ext>
-                </a:extLst>
-              </a:tr>
-              <a:tr h="306647">
-                <a:tc>
-                  <a:txBody>
-                    <a:bodyPr/>
-                    <a:lstStyle/>
-                    <a:p>
-                      <a:pPr algn="ctr"/>
-                      <a:r>
-                        <a:rPr lang="de-DE" dirty="0"/>
-                        <a:t>15</a:t>
-                      </a:r>
-                    </a:p>
-                  </a:txBody>
-                  <a:tcPr/>
-                </a:tc>
-                <a:tc>
-                  <a:txBody>
-                    <a:bodyPr/>
-                    <a:lstStyle/>
-                    <a:p>
-                      <a:pPr algn="ctr"/>
-                      <a:r>
-                        <a:rPr lang="de-DE" dirty="0"/>
-                        <a:t>24</a:t>
-                      </a:r>
-                    </a:p>
-                  </a:txBody>
-                  <a:tcPr/>
-                </a:tc>
-                <a:extLst>
-                  <a:ext uri="{0D108BD9-81ED-4DB2-BD59-A6C34878D82A}">
-                    <a16:rowId xmlns:a16="http://schemas.microsoft.com/office/drawing/2014/main" val="3665094232"/>
-                  </a:ext>
-                </a:extLst>
-              </a:tr>
-            </a:tbl>
-          </a:graphicData>
-        </a:graphic>
-      </p:graphicFrame>
-      <p:graphicFrame>
-        <p:nvGraphicFramePr>
-          <p:cNvPr id="17" name="Tabelle 7">
-            <a:extLst>
-              <a:ext uri="{FF2B5EF4-FFF2-40B4-BE49-F238E27FC236}">
-                <a16:creationId xmlns:a16="http://schemas.microsoft.com/office/drawing/2014/main" id="{4C9B357A-694A-42C9-B9F2-E90F3878BE75}"/>
-              </a:ext>
-            </a:extLst>
-          </p:cNvPr>
-          <p:cNvGraphicFramePr>
-            <a:graphicFrameLocks noGrp="1"/>
-          </p:cNvGraphicFramePr>
-          <p:nvPr/>
-        </p:nvGraphicFramePr>
-        <p:xfrm>
-          <a:off x="7672264" y="1749906"/>
-          <a:ext cx="944058" cy="1097280"/>
-        </p:xfrm>
-        <a:graphic>
-          <a:graphicData uri="http://schemas.openxmlformats.org/drawingml/2006/table">
-            <a:tbl>
-              <a:tblPr firstRow="1" bandRow="1">
-                <a:tableStyleId>{5C22544A-7EE6-4342-B048-85BDC9FD1C3A}</a:tableStyleId>
-              </a:tblPr>
-              <a:tblGrid>
-                <a:gridCol w="472029">
-                  <a:extLst>
-                    <a:ext uri="{9D8B030D-6E8A-4147-A177-3AD203B41FA5}">
-                      <a16:colId xmlns:a16="http://schemas.microsoft.com/office/drawing/2014/main" val="1329225509"/>
-                    </a:ext>
-                  </a:extLst>
-                </a:gridCol>
-                <a:gridCol w="472029">
-                  <a:extLst>
-                    <a:ext uri="{9D8B030D-6E8A-4147-A177-3AD203B41FA5}">
-                      <a16:colId xmlns:a16="http://schemas.microsoft.com/office/drawing/2014/main" val="4206129725"/>
-                    </a:ext>
-                  </a:extLst>
-                </a:gridCol>
-              </a:tblGrid>
-              <a:tr h="306647">
-                <a:tc gridSpan="2">
-                  <a:txBody>
-                    <a:bodyPr/>
-                    <a:lstStyle/>
-                    <a:p>
-                      <a:pPr algn="ctr"/>
-                      <a:r>
-                        <a:rPr lang="de-DE" dirty="0"/>
-                        <a:t>G</a:t>
-                      </a:r>
-                    </a:p>
-                  </a:txBody>
-                  <a:tcPr/>
-                </a:tc>
-                <a:tc hMerge="1">
-                  <a:txBody>
-                    <a:bodyPr/>
-                    <a:lstStyle/>
-                    <a:p>
-                      <a:endParaRPr lang="de-DE" dirty="0"/>
-                    </a:p>
-                  </a:txBody>
-                  <a:tcPr/>
-                </a:tc>
-                <a:extLst>
-                  <a:ext uri="{0D108BD9-81ED-4DB2-BD59-A6C34878D82A}">
-                    <a16:rowId xmlns:a16="http://schemas.microsoft.com/office/drawing/2014/main" val="3507648942"/>
-                  </a:ext>
-                </a:extLst>
-              </a:tr>
-              <a:tr h="306647">
-                <a:tc>
-                  <a:txBody>
-                    <a:bodyPr/>
-                    <a:lstStyle/>
-                    <a:p>
-                      <a:pPr algn="ctr"/>
-                      <a:r>
-                        <a:rPr lang="de-DE" dirty="0"/>
-                        <a:t>18</a:t>
-                      </a:r>
-                    </a:p>
-                  </a:txBody>
-                  <a:tcPr/>
-                </a:tc>
-                <a:tc>
-                  <a:txBody>
-                    <a:bodyPr/>
-                    <a:lstStyle/>
-                    <a:p>
-                      <a:pPr algn="ctr"/>
-                      <a:r>
-                        <a:rPr lang="de-DE" dirty="0"/>
-                        <a:t>21</a:t>
-                      </a:r>
-                    </a:p>
-                  </a:txBody>
-                  <a:tcPr/>
-                </a:tc>
-                <a:extLst>
-                  <a:ext uri="{0D108BD9-81ED-4DB2-BD59-A6C34878D82A}">
-                    <a16:rowId xmlns:a16="http://schemas.microsoft.com/office/drawing/2014/main" val="404102209"/>
-                  </a:ext>
-                </a:extLst>
-              </a:tr>
-              <a:tr h="306647">
-                <a:tc>
-                  <a:txBody>
-                    <a:bodyPr/>
-                    <a:lstStyle/>
-                    <a:p>
-                      <a:pPr algn="ctr"/>
-                      <a:r>
-                        <a:rPr lang="de-DE" dirty="0"/>
-                        <a:t>27</a:t>
-                      </a:r>
-                    </a:p>
-                  </a:txBody>
-                  <a:tcPr/>
-                </a:tc>
-                <a:tc>
-                  <a:txBody>
-                    <a:bodyPr/>
-                    <a:lstStyle/>
-                    <a:p>
-                      <a:pPr algn="ctr"/>
-                      <a:r>
-                        <a:rPr lang="de-DE" dirty="0"/>
-                        <a:t>30</a:t>
-                      </a:r>
-                    </a:p>
-                  </a:txBody>
-                  <a:tcPr/>
-                </a:tc>
-                <a:extLst>
-                  <a:ext uri="{0D108BD9-81ED-4DB2-BD59-A6C34878D82A}">
-                    <a16:rowId xmlns:a16="http://schemas.microsoft.com/office/drawing/2014/main" val="3665094232"/>
-                  </a:ext>
-                </a:extLst>
-              </a:tr>
-            </a:tbl>
-          </a:graphicData>
-        </a:graphic>
-      </p:graphicFrame>
-      <p:graphicFrame>
-        <p:nvGraphicFramePr>
-          <p:cNvPr id="18" name="Tabelle 7">
-            <a:extLst>
-              <a:ext uri="{FF2B5EF4-FFF2-40B4-BE49-F238E27FC236}">
-                <a16:creationId xmlns:a16="http://schemas.microsoft.com/office/drawing/2014/main" id="{0115C7A4-B8D5-41BB-B8DC-AB4FEE68DA22}"/>
-              </a:ext>
-            </a:extLst>
-          </p:cNvPr>
-          <p:cNvGraphicFramePr>
-            <a:graphicFrameLocks noGrp="1"/>
-          </p:cNvGraphicFramePr>
-          <p:nvPr/>
-        </p:nvGraphicFramePr>
-        <p:xfrm>
-          <a:off x="8680232" y="3605686"/>
-          <a:ext cx="944058" cy="1097280"/>
-        </p:xfrm>
-        <a:graphic>
-          <a:graphicData uri="http://schemas.openxmlformats.org/drawingml/2006/table">
-            <a:tbl>
-              <a:tblPr firstRow="1" bandRow="1">
-                <a:tableStyleId>{5C22544A-7EE6-4342-B048-85BDC9FD1C3A}</a:tableStyleId>
-              </a:tblPr>
-              <a:tblGrid>
-                <a:gridCol w="472029">
-                  <a:extLst>
-                    <a:ext uri="{9D8B030D-6E8A-4147-A177-3AD203B41FA5}">
-                      <a16:colId xmlns:a16="http://schemas.microsoft.com/office/drawing/2014/main" val="1329225509"/>
-                    </a:ext>
-                  </a:extLst>
-                </a:gridCol>
-                <a:gridCol w="472029">
-                  <a:extLst>
-                    <a:ext uri="{9D8B030D-6E8A-4147-A177-3AD203B41FA5}">
-                      <a16:colId xmlns:a16="http://schemas.microsoft.com/office/drawing/2014/main" val="4206129725"/>
-                    </a:ext>
-                  </a:extLst>
-                </a:gridCol>
-              </a:tblGrid>
-              <a:tr h="306647">
-                <a:tc gridSpan="2">
-                  <a:txBody>
-                    <a:bodyPr/>
-                    <a:lstStyle/>
-                    <a:p>
-                      <a:pPr algn="ctr"/>
-                      <a:r>
-                        <a:rPr lang="de-DE" dirty="0"/>
-                        <a:t>H</a:t>
-                      </a:r>
-                    </a:p>
-                  </a:txBody>
-                  <a:tcPr/>
-                </a:tc>
-                <a:tc hMerge="1">
-                  <a:txBody>
-                    <a:bodyPr/>
-                    <a:lstStyle/>
-                    <a:p>
-                      <a:endParaRPr lang="de-DE" dirty="0"/>
-                    </a:p>
-                  </a:txBody>
-                  <a:tcPr/>
-                </a:tc>
-                <a:extLst>
-                  <a:ext uri="{0D108BD9-81ED-4DB2-BD59-A6C34878D82A}">
-                    <a16:rowId xmlns:a16="http://schemas.microsoft.com/office/drawing/2014/main" val="3507648942"/>
-                  </a:ext>
-                </a:extLst>
-              </a:tr>
-              <a:tr h="306647">
-                <a:tc>
-                  <a:txBody>
-                    <a:bodyPr/>
-                    <a:lstStyle/>
-                    <a:p>
-                      <a:pPr algn="ctr"/>
-                      <a:r>
-                        <a:rPr lang="de-DE" dirty="0"/>
-                        <a:t>24</a:t>
-                      </a:r>
-                    </a:p>
-                  </a:txBody>
-                  <a:tcPr/>
-                </a:tc>
-                <a:tc>
-                  <a:txBody>
-                    <a:bodyPr/>
-                    <a:lstStyle/>
-                    <a:p>
-                      <a:pPr algn="ctr"/>
-                      <a:r>
-                        <a:rPr lang="de-DE" dirty="0"/>
-                        <a:t>30</a:t>
-                      </a:r>
-                    </a:p>
-                  </a:txBody>
-                  <a:tcPr/>
-                </a:tc>
-                <a:extLst>
-                  <a:ext uri="{0D108BD9-81ED-4DB2-BD59-A6C34878D82A}">
-                    <a16:rowId xmlns:a16="http://schemas.microsoft.com/office/drawing/2014/main" val="404102209"/>
-                  </a:ext>
-                </a:extLst>
-              </a:tr>
-              <a:tr h="306647">
-                <a:tc>
-                  <a:txBody>
-                    <a:bodyPr/>
-                    <a:lstStyle/>
-                    <a:p>
-                      <a:pPr algn="ctr"/>
-                      <a:r>
-                        <a:rPr lang="de-DE" dirty="0"/>
-                        <a:t>24</a:t>
-                      </a:r>
-                    </a:p>
-                  </a:txBody>
-                  <a:tcPr/>
-                </a:tc>
-                <a:tc>
-                  <a:txBody>
-                    <a:bodyPr/>
-                    <a:lstStyle/>
-                    <a:p>
-                      <a:pPr algn="ctr"/>
-                      <a:r>
-                        <a:rPr lang="de-DE" dirty="0"/>
-                        <a:t>30</a:t>
-                      </a:r>
-                    </a:p>
-                  </a:txBody>
-                  <a:tcPr/>
-                </a:tc>
-                <a:extLst>
-                  <a:ext uri="{0D108BD9-81ED-4DB2-BD59-A6C34878D82A}">
-                    <a16:rowId xmlns:a16="http://schemas.microsoft.com/office/drawing/2014/main" val="3665094232"/>
-                  </a:ext>
-                </a:extLst>
-              </a:tr>
-            </a:tbl>
-          </a:graphicData>
-        </a:graphic>
-      </p:graphicFrame>
-      <p:cxnSp>
-        <p:nvCxnSpPr>
-          <p:cNvPr id="20" name="Gerade Verbindung mit Pfeil 19">
-            <a:extLst>
-              <a:ext uri="{FF2B5EF4-FFF2-40B4-BE49-F238E27FC236}">
-                <a16:creationId xmlns:a16="http://schemas.microsoft.com/office/drawing/2014/main" id="{29C491A0-D6DF-48BA-A59B-347C848908A7}"/>
-              </a:ext>
-            </a:extLst>
-          </p:cNvPr>
-          <p:cNvCxnSpPr>
-            <a:cxnSpLocks/>
-          </p:cNvCxnSpPr>
-          <p:nvPr/>
-        </p:nvCxnSpPr>
-        <p:spPr>
-          <a:xfrm>
-            <a:off x="1518867" y="3307621"/>
-            <a:ext cx="524257" cy="386685"/>
-          </a:xfrm>
-          <a:prstGeom prst="straightConnector1">
-            <a:avLst/>
-          </a:prstGeom>
-          <a:ln>
-            <a:solidFill>
-              <a:schemeClr val="tx1"/>
-            </a:solidFill>
-            <a:tailEnd type="triangle"/>
-          </a:ln>
-        </p:spPr>
-        <p:style>
-          <a:lnRef idx="3">
-            <a:schemeClr val="dk1"/>
-          </a:lnRef>
-          <a:fillRef idx="0">
-            <a:schemeClr val="dk1"/>
-          </a:fillRef>
-          <a:effectRef idx="2">
-            <a:schemeClr val="dk1"/>
-          </a:effectRef>
-          <a:fontRef idx="minor">
-            <a:schemeClr val="tx1"/>
-          </a:fontRef>
-        </p:style>
-      </p:cxnSp>
-      <p:cxnSp>
-        <p:nvCxnSpPr>
-          <p:cNvPr id="22" name="Gerade Verbindung mit Pfeil 21">
-            <a:extLst>
-              <a:ext uri="{FF2B5EF4-FFF2-40B4-BE49-F238E27FC236}">
-                <a16:creationId xmlns:a16="http://schemas.microsoft.com/office/drawing/2014/main" id="{B10A5E99-86C1-4BD3-905A-681E3D074055}"/>
-              </a:ext>
-            </a:extLst>
-          </p:cNvPr>
-          <p:cNvCxnSpPr>
-            <a:cxnSpLocks/>
-          </p:cNvCxnSpPr>
-          <p:nvPr/>
-        </p:nvCxnSpPr>
-        <p:spPr>
-          <a:xfrm flipV="1">
-            <a:off x="1518867" y="2367921"/>
-            <a:ext cx="503293" cy="518872"/>
-          </a:xfrm>
-          <a:prstGeom prst="straightConnector1">
-            <a:avLst/>
-          </a:prstGeom>
-          <a:ln>
-            <a:solidFill>
-              <a:schemeClr val="tx1"/>
-            </a:solidFill>
-            <a:tailEnd type="triangle"/>
-          </a:ln>
-        </p:spPr>
-        <p:style>
-          <a:lnRef idx="3">
-            <a:schemeClr val="dk1"/>
-          </a:lnRef>
-          <a:fillRef idx="0">
-            <a:schemeClr val="dk1"/>
-          </a:fillRef>
-          <a:effectRef idx="2">
-            <a:schemeClr val="dk1"/>
-          </a:effectRef>
-          <a:fontRef idx="minor">
-            <a:schemeClr val="tx1"/>
-          </a:fontRef>
-        </p:style>
-      </p:cxnSp>
-      <p:cxnSp>
-        <p:nvCxnSpPr>
-          <p:cNvPr id="24" name="Gerade Verbindung mit Pfeil 23">
-            <a:extLst>
-              <a:ext uri="{FF2B5EF4-FFF2-40B4-BE49-F238E27FC236}">
-                <a16:creationId xmlns:a16="http://schemas.microsoft.com/office/drawing/2014/main" id="{5BF33FAF-192E-4C4E-9A01-3155756A4053}"/>
-              </a:ext>
-            </a:extLst>
-          </p:cNvPr>
-          <p:cNvCxnSpPr>
-            <a:cxnSpLocks/>
-          </p:cNvCxnSpPr>
-          <p:nvPr/>
-        </p:nvCxnSpPr>
-        <p:spPr>
-          <a:xfrm>
-            <a:off x="3336429" y="2081244"/>
-            <a:ext cx="1494576" cy="46492"/>
-          </a:xfrm>
-          <a:prstGeom prst="straightConnector1">
-            <a:avLst/>
-          </a:prstGeom>
-          <a:ln>
-            <a:solidFill>
-              <a:schemeClr val="tx1"/>
-            </a:solidFill>
-            <a:tailEnd type="triangle"/>
-          </a:ln>
-        </p:spPr>
-        <p:style>
-          <a:lnRef idx="3">
-            <a:schemeClr val="dk1"/>
-          </a:lnRef>
-          <a:fillRef idx="0">
-            <a:schemeClr val="dk1"/>
-          </a:fillRef>
-          <a:effectRef idx="2">
-            <a:schemeClr val="dk1"/>
-          </a:effectRef>
-          <a:fontRef idx="minor">
-            <a:schemeClr val="tx1"/>
-          </a:fontRef>
-        </p:style>
-      </p:cxnSp>
-      <p:cxnSp>
-        <p:nvCxnSpPr>
-          <p:cNvPr id="26" name="Gerade Verbindung mit Pfeil 25">
-            <a:extLst>
-              <a:ext uri="{FF2B5EF4-FFF2-40B4-BE49-F238E27FC236}">
-                <a16:creationId xmlns:a16="http://schemas.microsoft.com/office/drawing/2014/main" id="{5CD4E21D-2589-4891-86D7-CDB49E89E96A}"/>
-              </a:ext>
-            </a:extLst>
-          </p:cNvPr>
-          <p:cNvCxnSpPr>
-            <a:cxnSpLocks/>
-          </p:cNvCxnSpPr>
-          <p:nvPr/>
-        </p:nvCxnSpPr>
-        <p:spPr>
-          <a:xfrm flipV="1">
-            <a:off x="3206538" y="3397243"/>
-            <a:ext cx="197349" cy="138929"/>
-          </a:xfrm>
-          <a:prstGeom prst="straightConnector1">
-            <a:avLst/>
-          </a:prstGeom>
-          <a:ln>
-            <a:solidFill>
-              <a:schemeClr val="tx1"/>
-            </a:solidFill>
-            <a:tailEnd type="triangle"/>
-          </a:ln>
-        </p:spPr>
-        <p:style>
-          <a:lnRef idx="3">
-            <a:schemeClr val="dk1"/>
-          </a:lnRef>
-          <a:fillRef idx="0">
-            <a:schemeClr val="dk1"/>
-          </a:fillRef>
-          <a:effectRef idx="2">
-            <a:schemeClr val="dk1"/>
-          </a:effectRef>
-          <a:fontRef idx="minor">
-            <a:schemeClr val="tx1"/>
-          </a:fontRef>
-        </p:style>
-      </p:cxnSp>
-      <p:cxnSp>
-        <p:nvCxnSpPr>
-          <p:cNvPr id="28" name="Gerade Verbindung mit Pfeil 27">
-            <a:extLst>
-              <a:ext uri="{FF2B5EF4-FFF2-40B4-BE49-F238E27FC236}">
-                <a16:creationId xmlns:a16="http://schemas.microsoft.com/office/drawing/2014/main" id="{A4806846-88EB-42E7-99F9-2A25E9B254E2}"/>
-              </a:ext>
-            </a:extLst>
-          </p:cNvPr>
-          <p:cNvCxnSpPr>
-            <a:cxnSpLocks/>
-          </p:cNvCxnSpPr>
-          <p:nvPr/>
-        </p:nvCxnSpPr>
-        <p:spPr>
-          <a:xfrm flipV="1">
-            <a:off x="4645210" y="2326674"/>
-            <a:ext cx="185795" cy="314754"/>
-          </a:xfrm>
-          <a:prstGeom prst="straightConnector1">
-            <a:avLst/>
-          </a:prstGeom>
-          <a:ln>
-            <a:solidFill>
-              <a:schemeClr val="tx1"/>
-            </a:solidFill>
-            <a:tailEnd type="triangle"/>
-          </a:ln>
-        </p:spPr>
-        <p:style>
-          <a:lnRef idx="3">
-            <a:schemeClr val="dk1"/>
-          </a:lnRef>
-          <a:fillRef idx="0">
-            <a:schemeClr val="dk1"/>
-          </a:fillRef>
-          <a:effectRef idx="2">
-            <a:schemeClr val="dk1"/>
-          </a:effectRef>
-          <a:fontRef idx="minor">
-            <a:schemeClr val="tx1"/>
-          </a:fontRef>
-        </p:style>
-      </p:cxnSp>
-      <p:cxnSp>
-        <p:nvCxnSpPr>
-          <p:cNvPr id="30" name="Gerade Verbindung mit Pfeil 29">
-            <a:extLst>
-              <a:ext uri="{FF2B5EF4-FFF2-40B4-BE49-F238E27FC236}">
-                <a16:creationId xmlns:a16="http://schemas.microsoft.com/office/drawing/2014/main" id="{16B182F6-D29D-4844-AC5F-B6D2B3AA97FD}"/>
-              </a:ext>
-            </a:extLst>
-          </p:cNvPr>
-          <p:cNvCxnSpPr>
-            <a:cxnSpLocks/>
-          </p:cNvCxnSpPr>
-          <p:nvPr/>
-        </p:nvCxnSpPr>
-        <p:spPr>
-          <a:xfrm>
-            <a:off x="3256834" y="4115109"/>
-            <a:ext cx="1609495" cy="218959"/>
-          </a:xfrm>
-          <a:prstGeom prst="straightConnector1">
-            <a:avLst/>
-          </a:prstGeom>
-          <a:ln>
-            <a:solidFill>
-              <a:schemeClr val="tx1"/>
-            </a:solidFill>
-            <a:tailEnd type="triangle"/>
-          </a:ln>
-        </p:spPr>
-        <p:style>
-          <a:lnRef idx="3">
-            <a:schemeClr val="dk1"/>
-          </a:lnRef>
-          <a:fillRef idx="0">
-            <a:schemeClr val="dk1"/>
-          </a:fillRef>
-          <a:effectRef idx="2">
-            <a:schemeClr val="dk1"/>
-          </a:effectRef>
-          <a:fontRef idx="minor">
-            <a:schemeClr val="tx1"/>
-          </a:fontRef>
-        </p:style>
-      </p:cxnSp>
-      <p:cxnSp>
-        <p:nvCxnSpPr>
-          <p:cNvPr id="32" name="Gerade Verbindung mit Pfeil 31">
-            <a:extLst>
-              <a:ext uri="{FF2B5EF4-FFF2-40B4-BE49-F238E27FC236}">
-                <a16:creationId xmlns:a16="http://schemas.microsoft.com/office/drawing/2014/main" id="{809BF9B1-C52B-47A6-B12A-0ED59B5FEFFC}"/>
-              </a:ext>
-            </a:extLst>
-          </p:cNvPr>
-          <p:cNvCxnSpPr>
-            <a:cxnSpLocks/>
-          </p:cNvCxnSpPr>
-          <p:nvPr/>
-        </p:nvCxnSpPr>
-        <p:spPr>
-          <a:xfrm flipV="1">
-            <a:off x="6093580" y="4131056"/>
-            <a:ext cx="538104" cy="203012"/>
-          </a:xfrm>
-          <a:prstGeom prst="straightConnector1">
-            <a:avLst/>
-          </a:prstGeom>
-          <a:ln>
-            <a:solidFill>
-              <a:schemeClr val="tx1"/>
-            </a:solidFill>
-            <a:tailEnd type="triangle"/>
-          </a:ln>
-        </p:spPr>
-        <p:style>
-          <a:lnRef idx="3">
-            <a:schemeClr val="dk1"/>
-          </a:lnRef>
-          <a:fillRef idx="0">
-            <a:schemeClr val="dk1"/>
-          </a:fillRef>
-          <a:effectRef idx="2">
-            <a:schemeClr val="dk1"/>
-          </a:effectRef>
-          <a:fontRef idx="minor">
-            <a:schemeClr val="tx1"/>
-          </a:fontRef>
-        </p:style>
-      </p:cxnSp>
-      <p:cxnSp>
-        <p:nvCxnSpPr>
-          <p:cNvPr id="34" name="Gerade Verbindung mit Pfeil 33">
-            <a:extLst>
-              <a:ext uri="{FF2B5EF4-FFF2-40B4-BE49-F238E27FC236}">
-                <a16:creationId xmlns:a16="http://schemas.microsoft.com/office/drawing/2014/main" id="{971DF43C-F3DE-4E81-972C-86629FB7A981}"/>
-              </a:ext>
-            </a:extLst>
-          </p:cNvPr>
-          <p:cNvCxnSpPr>
-            <a:cxnSpLocks/>
-          </p:cNvCxnSpPr>
-          <p:nvPr/>
-        </p:nvCxnSpPr>
-        <p:spPr>
-          <a:xfrm>
-            <a:off x="6094412" y="2170046"/>
-            <a:ext cx="1437358" cy="179917"/>
-          </a:xfrm>
-          <a:prstGeom prst="straightConnector1">
-            <a:avLst/>
-          </a:prstGeom>
-          <a:ln>
-            <a:solidFill>
-              <a:schemeClr val="tx1"/>
-            </a:solidFill>
-            <a:tailEnd type="triangle"/>
-          </a:ln>
-        </p:spPr>
-        <p:style>
-          <a:lnRef idx="3">
-            <a:schemeClr val="dk1"/>
-          </a:lnRef>
-          <a:fillRef idx="0">
-            <a:schemeClr val="dk1"/>
-          </a:fillRef>
-          <a:effectRef idx="2">
-            <a:schemeClr val="dk1"/>
-          </a:effectRef>
-          <a:fontRef idx="minor">
-            <a:schemeClr val="tx1"/>
-          </a:fontRef>
-        </p:style>
-      </p:cxnSp>
-      <p:cxnSp>
-        <p:nvCxnSpPr>
-          <p:cNvPr id="36" name="Gerade Verbindung mit Pfeil 35">
-            <a:extLst>
-              <a:ext uri="{FF2B5EF4-FFF2-40B4-BE49-F238E27FC236}">
-                <a16:creationId xmlns:a16="http://schemas.microsoft.com/office/drawing/2014/main" id="{041CBEE2-FD2E-41EA-8CE3-1E3D46B39BDB}"/>
-              </a:ext>
-            </a:extLst>
-          </p:cNvPr>
-          <p:cNvCxnSpPr>
-            <a:cxnSpLocks/>
-          </p:cNvCxnSpPr>
-          <p:nvPr/>
-        </p:nvCxnSpPr>
-        <p:spPr>
-          <a:xfrm flipV="1">
-            <a:off x="6093816" y="2550103"/>
-            <a:ext cx="1354673" cy="1144203"/>
-          </a:xfrm>
-          <a:prstGeom prst="straightConnector1">
-            <a:avLst/>
-          </a:prstGeom>
-          <a:ln>
-            <a:solidFill>
-              <a:schemeClr val="tx1"/>
-            </a:solidFill>
-            <a:tailEnd type="triangle"/>
-          </a:ln>
-        </p:spPr>
-        <p:style>
-          <a:lnRef idx="3">
-            <a:schemeClr val="dk1"/>
-          </a:lnRef>
-          <a:fillRef idx="0">
-            <a:schemeClr val="dk1"/>
-          </a:fillRef>
-          <a:effectRef idx="2">
-            <a:schemeClr val="dk1"/>
-          </a:effectRef>
-          <a:fontRef idx="minor">
-            <a:schemeClr val="tx1"/>
-          </a:fontRef>
-        </p:style>
-      </p:cxnSp>
-      <p:cxnSp>
-        <p:nvCxnSpPr>
-          <p:cNvPr id="38" name="Gerade Verbindung mit Pfeil 37">
-            <a:extLst>
-              <a:ext uri="{FF2B5EF4-FFF2-40B4-BE49-F238E27FC236}">
-                <a16:creationId xmlns:a16="http://schemas.microsoft.com/office/drawing/2014/main" id="{73FE8A86-DD29-44C2-814F-FAC0DEACC390}"/>
-              </a:ext>
-            </a:extLst>
-          </p:cNvPr>
-          <p:cNvCxnSpPr>
-            <a:cxnSpLocks/>
-          </p:cNvCxnSpPr>
-          <p:nvPr/>
-        </p:nvCxnSpPr>
-        <p:spPr>
-          <a:xfrm>
-            <a:off x="7861612" y="4096627"/>
-            <a:ext cx="678362" cy="18482"/>
-          </a:xfrm>
-          <a:prstGeom prst="straightConnector1">
-            <a:avLst/>
-          </a:prstGeom>
-          <a:ln>
-            <a:solidFill>
-              <a:schemeClr val="tx1"/>
-            </a:solidFill>
-            <a:tailEnd type="triangle"/>
-          </a:ln>
-        </p:spPr>
-        <p:style>
-          <a:lnRef idx="3">
-            <a:schemeClr val="dk1"/>
-          </a:lnRef>
-          <a:fillRef idx="0">
-            <a:schemeClr val="dk1"/>
-          </a:fillRef>
-          <a:effectRef idx="2">
-            <a:schemeClr val="dk1"/>
-          </a:effectRef>
-          <a:fontRef idx="minor">
-            <a:schemeClr val="tx1"/>
-          </a:fontRef>
-        </p:style>
-      </p:cxnSp>
-      <p:cxnSp>
-        <p:nvCxnSpPr>
-          <p:cNvPr id="40" name="Gerade Verbindung mit Pfeil 39">
-            <a:extLst>
-              <a:ext uri="{FF2B5EF4-FFF2-40B4-BE49-F238E27FC236}">
-                <a16:creationId xmlns:a16="http://schemas.microsoft.com/office/drawing/2014/main" id="{108615F8-965D-402A-A1DD-11B63D14B345}"/>
-              </a:ext>
-            </a:extLst>
-          </p:cNvPr>
-          <p:cNvCxnSpPr>
-            <a:cxnSpLocks/>
-          </p:cNvCxnSpPr>
-          <p:nvPr/>
-        </p:nvCxnSpPr>
-        <p:spPr>
-          <a:xfrm flipV="1">
-            <a:off x="9675462" y="3186545"/>
-            <a:ext cx="918647" cy="508344"/>
-          </a:xfrm>
-          <a:prstGeom prst="straightConnector1">
-            <a:avLst/>
-          </a:prstGeom>
-          <a:ln>
-            <a:solidFill>
-              <a:schemeClr val="tx1"/>
-            </a:solidFill>
-            <a:tailEnd type="triangle"/>
-          </a:ln>
-        </p:spPr>
-        <p:style>
-          <a:lnRef idx="3">
-            <a:schemeClr val="dk1"/>
-          </a:lnRef>
-          <a:fillRef idx="0">
-            <a:schemeClr val="dk1"/>
-          </a:fillRef>
-          <a:effectRef idx="2">
-            <a:schemeClr val="dk1"/>
-          </a:effectRef>
-          <a:fontRef idx="minor">
-            <a:schemeClr val="tx1"/>
-          </a:fontRef>
-        </p:style>
-      </p:cxnSp>
-      <p:cxnSp>
-        <p:nvCxnSpPr>
-          <p:cNvPr id="42" name="Gerade Verbindung mit Pfeil 41">
-            <a:extLst>
-              <a:ext uri="{FF2B5EF4-FFF2-40B4-BE49-F238E27FC236}">
-                <a16:creationId xmlns:a16="http://schemas.microsoft.com/office/drawing/2014/main" id="{A9DF2A30-920D-46F8-A681-FDE458FCC837}"/>
-              </a:ext>
-            </a:extLst>
-          </p:cNvPr>
-          <p:cNvCxnSpPr>
-            <a:cxnSpLocks/>
-          </p:cNvCxnSpPr>
-          <p:nvPr/>
-        </p:nvCxnSpPr>
-        <p:spPr>
-          <a:xfrm>
-            <a:off x="8756816" y="2252368"/>
-            <a:ext cx="1837293" cy="759851"/>
-          </a:xfrm>
-          <a:prstGeom prst="straightConnector1">
-            <a:avLst/>
-          </a:prstGeom>
-          <a:ln>
-            <a:solidFill>
-              <a:schemeClr val="tx1"/>
-            </a:solidFill>
-            <a:tailEnd type="triangle"/>
-          </a:ln>
-        </p:spPr>
-        <p:style>
-          <a:lnRef idx="3">
-            <a:schemeClr val="dk1"/>
-          </a:lnRef>
-          <a:fillRef idx="0">
-            <a:schemeClr val="dk1"/>
-          </a:fillRef>
-          <a:effectRef idx="2">
-            <a:schemeClr val="dk1"/>
-          </a:effectRef>
-          <a:fontRef idx="minor">
-            <a:schemeClr val="tx1"/>
-          </a:fontRef>
-        </p:style>
-      </p:cxnSp>
-    </p:spTree>
-    <p:extLst>
-      <p:ext uri="{BB962C8B-B14F-4D97-AF65-F5344CB8AC3E}">
-        <p14:creationId xmlns:p14="http://schemas.microsoft.com/office/powerpoint/2010/main" val="262973383"/>
-      </p:ext>
-    </p:extLst>
-  </p:cSld>
-  <p:clrMapOvr>
-    <a:masterClrMapping/>
-  </p:clrMapOvr>
-  <p:timing>
-    <p:tnLst>
-      <p:par>
-        <p:cTn id="1" dur="indefinite" restart="never" nodeType="tmRoot">
-          <p:childTnLst>
-            <p:seq concurrent="1" nextAc="seek">
-              <p:cTn id="2" dur="indefinite" nodeType="mainSeq">
-                <p:childTnLst>
-                  <p:par>
-                    <p:cTn id="3" fill="hold">
-                      <p:stCondLst>
-                        <p:cond delay="indefinite"/>
-                      </p:stCondLst>
-                      <p:childTnLst>
-                        <p:par>
-                          <p:cTn id="4" fill="hold">
-                            <p:stCondLst>
-                              <p:cond delay="0"/>
-                            </p:stCondLst>
-                            <p:childTnLst>
-                              <p:par>
-                                <p:cTn id="5" presetID="1" presetClass="entr" presetSubtype="0" fill="hold" nodeType="clickEffect">
-                                  <p:stCondLst>
-                                    <p:cond delay="0"/>
-                                  </p:stCondLst>
-                                  <p:childTnLst>
-                                    <p:set>
-                                      <p:cBhvr>
-                                        <p:cTn id="6" dur="1" fill="hold">
-                                          <p:stCondLst>
-                                            <p:cond delay="0"/>
-                                          </p:stCondLst>
-                                        </p:cTn>
-                                        <p:tgtEl>
-                                          <p:spTgt spid="7"/>
-                                        </p:tgtEl>
-                                        <p:attrNameLst>
-                                          <p:attrName>style.visibility</p:attrName>
-                                        </p:attrNameLst>
-                                      </p:cBhvr>
-                                      <p:to>
-                                        <p:strVal val="visible"/>
-                                      </p:to>
-                                    </p:set>
-                                  </p:childTnLst>
-                                </p:cTn>
-                              </p:par>
-                              <p:par>
-                                <p:cTn id="7" presetID="1" presetClass="entr" presetSubtype="0" fill="hold" nodeType="withEffect">
-                                  <p:stCondLst>
-                                    <p:cond delay="0"/>
-                                  </p:stCondLst>
-                                  <p:childTnLst>
-                                    <p:set>
-                                      <p:cBhvr>
-                                        <p:cTn id="8" dur="1" fill="hold">
-                                          <p:stCondLst>
-                                            <p:cond delay="0"/>
-                                          </p:stCondLst>
-                                        </p:cTn>
-                                        <p:tgtEl>
-                                          <p:spTgt spid="14"/>
-                                        </p:tgtEl>
-                                        <p:attrNameLst>
-                                          <p:attrName>style.visibility</p:attrName>
-                                        </p:attrNameLst>
-                                      </p:cBhvr>
-                                      <p:to>
-                                        <p:strVal val="visible"/>
-                                      </p:to>
-                                    </p:set>
-                                  </p:childTnLst>
-                                </p:cTn>
-                              </p:par>
-                              <p:par>
-                                <p:cTn id="9" presetID="1" presetClass="entr" presetSubtype="0" fill="hold" nodeType="withEffect">
-                                  <p:stCondLst>
-                                    <p:cond delay="0"/>
-                                  </p:stCondLst>
-                                  <p:childTnLst>
-                                    <p:set>
-                                      <p:cBhvr>
-                                        <p:cTn id="10" dur="1" fill="hold">
-                                          <p:stCondLst>
-                                            <p:cond delay="0"/>
-                                          </p:stCondLst>
-                                        </p:cTn>
-                                        <p:tgtEl>
-                                          <p:spTgt spid="17"/>
-                                        </p:tgtEl>
-                                        <p:attrNameLst>
-                                          <p:attrName>style.visibility</p:attrName>
-                                        </p:attrNameLst>
-                                      </p:cBhvr>
-                                      <p:to>
-                                        <p:strVal val="visible"/>
-                                      </p:to>
-                                    </p:set>
-                                  </p:childTnLst>
-                                </p:cTn>
-                              </p:par>
-                              <p:par>
-                                <p:cTn id="11" presetID="1" presetClass="entr" presetSubtype="0" fill="hold" nodeType="withEffect">
-                                  <p:stCondLst>
-                                    <p:cond delay="0"/>
-                                  </p:stCondLst>
-                                  <p:childTnLst>
-                                    <p:set>
-                                      <p:cBhvr>
-                                        <p:cTn id="12" dur="1" fill="hold">
-                                          <p:stCondLst>
-                                            <p:cond delay="0"/>
-                                          </p:stCondLst>
-                                        </p:cTn>
-                                        <p:tgtEl>
-                                          <p:spTgt spid="16"/>
-                                        </p:tgtEl>
-                                        <p:attrNameLst>
-                                          <p:attrName>style.visibility</p:attrName>
-                                        </p:attrNameLst>
-                                      </p:cBhvr>
-                                      <p:to>
-                                        <p:strVal val="visible"/>
-                                      </p:to>
-                                    </p:set>
-                                  </p:childTnLst>
-                                </p:cTn>
-                              </p:par>
-                              <p:par>
-                                <p:cTn id="13" presetID="1" presetClass="entr" presetSubtype="0" fill="hold" nodeType="withEffect">
-                                  <p:stCondLst>
-                                    <p:cond delay="0"/>
-                                  </p:stCondLst>
-                                  <p:childTnLst>
-                                    <p:set>
-                                      <p:cBhvr>
-                                        <p:cTn id="14" dur="1" fill="hold">
-                                          <p:stCondLst>
-                                            <p:cond delay="0"/>
-                                          </p:stCondLst>
-                                        </p:cTn>
-                                        <p:tgtEl>
-                                          <p:spTgt spid="18"/>
-                                        </p:tgtEl>
-                                        <p:attrNameLst>
-                                          <p:attrName>style.visibility</p:attrName>
-                                        </p:attrNameLst>
-                                      </p:cBhvr>
-                                      <p:to>
-                                        <p:strVal val="visible"/>
-                                      </p:to>
-                                    </p:set>
-                                  </p:childTnLst>
-                                </p:cTn>
-                              </p:par>
-                              <p:par>
-                                <p:cTn id="15" presetID="1" presetClass="entr" presetSubtype="0" fill="hold" nodeType="withEffect">
-                                  <p:stCondLst>
-                                    <p:cond delay="0"/>
-                                  </p:stCondLst>
-                                  <p:childTnLst>
-                                    <p:set>
-                                      <p:cBhvr>
-                                        <p:cTn id="16" dur="1" fill="hold">
-                                          <p:stCondLst>
-                                            <p:cond delay="0"/>
-                                          </p:stCondLst>
-                                        </p:cTn>
-                                        <p:tgtEl>
-                                          <p:spTgt spid="15"/>
-                                        </p:tgtEl>
-                                        <p:attrNameLst>
-                                          <p:attrName>style.visibility</p:attrName>
-                                        </p:attrNameLst>
-                                      </p:cBhvr>
-                                      <p:to>
-                                        <p:strVal val="visible"/>
-                                      </p:to>
-                                    </p:set>
-                                  </p:childTnLst>
-                                </p:cTn>
-                              </p:par>
-                              <p:par>
-                                <p:cTn id="17" presetID="1" presetClass="entr" presetSubtype="0" fill="hold" nodeType="withEffect">
-                                  <p:stCondLst>
-                                    <p:cond delay="0"/>
-                                  </p:stCondLst>
-                                  <p:childTnLst>
-                                    <p:set>
-                                      <p:cBhvr>
-                                        <p:cTn id="18" dur="1" fill="hold">
-                                          <p:stCondLst>
-                                            <p:cond delay="0"/>
-                                          </p:stCondLst>
-                                        </p:cTn>
-                                        <p:tgtEl>
-                                          <p:spTgt spid="13"/>
-                                        </p:tgtEl>
-                                        <p:attrNameLst>
-                                          <p:attrName>style.visibility</p:attrName>
-                                        </p:attrNameLst>
-                                      </p:cBhvr>
-                                      <p:to>
-                                        <p:strVal val="visible"/>
-                                      </p:to>
-                                    </p:set>
-                                  </p:childTnLst>
-                                </p:cTn>
-                              </p:par>
-                              <p:par>
-                                <p:cTn id="19" presetID="1" presetClass="entr" presetSubtype="0" fill="hold" nodeType="withEffect">
-                                  <p:stCondLst>
-                                    <p:cond delay="0"/>
-                                  </p:stCondLst>
-                                  <p:childTnLst>
-                                    <p:set>
-                                      <p:cBhvr>
-                                        <p:cTn id="20" dur="1" fill="hold">
-                                          <p:stCondLst>
-                                            <p:cond delay="0"/>
-                                          </p:stCondLst>
-                                        </p:cTn>
-                                        <p:tgtEl>
-                                          <p:spTgt spid="12"/>
-                                        </p:tgtEl>
-                                        <p:attrNameLst>
-                                          <p:attrName>style.visibility</p:attrName>
-                                        </p:attrNameLst>
-                                      </p:cBhvr>
-                                      <p:to>
-                                        <p:strVal val="visible"/>
-                                      </p:to>
-                                    </p:set>
-                                  </p:childTnLst>
-                                </p:cTn>
-                              </p:par>
-                            </p:childTnLst>
-                          </p:cTn>
-                        </p:par>
-                      </p:childTnLst>
-                    </p:cTn>
-                  </p:par>
-                  <p:par>
-                    <p:cTn id="21" fill="hold">
-                      <p:stCondLst>
-                        <p:cond delay="indefinite"/>
-                      </p:stCondLst>
-                      <p:childTnLst>
-                        <p:par>
-                          <p:cTn id="22" fill="hold">
-                            <p:stCondLst>
-                              <p:cond delay="0"/>
-                            </p:stCondLst>
-                            <p:childTnLst>
-                              <p:par>
-                                <p:cTn id="23" presetID="1" presetClass="entr" presetSubtype="0" fill="hold" nodeType="clickEffect">
-                                  <p:stCondLst>
-                                    <p:cond delay="0"/>
-                                  </p:stCondLst>
-                                  <p:childTnLst>
-                                    <p:set>
-                                      <p:cBhvr>
-                                        <p:cTn id="24" dur="1" fill="hold">
-                                          <p:stCondLst>
-                                            <p:cond delay="0"/>
-                                          </p:stCondLst>
-                                        </p:cTn>
-                                        <p:tgtEl>
-                                          <p:spTgt spid="22"/>
-                                        </p:tgtEl>
-                                        <p:attrNameLst>
-                                          <p:attrName>style.visibility</p:attrName>
-                                        </p:attrNameLst>
-                                      </p:cBhvr>
-                                      <p:to>
-                                        <p:strVal val="visible"/>
-                                      </p:to>
-                                    </p:set>
-                                  </p:childTnLst>
-                                </p:cTn>
-                              </p:par>
-                              <p:par>
-                                <p:cTn id="25" presetID="1" presetClass="entr" presetSubtype="0" fill="hold" nodeType="withEffect">
-                                  <p:stCondLst>
-                                    <p:cond delay="0"/>
-                                  </p:stCondLst>
-                                  <p:childTnLst>
-                                    <p:set>
-                                      <p:cBhvr>
-                                        <p:cTn id="26" dur="1" fill="hold">
-                                          <p:stCondLst>
-                                            <p:cond delay="0"/>
-                                          </p:stCondLst>
-                                        </p:cTn>
-                                        <p:tgtEl>
-                                          <p:spTgt spid="20"/>
-                                        </p:tgtEl>
-                                        <p:attrNameLst>
-                                          <p:attrName>style.visibility</p:attrName>
-                                        </p:attrNameLst>
-                                      </p:cBhvr>
-                                      <p:to>
-                                        <p:strVal val="visible"/>
-                                      </p:to>
-                                    </p:set>
-                                  </p:childTnLst>
-                                </p:cTn>
-                              </p:par>
-                              <p:par>
-                                <p:cTn id="27" presetID="1" presetClass="entr" presetSubtype="0" fill="hold" nodeType="withEffect">
-                                  <p:stCondLst>
-                                    <p:cond delay="0"/>
-                                  </p:stCondLst>
-                                  <p:childTnLst>
-                                    <p:set>
-                                      <p:cBhvr>
-                                        <p:cTn id="28" dur="1" fill="hold">
-                                          <p:stCondLst>
-                                            <p:cond delay="0"/>
-                                          </p:stCondLst>
-                                        </p:cTn>
-                                        <p:tgtEl>
-                                          <p:spTgt spid="26"/>
-                                        </p:tgtEl>
-                                        <p:attrNameLst>
-                                          <p:attrName>style.visibility</p:attrName>
-                                        </p:attrNameLst>
-                                      </p:cBhvr>
-                                      <p:to>
-                                        <p:strVal val="visible"/>
-                                      </p:to>
-                                    </p:set>
-                                  </p:childTnLst>
-                                </p:cTn>
-                              </p:par>
-                              <p:par>
-                                <p:cTn id="29" presetID="1" presetClass="entr" presetSubtype="0" fill="hold" nodeType="withEffect">
-                                  <p:stCondLst>
-                                    <p:cond delay="0"/>
-                                  </p:stCondLst>
-                                  <p:childTnLst>
-                                    <p:set>
-                                      <p:cBhvr>
-                                        <p:cTn id="30" dur="1" fill="hold">
-                                          <p:stCondLst>
-                                            <p:cond delay="0"/>
-                                          </p:stCondLst>
-                                        </p:cTn>
-                                        <p:tgtEl>
-                                          <p:spTgt spid="30"/>
-                                        </p:tgtEl>
-                                        <p:attrNameLst>
-                                          <p:attrName>style.visibility</p:attrName>
-                                        </p:attrNameLst>
-                                      </p:cBhvr>
-                                      <p:to>
-                                        <p:strVal val="visible"/>
-                                      </p:to>
-                                    </p:set>
-                                  </p:childTnLst>
-                                </p:cTn>
-                              </p:par>
-                              <p:par>
-                                <p:cTn id="31" presetID="1" presetClass="entr" presetSubtype="0" fill="hold" nodeType="withEffect">
-                                  <p:stCondLst>
-                                    <p:cond delay="0"/>
-                                  </p:stCondLst>
-                                  <p:childTnLst>
-                                    <p:set>
-                                      <p:cBhvr>
-                                        <p:cTn id="32" dur="1" fill="hold">
-                                          <p:stCondLst>
-                                            <p:cond delay="0"/>
-                                          </p:stCondLst>
-                                        </p:cTn>
-                                        <p:tgtEl>
-                                          <p:spTgt spid="24"/>
-                                        </p:tgtEl>
-                                        <p:attrNameLst>
-                                          <p:attrName>style.visibility</p:attrName>
-                                        </p:attrNameLst>
-                                      </p:cBhvr>
-                                      <p:to>
-                                        <p:strVal val="visible"/>
-                                      </p:to>
-                                    </p:set>
-                                  </p:childTnLst>
-                                </p:cTn>
-                              </p:par>
-                              <p:par>
-                                <p:cTn id="33" presetID="1" presetClass="entr" presetSubtype="0" fill="hold" nodeType="withEffect">
-                                  <p:stCondLst>
-                                    <p:cond delay="0"/>
-                                  </p:stCondLst>
-                                  <p:childTnLst>
-                                    <p:set>
-                                      <p:cBhvr>
-                                        <p:cTn id="34" dur="1" fill="hold">
-                                          <p:stCondLst>
-                                            <p:cond delay="0"/>
-                                          </p:stCondLst>
-                                        </p:cTn>
-                                        <p:tgtEl>
-                                          <p:spTgt spid="28"/>
-                                        </p:tgtEl>
-                                        <p:attrNameLst>
-                                          <p:attrName>style.visibility</p:attrName>
-                                        </p:attrNameLst>
-                                      </p:cBhvr>
-                                      <p:to>
-                                        <p:strVal val="visible"/>
-                                      </p:to>
-                                    </p:set>
-                                  </p:childTnLst>
-                                </p:cTn>
-                              </p:par>
-                              <p:par>
-                                <p:cTn id="35" presetID="1" presetClass="entr" presetSubtype="0" fill="hold" nodeType="withEffect">
-                                  <p:stCondLst>
-                                    <p:cond delay="0"/>
-                                  </p:stCondLst>
-                                  <p:childTnLst>
-                                    <p:set>
-                                      <p:cBhvr>
-                                        <p:cTn id="36" dur="1" fill="hold">
-                                          <p:stCondLst>
-                                            <p:cond delay="0"/>
-                                          </p:stCondLst>
-                                        </p:cTn>
-                                        <p:tgtEl>
-                                          <p:spTgt spid="34"/>
-                                        </p:tgtEl>
-                                        <p:attrNameLst>
-                                          <p:attrName>style.visibility</p:attrName>
-                                        </p:attrNameLst>
-                                      </p:cBhvr>
-                                      <p:to>
-                                        <p:strVal val="visible"/>
-                                      </p:to>
-                                    </p:set>
-                                  </p:childTnLst>
-                                </p:cTn>
-                              </p:par>
-                              <p:par>
-                                <p:cTn id="37" presetID="1" presetClass="entr" presetSubtype="0" fill="hold" nodeType="withEffect">
-                                  <p:stCondLst>
-                                    <p:cond delay="0"/>
-                                  </p:stCondLst>
-                                  <p:childTnLst>
-                                    <p:set>
-                                      <p:cBhvr>
-                                        <p:cTn id="38" dur="1" fill="hold">
-                                          <p:stCondLst>
-                                            <p:cond delay="0"/>
-                                          </p:stCondLst>
-                                        </p:cTn>
-                                        <p:tgtEl>
-                                          <p:spTgt spid="36"/>
-                                        </p:tgtEl>
-                                        <p:attrNameLst>
-                                          <p:attrName>style.visibility</p:attrName>
-                                        </p:attrNameLst>
-                                      </p:cBhvr>
-                                      <p:to>
-                                        <p:strVal val="visible"/>
-                                      </p:to>
-                                    </p:set>
-                                  </p:childTnLst>
-                                </p:cTn>
-                              </p:par>
-                              <p:par>
-                                <p:cTn id="39" presetID="1" presetClass="entr" presetSubtype="0" fill="hold" nodeType="withEffect">
-                                  <p:stCondLst>
-                                    <p:cond delay="0"/>
-                                  </p:stCondLst>
-                                  <p:childTnLst>
-                                    <p:set>
-                                      <p:cBhvr>
-                                        <p:cTn id="40" dur="1" fill="hold">
-                                          <p:stCondLst>
-                                            <p:cond delay="0"/>
-                                          </p:stCondLst>
-                                        </p:cTn>
-                                        <p:tgtEl>
-                                          <p:spTgt spid="32"/>
-                                        </p:tgtEl>
-                                        <p:attrNameLst>
-                                          <p:attrName>style.visibility</p:attrName>
-                                        </p:attrNameLst>
-                                      </p:cBhvr>
-                                      <p:to>
-                                        <p:strVal val="visible"/>
-                                      </p:to>
-                                    </p:set>
-                                  </p:childTnLst>
-                                </p:cTn>
-                              </p:par>
-                              <p:par>
-                                <p:cTn id="41" presetID="1" presetClass="entr" presetSubtype="0" fill="hold" nodeType="withEffect">
-                                  <p:stCondLst>
-                                    <p:cond delay="0"/>
-                                  </p:stCondLst>
-                                  <p:childTnLst>
-                                    <p:set>
-                                      <p:cBhvr>
-                                        <p:cTn id="42" dur="1" fill="hold">
-                                          <p:stCondLst>
-                                            <p:cond delay="0"/>
-                                          </p:stCondLst>
-                                        </p:cTn>
-                                        <p:tgtEl>
-                                          <p:spTgt spid="38"/>
-                                        </p:tgtEl>
-                                        <p:attrNameLst>
-                                          <p:attrName>style.visibility</p:attrName>
-                                        </p:attrNameLst>
-                                      </p:cBhvr>
-                                      <p:to>
-                                        <p:strVal val="visible"/>
-                                      </p:to>
-                                    </p:set>
-                                  </p:childTnLst>
-                                </p:cTn>
-                              </p:par>
-                              <p:par>
-                                <p:cTn id="43" presetID="1" presetClass="entr" presetSubtype="0" fill="hold" nodeType="withEffect">
-                                  <p:stCondLst>
-                                    <p:cond delay="0"/>
-                                  </p:stCondLst>
-                                  <p:childTnLst>
-                                    <p:set>
-                                      <p:cBhvr>
-                                        <p:cTn id="44" dur="1" fill="hold">
-                                          <p:stCondLst>
-                                            <p:cond delay="0"/>
-                                          </p:stCondLst>
-                                        </p:cTn>
-                                        <p:tgtEl>
-                                          <p:spTgt spid="40"/>
-                                        </p:tgtEl>
-                                        <p:attrNameLst>
-                                          <p:attrName>style.visibility</p:attrName>
-                                        </p:attrNameLst>
-                                      </p:cBhvr>
-                                      <p:to>
-                                        <p:strVal val="visible"/>
-                                      </p:to>
-                                    </p:set>
-                                  </p:childTnLst>
-                                </p:cTn>
-                              </p:par>
-                              <p:par>
-                                <p:cTn id="45" presetID="1" presetClass="entr" presetSubtype="0" fill="hold" nodeType="withEffect">
-                                  <p:stCondLst>
-                                    <p:cond delay="0"/>
-                                  </p:stCondLst>
-                                  <p:childTnLst>
-                                    <p:set>
-                                      <p:cBhvr>
-                                        <p:cTn id="46" dur="1" fill="hold">
-                                          <p:stCondLst>
-                                            <p:cond delay="0"/>
-                                          </p:stCondLst>
-                                        </p:cTn>
-                                        <p:tgtEl>
-                                          <p:spTgt spid="42"/>
-                                        </p:tgtEl>
-                                        <p:attrNameLst>
-                                          <p:attrName>style.visibility</p:attrName>
-                                        </p:attrNameLst>
-                                      </p:cBhvr>
-                                      <p:to>
-                                        <p:strVal val="visible"/>
-                                      </p:to>
-                                    </p:set>
-                                  </p:childTnLst>
-                                </p:cTn>
-                              </p:par>
-                            </p:childTnLst>
-                          </p:cTn>
-                        </p:par>
-                      </p:childTnLst>
-                    </p:cTn>
-                  </p:par>
-                </p:childTnLst>
-              </p:cTn>
-              <p:prevCondLst>
-                <p:cond evt="onPrev" delay="0">
-                  <p:tgtEl>
-                    <p:sldTgt/>
-                  </p:tgtEl>
-                </p:cond>
-              </p:prevCondLst>
-              <p:nextCondLst>
-                <p:cond evt="onNext" delay="0">
-                  <p:tgtEl>
-                    <p:sldTgt/>
-                  </p:tgtEl>
-                </p:cond>
-              </p:nextCondLst>
-            </p:seq>
-          </p:childTnLst>
-        </p:cTn>
-      </p:par>
-    </p:tnLst>
-  </p:timing>
-</p:sld>
-</file>
-
 <file path=ppt/slides/slide17.xml><?xml version="1.0" encoding="utf-8"?>
 <p:sld xmlns:a="http://schemas.openxmlformats.org/drawingml/2006/main" xmlns:r="http://schemas.openxmlformats.org/officeDocument/2006/relationships" xmlns:p="http://schemas.openxmlformats.org/presentationml/2006/main">
   <p:cSld>
@@ -25633,7 +22786,7 @@
           <p:cNvPr id="2" name="Titel 1">
             <a:extLst>
               <a:ext uri="{FF2B5EF4-FFF2-40B4-BE49-F238E27FC236}">
-                <a16:creationId xmlns:a16="http://schemas.microsoft.com/office/drawing/2014/main" id="{21515BE0-3222-4FA9-9C21-38214112F7DB}"/>
+                <a16:creationId xmlns:a16="http://schemas.microsoft.com/office/drawing/2014/main" id="{ECBAF7B1-E23F-48B9-BA51-9A02452902DD}"/>
               </a:ext>
             </a:extLst>
           </p:cNvPr>
@@ -25649,23 +22802,20 @@
           <a:bodyPr/>
           <a:lstStyle/>
           <a:p>
-            <a:r>
-              <a:rPr lang="en-US" dirty="0"/>
-              <a:t>Pert</a:t>
-            </a:r>
+            <a:pPr algn="ctr"/>
             <a:r>
               <a:rPr lang="de-DE" dirty="0"/>
-              <a:t> - Beispiele</a:t>
+              <a:t>Fazit &amp; Wahl der Schätzmethode</a:t>
             </a:r>
           </a:p>
         </p:txBody>
       </p:sp>
       <p:sp>
         <p:nvSpPr>
-          <p:cNvPr id="3" name="Textplatzhalter 2">
+          <p:cNvPr id="3" name="Inhaltsplatzhalter 2">
             <a:extLst>
               <a:ext uri="{FF2B5EF4-FFF2-40B4-BE49-F238E27FC236}">
-                <a16:creationId xmlns:a16="http://schemas.microsoft.com/office/drawing/2014/main" id="{7F31D81D-E9A0-4D32-AA70-8F4AF565F85B}"/>
+                <a16:creationId xmlns:a16="http://schemas.microsoft.com/office/drawing/2014/main" id="{93567E31-E6DA-41BF-98A3-F6DF118F7F86}"/>
               </a:ext>
             </a:extLst>
           </p:cNvPr>
@@ -25673,82 +22823,7 @@
             <a:spLocks noGrp="1"/>
           </p:cNvSpPr>
           <p:nvPr>
-            <p:ph type="body" idx="1"/>
-          </p:nvPr>
-        </p:nvSpPr>
-        <p:spPr/>
-        <p:txBody>
-          <a:bodyPr/>
-          <a:lstStyle/>
-          <a:p>
-            <a:endParaRPr lang="de-DE" dirty="0"/>
-          </a:p>
-        </p:txBody>
-      </p:sp>
-      <p:sp>
-        <p:nvSpPr>
-          <p:cNvPr id="4" name="Inhaltsplatzhalter 3">
-            <a:extLst>
-              <a:ext uri="{FF2B5EF4-FFF2-40B4-BE49-F238E27FC236}">
-                <a16:creationId xmlns:a16="http://schemas.microsoft.com/office/drawing/2014/main" id="{BBAC3B95-E435-410B-8B20-590101018493}"/>
-              </a:ext>
-            </a:extLst>
-          </p:cNvPr>
-          <p:cNvSpPr>
-            <a:spLocks noGrp="1"/>
-          </p:cNvSpPr>
-          <p:nvPr>
-            <p:ph sz="half" idx="2"/>
-          </p:nvPr>
-        </p:nvSpPr>
-        <p:spPr/>
-        <p:txBody>
-          <a:bodyPr/>
-          <a:lstStyle/>
-          <a:p>
-            <a:endParaRPr lang="de-DE"/>
-          </a:p>
-        </p:txBody>
-      </p:sp>
-      <p:sp>
-        <p:nvSpPr>
-          <p:cNvPr id="5" name="Textplatzhalter 4">
-            <a:extLst>
-              <a:ext uri="{FF2B5EF4-FFF2-40B4-BE49-F238E27FC236}">
-                <a16:creationId xmlns:a16="http://schemas.microsoft.com/office/drawing/2014/main" id="{927A293B-1135-4489-B973-D52DB27287FF}"/>
-              </a:ext>
-            </a:extLst>
-          </p:cNvPr>
-          <p:cNvSpPr>
-            <a:spLocks noGrp="1"/>
-          </p:cNvSpPr>
-          <p:nvPr>
-            <p:ph type="body" sz="quarter" idx="3"/>
-          </p:nvPr>
-        </p:nvSpPr>
-        <p:spPr/>
-        <p:txBody>
-          <a:bodyPr/>
-          <a:lstStyle/>
-          <a:p>
-            <a:endParaRPr lang="de-DE"/>
-          </a:p>
-        </p:txBody>
-      </p:sp>
-      <p:sp>
-        <p:nvSpPr>
-          <p:cNvPr id="6" name="Inhaltsplatzhalter 5">
-            <a:extLst>
-              <a:ext uri="{FF2B5EF4-FFF2-40B4-BE49-F238E27FC236}">
-                <a16:creationId xmlns:a16="http://schemas.microsoft.com/office/drawing/2014/main" id="{AF4A08DB-8D66-4530-8F73-6A83656E4330}"/>
-              </a:ext>
-            </a:extLst>
-          </p:cNvPr>
-          <p:cNvSpPr>
-            <a:spLocks noGrp="1"/>
-          </p:cNvSpPr>
-          <p:nvPr>
-            <p:ph sz="quarter" idx="4"/>
+            <p:ph idx="1"/>
           </p:nvPr>
         </p:nvSpPr>
         <p:spPr/>
@@ -25763,7 +22838,7 @@
     </p:spTree>
     <p:extLst>
       <p:ext uri="{BB962C8B-B14F-4D97-AF65-F5344CB8AC3E}">
-        <p14:creationId xmlns:p14="http://schemas.microsoft.com/office/powerpoint/2010/main" val="2405721084"/>
+        <p14:creationId xmlns:p14="http://schemas.microsoft.com/office/powerpoint/2010/main" val="975627160"/>
       </p:ext>
     </p:extLst>
   </p:cSld>
@@ -25842,7 +22917,7 @@
           <a:p>
             <a:r>
               <a:rPr lang="de-DE" dirty="0"/>
-              <a:t>Einleitung</a:t>
+              <a:t>Aufgabenstellung</a:t>
             </a:r>
           </a:p>
           <a:p>
@@ -25898,90 +22973,6 @@
 </file>
 
 <file path=ppt/slides/slide20.xml><?xml version="1.0" encoding="utf-8"?>
-<p:sld xmlns:a="http://schemas.openxmlformats.org/drawingml/2006/main" xmlns:r="http://schemas.openxmlformats.org/officeDocument/2006/relationships" xmlns:p="http://schemas.openxmlformats.org/presentationml/2006/main">
-  <p:cSld>
-    <p:spTree>
-      <p:nvGrpSpPr>
-        <p:cNvPr id="1" name=""/>
-        <p:cNvGrpSpPr/>
-        <p:nvPr/>
-      </p:nvGrpSpPr>
-      <p:grpSpPr>
-        <a:xfrm>
-          <a:off x="0" y="0"/>
-          <a:ext cx="0" cy="0"/>
-          <a:chOff x="0" y="0"/>
-          <a:chExt cx="0" cy="0"/>
-        </a:xfrm>
-      </p:grpSpPr>
-      <p:sp>
-        <p:nvSpPr>
-          <p:cNvPr id="2" name="Titel 1">
-            <a:extLst>
-              <a:ext uri="{FF2B5EF4-FFF2-40B4-BE49-F238E27FC236}">
-                <a16:creationId xmlns:a16="http://schemas.microsoft.com/office/drawing/2014/main" id="{ECBAF7B1-E23F-48B9-BA51-9A02452902DD}"/>
-              </a:ext>
-            </a:extLst>
-          </p:cNvPr>
-          <p:cNvSpPr>
-            <a:spLocks noGrp="1"/>
-          </p:cNvSpPr>
-          <p:nvPr>
-            <p:ph type="title"/>
-          </p:nvPr>
-        </p:nvSpPr>
-        <p:spPr/>
-        <p:txBody>
-          <a:bodyPr/>
-          <a:lstStyle/>
-          <a:p>
-            <a:pPr algn="ctr"/>
-            <a:r>
-              <a:rPr lang="de-DE" dirty="0"/>
-              <a:t>Fazit &amp; Wahl der Schätzmethode</a:t>
-            </a:r>
-          </a:p>
-        </p:txBody>
-      </p:sp>
-      <p:sp>
-        <p:nvSpPr>
-          <p:cNvPr id="3" name="Inhaltsplatzhalter 2">
-            <a:extLst>
-              <a:ext uri="{FF2B5EF4-FFF2-40B4-BE49-F238E27FC236}">
-                <a16:creationId xmlns:a16="http://schemas.microsoft.com/office/drawing/2014/main" id="{93567E31-E6DA-41BF-98A3-F6DF118F7F86}"/>
-              </a:ext>
-            </a:extLst>
-          </p:cNvPr>
-          <p:cNvSpPr>
-            <a:spLocks noGrp="1"/>
-          </p:cNvSpPr>
-          <p:nvPr>
-            <p:ph idx="1"/>
-          </p:nvPr>
-        </p:nvSpPr>
-        <p:spPr/>
-        <p:txBody>
-          <a:bodyPr/>
-          <a:lstStyle/>
-          <a:p>
-            <a:endParaRPr lang="de-DE"/>
-          </a:p>
-        </p:txBody>
-      </p:sp>
-    </p:spTree>
-    <p:extLst>
-      <p:ext uri="{BB962C8B-B14F-4D97-AF65-F5344CB8AC3E}">
-        <p14:creationId xmlns:p14="http://schemas.microsoft.com/office/powerpoint/2010/main" val="975627160"/>
-      </p:ext>
-    </p:extLst>
-  </p:cSld>
-  <p:clrMapOvr>
-    <a:masterClrMapping/>
-  </p:clrMapOvr>
-</p:sld>
-</file>
-
-<file path=ppt/slides/slide21.xml><?xml version="1.0" encoding="utf-8"?>
 <p:sld xmlns:a="http://schemas.openxmlformats.org/drawingml/2006/main" xmlns:r="http://schemas.openxmlformats.org/officeDocument/2006/relationships" xmlns:p="http://schemas.openxmlformats.org/presentationml/2006/main">
   <p:cSld>
     <p:spTree>
@@ -26057,7 +23048,7 @@
 </p:sld>
 </file>
 
-<file path=ppt/slides/slide22.xml><?xml version="1.0" encoding="utf-8"?>
+<file path=ppt/slides/slide21.xml><?xml version="1.0" encoding="utf-8"?>
 <p:sld xmlns:a="http://schemas.openxmlformats.org/drawingml/2006/main" xmlns:r="http://schemas.openxmlformats.org/officeDocument/2006/relationships" xmlns:p="http://schemas.openxmlformats.org/presentationml/2006/main">
   <p:cSld>
     <p:spTree>
@@ -26352,7 +23343,7 @@
 </p:sld>
 </file>
 
-<file path=ppt/slides/slide23.xml><?xml version="1.0" encoding="utf-8"?>
+<file path=ppt/slides/slide22.xml><?xml version="1.0" encoding="utf-8"?>
 <p:sld xmlns:a="http://schemas.openxmlformats.org/drawingml/2006/main" xmlns:r="http://schemas.openxmlformats.org/officeDocument/2006/relationships" xmlns:p="http://schemas.openxmlformats.org/presentationml/2006/main">
   <p:cSld>
     <p:spTree>
@@ -26535,7 +23526,7 @@
 </p:sld>
 </file>
 
-<file path=ppt/slides/slide24.xml><?xml version="1.0" encoding="utf-8"?>
+<file path=ppt/slides/slide23.xml><?xml version="1.0" encoding="utf-8"?>
 <p:sld xmlns:a="http://schemas.openxmlformats.org/drawingml/2006/main" xmlns:r="http://schemas.openxmlformats.org/officeDocument/2006/relationships" xmlns:p="http://schemas.openxmlformats.org/presentationml/2006/main">
   <p:cSld>
     <p:spTree>
@@ -26660,7 +23651,7 @@
             <a:pPr algn="ctr"/>
             <a:r>
               <a:rPr lang="de-DE" dirty="0"/>
-              <a:t>Einleitung - Ausgangs Situation</a:t>
+              <a:t>Aufgabenstellung</a:t>
             </a:r>
           </a:p>
         </p:txBody>
@@ -26740,7 +23731,7 @@
           <p:cNvPr id="2" name="Titel 1">
             <a:extLst>
               <a:ext uri="{FF2B5EF4-FFF2-40B4-BE49-F238E27FC236}">
-                <a16:creationId xmlns:a16="http://schemas.microsoft.com/office/drawing/2014/main" id="{CFA6EF72-C0E0-4AA5-B290-D03ACECBDDDF}"/>
+                <a16:creationId xmlns:a16="http://schemas.microsoft.com/office/drawing/2014/main" id="{804F4C65-5B8A-487B-87EA-5BBE805C0F30}"/>
               </a:ext>
             </a:extLst>
           </p:cNvPr>
@@ -26759,7 +23750,7 @@
             <a:pPr algn="ctr"/>
             <a:r>
               <a:rPr lang="de-DE" dirty="0"/>
-              <a:t>Einleitung - Einordnung</a:t>
+              <a:t>Aufwandschätzung – Allgemein 	</a:t>
             </a:r>
           </a:p>
         </p:txBody>
@@ -26769,7 +23760,7 @@
           <p:cNvPr id="3" name="Inhaltsplatzhalter 2">
             <a:extLst>
               <a:ext uri="{FF2B5EF4-FFF2-40B4-BE49-F238E27FC236}">
-                <a16:creationId xmlns:a16="http://schemas.microsoft.com/office/drawing/2014/main" id="{4671FF31-CEA9-421B-A717-EB9379134428}"/>
+                <a16:creationId xmlns:a16="http://schemas.microsoft.com/office/drawing/2014/main" id="{C81F2667-C629-4981-BC68-C18FC2B4CE3F}"/>
               </a:ext>
             </a:extLst>
           </p:cNvPr>
@@ -26785,14 +23776,14 @@
           <a:bodyPr/>
           <a:lstStyle/>
           <a:p>
-            <a:endParaRPr lang="de-DE"/>
+            <a:endParaRPr lang="de-DE" dirty="0"/>
           </a:p>
         </p:txBody>
       </p:sp>
     </p:spTree>
     <p:extLst>
       <p:ext uri="{BB962C8B-B14F-4D97-AF65-F5344CB8AC3E}">
-        <p14:creationId xmlns:p14="http://schemas.microsoft.com/office/powerpoint/2010/main" val="1127755381"/>
+        <p14:creationId xmlns:p14="http://schemas.microsoft.com/office/powerpoint/2010/main" val="2722508148"/>
       </p:ext>
     </p:extLst>
   </p:cSld>
@@ -26840,11 +23831,31 @@
           <a:bodyPr/>
           <a:lstStyle/>
           <a:p>
-            <a:pPr algn="ctr"/>
+            <a:pPr algn="ctr">
+              <a:lnSpc>
+                <a:spcPct val="150000"/>
+              </a:lnSpc>
+            </a:pPr>
             <a:r>
               <a:rPr lang="de-DE" dirty="0"/>
-              <a:t>Poker Planning - Methode</a:t>
+              <a:t>Aufwandschätzung - </a:t>
             </a:r>
+            <a:r>
+              <a:rPr lang="de-DE" dirty="0" err="1"/>
+              <a:t>MetHoden</a:t>
+            </a:r>
+            <a:br>
+              <a:rPr lang="de-DE" dirty="0"/>
+            </a:br>
+            <a:r>
+              <a:rPr lang="de-DE" dirty="0"/>
+              <a:t>Poker </a:t>
+            </a:r>
+            <a:r>
+              <a:rPr lang="de-DE" dirty="0" err="1"/>
+              <a:t>PlanninG</a:t>
+            </a:r>
+            <a:endParaRPr lang="de-DE" dirty="0"/>
           </a:p>
         </p:txBody>
       </p:sp>
@@ -26887,6 +23898,103 @@
 </file>
 
 <file path=ppt/slides/slide6.xml><?xml version="1.0" encoding="utf-8"?>
+<p:sld xmlns:a="http://schemas.openxmlformats.org/drawingml/2006/main" xmlns:r="http://schemas.openxmlformats.org/officeDocument/2006/relationships" xmlns:p="http://schemas.openxmlformats.org/presentationml/2006/main">
+  <p:cSld>
+    <p:spTree>
+      <p:nvGrpSpPr>
+        <p:cNvPr id="1" name=""/>
+        <p:cNvGrpSpPr/>
+        <p:nvPr/>
+      </p:nvGrpSpPr>
+      <p:grpSpPr>
+        <a:xfrm>
+          <a:off x="0" y="0"/>
+          <a:ext cx="0" cy="0"/>
+          <a:chOff x="0" y="0"/>
+          <a:chExt cx="0" cy="0"/>
+        </a:xfrm>
+      </p:grpSpPr>
+      <p:sp>
+        <p:nvSpPr>
+          <p:cNvPr id="2" name="Titel 1">
+            <a:extLst>
+              <a:ext uri="{FF2B5EF4-FFF2-40B4-BE49-F238E27FC236}">
+                <a16:creationId xmlns:a16="http://schemas.microsoft.com/office/drawing/2014/main" id="{F3A3E589-7665-46AC-8629-4F01B5C96BF5}"/>
+              </a:ext>
+            </a:extLst>
+          </p:cNvPr>
+          <p:cNvSpPr>
+            <a:spLocks noGrp="1"/>
+          </p:cNvSpPr>
+          <p:nvPr>
+            <p:ph type="title"/>
+          </p:nvPr>
+        </p:nvSpPr>
+        <p:spPr/>
+        <p:txBody>
+          <a:bodyPr/>
+          <a:lstStyle/>
+          <a:p>
+            <a:pPr algn="ctr"/>
+            <a:r>
+              <a:rPr lang="de-DE" dirty="0"/>
+              <a:t>Poker </a:t>
+            </a:r>
+            <a:r>
+              <a:rPr lang="de-DE" dirty="0" err="1"/>
+              <a:t>Planning</a:t>
+            </a:r>
+            <a:r>
+              <a:rPr lang="de-DE" dirty="0"/>
+              <a:t> - Vor- /</a:t>
+            </a:r>
+            <a:r>
+              <a:rPr lang="de-DE" dirty="0" err="1"/>
+              <a:t>NAchteile</a:t>
+            </a:r>
+            <a:endParaRPr lang="de-DE" dirty="0"/>
+          </a:p>
+        </p:txBody>
+      </p:sp>
+      <p:sp>
+        <p:nvSpPr>
+          <p:cNvPr id="3" name="Inhaltsplatzhalter 2">
+            <a:extLst>
+              <a:ext uri="{FF2B5EF4-FFF2-40B4-BE49-F238E27FC236}">
+                <a16:creationId xmlns:a16="http://schemas.microsoft.com/office/drawing/2014/main" id="{31A463AD-F833-487E-97E0-5D329257E033}"/>
+              </a:ext>
+            </a:extLst>
+          </p:cNvPr>
+          <p:cNvSpPr>
+            <a:spLocks noGrp="1"/>
+          </p:cNvSpPr>
+          <p:nvPr>
+            <p:ph idx="1"/>
+          </p:nvPr>
+        </p:nvSpPr>
+        <p:spPr/>
+        <p:txBody>
+          <a:bodyPr/>
+          <a:lstStyle/>
+          <a:p>
+            <a:endParaRPr lang="de-DE" dirty="0"/>
+          </a:p>
+        </p:txBody>
+      </p:sp>
+    </p:spTree>
+    <p:extLst>
+      <p:ext uri="{BB962C8B-B14F-4D97-AF65-F5344CB8AC3E}">
+        <p14:creationId xmlns:p14="http://schemas.microsoft.com/office/powerpoint/2010/main" val="2216381291"/>
+      </p:ext>
+    </p:extLst>
+  </p:cSld>
+  <p:clrMapOvr>
+    <a:masterClrMapping/>
+  </p:clrMapOvr>
+</p:sld>
+</file>
+
+<file path=ppt/slides/slide7.xml><?xml version="1.0" encoding="utf-8"?>
 <p:sld xmlns:a="http://schemas.openxmlformats.org/drawingml/2006/main" xmlns:r="http://schemas.openxmlformats.org/officeDocument/2006/relationships" xmlns:p="http://schemas.openxmlformats.org/presentationml/2006/main">
   <p:cSld>
     <p:spTree>
@@ -26970,7 +24078,7 @@
 </p:sld>
 </file>
 
-<file path=ppt/slides/slide7.xml><?xml version="1.0" encoding="utf-8"?>
+<file path=ppt/slides/slide8.xml><?xml version="1.0" encoding="utf-8"?>
 <p:sld xmlns:a="http://schemas.openxmlformats.org/drawingml/2006/main" xmlns:r="http://schemas.openxmlformats.org/officeDocument/2006/relationships" xmlns:p="http://schemas.openxmlformats.org/presentationml/2006/main">
   <p:cSld>
     <p:spTree>
@@ -27125,7 +24233,7 @@
 </p:sld>
 </file>
 
-<file path=ppt/slides/slide8.xml><?xml version="1.0" encoding="utf-8"?>
+<file path=ppt/slides/slide9.xml><?xml version="1.0" encoding="utf-8"?>
 <p:sld xmlns:a="http://schemas.openxmlformats.org/drawingml/2006/main" xmlns:r="http://schemas.openxmlformats.org/officeDocument/2006/relationships" xmlns:p="http://schemas.openxmlformats.org/presentationml/2006/main">
   <p:cSld>
     <p:spTree>
@@ -27515,231 +24623,6 @@
     <p:extLst>
       <p:ext uri="{BB962C8B-B14F-4D97-AF65-F5344CB8AC3E}">
         <p14:creationId xmlns:p14="http://schemas.microsoft.com/office/powerpoint/2010/main" val="1457865203"/>
-      </p:ext>
-    </p:extLst>
-  </p:cSld>
-  <p:clrMapOvr>
-    <a:masterClrMapping/>
-  </p:clrMapOvr>
-</p:sld>
-</file>
-
-<file path=ppt/slides/slide9.xml><?xml version="1.0" encoding="utf-8"?>
-<p:sld xmlns:a="http://schemas.openxmlformats.org/drawingml/2006/main" xmlns:r="http://schemas.openxmlformats.org/officeDocument/2006/relationships" xmlns:p="http://schemas.openxmlformats.org/presentationml/2006/main">
-  <p:cSld>
-    <p:spTree>
-      <p:nvGrpSpPr>
-        <p:cNvPr id="1" name=""/>
-        <p:cNvGrpSpPr/>
-        <p:nvPr/>
-      </p:nvGrpSpPr>
-      <p:grpSpPr>
-        <a:xfrm>
-          <a:off x="0" y="0"/>
-          <a:ext cx="0" cy="0"/>
-          <a:chOff x="0" y="0"/>
-          <a:chExt cx="0" cy="0"/>
-        </a:xfrm>
-      </p:grpSpPr>
-      <p:sp>
-        <p:nvSpPr>
-          <p:cNvPr id="2" name="Titel 1">
-            <a:extLst>
-              <a:ext uri="{FF2B5EF4-FFF2-40B4-BE49-F238E27FC236}">
-                <a16:creationId xmlns:a16="http://schemas.microsoft.com/office/drawing/2014/main" id="{C69C870D-64F4-42DA-A8E5-366FD6E597F8}"/>
-              </a:ext>
-            </a:extLst>
-          </p:cNvPr>
-          <p:cNvSpPr>
-            <a:spLocks noGrp="1"/>
-          </p:cNvSpPr>
-          <p:nvPr>
-            <p:ph type="title"/>
-          </p:nvPr>
-        </p:nvSpPr>
-        <p:spPr/>
-        <p:txBody>
-          <a:bodyPr/>
-          <a:lstStyle/>
-          <a:p>
-            <a:pPr algn="ctr"/>
-            <a:r>
-              <a:rPr lang="de-DE" dirty="0"/>
-              <a:t>Delphi - Methode</a:t>
-            </a:r>
-          </a:p>
-        </p:txBody>
-      </p:sp>
-      <p:graphicFrame>
-        <p:nvGraphicFramePr>
-          <p:cNvPr id="5" name="Inhaltsplatzhalter 4">
-            <a:extLst>
-              <a:ext uri="{FF2B5EF4-FFF2-40B4-BE49-F238E27FC236}">
-                <a16:creationId xmlns:a16="http://schemas.microsoft.com/office/drawing/2014/main" id="{0C51DC7C-58DF-492C-97AA-EF05C305D42B}"/>
-              </a:ext>
-            </a:extLst>
-          </p:cNvPr>
-          <p:cNvGraphicFramePr>
-            <a:graphicFrameLocks noGrp="1"/>
-          </p:cNvGraphicFramePr>
-          <p:nvPr>
-            <p:ph idx="1"/>
-            <p:extLst>
-              <p:ext uri="{D42A27DB-BD31-4B8C-83A1-F6EECF244321}">
-                <p14:modId xmlns:p14="http://schemas.microsoft.com/office/powerpoint/2010/main" val="2019249904"/>
-              </p:ext>
-            </p:extLst>
-          </p:nvPr>
-        </p:nvGraphicFramePr>
-        <p:xfrm>
-          <a:off x="1141413" y="2009776"/>
-          <a:ext cx="9906000" cy="3999138"/>
-        </p:xfrm>
-        <a:graphic>
-          <a:graphicData uri="http://schemas.openxmlformats.org/drawingml/2006/diagram">
-            <dgm:relIds xmlns:dgm="http://schemas.openxmlformats.org/drawingml/2006/diagram" xmlns:r="http://schemas.openxmlformats.org/officeDocument/2006/relationships" r:dm="rId3" r:lo="rId4" r:qs="rId5" r:cs="rId6"/>
-          </a:graphicData>
-        </a:graphic>
-      </p:graphicFrame>
-      <p:sp>
-        <p:nvSpPr>
-          <p:cNvPr id="6" name="Textfeld 5">
-            <a:extLst>
-              <a:ext uri="{FF2B5EF4-FFF2-40B4-BE49-F238E27FC236}">
-                <a16:creationId xmlns:a16="http://schemas.microsoft.com/office/drawing/2014/main" id="{A696B488-D6D0-4FCC-BC51-C63CA0E0A5AD}"/>
-              </a:ext>
-            </a:extLst>
-          </p:cNvPr>
-          <p:cNvSpPr txBox="1"/>
-          <p:nvPr/>
-        </p:nvSpPr>
-        <p:spPr>
-          <a:xfrm>
-            <a:off x="-90435" y="6008914"/>
-            <a:ext cx="12570488" cy="646331"/>
-          </a:xfrm>
-          <a:prstGeom prst="rect">
-            <a:avLst/>
-          </a:prstGeom>
-          <a:noFill/>
-        </p:spPr>
-        <p:txBody>
-          <a:bodyPr wrap="square" rtlCol="0">
-            <a:spAutoFit/>
-          </a:bodyPr>
-          <a:lstStyle/>
-          <a:p>
-            <a:r>
-              <a:rPr lang="de-DE" sz="1800" dirty="0">
-                <a:effectLst>
-                  <a:outerShdw blurRad="38100" dist="38100" dir="2700000" algn="tl">
-                    <a:srgbClr val="000000">
-                      <a:alpha val="43137"/>
-                    </a:srgbClr>
-                  </a:outerShdw>
-                </a:effectLst>
-                <a:latin typeface="Calibri" panose="020F0502020204030204" pitchFamily="34" charset="0"/>
-                <a:ea typeface="Calibri" panose="020F0502020204030204" pitchFamily="34" charset="0"/>
-                <a:cs typeface="Times New Roman" panose="02020603050405020304" pitchFamily="18" charset="0"/>
-              </a:rPr>
-              <a:t>„Die Orientierung der eigenen Antwort an die soziale Erwünschtheit und daraus resultierende Verzerrungen der Antworten können bei der Meinungsfindung durch die anonyme Methode des Delphi-Verfahrens gezielt vermieden werden.“ (Moon, 2021, S. 154)</a:t>
-            </a:r>
-            <a:endParaRPr lang="de-DE" dirty="0">
-              <a:effectLst>
-                <a:outerShdw blurRad="38100" dist="38100" dir="2700000" algn="tl">
-                  <a:srgbClr val="000000">
-                    <a:alpha val="43137"/>
-                  </a:srgbClr>
-                </a:outerShdw>
-              </a:effectLst>
-            </a:endParaRPr>
-          </a:p>
-        </p:txBody>
-      </p:sp>
-      <p:sp>
-        <p:nvSpPr>
-          <p:cNvPr id="7" name="Textfeld 6">
-            <a:extLst>
-              <a:ext uri="{FF2B5EF4-FFF2-40B4-BE49-F238E27FC236}">
-                <a16:creationId xmlns:a16="http://schemas.microsoft.com/office/drawing/2014/main" id="{ED52A875-7348-4A48-AA24-2192B7FAE126}"/>
-              </a:ext>
-            </a:extLst>
-          </p:cNvPr>
-          <p:cNvSpPr txBox="1"/>
-          <p:nvPr/>
-        </p:nvSpPr>
-        <p:spPr>
-          <a:xfrm>
-            <a:off x="10430188" y="5014129"/>
-            <a:ext cx="3165231" cy="830997"/>
-          </a:xfrm>
-          <a:prstGeom prst="rect">
-            <a:avLst/>
-          </a:prstGeom>
-          <a:noFill/>
-        </p:spPr>
-        <p:txBody>
-          <a:bodyPr wrap="square" rtlCol="0">
-            <a:spAutoFit/>
-          </a:bodyPr>
-          <a:lstStyle/>
-          <a:p>
-            <a:r>
-              <a:rPr lang="de-DE" sz="1200" dirty="0">
-                <a:solidFill>
-                  <a:schemeClr val="accent4"/>
-                </a:solidFill>
-              </a:rPr>
-              <a:t>Quellen:</a:t>
-            </a:r>
-          </a:p>
-          <a:p>
-            <a:r>
-              <a:rPr lang="de-DE" sz="1200" dirty="0">
-                <a:solidFill>
-                  <a:schemeClr val="accent4"/>
-                </a:solidFill>
-              </a:rPr>
-              <a:t>Eigene Darstellung </a:t>
-            </a:r>
-          </a:p>
-          <a:p>
-            <a:r>
-              <a:rPr lang="de-DE" sz="1200" dirty="0">
-                <a:solidFill>
-                  <a:schemeClr val="accent4"/>
-                </a:solidFill>
-                <a:effectLst/>
-                <a:latin typeface="Calibri" panose="020F0502020204030204" pitchFamily="34" charset="0"/>
-                <a:ea typeface="Calibri" panose="020F0502020204030204" pitchFamily="34" charset="0"/>
-                <a:cs typeface="Times New Roman" panose="02020603050405020304" pitchFamily="18" charset="0"/>
-              </a:rPr>
-              <a:t>vgl. Moon, 2021, S. 152</a:t>
-            </a:r>
-          </a:p>
-          <a:p>
-            <a:r>
-              <a:rPr lang="de-DE" sz="1200" dirty="0">
-                <a:solidFill>
-                  <a:schemeClr val="accent4"/>
-                </a:solidFill>
-                <a:latin typeface="Calibri" panose="020F0502020204030204" pitchFamily="34" charset="0"/>
-                <a:cs typeface="Times New Roman" panose="02020603050405020304" pitchFamily="18" charset="0"/>
-              </a:rPr>
-              <a:t>vgl. Moon, 2021, S. 153f.</a:t>
-            </a:r>
-            <a:endParaRPr lang="de-DE" sz="1200" dirty="0">
-              <a:solidFill>
-                <a:schemeClr val="accent4"/>
-              </a:solidFill>
-            </a:endParaRPr>
-          </a:p>
-        </p:txBody>
-      </p:sp>
-    </p:spTree>
-    <p:extLst>
-      <p:ext uri="{BB962C8B-B14F-4D97-AF65-F5344CB8AC3E}">
-        <p14:creationId xmlns:p14="http://schemas.microsoft.com/office/powerpoint/2010/main" val="4205217365"/>
       </p:ext>
     </p:extLst>
   </p:cSld>

--- a/a1008 (1).pptx
+++ b/a1008 (1).pptx
@@ -5,7 +5,7 @@
     <p:sldMasterId id="2147483648" r:id="rId1"/>
   </p:sldMasterIdLst>
   <p:notesMasterIdLst>
-    <p:notesMasterId r:id="rId25"/>
+    <p:notesMasterId r:id="rId26"/>
   </p:notesMasterIdLst>
   <p:sldIdLst>
     <p:sldId id="256" r:id="rId2"/>
@@ -13,24 +13,25 @@
     <p:sldId id="258" r:id="rId4"/>
     <p:sldId id="284" r:id="rId5"/>
     <p:sldId id="259" r:id="rId6"/>
-    <p:sldId id="283" r:id="rId7"/>
-    <p:sldId id="260" r:id="rId8"/>
-    <p:sldId id="261" r:id="rId9"/>
-    <p:sldId id="272" r:id="rId10"/>
-    <p:sldId id="275" r:id="rId11"/>
-    <p:sldId id="273" r:id="rId12"/>
-    <p:sldId id="274" r:id="rId13"/>
-    <p:sldId id="262" r:id="rId14"/>
-    <p:sldId id="276" r:id="rId15"/>
-    <p:sldId id="277" r:id="rId16"/>
-    <p:sldId id="278" r:id="rId17"/>
-    <p:sldId id="279" r:id="rId18"/>
-    <p:sldId id="280" r:id="rId19"/>
-    <p:sldId id="265" r:id="rId20"/>
-    <p:sldId id="268" r:id="rId21"/>
-    <p:sldId id="266" r:id="rId22"/>
-    <p:sldId id="267" r:id="rId23"/>
-    <p:sldId id="271" r:id="rId24"/>
+    <p:sldId id="285" r:id="rId7"/>
+    <p:sldId id="283" r:id="rId8"/>
+    <p:sldId id="260" r:id="rId9"/>
+    <p:sldId id="261" r:id="rId10"/>
+    <p:sldId id="272" r:id="rId11"/>
+    <p:sldId id="275" r:id="rId12"/>
+    <p:sldId id="273" r:id="rId13"/>
+    <p:sldId id="274" r:id="rId14"/>
+    <p:sldId id="262" r:id="rId15"/>
+    <p:sldId id="276" r:id="rId16"/>
+    <p:sldId id="277" r:id="rId17"/>
+    <p:sldId id="278" r:id="rId18"/>
+    <p:sldId id="279" r:id="rId19"/>
+    <p:sldId id="280" r:id="rId20"/>
+    <p:sldId id="265" r:id="rId21"/>
+    <p:sldId id="268" r:id="rId22"/>
+    <p:sldId id="266" r:id="rId23"/>
+    <p:sldId id="267" r:id="rId24"/>
+    <p:sldId id="271" r:id="rId25"/>
   </p:sldIdLst>
   <p:sldSz cx="12192000" cy="6858000"/>
   <p:notesSz cx="6858000" cy="9144000"/>
@@ -4340,7 +4341,7 @@
       <dgm:spPr/>
     </dgm:pt>
     <dgm:pt modelId="{C30D65B2-6C94-41D4-8867-97647E6F8348}" type="pres">
-      <dgm:prSet presAssocID="{D7B4B0E6-03B0-4AD9-97ED-55BAC6973041}" presName="Background" presStyleLbl="bgImgPlace1" presStyleIdx="0" presStyleCnt="1" custScaleX="133157" custScaleY="110507" custLinFactNeighborX="23" custLinFactNeighborY="-2913"/>
+      <dgm:prSet presAssocID="{D7B4B0E6-03B0-4AD9-97ED-55BAC6973041}" presName="Background" presStyleLbl="bgImgPlace1" presStyleIdx="0" presStyleCnt="1" custScaleX="133157" custScaleY="110507" custLinFactNeighborX="23" custLinFactNeighborY="-2547"/>
       <dgm:spPr>
         <a:solidFill>
           <a:schemeClr val="bg1">
@@ -4379,7 +4380,7 @@
       </dgm:spPr>
     </dgm:pt>
     <dgm:pt modelId="{49CA7C3C-33E5-4071-85A0-32DE82F5C16D}" type="pres">
-      <dgm:prSet presAssocID="{D7B4B0E6-03B0-4AD9-97ED-55BAC6973041}" presName="Minus" presStyleLbl="alignNode1" presStyleIdx="1" presStyleCnt="2" custLinFactY="-18182" custLinFactNeighborX="92173" custLinFactNeighborY="-100000"/>
+      <dgm:prSet presAssocID="{D7B4B0E6-03B0-4AD9-97ED-55BAC6973041}" presName="Minus" presStyleLbl="alignNode1" presStyleIdx="1" presStyleCnt="2" custLinFactY="-11363" custLinFactNeighborX="92173" custLinFactNeighborY="-100000"/>
       <dgm:spPr>
         <a:solidFill>
           <a:srgbClr val="C00000"/>
@@ -5711,7 +5712,7 @@
       </dsp:nvSpPr>
       <dsp:spPr>
         <a:xfrm>
-          <a:off x="431375" y="357714"/>
+          <a:off x="431375" y="370564"/>
           <a:ext cx="9046374" cy="3879875"/>
         </a:xfrm>
         <a:prstGeom prst="rect">
@@ -12024,7 +12025,7 @@
           <a:p>
             <a:fld id="{C9071F95-0312-4097-A033-B27785ED25A1}" type="slidenum">
               <a:rPr lang="de-DE" smtClean="0"/>
-              <a:t>8</a:t>
+              <a:t>9</a:t>
             </a:fld>
             <a:endParaRPr lang="de-DE"/>
           </a:p>
@@ -12108,7 +12109,7 @@
           <a:p>
             <a:fld id="{C9071F95-0312-4097-A033-B27785ED25A1}" type="slidenum">
               <a:rPr lang="de-DE" smtClean="0"/>
-              <a:t>10</a:t>
+              <a:t>11</a:t>
             </a:fld>
             <a:endParaRPr lang="de-DE"/>
           </a:p>
@@ -12192,7 +12193,7 @@
           <a:p>
             <a:fld id="{C9071F95-0312-4097-A033-B27785ED25A1}" type="slidenum">
               <a:rPr lang="de-DE" smtClean="0"/>
-              <a:t>11</a:t>
+              <a:t>12</a:t>
             </a:fld>
             <a:endParaRPr lang="de-DE"/>
           </a:p>
@@ -17896,6 +17897,405 @@
       </p:sp>
       <p:graphicFrame>
         <p:nvGraphicFramePr>
+          <p:cNvPr id="17" name="Tabelle 17">
+            <a:extLst>
+              <a:ext uri="{FF2B5EF4-FFF2-40B4-BE49-F238E27FC236}">
+                <a16:creationId xmlns:a16="http://schemas.microsoft.com/office/drawing/2014/main" id="{55D4826C-00D6-4701-8073-53FDF10BBBEC}"/>
+              </a:ext>
+            </a:extLst>
+          </p:cNvPr>
+          <p:cNvGraphicFramePr>
+            <a:graphicFrameLocks noGrp="1"/>
+          </p:cNvGraphicFramePr>
+          <p:nvPr>
+            <p:ph idx="1"/>
+            <p:extLst>
+              <p:ext uri="{D42A27DB-BD31-4B8C-83A1-F6EECF244321}">
+                <p14:modId xmlns:p14="http://schemas.microsoft.com/office/powerpoint/2010/main" val="149457715"/>
+              </p:ext>
+            </p:extLst>
+          </p:nvPr>
+        </p:nvGraphicFramePr>
+        <p:xfrm>
+          <a:off x="1141413" y="2667000"/>
+          <a:ext cx="9906000" cy="1651000"/>
+        </p:xfrm>
+        <a:graphic>
+          <a:graphicData uri="http://schemas.openxmlformats.org/drawingml/2006/table">
+            <a:tbl>
+              <a:tblPr firstRow="1" bandRow="1">
+                <a:tableStyleId>{5C22544A-7EE6-4342-B048-85BDC9FD1C3A}</a:tableStyleId>
+              </a:tblPr>
+              <a:tblGrid>
+                <a:gridCol w="4953000">
+                  <a:extLst>
+                    <a:ext uri="{9D8B030D-6E8A-4147-A177-3AD203B41FA5}">
+                      <a16:colId xmlns:a16="http://schemas.microsoft.com/office/drawing/2014/main" val="1761273252"/>
+                    </a:ext>
+                  </a:extLst>
+                </a:gridCol>
+                <a:gridCol w="4953000">
+                  <a:extLst>
+                    <a:ext uri="{9D8B030D-6E8A-4147-A177-3AD203B41FA5}">
+                      <a16:colId xmlns:a16="http://schemas.microsoft.com/office/drawing/2014/main" val="2172551086"/>
+                    </a:ext>
+                  </a:extLst>
+                </a:gridCol>
+              </a:tblGrid>
+              <a:tr h="370840">
+                <a:tc gridSpan="2">
+                  <a:txBody>
+                    <a:bodyPr/>
+                    <a:lstStyle/>
+                    <a:p>
+                      <a:pPr algn="ctr"/>
+                      <a:r>
+                        <a:rPr lang="de-DE" dirty="0">
+                          <a:effectLst>
+                            <a:outerShdw blurRad="38100" dist="38100" dir="2700000" algn="tl">
+                              <a:srgbClr val="000000">
+                                <a:alpha val="43137"/>
+                              </a:srgbClr>
+                            </a:outerShdw>
+                          </a:effectLst>
+                        </a:rPr>
+                        <a:t>Ansätze der empirischen Sozialforschung</a:t>
+                      </a:r>
+                    </a:p>
+                  </a:txBody>
+                  <a:tcPr/>
+                </a:tc>
+                <a:tc hMerge="1">
+                  <a:txBody>
+                    <a:bodyPr/>
+                    <a:lstStyle/>
+                    <a:p>
+                      <a:endParaRPr lang="de-DE"/>
+                    </a:p>
+                  </a:txBody>
+                  <a:tcPr/>
+                </a:tc>
+                <a:extLst>
+                  <a:ext uri="{0D108BD9-81ED-4DB2-BD59-A6C34878D82A}">
+                    <a16:rowId xmlns:a16="http://schemas.microsoft.com/office/drawing/2014/main" val="1597324515"/>
+                  </a:ext>
+                </a:extLst>
+              </a:tr>
+              <a:tr h="370840">
+                <a:tc>
+                  <a:txBody>
+                    <a:bodyPr/>
+                    <a:lstStyle/>
+                    <a:p>
+                      <a:pPr marL="0" marR="0" lvl="0" indent="0" algn="ctr" defTabSz="457200" rtl="0" eaLnBrk="1" fontAlgn="auto" latinLnBrk="0" hangingPunct="1">
+                        <a:lnSpc>
+                          <a:spcPct val="100000"/>
+                        </a:lnSpc>
+                        <a:spcBef>
+                          <a:spcPts val="0"/>
+                        </a:spcBef>
+                        <a:spcAft>
+                          <a:spcPts val="0"/>
+                        </a:spcAft>
+                        <a:buClrTx/>
+                        <a:buSzTx/>
+                        <a:buFontTx/>
+                        <a:buNone/>
+                        <a:tabLst/>
+                        <a:defRPr/>
+                      </a:pPr>
+                      <a:r>
+                        <a:rPr lang="de-DE" dirty="0">
+                          <a:effectLst>
+                            <a:outerShdw blurRad="38100" dist="38100" dir="2700000" algn="tl">
+                              <a:srgbClr val="000000">
+                                <a:alpha val="43137"/>
+                              </a:srgbClr>
+                            </a:outerShdw>
+                          </a:effectLst>
+                        </a:rPr>
+                        <a:t>Quantitativ:</a:t>
+                      </a:r>
+                    </a:p>
+                    <a:p>
+                      <a:pPr algn="ctr"/>
+                      <a:endParaRPr lang="de-DE" dirty="0">
+                        <a:effectLst>
+                          <a:outerShdw blurRad="38100" dist="38100" dir="2700000" algn="tl">
+                            <a:srgbClr val="000000">
+                              <a:alpha val="43137"/>
+                            </a:srgbClr>
+                          </a:outerShdw>
+                        </a:effectLst>
+                      </a:endParaRPr>
+                    </a:p>
+                  </a:txBody>
+                  <a:tcPr/>
+                </a:tc>
+                <a:tc>
+                  <a:txBody>
+                    <a:bodyPr/>
+                    <a:lstStyle/>
+                    <a:p>
+                      <a:pPr marL="0" marR="0" lvl="0" indent="0" algn="ctr" defTabSz="457200" rtl="0" eaLnBrk="1" fontAlgn="auto" latinLnBrk="0" hangingPunct="1">
+                        <a:lnSpc>
+                          <a:spcPct val="100000"/>
+                        </a:lnSpc>
+                        <a:spcBef>
+                          <a:spcPts val="0"/>
+                        </a:spcBef>
+                        <a:spcAft>
+                          <a:spcPts val="0"/>
+                        </a:spcAft>
+                        <a:buClrTx/>
+                        <a:buSzTx/>
+                        <a:buFontTx/>
+                        <a:buNone/>
+                        <a:tabLst/>
+                        <a:defRPr/>
+                      </a:pPr>
+                      <a:r>
+                        <a:rPr lang="de-DE" dirty="0">
+                          <a:effectLst>
+                            <a:outerShdw blurRad="38100" dist="38100" dir="2700000" algn="tl">
+                              <a:srgbClr val="000000">
+                                <a:alpha val="43137"/>
+                              </a:srgbClr>
+                            </a:outerShdw>
+                          </a:effectLst>
+                        </a:rPr>
+                        <a:t>Qualitativ:</a:t>
+                      </a:r>
+                    </a:p>
+                  </a:txBody>
+                  <a:tcPr/>
+                </a:tc>
+                <a:extLst>
+                  <a:ext uri="{0D108BD9-81ED-4DB2-BD59-A6C34878D82A}">
+                    <a16:rowId xmlns:a16="http://schemas.microsoft.com/office/drawing/2014/main" val="3090413412"/>
+                  </a:ext>
+                </a:extLst>
+              </a:tr>
+              <a:tr h="370840">
+                <a:tc>
+                  <a:txBody>
+                    <a:bodyPr/>
+                    <a:lstStyle/>
+                    <a:p>
+                      <a:pPr marL="0" marR="0" lvl="0" indent="0" algn="l" defTabSz="457200" rtl="0" eaLnBrk="1" fontAlgn="auto" latinLnBrk="0" hangingPunct="1">
+                        <a:lnSpc>
+                          <a:spcPct val="100000"/>
+                        </a:lnSpc>
+                        <a:spcBef>
+                          <a:spcPts val="0"/>
+                        </a:spcBef>
+                        <a:spcAft>
+                          <a:spcPts val="0"/>
+                        </a:spcAft>
+                        <a:buClrTx/>
+                        <a:buSzTx/>
+                        <a:buFontTx/>
+                        <a:buNone/>
+                        <a:tabLst/>
+                        <a:defRPr/>
+                      </a:pPr>
+                      <a:r>
+                        <a:rPr lang="de-DE" b="1" dirty="0"/>
+                        <a:t>Überprüfung</a:t>
+                      </a:r>
+                      <a:r>
+                        <a:rPr lang="de-DE" dirty="0"/>
+                        <a:t> vorhandener Theorien und Hypothesen</a:t>
+                      </a:r>
+                    </a:p>
+                  </a:txBody>
+                  <a:tcPr/>
+                </a:tc>
+                <a:tc>
+                  <a:txBody>
+                    <a:bodyPr/>
+                    <a:lstStyle/>
+                    <a:p>
+                      <a:pPr marL="0" marR="0" lvl="0" indent="0" algn="l" defTabSz="457200" rtl="0" eaLnBrk="1" fontAlgn="auto" latinLnBrk="0" hangingPunct="1">
+                        <a:lnSpc>
+                          <a:spcPct val="100000"/>
+                        </a:lnSpc>
+                        <a:spcBef>
+                          <a:spcPts val="0"/>
+                        </a:spcBef>
+                        <a:spcAft>
+                          <a:spcPts val="0"/>
+                        </a:spcAft>
+                        <a:buClrTx/>
+                        <a:buSzTx/>
+                        <a:buFontTx/>
+                        <a:buNone/>
+                        <a:tabLst/>
+                        <a:defRPr/>
+                      </a:pPr>
+                      <a:r>
+                        <a:rPr lang="de-DE" b="1" dirty="0"/>
+                        <a:t>Entwicklung</a:t>
+                      </a:r>
+                      <a:r>
+                        <a:rPr lang="de-DE" dirty="0"/>
+                        <a:t> neuer Theorien und Hypothesen</a:t>
+                      </a:r>
+                    </a:p>
+                  </a:txBody>
+                  <a:tcPr/>
+                </a:tc>
+                <a:extLst>
+                  <a:ext uri="{0D108BD9-81ED-4DB2-BD59-A6C34878D82A}">
+                    <a16:rowId xmlns:a16="http://schemas.microsoft.com/office/drawing/2014/main" val="4026824468"/>
+                  </a:ext>
+                </a:extLst>
+              </a:tr>
+            </a:tbl>
+          </a:graphicData>
+        </a:graphic>
+      </p:graphicFrame>
+      <p:sp>
+        <p:nvSpPr>
+          <p:cNvPr id="3" name="Textfeld 2">
+            <a:extLst>
+              <a:ext uri="{FF2B5EF4-FFF2-40B4-BE49-F238E27FC236}">
+                <a16:creationId xmlns:a16="http://schemas.microsoft.com/office/drawing/2014/main" id="{933E464A-C32E-4AC9-82D6-D9BC65167FA7}"/>
+              </a:ext>
+            </a:extLst>
+          </p:cNvPr>
+          <p:cNvSpPr txBox="1"/>
+          <p:nvPr/>
+        </p:nvSpPr>
+        <p:spPr>
+          <a:xfrm>
+            <a:off x="6826931" y="5728062"/>
+            <a:ext cx="5365069" cy="830997"/>
+          </a:xfrm>
+          <a:prstGeom prst="rect">
+            <a:avLst/>
+          </a:prstGeom>
+          <a:noFill/>
+        </p:spPr>
+        <p:txBody>
+          <a:bodyPr wrap="square" rtlCol="0">
+            <a:spAutoFit/>
+          </a:bodyPr>
+          <a:lstStyle/>
+          <a:p>
+            <a:r>
+              <a:rPr lang="de-DE" sz="1200" dirty="0">
+                <a:solidFill>
+                  <a:schemeClr val="accent4"/>
+                </a:solidFill>
+              </a:rPr>
+              <a:t>Quellen: </a:t>
+            </a:r>
+          </a:p>
+          <a:p>
+            <a:r>
+              <a:rPr lang="de-DE" sz="1200" dirty="0">
+                <a:solidFill>
+                  <a:schemeClr val="accent4"/>
+                </a:solidFill>
+              </a:rPr>
+              <a:t>Eigene Darstellung</a:t>
+            </a:r>
+          </a:p>
+          <a:p>
+            <a:r>
+              <a:rPr lang="de-DE" sz="1200" dirty="0">
+                <a:solidFill>
+                  <a:schemeClr val="accent4"/>
+                </a:solidFill>
+              </a:rPr>
+              <a:t>vgl</a:t>
+            </a:r>
+            <a:r>
+              <a:rPr lang="de-DE" sz="1200" dirty="0"/>
+              <a:t>. </a:t>
+            </a:r>
+            <a:r>
+              <a:rPr lang="de-DE" sz="1200" dirty="0">
+                <a:hlinkClick r:id="rId2"/>
+              </a:rPr>
+              <a:t>https://www.scribbr.de/methodik/empirische-sozialforschung/</a:t>
+            </a:r>
+            <a:endParaRPr lang="de-DE" sz="1200" dirty="0"/>
+          </a:p>
+          <a:p>
+            <a:r>
+              <a:rPr lang="de-DE" sz="1200" dirty="0">
+                <a:solidFill>
+                  <a:schemeClr val="accent3"/>
+                </a:solidFill>
+              </a:rPr>
+              <a:t>vgl. Moon, 2021, S. 138, 152, 169</a:t>
+            </a:r>
+          </a:p>
+        </p:txBody>
+      </p:sp>
+    </p:spTree>
+    <p:extLst>
+      <p:ext uri="{BB962C8B-B14F-4D97-AF65-F5344CB8AC3E}">
+        <p14:creationId xmlns:p14="http://schemas.microsoft.com/office/powerpoint/2010/main" val="1457865203"/>
+      </p:ext>
+    </p:extLst>
+  </p:cSld>
+  <p:clrMapOvr>
+    <a:masterClrMapping/>
+  </p:clrMapOvr>
+</p:sld>
+</file>
+
+<file path=ppt/slides/slide11.xml><?xml version="1.0" encoding="utf-8"?>
+<p:sld xmlns:a="http://schemas.openxmlformats.org/drawingml/2006/main" xmlns:r="http://schemas.openxmlformats.org/officeDocument/2006/relationships" xmlns:p="http://schemas.openxmlformats.org/presentationml/2006/main">
+  <p:cSld>
+    <p:spTree>
+      <p:nvGrpSpPr>
+        <p:cNvPr id="1" name=""/>
+        <p:cNvGrpSpPr/>
+        <p:nvPr/>
+      </p:nvGrpSpPr>
+      <p:grpSpPr>
+        <a:xfrm>
+          <a:off x="0" y="0"/>
+          <a:ext cx="0" cy="0"/>
+          <a:chOff x="0" y="0"/>
+          <a:chExt cx="0" cy="0"/>
+        </a:xfrm>
+      </p:grpSpPr>
+      <p:sp>
+        <p:nvSpPr>
+          <p:cNvPr id="2" name="Titel 1">
+            <a:extLst>
+              <a:ext uri="{FF2B5EF4-FFF2-40B4-BE49-F238E27FC236}">
+                <a16:creationId xmlns:a16="http://schemas.microsoft.com/office/drawing/2014/main" id="{C69C870D-64F4-42DA-A8E5-366FD6E597F8}"/>
+              </a:ext>
+            </a:extLst>
+          </p:cNvPr>
+          <p:cNvSpPr>
+            <a:spLocks noGrp="1"/>
+          </p:cNvSpPr>
+          <p:nvPr>
+            <p:ph type="title"/>
+          </p:nvPr>
+        </p:nvSpPr>
+        <p:spPr/>
+        <p:txBody>
+          <a:bodyPr/>
+          <a:lstStyle/>
+          <a:p>
+            <a:pPr algn="ctr"/>
+            <a:r>
+              <a:rPr lang="de-DE" dirty="0"/>
+              <a:t>Delphi - Methode</a:t>
+            </a:r>
+          </a:p>
+        </p:txBody>
+      </p:sp>
+      <p:graphicFrame>
+        <p:nvGraphicFramePr>
           <p:cNvPr id="5" name="Inhaltsplatzhalter 4">
             <a:extLst>
               <a:ext uri="{FF2B5EF4-FFF2-40B4-BE49-F238E27FC236}">
@@ -18073,7 +18473,7 @@
 </p:sld>
 </file>
 
-<file path=ppt/slides/slide11.xml><?xml version="1.0" encoding="utf-8"?>
+<file path=ppt/slides/slide12.xml><?xml version="1.0" encoding="utf-8"?>
 <p:sld xmlns:a="http://schemas.openxmlformats.org/drawingml/2006/main" xmlns:r="http://schemas.openxmlformats.org/officeDocument/2006/relationships" xmlns:p="http://schemas.openxmlformats.org/presentationml/2006/main">
   <p:cSld>
     <p:spTree>
@@ -18212,7 +18612,7 @@
 </p:sld>
 </file>
 
-<file path=ppt/slides/slide12.xml><?xml version="1.0" encoding="utf-8"?>
+<file path=ppt/slides/slide13.xml><?xml version="1.0" encoding="utf-8"?>
 <p:sld xmlns:a="http://schemas.openxmlformats.org/drawingml/2006/main" xmlns:r="http://schemas.openxmlformats.org/officeDocument/2006/relationships" xmlns:p="http://schemas.openxmlformats.org/presentationml/2006/main">
   <p:cSld>
     <p:spTree>
@@ -18274,7 +18674,7 @@
             <p:ph idx="1"/>
             <p:extLst>
               <p:ext uri="{D42A27DB-BD31-4B8C-83A1-F6EECF244321}">
-                <p14:modId xmlns:p14="http://schemas.microsoft.com/office/powerpoint/2010/main" val="3701133134"/>
+                <p14:modId xmlns:p14="http://schemas.microsoft.com/office/powerpoint/2010/main" val="2340066188"/>
               </p:ext>
             </p:extLst>
           </p:nvPr>
@@ -18416,7 +18816,7 @@
 </p:sld>
 </file>
 
-<file path=ppt/slides/slide13.xml><?xml version="1.0" encoding="utf-8"?>
+<file path=ppt/slides/slide14.xml><?xml version="1.0" encoding="utf-8"?>
 <p:sld xmlns:a="http://schemas.openxmlformats.org/drawingml/2006/main" xmlns:r="http://schemas.openxmlformats.org/officeDocument/2006/relationships" xmlns:p="http://schemas.openxmlformats.org/presentationml/2006/main">
   <p:cSld>
     <p:spTree>
@@ -18613,7 +19013,7 @@
 </p:sld>
 </file>
 
-<file path=ppt/slides/slide14.xml><?xml version="1.0" encoding="utf-8"?>
+<file path=ppt/slides/slide15.xml><?xml version="1.0" encoding="utf-8"?>
 <p:sld xmlns:a="http://schemas.openxmlformats.org/drawingml/2006/main" xmlns:r="http://schemas.openxmlformats.org/officeDocument/2006/relationships" xmlns:p="http://schemas.openxmlformats.org/presentationml/2006/main">
   <p:cSld>
     <p:spTree>
@@ -18730,7 +19130,7 @@
 </p:sld>
 </file>
 
-<file path=ppt/slides/slide15.xml><?xml version="1.0" encoding="utf-8"?>
+<file path=ppt/slides/slide16.xml><?xml version="1.0" encoding="utf-8"?>
 <p:sld xmlns:a="http://schemas.openxmlformats.org/drawingml/2006/main" xmlns:r="http://schemas.openxmlformats.org/officeDocument/2006/relationships" xmlns:p="http://schemas.openxmlformats.org/presentationml/2006/main">
   <p:cSld>
     <p:spTree>
@@ -19204,7 +19604,7 @@
 </p:sld>
 </file>
 
-<file path=ppt/slides/slide16.xml><?xml version="1.0" encoding="utf-8"?>
+<file path=ppt/slides/slide17.xml><?xml version="1.0" encoding="utf-8"?>
 <p:sld xmlns:a="http://schemas.openxmlformats.org/drawingml/2006/main" xmlns:r="http://schemas.openxmlformats.org/officeDocument/2006/relationships" xmlns:p="http://schemas.openxmlformats.org/presentationml/2006/main">
   <p:cSld>
     <p:spTree>
@@ -22271,7 +22671,7 @@
 </p:sld>
 </file>
 
-<file path=ppt/slides/slide17.xml><?xml version="1.0" encoding="utf-8"?>
+<file path=ppt/slides/slide18.xml><?xml version="1.0" encoding="utf-8"?>
 <p:sld xmlns:a="http://schemas.openxmlformats.org/drawingml/2006/main" xmlns:r="http://schemas.openxmlformats.org/officeDocument/2006/relationships" xmlns:p="http://schemas.openxmlformats.org/presentationml/2006/main">
   <p:cSld>
     <p:spTree>
@@ -22370,7 +22770,7 @@
 </p:sld>
 </file>
 
-<file path=ppt/slides/slide18.xml><?xml version="1.0" encoding="utf-8"?>
+<file path=ppt/slides/slide19.xml><?xml version="1.0" encoding="utf-8"?>
 <p:sld xmlns:a="http://schemas.openxmlformats.org/drawingml/2006/main" xmlns:r="http://schemas.openxmlformats.org/officeDocument/2006/relationships" xmlns:p="http://schemas.openxmlformats.org/presentationml/2006/main">
   <p:cSld>
     <p:spTree>
@@ -22764,90 +23164,6 @@
 </p:sld>
 </file>
 
-<file path=ppt/slides/slide19.xml><?xml version="1.0" encoding="utf-8"?>
-<p:sld xmlns:a="http://schemas.openxmlformats.org/drawingml/2006/main" xmlns:r="http://schemas.openxmlformats.org/officeDocument/2006/relationships" xmlns:p="http://schemas.openxmlformats.org/presentationml/2006/main">
-  <p:cSld>
-    <p:spTree>
-      <p:nvGrpSpPr>
-        <p:cNvPr id="1" name=""/>
-        <p:cNvGrpSpPr/>
-        <p:nvPr/>
-      </p:nvGrpSpPr>
-      <p:grpSpPr>
-        <a:xfrm>
-          <a:off x="0" y="0"/>
-          <a:ext cx="0" cy="0"/>
-          <a:chOff x="0" y="0"/>
-          <a:chExt cx="0" cy="0"/>
-        </a:xfrm>
-      </p:grpSpPr>
-      <p:sp>
-        <p:nvSpPr>
-          <p:cNvPr id="2" name="Titel 1">
-            <a:extLst>
-              <a:ext uri="{FF2B5EF4-FFF2-40B4-BE49-F238E27FC236}">
-                <a16:creationId xmlns:a16="http://schemas.microsoft.com/office/drawing/2014/main" id="{ECBAF7B1-E23F-48B9-BA51-9A02452902DD}"/>
-              </a:ext>
-            </a:extLst>
-          </p:cNvPr>
-          <p:cNvSpPr>
-            <a:spLocks noGrp="1"/>
-          </p:cNvSpPr>
-          <p:nvPr>
-            <p:ph type="title"/>
-          </p:nvPr>
-        </p:nvSpPr>
-        <p:spPr/>
-        <p:txBody>
-          <a:bodyPr/>
-          <a:lstStyle/>
-          <a:p>
-            <a:pPr algn="ctr"/>
-            <a:r>
-              <a:rPr lang="de-DE" dirty="0"/>
-              <a:t>Fazit &amp; Wahl der Schätzmethode</a:t>
-            </a:r>
-          </a:p>
-        </p:txBody>
-      </p:sp>
-      <p:sp>
-        <p:nvSpPr>
-          <p:cNvPr id="3" name="Inhaltsplatzhalter 2">
-            <a:extLst>
-              <a:ext uri="{FF2B5EF4-FFF2-40B4-BE49-F238E27FC236}">
-                <a16:creationId xmlns:a16="http://schemas.microsoft.com/office/drawing/2014/main" id="{93567E31-E6DA-41BF-98A3-F6DF118F7F86}"/>
-              </a:ext>
-            </a:extLst>
-          </p:cNvPr>
-          <p:cNvSpPr>
-            <a:spLocks noGrp="1"/>
-          </p:cNvSpPr>
-          <p:nvPr>
-            <p:ph idx="1"/>
-          </p:nvPr>
-        </p:nvSpPr>
-        <p:spPr/>
-        <p:txBody>
-          <a:bodyPr/>
-          <a:lstStyle/>
-          <a:p>
-            <a:endParaRPr lang="de-DE"/>
-          </a:p>
-        </p:txBody>
-      </p:sp>
-    </p:spTree>
-    <p:extLst>
-      <p:ext uri="{BB962C8B-B14F-4D97-AF65-F5344CB8AC3E}">
-        <p14:creationId xmlns:p14="http://schemas.microsoft.com/office/powerpoint/2010/main" val="975627160"/>
-      </p:ext>
-    </p:extLst>
-  </p:cSld>
-  <p:clrMapOvr>
-    <a:masterClrMapping/>
-  </p:clrMapOvr>
-</p:sld>
-</file>
-
 <file path=ppt/slides/slide2.xml><?xml version="1.0" encoding="utf-8"?>
 <p:sld xmlns:a="http://schemas.openxmlformats.org/drawingml/2006/main" xmlns:r="http://schemas.openxmlformats.org/officeDocument/2006/relationships" xmlns:p="http://schemas.openxmlformats.org/presentationml/2006/main">
   <p:cSld>
@@ -22973,6 +23289,90 @@
 </file>
 
 <file path=ppt/slides/slide20.xml><?xml version="1.0" encoding="utf-8"?>
+<p:sld xmlns:a="http://schemas.openxmlformats.org/drawingml/2006/main" xmlns:r="http://schemas.openxmlformats.org/officeDocument/2006/relationships" xmlns:p="http://schemas.openxmlformats.org/presentationml/2006/main">
+  <p:cSld>
+    <p:spTree>
+      <p:nvGrpSpPr>
+        <p:cNvPr id="1" name=""/>
+        <p:cNvGrpSpPr/>
+        <p:nvPr/>
+      </p:nvGrpSpPr>
+      <p:grpSpPr>
+        <a:xfrm>
+          <a:off x="0" y="0"/>
+          <a:ext cx="0" cy="0"/>
+          <a:chOff x="0" y="0"/>
+          <a:chExt cx="0" cy="0"/>
+        </a:xfrm>
+      </p:grpSpPr>
+      <p:sp>
+        <p:nvSpPr>
+          <p:cNvPr id="2" name="Titel 1">
+            <a:extLst>
+              <a:ext uri="{FF2B5EF4-FFF2-40B4-BE49-F238E27FC236}">
+                <a16:creationId xmlns:a16="http://schemas.microsoft.com/office/drawing/2014/main" id="{ECBAF7B1-E23F-48B9-BA51-9A02452902DD}"/>
+              </a:ext>
+            </a:extLst>
+          </p:cNvPr>
+          <p:cNvSpPr>
+            <a:spLocks noGrp="1"/>
+          </p:cNvSpPr>
+          <p:nvPr>
+            <p:ph type="title"/>
+          </p:nvPr>
+        </p:nvSpPr>
+        <p:spPr/>
+        <p:txBody>
+          <a:bodyPr/>
+          <a:lstStyle/>
+          <a:p>
+            <a:pPr algn="ctr"/>
+            <a:r>
+              <a:rPr lang="de-DE" dirty="0"/>
+              <a:t>Fazit &amp; Wahl der Schätzmethode</a:t>
+            </a:r>
+          </a:p>
+        </p:txBody>
+      </p:sp>
+      <p:sp>
+        <p:nvSpPr>
+          <p:cNvPr id="3" name="Inhaltsplatzhalter 2">
+            <a:extLst>
+              <a:ext uri="{FF2B5EF4-FFF2-40B4-BE49-F238E27FC236}">
+                <a16:creationId xmlns:a16="http://schemas.microsoft.com/office/drawing/2014/main" id="{93567E31-E6DA-41BF-98A3-F6DF118F7F86}"/>
+              </a:ext>
+            </a:extLst>
+          </p:cNvPr>
+          <p:cNvSpPr>
+            <a:spLocks noGrp="1"/>
+          </p:cNvSpPr>
+          <p:nvPr>
+            <p:ph idx="1"/>
+          </p:nvPr>
+        </p:nvSpPr>
+        <p:spPr/>
+        <p:txBody>
+          <a:bodyPr/>
+          <a:lstStyle/>
+          <a:p>
+            <a:endParaRPr lang="de-DE"/>
+          </a:p>
+        </p:txBody>
+      </p:sp>
+    </p:spTree>
+    <p:extLst>
+      <p:ext uri="{BB962C8B-B14F-4D97-AF65-F5344CB8AC3E}">
+        <p14:creationId xmlns:p14="http://schemas.microsoft.com/office/powerpoint/2010/main" val="975627160"/>
+      </p:ext>
+    </p:extLst>
+  </p:cSld>
+  <p:clrMapOvr>
+    <a:masterClrMapping/>
+  </p:clrMapOvr>
+</p:sld>
+</file>
+
+<file path=ppt/slides/slide21.xml><?xml version="1.0" encoding="utf-8"?>
 <p:sld xmlns:a="http://schemas.openxmlformats.org/drawingml/2006/main" xmlns:r="http://schemas.openxmlformats.org/officeDocument/2006/relationships" xmlns:p="http://schemas.openxmlformats.org/presentationml/2006/main">
   <p:cSld>
     <p:spTree>
@@ -23048,7 +23448,7 @@
 </p:sld>
 </file>
 
-<file path=ppt/slides/slide21.xml><?xml version="1.0" encoding="utf-8"?>
+<file path=ppt/slides/slide22.xml><?xml version="1.0" encoding="utf-8"?>
 <p:sld xmlns:a="http://schemas.openxmlformats.org/drawingml/2006/main" xmlns:r="http://schemas.openxmlformats.org/officeDocument/2006/relationships" xmlns:p="http://schemas.openxmlformats.org/presentationml/2006/main">
   <p:cSld>
     <p:spTree>
@@ -23113,7 +23513,7 @@
         <p:spPr>
           <a:xfrm>
             <a:off x="1141412" y="2666999"/>
-            <a:ext cx="10021887" cy="3124201"/>
+            <a:ext cx="10805423" cy="4022036"/>
           </a:xfrm>
         </p:spPr>
         <p:txBody>
@@ -23158,7 +23558,7 @@
                   </a:outerShdw>
                 </a:effectLst>
               </a:rPr>
-              <a:t>, 2009	</a:t>
+              <a:t>, 2009.	 Project Management - </a:t>
             </a:r>
             <a:r>
               <a:rPr lang="en-US" sz="1600" dirty="0">
@@ -23177,7 +23577,7 @@
                   </a:outerShdw>
                 </a:effectLst>
               </a:rPr>
-              <a:t>A Systems Approach to Planning, Scheduling, and 											Controlling; Wiley Verlag; </a:t>
+              <a:t>A Systems Approach to Planning, Scheduling, and 											Controlling; Wiley Verlag, </a:t>
             </a:r>
             <a:r>
               <a:rPr lang="de-DE" sz="1600" dirty="0">
@@ -23196,13 +23596,10 @@
                   </a:outerShdw>
                 </a:effectLst>
               </a:rPr>
-              <a:t>ISBN-10: 0-470-50383-1; </a:t>
+              <a:t>Seite 494f</a:t>
             </a:r>
           </a:p>
           <a:p>
-            <a:pPr marL="0" indent="0">
-              <a:buNone/>
-            </a:pPr>
             <a:r>
               <a:rPr lang="de-DE" sz="1600" dirty="0">
                 <a:effectLst>
@@ -23220,7 +23617,7 @@
                   </a:outerShdw>
                 </a:effectLst>
               </a:rPr>
-              <a:t>						ISBN-13: 978-0-470-50383-6; Seite 494f</a:t>
+              <a:t>Romeike &amp; Hager, 2020.	Erfolgsfaktor Risiko-Management 4.0, 4. Auflage, Springer Gabler</a:t>
             </a:r>
           </a:p>
           <a:p>
@@ -23241,7 +23638,7 @@
                   </a:outerShdw>
                 </a:effectLst>
               </a:rPr>
-              <a:t>Romeike &amp; Hager, 2020	Erfolgsfaktor Risiko-Management 4.0, 4. Auflage, Springer Gabler</a:t>
+              <a:t>Moon, 2021.			Qualität im interkulturellen Trainingsbereich, Springer Gabler</a:t>
             </a:r>
           </a:p>
           <a:p>
@@ -23262,7 +23659,7 @@
                   </a:outerShdw>
                 </a:effectLst>
               </a:rPr>
-              <a:t>Moon, 2021			Qualität im interkulturellen Trainingsbereich, Springer Gabler</a:t>
+              <a:t>Schmieder, 2019.			Künstliche Intelligenz als Substitut menschlicher Arbeit, Springer Gabler</a:t>
             </a:r>
           </a:p>
           <a:p>
@@ -23283,7 +23680,7 @@
                   </a:outerShdw>
                 </a:effectLst>
               </a:rPr>
-              <a:t>Schmieder, 2019			Künstliche Intelligenz als Substitut menschlicher Arbeit, Springer Gabler</a:t>
+              <a:t>Mühlbacher, 2014.		Die IT und die Wirtschaftskrise, Diplomica Verlag GmbH</a:t>
             </a:r>
           </a:p>
           <a:p>
@@ -23304,7 +23701,7 @@
                   </a:outerShdw>
                 </a:effectLst>
               </a:rPr>
-              <a:t>Mühlbacher, 2014		Die IT und die Wirtschaftskrise, Diplomica Verlag GmbH</a:t>
+              <a:t>Bühring, 2021.			Private Banking and Wealth Management Futures 2030, 1. Auflage, Springer</a:t>
             </a:r>
           </a:p>
           <a:p>
@@ -23325,8 +23722,216 @@
                   </a:outerShdw>
                 </a:effectLst>
               </a:rPr>
-              <a:t>Bühring, 2021			Private Banking and Wealth Management Futures 2030, 1. Auflage, Springer</a:t>
+              <a:t>Pries/</a:t>
             </a:r>
+            <a:r>
+              <a:rPr lang="de-DE" sz="1600" dirty="0" err="1">
+                <a:effectLst>
+                  <a:glow rad="38100">
+                    <a:schemeClr val="bg1">
+                      <a:lumMod val="50000"/>
+                      <a:lumOff val="50000"/>
+                      <a:alpha val="20000"/>
+                    </a:schemeClr>
+                  </a:glow>
+                  <a:outerShdw blurRad="38100" dist="38100" dir="2700000" algn="tl">
+                    <a:srgbClr val="000000">
+                      <a:alpha val="43137"/>
+                    </a:srgbClr>
+                  </a:outerShdw>
+                </a:effectLst>
+              </a:rPr>
+              <a:t>Quigley</a:t>
+            </a:r>
+            <a:r>
+              <a:rPr lang="de-DE" sz="1600" dirty="0">
+                <a:effectLst>
+                  <a:glow rad="38100">
+                    <a:schemeClr val="bg1">
+                      <a:lumMod val="50000"/>
+                      <a:lumOff val="50000"/>
+                      <a:alpha val="20000"/>
+                    </a:schemeClr>
+                  </a:glow>
+                  <a:outerShdw blurRad="38100" dist="38100" dir="2700000" algn="tl">
+                    <a:srgbClr val="000000">
+                      <a:alpha val="43137"/>
+                    </a:srgbClr>
+                  </a:outerShdw>
+                </a:effectLst>
+              </a:rPr>
+              <a:t>, 2010.				</a:t>
+            </a:r>
+            <a:r>
+              <a:rPr lang="de-DE" sz="1600" dirty="0" err="1">
+                <a:effectLst>
+                  <a:glow rad="38100">
+                    <a:schemeClr val="bg1">
+                      <a:lumMod val="50000"/>
+                      <a:lumOff val="50000"/>
+                      <a:alpha val="20000"/>
+                    </a:schemeClr>
+                  </a:glow>
+                  <a:outerShdw blurRad="38100" dist="38100" dir="2700000" algn="tl">
+                    <a:srgbClr val="000000">
+                      <a:alpha val="43137"/>
+                    </a:srgbClr>
+                  </a:outerShdw>
+                </a:effectLst>
+              </a:rPr>
+              <a:t>Scrum</a:t>
+            </a:r>
+            <a:r>
+              <a:rPr lang="de-DE" sz="1600" dirty="0">
+                <a:effectLst>
+                  <a:glow rad="38100">
+                    <a:schemeClr val="bg1">
+                      <a:lumMod val="50000"/>
+                      <a:lumOff val="50000"/>
+                      <a:alpha val="20000"/>
+                    </a:schemeClr>
+                  </a:glow>
+                  <a:outerShdw blurRad="38100" dist="38100" dir="2700000" algn="tl">
+                    <a:srgbClr val="000000">
+                      <a:alpha val="43137"/>
+                    </a:srgbClr>
+                  </a:outerShdw>
+                </a:effectLst>
+              </a:rPr>
+              <a:t> Project Management, CRC Press 	</a:t>
+            </a:r>
+          </a:p>
+          <a:p>
+            <a:r>
+              <a:rPr lang="de-DE" sz="1600" dirty="0" err="1">
+                <a:effectLst>
+                  <a:glow rad="38100">
+                    <a:schemeClr val="bg1">
+                      <a:lumMod val="50000"/>
+                      <a:lumOff val="50000"/>
+                      <a:alpha val="20000"/>
+                    </a:schemeClr>
+                  </a:glow>
+                  <a:outerShdw blurRad="38100" dist="38100" dir="2700000" algn="tl">
+                    <a:srgbClr val="000000">
+                      <a:alpha val="43137"/>
+                    </a:srgbClr>
+                  </a:outerShdw>
+                </a:effectLst>
+              </a:rPr>
+              <a:t>Trendowicz</a:t>
+            </a:r>
+            <a:r>
+              <a:rPr lang="de-DE" sz="1600" dirty="0">
+                <a:effectLst>
+                  <a:glow rad="38100">
+                    <a:schemeClr val="bg1">
+                      <a:lumMod val="50000"/>
+                      <a:lumOff val="50000"/>
+                      <a:alpha val="20000"/>
+                    </a:schemeClr>
+                  </a:glow>
+                  <a:outerShdw blurRad="38100" dist="38100" dir="2700000" algn="tl">
+                    <a:srgbClr val="000000">
+                      <a:alpha val="43137"/>
+                    </a:srgbClr>
+                  </a:outerShdw>
+                </a:effectLst>
+              </a:rPr>
+              <a:t>/Jeffery, 2014. Software Project </a:t>
+            </a:r>
+            <a:r>
+              <a:rPr lang="de-DE" sz="1600" dirty="0" err="1">
+                <a:effectLst>
+                  <a:glow rad="38100">
+                    <a:schemeClr val="bg1">
+                      <a:lumMod val="50000"/>
+                      <a:lumOff val="50000"/>
+                      <a:alpha val="20000"/>
+                    </a:schemeClr>
+                  </a:glow>
+                  <a:outerShdw blurRad="38100" dist="38100" dir="2700000" algn="tl">
+                    <a:srgbClr val="000000">
+                      <a:alpha val="43137"/>
+                    </a:srgbClr>
+                  </a:outerShdw>
+                </a:effectLst>
+              </a:rPr>
+              <a:t>Effort</a:t>
+            </a:r>
+            <a:r>
+              <a:rPr lang="de-DE" sz="1600" dirty="0">
+                <a:effectLst>
+                  <a:glow rad="38100">
+                    <a:schemeClr val="bg1">
+                      <a:lumMod val="50000"/>
+                      <a:lumOff val="50000"/>
+                      <a:alpha val="20000"/>
+                    </a:schemeClr>
+                  </a:glow>
+                  <a:outerShdw blurRad="38100" dist="38100" dir="2700000" algn="tl">
+                    <a:srgbClr val="000000">
+                      <a:alpha val="43137"/>
+                    </a:srgbClr>
+                  </a:outerShdw>
+                </a:effectLst>
+              </a:rPr>
+              <a:t> </a:t>
+            </a:r>
+            <a:r>
+              <a:rPr lang="de-DE" sz="1600" dirty="0" err="1">
+                <a:effectLst>
+                  <a:glow rad="38100">
+                    <a:schemeClr val="bg1">
+                      <a:lumMod val="50000"/>
+                      <a:lumOff val="50000"/>
+                      <a:alpha val="20000"/>
+                    </a:schemeClr>
+                  </a:glow>
+                  <a:outerShdw blurRad="38100" dist="38100" dir="2700000" algn="tl">
+                    <a:srgbClr val="000000">
+                      <a:alpha val="43137"/>
+                    </a:srgbClr>
+                  </a:outerShdw>
+                </a:effectLst>
+              </a:rPr>
+              <a:t>Estimation</a:t>
+            </a:r>
+            <a:r>
+              <a:rPr lang="de-DE" sz="1600" dirty="0">
+                <a:effectLst>
+                  <a:glow rad="38100">
+                    <a:schemeClr val="bg1">
+                      <a:lumMod val="50000"/>
+                      <a:lumOff val="50000"/>
+                      <a:alpha val="20000"/>
+                    </a:schemeClr>
+                  </a:glow>
+                  <a:outerShdw blurRad="38100" dist="38100" dir="2700000" algn="tl">
+                    <a:srgbClr val="000000">
+                      <a:alpha val="43137"/>
+                    </a:srgbClr>
+                  </a:outerShdw>
+                </a:effectLst>
+              </a:rPr>
+              <a:t>, Springer International Publishing9		</a:t>
+            </a:r>
+            <a:endParaRPr lang="de-DE" sz="800" dirty="0">
+              <a:effectLst>
+                <a:glow rad="38100">
+                  <a:schemeClr val="bg1">
+                    <a:lumMod val="50000"/>
+                    <a:lumOff val="50000"/>
+                    <a:alpha val="20000"/>
+                  </a:schemeClr>
+                </a:glow>
+                <a:outerShdw blurRad="38100" dist="38100" dir="2700000" algn="tl">
+                  <a:srgbClr val="000000">
+                    <a:alpha val="43137"/>
+                  </a:srgbClr>
+                </a:outerShdw>
+              </a:effectLst>
+            </a:endParaRPr>
           </a:p>
         </p:txBody>
       </p:sp>
@@ -23343,7 +23948,7 @@
 </p:sld>
 </file>
 
-<file path=ppt/slides/slide22.xml><?xml version="1.0" encoding="utf-8"?>
+<file path=ppt/slides/slide23.xml><?xml version="1.0" encoding="utf-8"?>
 <p:sld xmlns:a="http://schemas.openxmlformats.org/drawingml/2006/main" xmlns:r="http://schemas.openxmlformats.org/officeDocument/2006/relationships" xmlns:p="http://schemas.openxmlformats.org/presentationml/2006/main">
   <p:cSld>
     <p:spTree>
@@ -23376,7 +23981,12 @@
             <p:ph type="title"/>
           </p:nvPr>
         </p:nvSpPr>
-        <p:spPr/>
+        <p:spPr>
+          <a:xfrm>
+            <a:off x="1143001" y="609600"/>
+            <a:ext cx="9905998" cy="1905000"/>
+          </a:xfrm>
+        </p:spPr>
         <p:txBody>
           <a:bodyPr/>
           <a:lstStyle/>
@@ -23407,12 +24017,14 @@
         </p:nvSpPr>
         <p:spPr>
           <a:xfrm>
-            <a:off x="984659" y="1761308"/>
+            <a:off x="1014476" y="2781300"/>
             <a:ext cx="9905998" cy="3124201"/>
           </a:xfrm>
         </p:spPr>
         <p:txBody>
-          <a:bodyPr/>
+          <a:bodyPr>
+            <a:normAutofit/>
+          </a:bodyPr>
           <a:lstStyle/>
           <a:p>
             <a:r>
@@ -23509,6 +24121,14 @@
             <a:pPr marL="0" indent="0">
               <a:buNone/>
             </a:pPr>
+            <a:endParaRPr lang="de-DE" dirty="0">
+              <a:effectLst/>
+            </a:endParaRPr>
+          </a:p>
+          <a:p>
+            <a:pPr marL="0" indent="0">
+              <a:buNone/>
+            </a:pPr>
             <a:endParaRPr lang="de-DE" dirty="0"/>
           </a:p>
         </p:txBody>
@@ -23526,7 +24146,7 @@
 </p:sld>
 </file>
 
-<file path=ppt/slides/slide23.xml><?xml version="1.0" encoding="utf-8"?>
+<file path=ppt/slides/slide24.xml><?xml version="1.0" encoding="utf-8"?>
 <p:sld xmlns:a="http://schemas.openxmlformats.org/drawingml/2006/main" xmlns:r="http://schemas.openxmlformats.org/officeDocument/2006/relationships" xmlns:p="http://schemas.openxmlformats.org/presentationml/2006/main">
   <p:cSld>
     <p:spTree>
@@ -23848,14 +24468,21 @@
               <a:rPr lang="de-DE" dirty="0"/>
             </a:br>
             <a:r>
+              <a:rPr lang="de-DE" dirty="0" err="1"/>
+              <a:t>Planning</a:t>
+            </a:r>
+            <a:r>
               <a:rPr lang="de-DE" dirty="0"/>
-              <a:t>Poker </a:t>
+              <a:t> Poker/</a:t>
             </a:r>
             <a:r>
               <a:rPr lang="de-DE" dirty="0" err="1"/>
-              <a:t>PlanninG</a:t>
+              <a:t>Scrum</a:t>
             </a:r>
-            <a:endParaRPr lang="de-DE" dirty="0"/>
+            <a:r>
+              <a:rPr lang="de-DE" dirty="0"/>
+              <a:t> Poker</a:t>
+            </a:r>
           </a:p>
         </p:txBody>
       </p:sp>
@@ -23875,12 +24502,167 @@
             <p:ph idx="1"/>
           </p:nvPr>
         </p:nvSpPr>
-        <p:spPr/>
+        <p:spPr>
+          <a:xfrm>
+            <a:off x="649494" y="2991679"/>
+            <a:ext cx="10397917" cy="3187148"/>
+          </a:xfrm>
+        </p:spPr>
         <p:txBody>
-          <a:bodyPr/>
+          <a:bodyPr>
+            <a:normAutofit/>
+          </a:bodyPr>
           <a:lstStyle/>
           <a:p>
+            <a:pPr lvl="1"/>
+            <a:r>
+              <a:rPr lang="de-DE" dirty="0"/>
+              <a:t>Was?:	Agile Aufwandschätzung (Zeit)</a:t>
+            </a:r>
+          </a:p>
+          <a:p>
+            <a:pPr lvl="1"/>
+            <a:r>
+              <a:rPr lang="de-DE" dirty="0"/>
+              <a:t>Mittel: 	13 Karten (0-100, ? , Kaffeetasse)</a:t>
+            </a:r>
+          </a:p>
+          <a:p>
+            <a:pPr lvl="1"/>
+            <a:r>
+              <a:rPr lang="de-DE" dirty="0"/>
+              <a:t>Idee:		Jede Karte schätzt den Aufwand einer Teilaufgabe</a:t>
+            </a:r>
+          </a:p>
+          <a:p>
+            <a:pPr lvl="1"/>
+            <a:r>
+              <a:rPr lang="de-DE" dirty="0"/>
+              <a:t>Mitspieler:	Moderator (</a:t>
+            </a:r>
+            <a:r>
+              <a:rPr lang="de-DE" dirty="0" err="1"/>
+              <a:t>Scrum</a:t>
+            </a:r>
+            <a:r>
+              <a:rPr lang="de-DE" dirty="0"/>
+              <a:t> Master) , Mitglieder des Entwicklungsteams/Auftraggebers</a:t>
+            </a:r>
+          </a:p>
+          <a:p>
+            <a:pPr marL="457200" lvl="1" indent="0">
+              <a:buNone/>
+            </a:pPr>
             <a:endParaRPr lang="de-DE" dirty="0"/>
+          </a:p>
+          <a:p>
+            <a:pPr lvl="1"/>
+            <a:endParaRPr lang="de-DE" dirty="0"/>
+          </a:p>
+          <a:p>
+            <a:pPr lvl="1"/>
+            <a:endParaRPr lang="de-DE" dirty="0"/>
+          </a:p>
+          <a:p>
+            <a:pPr lvl="1"/>
+            <a:endParaRPr lang="de-DE" dirty="0"/>
+          </a:p>
+        </p:txBody>
+      </p:sp>
+      <p:sp>
+        <p:nvSpPr>
+          <p:cNvPr id="7" name="Textfeld 6">
+            <a:extLst>
+              <a:ext uri="{FF2B5EF4-FFF2-40B4-BE49-F238E27FC236}">
+                <a16:creationId xmlns:a16="http://schemas.microsoft.com/office/drawing/2014/main" id="{73369F67-C297-4A39-880C-6B4F1711E880}"/>
+              </a:ext>
+            </a:extLst>
+          </p:cNvPr>
+          <p:cNvSpPr txBox="1"/>
+          <p:nvPr/>
+        </p:nvSpPr>
+        <p:spPr>
+          <a:xfrm>
+            <a:off x="8760414" y="5680051"/>
+            <a:ext cx="3165231" cy="461665"/>
+          </a:xfrm>
+          <a:prstGeom prst="rect">
+            <a:avLst/>
+          </a:prstGeom>
+          <a:noFill/>
+        </p:spPr>
+        <p:txBody>
+          <a:bodyPr wrap="square" rtlCol="0">
+            <a:spAutoFit/>
+          </a:bodyPr>
+          <a:lstStyle/>
+          <a:p>
+            <a:r>
+              <a:rPr lang="de-DE" sz="1200" dirty="0">
+                <a:solidFill>
+                  <a:schemeClr val="accent4"/>
+                </a:solidFill>
+              </a:rPr>
+              <a:t>Quellen:</a:t>
+            </a:r>
+          </a:p>
+          <a:p>
+            <a:r>
+              <a:rPr lang="de-DE" sz="1200" dirty="0">
+                <a:solidFill>
+                  <a:schemeClr val="accent4"/>
+                </a:solidFill>
+                <a:effectLst/>
+                <a:latin typeface="Calibri" panose="020F0502020204030204" pitchFamily="34" charset="0"/>
+                <a:ea typeface="Calibri" panose="020F0502020204030204" pitchFamily="34" charset="0"/>
+                <a:cs typeface="Times New Roman" panose="02020603050405020304" pitchFamily="18" charset="0"/>
+              </a:rPr>
+              <a:t>vgl. Pries/</a:t>
+            </a:r>
+            <a:r>
+              <a:rPr lang="de-DE" sz="1200" dirty="0" err="1">
+                <a:solidFill>
+                  <a:schemeClr val="accent4"/>
+                </a:solidFill>
+                <a:effectLst/>
+                <a:latin typeface="Calibri" panose="020F0502020204030204" pitchFamily="34" charset="0"/>
+                <a:ea typeface="Calibri" panose="020F0502020204030204" pitchFamily="34" charset="0"/>
+                <a:cs typeface="Times New Roman" panose="02020603050405020304" pitchFamily="18" charset="0"/>
+              </a:rPr>
+              <a:t>Quigley</a:t>
+            </a:r>
+            <a:r>
+              <a:rPr lang="de-DE" sz="1200" dirty="0">
+                <a:solidFill>
+                  <a:schemeClr val="accent4"/>
+                </a:solidFill>
+                <a:effectLst/>
+                <a:latin typeface="Calibri" panose="020F0502020204030204" pitchFamily="34" charset="0"/>
+                <a:ea typeface="Calibri" panose="020F0502020204030204" pitchFamily="34" charset="0"/>
+                <a:cs typeface="Times New Roman" panose="02020603050405020304" pitchFamily="18" charset="0"/>
+              </a:rPr>
+              <a:t>, 2010, S. </a:t>
+            </a:r>
+            <a:r>
+              <a:rPr lang="de-DE" sz="1200" dirty="0">
+                <a:solidFill>
+                  <a:schemeClr val="accent4"/>
+                </a:solidFill>
+                <a:latin typeface="Calibri" panose="020F0502020204030204" pitchFamily="34" charset="0"/>
+                <a:ea typeface="Calibri" panose="020F0502020204030204" pitchFamily="34" charset="0"/>
+                <a:cs typeface="Times New Roman" panose="02020603050405020304" pitchFamily="18" charset="0"/>
+              </a:rPr>
+              <a:t>29 ff. </a:t>
+            </a:r>
+            <a:endParaRPr lang="de-DE" sz="1200" dirty="0">
+              <a:solidFill>
+                <a:schemeClr val="accent4"/>
+              </a:solidFill>
+              <a:effectLst/>
+              <a:latin typeface="Calibri" panose="020F0502020204030204" pitchFamily="34" charset="0"/>
+              <a:ea typeface="Calibri" panose="020F0502020204030204" pitchFamily="34" charset="0"/>
+              <a:cs typeface="Times New Roman" panose="02020603050405020304" pitchFamily="18" charset="0"/>
+            </a:endParaRPr>
           </a:p>
         </p:txBody>
       </p:sp>
@@ -23919,6 +24701,326 @@
           <p:cNvPr id="2" name="Titel 1">
             <a:extLst>
               <a:ext uri="{FF2B5EF4-FFF2-40B4-BE49-F238E27FC236}">
+                <a16:creationId xmlns:a16="http://schemas.microsoft.com/office/drawing/2014/main" id="{C12DA842-434C-48EC-AA00-932485FFE94D}"/>
+              </a:ext>
+            </a:extLst>
+          </p:cNvPr>
+          <p:cNvSpPr>
+            <a:spLocks noGrp="1"/>
+          </p:cNvSpPr>
+          <p:nvPr>
+            <p:ph type="title"/>
+          </p:nvPr>
+        </p:nvSpPr>
+        <p:spPr/>
+        <p:txBody>
+          <a:bodyPr/>
+          <a:lstStyle/>
+          <a:p>
+            <a:pPr algn="ctr"/>
+            <a:r>
+              <a:rPr lang="de-DE" dirty="0"/>
+              <a:t>Funktionsweise Poker - </a:t>
+            </a:r>
+            <a:r>
+              <a:rPr lang="de-DE" dirty="0" err="1"/>
+              <a:t>Planning</a:t>
+            </a:r>
+            <a:endParaRPr lang="de-DE" dirty="0"/>
+          </a:p>
+        </p:txBody>
+      </p:sp>
+      <p:sp>
+        <p:nvSpPr>
+          <p:cNvPr id="3" name="Inhaltsplatzhalter 2">
+            <a:extLst>
+              <a:ext uri="{FF2B5EF4-FFF2-40B4-BE49-F238E27FC236}">
+                <a16:creationId xmlns:a16="http://schemas.microsoft.com/office/drawing/2014/main" id="{6F7B5D3F-AA20-43C7-8ED0-747F7C1BE41C}"/>
+              </a:ext>
+            </a:extLst>
+          </p:cNvPr>
+          <p:cNvSpPr>
+            <a:spLocks noGrp="1"/>
+          </p:cNvSpPr>
+          <p:nvPr>
+            <p:ph idx="1"/>
+          </p:nvPr>
+        </p:nvSpPr>
+        <p:spPr>
+          <a:xfrm>
+            <a:off x="1141413" y="2411897"/>
+            <a:ext cx="10576823" cy="4081669"/>
+          </a:xfrm>
+        </p:spPr>
+        <p:txBody>
+          <a:bodyPr>
+            <a:normAutofit fontScale="92500" lnSpcReduction="20000"/>
+          </a:bodyPr>
+          <a:lstStyle/>
+          <a:p>
+            <a:r>
+              <a:rPr lang="de-DE" dirty="0"/>
+              <a:t>Vorbereitung</a:t>
+            </a:r>
+          </a:p>
+          <a:p>
+            <a:pPr lvl="1">
+              <a:buFont typeface="Courier New" panose="02070309020205020404" pitchFamily="49" charset="0"/>
+              <a:buChar char="o"/>
+            </a:pPr>
+            <a:r>
+              <a:rPr lang="de-DE" dirty="0"/>
+              <a:t>Definition der zu bewertenden Aufgaben</a:t>
+            </a:r>
+          </a:p>
+          <a:p>
+            <a:r>
+              <a:rPr lang="de-DE" dirty="0"/>
+              <a:t>Durchführung</a:t>
+            </a:r>
+          </a:p>
+          <a:p>
+            <a:pPr lvl="1">
+              <a:buFont typeface="Courier New" panose="02070309020205020404" pitchFamily="49" charset="0"/>
+              <a:buChar char="o"/>
+            </a:pPr>
+            <a:r>
+              <a:rPr lang="de-DE" dirty="0"/>
+              <a:t>Diskussion in der Gruppe der Aufgaben</a:t>
+            </a:r>
+          </a:p>
+          <a:p>
+            <a:pPr lvl="1">
+              <a:buFont typeface="Courier New" panose="02070309020205020404" pitchFamily="49" charset="0"/>
+              <a:buChar char="o"/>
+            </a:pPr>
+            <a:r>
+              <a:rPr lang="de-DE" dirty="0"/>
+              <a:t>Schätzen des Aufwandes</a:t>
+            </a:r>
+          </a:p>
+          <a:p>
+            <a:r>
+              <a:rPr lang="de-DE" dirty="0"/>
+              <a:t>Ergebnisfindung</a:t>
+            </a:r>
+          </a:p>
+          <a:p>
+            <a:pPr lvl="1">
+              <a:buFont typeface="Courier New" panose="02070309020205020404" pitchFamily="49" charset="0"/>
+              <a:buChar char="o"/>
+            </a:pPr>
+            <a:r>
+              <a:rPr lang="de-DE" dirty="0"/>
+              <a:t>Konsens</a:t>
+            </a:r>
+          </a:p>
+          <a:p>
+            <a:pPr lvl="1">
+              <a:buFont typeface="Courier New" panose="02070309020205020404" pitchFamily="49" charset="0"/>
+              <a:buChar char="o"/>
+            </a:pPr>
+            <a:r>
+              <a:rPr lang="de-DE" dirty="0"/>
+              <a:t>geringe Abweichung</a:t>
+            </a:r>
+          </a:p>
+          <a:p>
+            <a:pPr lvl="1">
+              <a:buFont typeface="Courier New" panose="02070309020205020404" pitchFamily="49" charset="0"/>
+              <a:buChar char="o"/>
+            </a:pPr>
+            <a:r>
+              <a:rPr lang="de-DE" dirty="0"/>
+              <a:t>große Abweichung</a:t>
+            </a:r>
+          </a:p>
+          <a:p>
+            <a:pPr>
+              <a:buFont typeface="Arial" panose="020B0604020202020204" pitchFamily="34" charset="0"/>
+              <a:buChar char="•"/>
+            </a:pPr>
+            <a:r>
+              <a:rPr lang="de-DE" dirty="0"/>
+              <a:t>Ende</a:t>
+            </a:r>
+          </a:p>
+          <a:p>
+            <a:pPr lvl="1">
+              <a:buFont typeface="Courier New" panose="02070309020205020404" pitchFamily="49" charset="0"/>
+              <a:buChar char="o"/>
+            </a:pPr>
+            <a:r>
+              <a:rPr lang="de-DE" dirty="0"/>
+              <a:t>Summe aller Teilaufgaben werden mit Projektaufwand verglichen		evtl. Priorisierung</a:t>
+            </a:r>
+          </a:p>
+          <a:p>
+            <a:pPr lvl="1">
+              <a:buFont typeface="Arial" panose="020B0604020202020204" pitchFamily="34" charset="0"/>
+              <a:buChar char="•"/>
+            </a:pPr>
+            <a:endParaRPr lang="de-DE" dirty="0"/>
+          </a:p>
+        </p:txBody>
+      </p:sp>
+      <p:sp>
+        <p:nvSpPr>
+          <p:cNvPr id="4" name="Pfeil: nach rechts 3">
+            <a:extLst>
+              <a:ext uri="{FF2B5EF4-FFF2-40B4-BE49-F238E27FC236}">
+                <a16:creationId xmlns:a16="http://schemas.microsoft.com/office/drawing/2014/main" id="{F71924EF-FD15-451A-B030-7D1B4F9D92D0}"/>
+              </a:ext>
+            </a:extLst>
+          </p:cNvPr>
+          <p:cNvSpPr/>
+          <p:nvPr/>
+        </p:nvSpPr>
+        <p:spPr>
+          <a:xfrm>
+            <a:off x="8448261" y="5907819"/>
+            <a:ext cx="407505" cy="164989"/>
+          </a:xfrm>
+          <a:prstGeom prst="rightArrow">
+            <a:avLst/>
+          </a:prstGeom>
+          <a:solidFill>
+            <a:schemeClr val="tx1"/>
+          </a:solidFill>
+        </p:spPr>
+        <p:style>
+          <a:lnRef idx="2">
+            <a:schemeClr val="accent1">
+              <a:shade val="50000"/>
+            </a:schemeClr>
+          </a:lnRef>
+          <a:fillRef idx="1">
+            <a:schemeClr val="accent1"/>
+          </a:fillRef>
+          <a:effectRef idx="0">
+            <a:schemeClr val="accent1"/>
+          </a:effectRef>
+          <a:fontRef idx="minor">
+            <a:schemeClr val="lt1"/>
+          </a:fontRef>
+        </p:style>
+        <p:txBody>
+          <a:bodyPr rtlCol="0" anchor="ctr"/>
+          <a:lstStyle/>
+          <a:p>
+            <a:pPr algn="ctr"/>
+            <a:endParaRPr lang="de-DE"/>
+          </a:p>
+        </p:txBody>
+      </p:sp>
+      <p:sp>
+        <p:nvSpPr>
+          <p:cNvPr id="5" name="Textfeld 4">
+            <a:extLst>
+              <a:ext uri="{FF2B5EF4-FFF2-40B4-BE49-F238E27FC236}">
+                <a16:creationId xmlns:a16="http://schemas.microsoft.com/office/drawing/2014/main" id="{A968A39A-A7D6-452A-AD3D-081E1C83AA0D}"/>
+              </a:ext>
+            </a:extLst>
+          </p:cNvPr>
+          <p:cNvSpPr txBox="1"/>
+          <p:nvPr/>
+        </p:nvSpPr>
+        <p:spPr>
+          <a:xfrm>
+            <a:off x="9026769" y="6248400"/>
+            <a:ext cx="3165231" cy="461665"/>
+          </a:xfrm>
+          <a:prstGeom prst="rect">
+            <a:avLst/>
+          </a:prstGeom>
+          <a:noFill/>
+        </p:spPr>
+        <p:txBody>
+          <a:bodyPr wrap="square" rtlCol="0">
+            <a:spAutoFit/>
+          </a:bodyPr>
+          <a:lstStyle/>
+          <a:p>
+            <a:r>
+              <a:rPr lang="de-DE" sz="1200" dirty="0">
+                <a:solidFill>
+                  <a:schemeClr val="accent4"/>
+                </a:solidFill>
+              </a:rPr>
+              <a:t>Quellen:</a:t>
+            </a:r>
+          </a:p>
+          <a:p>
+            <a:r>
+              <a:rPr lang="de-DE" sz="1200" dirty="0">
+                <a:solidFill>
+                  <a:schemeClr val="accent4"/>
+                </a:solidFill>
+                <a:effectLst/>
+                <a:latin typeface="Calibri" panose="020F0502020204030204" pitchFamily="34" charset="0"/>
+                <a:ea typeface="Calibri" panose="020F0502020204030204" pitchFamily="34" charset="0"/>
+                <a:cs typeface="Times New Roman" panose="02020603050405020304" pitchFamily="18" charset="0"/>
+              </a:rPr>
+              <a:t>Anlage 1</a:t>
+            </a:r>
+            <a:r>
+              <a:rPr lang="de-DE" sz="1200" dirty="0">
+                <a:solidFill>
+                  <a:schemeClr val="accent4"/>
+                </a:solidFill>
+                <a:latin typeface="Calibri" panose="020F0502020204030204" pitchFamily="34" charset="0"/>
+                <a:ea typeface="Calibri" panose="020F0502020204030204" pitchFamily="34" charset="0"/>
+                <a:cs typeface="Times New Roman" panose="02020603050405020304" pitchFamily="18" charset="0"/>
+              </a:rPr>
+              <a:t> </a:t>
+            </a:r>
+            <a:endParaRPr lang="de-DE" sz="1200" dirty="0">
+              <a:solidFill>
+                <a:schemeClr val="accent4"/>
+              </a:solidFill>
+              <a:effectLst/>
+              <a:latin typeface="Calibri" panose="020F0502020204030204" pitchFamily="34" charset="0"/>
+              <a:ea typeface="Calibri" panose="020F0502020204030204" pitchFamily="34" charset="0"/>
+              <a:cs typeface="Times New Roman" panose="02020603050405020304" pitchFamily="18" charset="0"/>
+            </a:endParaRPr>
+          </a:p>
+        </p:txBody>
+      </p:sp>
+    </p:spTree>
+    <p:extLst>
+      <p:ext uri="{BB962C8B-B14F-4D97-AF65-F5344CB8AC3E}">
+        <p14:creationId xmlns:p14="http://schemas.microsoft.com/office/powerpoint/2010/main" val="2415990856"/>
+      </p:ext>
+    </p:extLst>
+  </p:cSld>
+  <p:clrMapOvr>
+    <a:masterClrMapping/>
+  </p:clrMapOvr>
+</p:sld>
+</file>
+
+<file path=ppt/slides/slide7.xml><?xml version="1.0" encoding="utf-8"?>
+<p:sld xmlns:a="http://schemas.openxmlformats.org/drawingml/2006/main" xmlns:r="http://schemas.openxmlformats.org/officeDocument/2006/relationships" xmlns:p="http://schemas.openxmlformats.org/presentationml/2006/main">
+  <p:cSld>
+    <p:spTree>
+      <p:nvGrpSpPr>
+        <p:cNvPr id="1" name=""/>
+        <p:cNvGrpSpPr/>
+        <p:nvPr/>
+      </p:nvGrpSpPr>
+      <p:grpSpPr>
+        <a:xfrm>
+          <a:off x="0" y="0"/>
+          <a:ext cx="0" cy="0"/>
+          <a:chOff x="0" y="0"/>
+          <a:chExt cx="0" cy="0"/>
+        </a:xfrm>
+      </p:grpSpPr>
+      <p:sp>
+        <p:nvSpPr>
+          <p:cNvPr id="2" name="Titel 1">
+            <a:extLst>
+              <a:ext uri="{FF2B5EF4-FFF2-40B4-BE49-F238E27FC236}">
                 <a16:creationId xmlns:a16="http://schemas.microsoft.com/office/drawing/2014/main" id="{F3A3E589-7665-46AC-8629-4F01B5C96BF5}"/>
               </a:ext>
             </a:extLst>
@@ -23956,28 +25058,510 @@
           </a:p>
         </p:txBody>
       </p:sp>
-      <p:sp>
-        <p:nvSpPr>
-          <p:cNvPr id="3" name="Inhaltsplatzhalter 2">
+      <p:graphicFrame>
+        <p:nvGraphicFramePr>
+          <p:cNvPr id="8" name="Tabelle 8">
             <a:extLst>
               <a:ext uri="{FF2B5EF4-FFF2-40B4-BE49-F238E27FC236}">
-                <a16:creationId xmlns:a16="http://schemas.microsoft.com/office/drawing/2014/main" id="{31A463AD-F833-487E-97E0-5D329257E033}"/>
+                <a16:creationId xmlns:a16="http://schemas.microsoft.com/office/drawing/2014/main" id="{15975E00-BB6C-4D5A-895C-5366A905B8DB}"/>
               </a:ext>
             </a:extLst>
           </p:cNvPr>
-          <p:cNvSpPr>
-            <a:spLocks noGrp="1"/>
-          </p:cNvSpPr>
+          <p:cNvGraphicFramePr>
+            <a:graphicFrameLocks noGrp="1"/>
+          </p:cNvGraphicFramePr>
           <p:nvPr>
             <p:ph idx="1"/>
+            <p:extLst>
+              <p:ext uri="{D42A27DB-BD31-4B8C-83A1-F6EECF244321}">
+                <p14:modId xmlns:p14="http://schemas.microsoft.com/office/powerpoint/2010/main" val="1650666936"/>
+              </p:ext>
+            </p:extLst>
           </p:nvPr>
+        </p:nvGraphicFramePr>
+        <p:xfrm>
+          <a:off x="1141413" y="2667000"/>
+          <a:ext cx="9906000" cy="2595880"/>
+        </p:xfrm>
+        <a:graphic>
+          <a:graphicData uri="http://schemas.openxmlformats.org/drawingml/2006/table">
+            <a:tbl>
+              <a:tblPr firstRow="1" bandRow="1">
+                <a:tableStyleId>{5C22544A-7EE6-4342-B048-85BDC9FD1C3A}</a:tableStyleId>
+              </a:tblPr>
+              <a:tblGrid>
+                <a:gridCol w="4953000">
+                  <a:extLst>
+                    <a:ext uri="{9D8B030D-6E8A-4147-A177-3AD203B41FA5}">
+                      <a16:colId xmlns:a16="http://schemas.microsoft.com/office/drawing/2014/main" val="1894090436"/>
+                    </a:ext>
+                  </a:extLst>
+                </a:gridCol>
+                <a:gridCol w="4953000">
+                  <a:extLst>
+                    <a:ext uri="{9D8B030D-6E8A-4147-A177-3AD203B41FA5}">
+                      <a16:colId xmlns:a16="http://schemas.microsoft.com/office/drawing/2014/main" val="3935749411"/>
+                    </a:ext>
+                  </a:extLst>
+                </a:gridCol>
+              </a:tblGrid>
+              <a:tr h="370840">
+                <a:tc>
+                  <a:txBody>
+                    <a:bodyPr/>
+                    <a:lstStyle/>
+                    <a:p>
+                      <a:r>
+                        <a:rPr lang="de-DE" dirty="0"/>
+                        <a:t>Vorteile </a:t>
+                      </a:r>
+                    </a:p>
+                  </a:txBody>
+                  <a:tcPr/>
+                </a:tc>
+                <a:tc>
+                  <a:txBody>
+                    <a:bodyPr/>
+                    <a:lstStyle/>
+                    <a:p>
+                      <a:r>
+                        <a:rPr lang="de-DE" dirty="0"/>
+                        <a:t>Nachteile</a:t>
+                      </a:r>
+                    </a:p>
+                  </a:txBody>
+                  <a:tcPr/>
+                </a:tc>
+                <a:extLst>
+                  <a:ext uri="{0D108BD9-81ED-4DB2-BD59-A6C34878D82A}">
+                    <a16:rowId xmlns:a16="http://schemas.microsoft.com/office/drawing/2014/main" val="622321337"/>
+                  </a:ext>
+                </a:extLst>
+              </a:tr>
+              <a:tr h="370840">
+                <a:tc>
+                  <a:txBody>
+                    <a:bodyPr/>
+                    <a:lstStyle/>
+                    <a:p>
+                      <a:r>
+                        <a:rPr lang="de-DE" dirty="0"/>
+                        <a:t>schnell &amp; einfach</a:t>
+                      </a:r>
+                    </a:p>
+                  </a:txBody>
+                  <a:tcPr/>
+                </a:tc>
+                <a:tc>
+                  <a:txBody>
+                    <a:bodyPr/>
+                    <a:lstStyle/>
+                    <a:p>
+                      <a:r>
+                        <a:rPr lang="de-DE" dirty="0"/>
+                        <a:t>teuer aufgrund von Experten</a:t>
+                      </a:r>
+                    </a:p>
+                  </a:txBody>
+                  <a:tcPr/>
+                </a:tc>
+                <a:extLst>
+                  <a:ext uri="{0D108BD9-81ED-4DB2-BD59-A6C34878D82A}">
+                    <a16:rowId xmlns:a16="http://schemas.microsoft.com/office/drawing/2014/main" val="2977608341"/>
+                  </a:ext>
+                </a:extLst>
+              </a:tr>
+              <a:tr h="370840">
+                <a:tc>
+                  <a:txBody>
+                    <a:bodyPr/>
+                    <a:lstStyle/>
+                    <a:p>
+                      <a:r>
+                        <a:rPr lang="de-DE" dirty="0"/>
+                        <a:t>Strukturiert wegen Moderator</a:t>
+                      </a:r>
+                    </a:p>
+                  </a:txBody>
+                  <a:tcPr/>
+                </a:tc>
+                <a:tc>
+                  <a:txBody>
+                    <a:bodyPr/>
+                    <a:lstStyle/>
+                    <a:p>
+                      <a:r>
+                        <a:rPr lang="de-DE" dirty="0"/>
+                        <a:t>Experten beeinflussbar</a:t>
+                      </a:r>
+                    </a:p>
+                  </a:txBody>
+                  <a:tcPr/>
+                </a:tc>
+                <a:extLst>
+                  <a:ext uri="{0D108BD9-81ED-4DB2-BD59-A6C34878D82A}">
+                    <a16:rowId xmlns:a16="http://schemas.microsoft.com/office/drawing/2014/main" val="2151068899"/>
+                  </a:ext>
+                </a:extLst>
+              </a:tr>
+              <a:tr h="370840">
+                <a:tc>
+                  <a:txBody>
+                    <a:bodyPr/>
+                    <a:lstStyle/>
+                    <a:p>
+                      <a:r>
+                        <a:rPr lang="de-DE" dirty="0"/>
+                        <a:t>Konsensorientiert und gruppendynamisch</a:t>
+                      </a:r>
+                    </a:p>
+                  </a:txBody>
+                  <a:tcPr/>
+                </a:tc>
+                <a:tc>
+                  <a:txBody>
+                    <a:bodyPr/>
+                    <a:lstStyle/>
+                    <a:p>
+                      <a:r>
+                        <a:rPr lang="de-DE" dirty="0"/>
+                        <a:t>kein Recycling möglich</a:t>
+                      </a:r>
+                    </a:p>
+                  </a:txBody>
+                  <a:tcPr/>
+                </a:tc>
+                <a:extLst>
+                  <a:ext uri="{0D108BD9-81ED-4DB2-BD59-A6C34878D82A}">
+                    <a16:rowId xmlns:a16="http://schemas.microsoft.com/office/drawing/2014/main" val="3057416602"/>
+                  </a:ext>
+                </a:extLst>
+              </a:tr>
+              <a:tr h="370840">
+                <a:tc>
+                  <a:txBody>
+                    <a:bodyPr/>
+                    <a:lstStyle/>
+                    <a:p>
+                      <a:r>
+                        <a:rPr lang="de-DE" dirty="0"/>
+                        <a:t>Höhere Qualität und Akzeptanz </a:t>
+                      </a:r>
+                    </a:p>
+                  </a:txBody>
+                  <a:tcPr/>
+                </a:tc>
+                <a:tc>
+                  <a:txBody>
+                    <a:bodyPr/>
+                    <a:lstStyle/>
+                    <a:p>
+                      <a:endParaRPr lang="de-DE" dirty="0"/>
+                    </a:p>
+                  </a:txBody>
+                  <a:tcPr/>
+                </a:tc>
+                <a:extLst>
+                  <a:ext uri="{0D108BD9-81ED-4DB2-BD59-A6C34878D82A}">
+                    <a16:rowId xmlns:a16="http://schemas.microsoft.com/office/drawing/2014/main" val="2253444025"/>
+                  </a:ext>
+                </a:extLst>
+              </a:tr>
+              <a:tr h="370840">
+                <a:tc>
+                  <a:txBody>
+                    <a:bodyPr/>
+                    <a:lstStyle/>
+                    <a:p>
+                      <a:r>
+                        <a:rPr lang="de-DE" dirty="0"/>
+                        <a:t>Teambuilding</a:t>
+                      </a:r>
+                    </a:p>
+                  </a:txBody>
+                  <a:tcPr/>
+                </a:tc>
+                <a:tc>
+                  <a:txBody>
+                    <a:bodyPr/>
+                    <a:lstStyle/>
+                    <a:p>
+                      <a:endParaRPr lang="de-DE" dirty="0"/>
+                    </a:p>
+                  </a:txBody>
+                  <a:tcPr/>
+                </a:tc>
+                <a:extLst>
+                  <a:ext uri="{0D108BD9-81ED-4DB2-BD59-A6C34878D82A}">
+                    <a16:rowId xmlns:a16="http://schemas.microsoft.com/office/drawing/2014/main" val="2128153142"/>
+                  </a:ext>
+                </a:extLst>
+              </a:tr>
+              <a:tr h="370840">
+                <a:tc>
+                  <a:txBody>
+                    <a:bodyPr/>
+                    <a:lstStyle/>
+                    <a:p>
+                      <a:r>
+                        <a:rPr lang="de-DE" dirty="0"/>
+                        <a:t>Verschiedene Sichtweisen</a:t>
+                      </a:r>
+                    </a:p>
+                  </a:txBody>
+                  <a:tcPr/>
+                </a:tc>
+                <a:tc>
+                  <a:txBody>
+                    <a:bodyPr/>
+                    <a:lstStyle/>
+                    <a:p>
+                      <a:endParaRPr lang="de-DE" dirty="0"/>
+                    </a:p>
+                  </a:txBody>
+                  <a:tcPr/>
+                </a:tc>
+                <a:extLst>
+                  <a:ext uri="{0D108BD9-81ED-4DB2-BD59-A6C34878D82A}">
+                    <a16:rowId xmlns:a16="http://schemas.microsoft.com/office/drawing/2014/main" val="214126522"/>
+                  </a:ext>
+                </a:extLst>
+              </a:tr>
+            </a:tbl>
+          </a:graphicData>
+        </a:graphic>
+      </p:graphicFrame>
+      <p:sp>
+        <p:nvSpPr>
+          <p:cNvPr id="9" name="Kreuz 8">
+            <a:extLst>
+              <a:ext uri="{FF2B5EF4-FFF2-40B4-BE49-F238E27FC236}">
+                <a16:creationId xmlns:a16="http://schemas.microsoft.com/office/drawing/2014/main" id="{E6022CC7-0767-42F1-86E0-DDBD9B1B80C7}"/>
+              </a:ext>
+            </a:extLst>
+          </p:cNvPr>
+          <p:cNvSpPr/>
+          <p:nvPr/>
         </p:nvSpPr>
-        <p:spPr/>
+        <p:spPr>
+          <a:xfrm>
+            <a:off x="3498572" y="2743198"/>
+            <a:ext cx="278297" cy="266193"/>
+          </a:xfrm>
+          <a:prstGeom prst="plus">
+            <a:avLst>
+              <a:gd name="adj" fmla="val 32810"/>
+            </a:avLst>
+          </a:prstGeom>
+          <a:solidFill>
+            <a:srgbClr val="00B050"/>
+          </a:solidFill>
+        </p:spPr>
+        <p:style>
+          <a:lnRef idx="2">
+            <a:schemeClr val="accent1">
+              <a:hueOff val="0"/>
+              <a:satOff val="0"/>
+              <a:lumOff val="0"/>
+              <a:alphaOff val="0"/>
+            </a:schemeClr>
+          </a:lnRef>
+          <a:fillRef idx="1">
+            <a:scrgbClr r="0" g="0" b="0"/>
+          </a:fillRef>
+          <a:effectRef idx="0">
+            <a:schemeClr val="accent1">
+              <a:hueOff val="0"/>
+              <a:satOff val="0"/>
+              <a:lumOff val="0"/>
+              <a:alphaOff val="0"/>
+            </a:schemeClr>
+          </a:effectRef>
+          <a:fontRef idx="minor">
+            <a:schemeClr val="lt1"/>
+          </a:fontRef>
+        </p:style>
+      </p:sp>
+      <p:sp>
+        <p:nvSpPr>
+          <p:cNvPr id="10" name="Rechteck 9">
+            <a:extLst>
+              <a:ext uri="{FF2B5EF4-FFF2-40B4-BE49-F238E27FC236}">
+                <a16:creationId xmlns:a16="http://schemas.microsoft.com/office/drawing/2014/main" id="{C62F3E7B-C443-4E3A-9435-5E6FB9EBD9B1}"/>
+              </a:ext>
+            </a:extLst>
+          </p:cNvPr>
+          <p:cNvSpPr/>
+          <p:nvPr/>
+        </p:nvSpPr>
+        <p:spPr>
+          <a:xfrm>
+            <a:off x="8415133" y="2804838"/>
+            <a:ext cx="353044" cy="142912"/>
+          </a:xfrm>
+          <a:prstGeom prst="rect">
+            <a:avLst/>
+          </a:prstGeom>
+          <a:solidFill>
+            <a:srgbClr val="C00000"/>
+          </a:solidFill>
+        </p:spPr>
+        <p:style>
+          <a:lnRef idx="2">
+            <a:schemeClr val="accent1">
+              <a:hueOff val="0"/>
+              <a:satOff val="0"/>
+              <a:lumOff val="0"/>
+              <a:alphaOff val="0"/>
+            </a:schemeClr>
+          </a:lnRef>
+          <a:fillRef idx="1">
+            <a:scrgbClr r="0" g="0" b="0"/>
+          </a:fillRef>
+          <a:effectRef idx="0">
+            <a:schemeClr val="accent1">
+              <a:hueOff val="0"/>
+              <a:satOff val="0"/>
+              <a:lumOff val="0"/>
+              <a:alphaOff val="0"/>
+            </a:schemeClr>
+          </a:effectRef>
+          <a:fontRef idx="minor">
+            <a:schemeClr val="lt1"/>
+          </a:fontRef>
+        </p:style>
+      </p:sp>
+      <p:sp>
+        <p:nvSpPr>
+          <p:cNvPr id="11" name="Textfeld 10">
+            <a:extLst>
+              <a:ext uri="{FF2B5EF4-FFF2-40B4-BE49-F238E27FC236}">
+                <a16:creationId xmlns:a16="http://schemas.microsoft.com/office/drawing/2014/main" id="{595B5DDB-4B73-4E87-915C-AC76CF1E759F}"/>
+              </a:ext>
+            </a:extLst>
+          </p:cNvPr>
+          <p:cNvSpPr txBox="1"/>
+          <p:nvPr/>
+        </p:nvSpPr>
+        <p:spPr>
+          <a:xfrm>
+            <a:off x="8768177" y="6004946"/>
+            <a:ext cx="3165231" cy="830997"/>
+          </a:xfrm>
+          <a:prstGeom prst="rect">
+            <a:avLst/>
+          </a:prstGeom>
+          <a:noFill/>
+        </p:spPr>
         <p:txBody>
-          <a:bodyPr/>
+          <a:bodyPr wrap="square" rtlCol="0">
+            <a:spAutoFit/>
+          </a:bodyPr>
           <a:lstStyle/>
           <a:p>
-            <a:endParaRPr lang="de-DE" dirty="0"/>
+            <a:r>
+              <a:rPr lang="de-DE" sz="1200" dirty="0">
+                <a:solidFill>
+                  <a:schemeClr val="accent4"/>
+                </a:solidFill>
+              </a:rPr>
+              <a:t>Quellen:</a:t>
+            </a:r>
+          </a:p>
+          <a:p>
+            <a:r>
+              <a:rPr lang="de-DE" sz="1200" dirty="0">
+                <a:solidFill>
+                  <a:schemeClr val="accent4"/>
+                </a:solidFill>
+              </a:rPr>
+              <a:t>Eigene Darstellung</a:t>
+            </a:r>
+          </a:p>
+          <a:p>
+            <a:r>
+              <a:rPr lang="de-DE" sz="1200" dirty="0">
+                <a:solidFill>
+                  <a:schemeClr val="accent4"/>
+                </a:solidFill>
+                <a:effectLst/>
+                <a:ea typeface="Calibri" panose="020F0502020204030204" pitchFamily="34" charset="0"/>
+                <a:cs typeface="Times New Roman" panose="02020603050405020304" pitchFamily="18" charset="0"/>
+              </a:rPr>
+              <a:t>vgl. Pries/</a:t>
+            </a:r>
+            <a:r>
+              <a:rPr lang="de-DE" sz="1200" dirty="0" err="1">
+                <a:solidFill>
+                  <a:schemeClr val="accent4"/>
+                </a:solidFill>
+                <a:effectLst/>
+                <a:ea typeface="Calibri" panose="020F0502020204030204" pitchFamily="34" charset="0"/>
+                <a:cs typeface="Times New Roman" panose="02020603050405020304" pitchFamily="18" charset="0"/>
+              </a:rPr>
+              <a:t>Quigley</a:t>
+            </a:r>
+            <a:r>
+              <a:rPr lang="de-DE" sz="1200" dirty="0">
+                <a:solidFill>
+                  <a:schemeClr val="accent4"/>
+                </a:solidFill>
+                <a:effectLst/>
+                <a:ea typeface="Calibri" panose="020F0502020204030204" pitchFamily="34" charset="0"/>
+                <a:cs typeface="Times New Roman" panose="02020603050405020304" pitchFamily="18" charset="0"/>
+              </a:rPr>
+              <a:t>, 2010, S. </a:t>
+            </a:r>
+            <a:r>
+              <a:rPr lang="de-DE" sz="1200" dirty="0">
+                <a:solidFill>
+                  <a:schemeClr val="accent4"/>
+                </a:solidFill>
+                <a:ea typeface="Calibri" panose="020F0502020204030204" pitchFamily="34" charset="0"/>
+                <a:cs typeface="Times New Roman" panose="02020603050405020304" pitchFamily="18" charset="0"/>
+              </a:rPr>
+              <a:t>29 ff.</a:t>
+            </a:r>
+          </a:p>
+          <a:p>
+            <a:r>
+              <a:rPr lang="de-DE" sz="1200" dirty="0">
+                <a:solidFill>
+                  <a:schemeClr val="accent4"/>
+                </a:solidFill>
+                <a:ea typeface="Calibri" panose="020F0502020204030204" pitchFamily="34" charset="0"/>
+                <a:cs typeface="Times New Roman" panose="02020603050405020304" pitchFamily="18" charset="0"/>
+              </a:rPr>
+              <a:t>vgl. </a:t>
+            </a:r>
+            <a:r>
+              <a:rPr lang="de-DE" sz="1200" dirty="0" err="1">
+                <a:solidFill>
+                  <a:schemeClr val="accent4"/>
+                </a:solidFill>
+                <a:ea typeface="Calibri" panose="020F0502020204030204" pitchFamily="34" charset="0"/>
+                <a:cs typeface="Times New Roman" panose="02020603050405020304" pitchFamily="18" charset="0"/>
+              </a:rPr>
+              <a:t>Trendowicz</a:t>
+            </a:r>
+            <a:r>
+              <a:rPr lang="de-DE" sz="1200" dirty="0">
+                <a:solidFill>
+                  <a:schemeClr val="accent4"/>
+                </a:solidFill>
+                <a:ea typeface="Calibri" panose="020F0502020204030204" pitchFamily="34" charset="0"/>
+                <a:cs typeface="Times New Roman" panose="02020603050405020304" pitchFamily="18" charset="0"/>
+              </a:rPr>
+              <a:t>/Jeffery, 2014, S. 336 f. </a:t>
+            </a:r>
+            <a:endParaRPr lang="de-DE" sz="1200" dirty="0">
+              <a:solidFill>
+                <a:schemeClr val="accent4"/>
+              </a:solidFill>
+              <a:effectLst/>
+              <a:ea typeface="Calibri" panose="020F0502020204030204" pitchFamily="34" charset="0"/>
+              <a:cs typeface="Times New Roman" panose="02020603050405020304" pitchFamily="18" charset="0"/>
+            </a:endParaRPr>
           </a:p>
         </p:txBody>
       </p:sp>
@@ -23994,7 +25578,7 @@
 </p:sld>
 </file>
 
-<file path=ppt/slides/slide7.xml><?xml version="1.0" encoding="utf-8"?>
+<file path=ppt/slides/slide8.xml><?xml version="1.0" encoding="utf-8"?>
 <p:sld xmlns:a="http://schemas.openxmlformats.org/drawingml/2006/main" xmlns:r="http://schemas.openxmlformats.org/officeDocument/2006/relationships" xmlns:p="http://schemas.openxmlformats.org/presentationml/2006/main">
   <p:cSld>
     <p:spTree>
@@ -24061,7 +25645,25 @@
           <a:bodyPr/>
           <a:lstStyle/>
           <a:p>
-            <a:endParaRPr lang="de-DE"/>
+            <a:r>
+              <a:rPr lang="de-DE" dirty="0"/>
+              <a:t>Softwareentwicklung</a:t>
+            </a:r>
+          </a:p>
+          <a:p>
+            <a:r>
+              <a:rPr lang="de-DE" dirty="0"/>
+              <a:t>Produktenwicklung</a:t>
+            </a:r>
+          </a:p>
+          <a:p>
+            <a:r>
+              <a:rPr lang="de-DE" dirty="0"/>
+              <a:t> </a:t>
+            </a:r>
+          </a:p>
+          <a:p>
+            <a:endParaRPr lang="de-DE" dirty="0"/>
           </a:p>
         </p:txBody>
       </p:sp>
@@ -24069,161 +25671,6 @@
     <p:extLst>
       <p:ext uri="{BB962C8B-B14F-4D97-AF65-F5344CB8AC3E}">
         <p14:creationId xmlns:p14="http://schemas.microsoft.com/office/powerpoint/2010/main" val="1871264163"/>
-      </p:ext>
-    </p:extLst>
-  </p:cSld>
-  <p:clrMapOvr>
-    <a:masterClrMapping/>
-  </p:clrMapOvr>
-</p:sld>
-</file>
-
-<file path=ppt/slides/slide8.xml><?xml version="1.0" encoding="utf-8"?>
-<p:sld xmlns:a="http://schemas.openxmlformats.org/drawingml/2006/main" xmlns:r="http://schemas.openxmlformats.org/officeDocument/2006/relationships" xmlns:p="http://schemas.openxmlformats.org/presentationml/2006/main">
-  <p:cSld>
-    <p:spTree>
-      <p:nvGrpSpPr>
-        <p:cNvPr id="1" name=""/>
-        <p:cNvGrpSpPr/>
-        <p:nvPr/>
-      </p:nvGrpSpPr>
-      <p:grpSpPr>
-        <a:xfrm>
-          <a:off x="0" y="0"/>
-          <a:ext cx="0" cy="0"/>
-          <a:chOff x="0" y="0"/>
-          <a:chExt cx="0" cy="0"/>
-        </a:xfrm>
-      </p:grpSpPr>
-      <p:sp>
-        <p:nvSpPr>
-          <p:cNvPr id="2" name="Titel 1">
-            <a:extLst>
-              <a:ext uri="{FF2B5EF4-FFF2-40B4-BE49-F238E27FC236}">
-                <a16:creationId xmlns:a16="http://schemas.microsoft.com/office/drawing/2014/main" id="{C69C870D-64F4-42DA-A8E5-366FD6E597F8}"/>
-              </a:ext>
-            </a:extLst>
-          </p:cNvPr>
-          <p:cNvSpPr>
-            <a:spLocks noGrp="1"/>
-          </p:cNvSpPr>
-          <p:nvPr>
-            <p:ph type="title"/>
-          </p:nvPr>
-        </p:nvSpPr>
-        <p:spPr/>
-        <p:txBody>
-          <a:bodyPr/>
-          <a:lstStyle/>
-          <a:p>
-            <a:pPr algn="ctr"/>
-            <a:r>
-              <a:rPr lang="de-DE" dirty="0"/>
-              <a:t>Delphi - Methode</a:t>
-            </a:r>
-          </a:p>
-        </p:txBody>
-      </p:sp>
-      <p:sp>
-        <p:nvSpPr>
-          <p:cNvPr id="3" name="Inhaltsplatzhalter 2">
-            <a:extLst>
-              <a:ext uri="{FF2B5EF4-FFF2-40B4-BE49-F238E27FC236}">
-                <a16:creationId xmlns:a16="http://schemas.microsoft.com/office/drawing/2014/main" id="{5E0E1D3F-8849-4EDC-9137-078B076995CC}"/>
-              </a:ext>
-            </a:extLst>
-          </p:cNvPr>
-          <p:cNvSpPr>
-            <a:spLocks noGrp="1"/>
-          </p:cNvSpPr>
-          <p:nvPr>
-            <p:ph idx="1"/>
-          </p:nvPr>
-        </p:nvSpPr>
-        <p:spPr/>
-        <p:txBody>
-          <a:bodyPr/>
-          <a:lstStyle/>
-          <a:p>
-            <a:pPr marL="0" indent="0" algn="ctr">
-              <a:buNone/>
-            </a:pPr>
-            <a:r>
-              <a:rPr lang="de-DE" dirty="0"/>
-              <a:t>Die Bezeichnung der Methode gründet der Historie wegen, in der gleichnamigen Stadt Delphi in Griechenland. Dort soll es schriftlichen Überlieferungen zufolge ein Orakel gegeben haben, an welches man sich wenden konnte um eine Vorhersage für die Zukunft zu erhalten.</a:t>
-            </a:r>
-          </a:p>
-          <a:p>
-            <a:pPr marL="0" indent="0" algn="ctr">
-              <a:buNone/>
-            </a:pPr>
-            <a:endParaRPr lang="de-DE" dirty="0"/>
-          </a:p>
-        </p:txBody>
-      </p:sp>
-      <p:sp>
-        <p:nvSpPr>
-          <p:cNvPr id="4" name="Textfeld 3">
-            <a:extLst>
-              <a:ext uri="{FF2B5EF4-FFF2-40B4-BE49-F238E27FC236}">
-                <a16:creationId xmlns:a16="http://schemas.microsoft.com/office/drawing/2014/main" id="{E4E871CA-4E43-4CA2-B078-44D1F22AF6D9}"/>
-              </a:ext>
-            </a:extLst>
-          </p:cNvPr>
-          <p:cNvSpPr txBox="1"/>
-          <p:nvPr/>
-        </p:nvSpPr>
-        <p:spPr>
-          <a:xfrm>
-            <a:off x="9224387" y="6109900"/>
-            <a:ext cx="2964209" cy="276999"/>
-          </a:xfrm>
-          <a:prstGeom prst="rect">
-            <a:avLst/>
-          </a:prstGeom>
-          <a:noFill/>
-        </p:spPr>
-        <p:txBody>
-          <a:bodyPr wrap="none" rtlCol="0">
-            <a:spAutoFit/>
-          </a:bodyPr>
-          <a:lstStyle/>
-          <a:p>
-            <a:r>
-              <a:rPr lang="de-DE" sz="1200" dirty="0">
-                <a:solidFill>
-                  <a:schemeClr val="accent4"/>
-                </a:solidFill>
-                <a:effectLst/>
-                <a:ea typeface="Calibri" panose="020F0502020204030204" pitchFamily="34" charset="0"/>
-                <a:cs typeface="Times New Roman" panose="02020603050405020304" pitchFamily="18" charset="0"/>
-              </a:rPr>
-              <a:t>Quelle</a:t>
-            </a:r>
-            <a:r>
-              <a:rPr lang="de-DE" sz="1200" dirty="0">
-                <a:solidFill>
-                  <a:schemeClr val="accent4"/>
-                </a:solidFill>
-                <a:effectLst/>
-                <a:latin typeface="Calibri" panose="020F0502020204030204" pitchFamily="34" charset="0"/>
-                <a:ea typeface="Calibri" panose="020F0502020204030204" pitchFamily="34" charset="0"/>
-                <a:cs typeface="Times New Roman" panose="02020603050405020304" pitchFamily="18" charset="0"/>
-              </a:rPr>
-              <a:t>: Vgl. Romeike &amp; Hager, 2020, S. 29ff.</a:t>
-            </a:r>
-            <a:endParaRPr lang="de-DE" sz="1200" dirty="0">
-              <a:solidFill>
-                <a:schemeClr val="accent4"/>
-              </a:solidFill>
-            </a:endParaRPr>
-          </a:p>
-        </p:txBody>
-      </p:sp>
-    </p:spTree>
-    <p:extLst>
-      <p:ext uri="{BB962C8B-B14F-4D97-AF65-F5344CB8AC3E}">
-        <p14:creationId xmlns:p14="http://schemas.microsoft.com/office/powerpoint/2010/main" val="1043685735"/>
       </p:ext>
     </p:extLst>
   </p:cSld>
@@ -24279,272 +25726,49 @@
           </a:p>
         </p:txBody>
       </p:sp>
-      <p:graphicFrame>
-        <p:nvGraphicFramePr>
-          <p:cNvPr id="17" name="Tabelle 17">
+      <p:sp>
+        <p:nvSpPr>
+          <p:cNvPr id="3" name="Inhaltsplatzhalter 2">
             <a:extLst>
               <a:ext uri="{FF2B5EF4-FFF2-40B4-BE49-F238E27FC236}">
-                <a16:creationId xmlns:a16="http://schemas.microsoft.com/office/drawing/2014/main" id="{55D4826C-00D6-4701-8073-53FDF10BBBEC}"/>
+                <a16:creationId xmlns:a16="http://schemas.microsoft.com/office/drawing/2014/main" id="{5E0E1D3F-8849-4EDC-9137-078B076995CC}"/>
               </a:ext>
             </a:extLst>
           </p:cNvPr>
-          <p:cNvGraphicFramePr>
-            <a:graphicFrameLocks noGrp="1"/>
-          </p:cNvGraphicFramePr>
+          <p:cNvSpPr>
+            <a:spLocks noGrp="1"/>
+          </p:cNvSpPr>
           <p:nvPr>
             <p:ph idx="1"/>
-            <p:extLst>
-              <p:ext uri="{D42A27DB-BD31-4B8C-83A1-F6EECF244321}">
-                <p14:modId xmlns:p14="http://schemas.microsoft.com/office/powerpoint/2010/main" val="149457715"/>
-              </p:ext>
-            </p:extLst>
           </p:nvPr>
-        </p:nvGraphicFramePr>
-        <p:xfrm>
-          <a:off x="1141413" y="2667000"/>
-          <a:ext cx="9906000" cy="1651000"/>
-        </p:xfrm>
-        <a:graphic>
-          <a:graphicData uri="http://schemas.openxmlformats.org/drawingml/2006/table">
-            <a:tbl>
-              <a:tblPr firstRow="1" bandRow="1">
-                <a:tableStyleId>{5C22544A-7EE6-4342-B048-85BDC9FD1C3A}</a:tableStyleId>
-              </a:tblPr>
-              <a:tblGrid>
-                <a:gridCol w="4953000">
-                  <a:extLst>
-                    <a:ext uri="{9D8B030D-6E8A-4147-A177-3AD203B41FA5}">
-                      <a16:colId xmlns:a16="http://schemas.microsoft.com/office/drawing/2014/main" val="1761273252"/>
-                    </a:ext>
-                  </a:extLst>
-                </a:gridCol>
-                <a:gridCol w="4953000">
-                  <a:extLst>
-                    <a:ext uri="{9D8B030D-6E8A-4147-A177-3AD203B41FA5}">
-                      <a16:colId xmlns:a16="http://schemas.microsoft.com/office/drawing/2014/main" val="2172551086"/>
-                    </a:ext>
-                  </a:extLst>
-                </a:gridCol>
-              </a:tblGrid>
-              <a:tr h="370840">
-                <a:tc gridSpan="2">
-                  <a:txBody>
-                    <a:bodyPr/>
-                    <a:lstStyle/>
-                    <a:p>
-                      <a:pPr algn="ctr"/>
-                      <a:r>
-                        <a:rPr lang="de-DE" dirty="0">
-                          <a:effectLst>
-                            <a:outerShdw blurRad="38100" dist="38100" dir="2700000" algn="tl">
-                              <a:srgbClr val="000000">
-                                <a:alpha val="43137"/>
-                              </a:srgbClr>
-                            </a:outerShdw>
-                          </a:effectLst>
-                        </a:rPr>
-                        <a:t>Ansätze der empirischen Sozialforschung</a:t>
-                      </a:r>
-                    </a:p>
-                  </a:txBody>
-                  <a:tcPr/>
-                </a:tc>
-                <a:tc hMerge="1">
-                  <a:txBody>
-                    <a:bodyPr/>
-                    <a:lstStyle/>
-                    <a:p>
-                      <a:endParaRPr lang="de-DE"/>
-                    </a:p>
-                  </a:txBody>
-                  <a:tcPr/>
-                </a:tc>
-                <a:extLst>
-                  <a:ext uri="{0D108BD9-81ED-4DB2-BD59-A6C34878D82A}">
-                    <a16:rowId xmlns:a16="http://schemas.microsoft.com/office/drawing/2014/main" val="1597324515"/>
-                  </a:ext>
-                </a:extLst>
-              </a:tr>
-              <a:tr h="370840">
-                <a:tc>
-                  <a:txBody>
-                    <a:bodyPr/>
-                    <a:lstStyle/>
-                    <a:p>
-                      <a:pPr marL="0" marR="0" lvl="0" indent="0" algn="ctr" defTabSz="457200" rtl="0" eaLnBrk="1" fontAlgn="auto" latinLnBrk="0" hangingPunct="1">
-                        <a:lnSpc>
-                          <a:spcPct val="100000"/>
-                        </a:lnSpc>
-                        <a:spcBef>
-                          <a:spcPts val="0"/>
-                        </a:spcBef>
-                        <a:spcAft>
-                          <a:spcPts val="0"/>
-                        </a:spcAft>
-                        <a:buClrTx/>
-                        <a:buSzTx/>
-                        <a:buFontTx/>
-                        <a:buNone/>
-                        <a:tabLst/>
-                        <a:defRPr/>
-                      </a:pPr>
-                      <a:r>
-                        <a:rPr lang="de-DE" dirty="0">
-                          <a:effectLst>
-                            <a:outerShdw blurRad="38100" dist="38100" dir="2700000" algn="tl">
-                              <a:srgbClr val="000000">
-                                <a:alpha val="43137"/>
-                              </a:srgbClr>
-                            </a:outerShdw>
-                          </a:effectLst>
-                        </a:rPr>
-                        <a:t>Quantitativ:</a:t>
-                      </a:r>
-                    </a:p>
-                    <a:p>
-                      <a:pPr algn="ctr"/>
-                      <a:endParaRPr lang="de-DE" dirty="0">
-                        <a:effectLst>
-                          <a:outerShdw blurRad="38100" dist="38100" dir="2700000" algn="tl">
-                            <a:srgbClr val="000000">
-                              <a:alpha val="43137"/>
-                            </a:srgbClr>
-                          </a:outerShdw>
-                        </a:effectLst>
-                      </a:endParaRPr>
-                    </a:p>
-                  </a:txBody>
-                  <a:tcPr/>
-                </a:tc>
-                <a:tc>
-                  <a:txBody>
-                    <a:bodyPr/>
-                    <a:lstStyle/>
-                    <a:p>
-                      <a:pPr marL="0" marR="0" lvl="0" indent="0" algn="ctr" defTabSz="457200" rtl="0" eaLnBrk="1" fontAlgn="auto" latinLnBrk="0" hangingPunct="1">
-                        <a:lnSpc>
-                          <a:spcPct val="100000"/>
-                        </a:lnSpc>
-                        <a:spcBef>
-                          <a:spcPts val="0"/>
-                        </a:spcBef>
-                        <a:spcAft>
-                          <a:spcPts val="0"/>
-                        </a:spcAft>
-                        <a:buClrTx/>
-                        <a:buSzTx/>
-                        <a:buFontTx/>
-                        <a:buNone/>
-                        <a:tabLst/>
-                        <a:defRPr/>
-                      </a:pPr>
-                      <a:r>
-                        <a:rPr lang="de-DE" dirty="0">
-                          <a:effectLst>
-                            <a:outerShdw blurRad="38100" dist="38100" dir="2700000" algn="tl">
-                              <a:srgbClr val="000000">
-                                <a:alpha val="43137"/>
-                              </a:srgbClr>
-                            </a:outerShdw>
-                          </a:effectLst>
-                        </a:rPr>
-                        <a:t>Qualitativ:</a:t>
-                      </a:r>
-                    </a:p>
-                  </a:txBody>
-                  <a:tcPr/>
-                </a:tc>
-                <a:extLst>
-                  <a:ext uri="{0D108BD9-81ED-4DB2-BD59-A6C34878D82A}">
-                    <a16:rowId xmlns:a16="http://schemas.microsoft.com/office/drawing/2014/main" val="3090413412"/>
-                  </a:ext>
-                </a:extLst>
-              </a:tr>
-              <a:tr h="370840">
-                <a:tc>
-                  <a:txBody>
-                    <a:bodyPr/>
-                    <a:lstStyle/>
-                    <a:p>
-                      <a:pPr marL="0" marR="0" lvl="0" indent="0" algn="l" defTabSz="457200" rtl="0" eaLnBrk="1" fontAlgn="auto" latinLnBrk="0" hangingPunct="1">
-                        <a:lnSpc>
-                          <a:spcPct val="100000"/>
-                        </a:lnSpc>
-                        <a:spcBef>
-                          <a:spcPts val="0"/>
-                        </a:spcBef>
-                        <a:spcAft>
-                          <a:spcPts val="0"/>
-                        </a:spcAft>
-                        <a:buClrTx/>
-                        <a:buSzTx/>
-                        <a:buFontTx/>
-                        <a:buNone/>
-                        <a:tabLst/>
-                        <a:defRPr/>
-                      </a:pPr>
-                      <a:r>
-                        <a:rPr lang="de-DE" b="1" dirty="0"/>
-                        <a:t>Überprüfung</a:t>
-                      </a:r>
-                      <a:r>
-                        <a:rPr lang="de-DE" dirty="0"/>
-                        <a:t> vorhandener Theorien und Hypothesen</a:t>
-                      </a:r>
-                    </a:p>
-                  </a:txBody>
-                  <a:tcPr/>
-                </a:tc>
-                <a:tc>
-                  <a:txBody>
-                    <a:bodyPr/>
-                    <a:lstStyle/>
-                    <a:p>
-                      <a:pPr marL="0" marR="0" lvl="0" indent="0" algn="l" defTabSz="457200" rtl="0" eaLnBrk="1" fontAlgn="auto" latinLnBrk="0" hangingPunct="1">
-                        <a:lnSpc>
-                          <a:spcPct val="100000"/>
-                        </a:lnSpc>
-                        <a:spcBef>
-                          <a:spcPts val="0"/>
-                        </a:spcBef>
-                        <a:spcAft>
-                          <a:spcPts val="0"/>
-                        </a:spcAft>
-                        <a:buClrTx/>
-                        <a:buSzTx/>
-                        <a:buFontTx/>
-                        <a:buNone/>
-                        <a:tabLst/>
-                        <a:defRPr/>
-                      </a:pPr>
-                      <a:r>
-                        <a:rPr lang="de-DE" b="1" dirty="0"/>
-                        <a:t>Entwicklung</a:t>
-                      </a:r>
-                      <a:r>
-                        <a:rPr lang="de-DE" dirty="0"/>
-                        <a:t> neuer Theorien und Hypothesen</a:t>
-                      </a:r>
-                    </a:p>
-                  </a:txBody>
-                  <a:tcPr/>
-                </a:tc>
-                <a:extLst>
-                  <a:ext uri="{0D108BD9-81ED-4DB2-BD59-A6C34878D82A}">
-                    <a16:rowId xmlns:a16="http://schemas.microsoft.com/office/drawing/2014/main" val="4026824468"/>
-                  </a:ext>
-                </a:extLst>
-              </a:tr>
-            </a:tbl>
-          </a:graphicData>
-        </a:graphic>
-      </p:graphicFrame>
+        </p:nvSpPr>
+        <p:spPr/>
+        <p:txBody>
+          <a:bodyPr/>
+          <a:lstStyle/>
+          <a:p>
+            <a:pPr marL="0" indent="0" algn="ctr">
+              <a:buNone/>
+            </a:pPr>
+            <a:r>
+              <a:rPr lang="de-DE" dirty="0"/>
+              <a:t>Die Bezeichnung der Methode gründet der Historie wegen, in der gleichnamigen Stadt Delphi in Griechenland. Dort soll es schriftlichen Überlieferungen zufolge ein Orakel gegeben haben, an welches man sich wenden konnte um eine Vorhersage für die Zukunft zu erhalten.</a:t>
+            </a:r>
+          </a:p>
+          <a:p>
+            <a:pPr marL="0" indent="0" algn="ctr">
+              <a:buNone/>
+            </a:pPr>
+            <a:endParaRPr lang="de-DE" dirty="0"/>
+          </a:p>
+        </p:txBody>
+      </p:sp>
       <p:sp>
         <p:nvSpPr>
-          <p:cNvPr id="3" name="Textfeld 2">
+          <p:cNvPr id="4" name="Textfeld 3">
             <a:extLst>
               <a:ext uri="{FF2B5EF4-FFF2-40B4-BE49-F238E27FC236}">
-                <a16:creationId xmlns:a16="http://schemas.microsoft.com/office/drawing/2014/main" id="{933E464A-C32E-4AC9-82D6-D9BC65167FA7}"/>
+                <a16:creationId xmlns:a16="http://schemas.microsoft.com/office/drawing/2014/main" id="{E4E871CA-4E43-4CA2-B078-44D1F22AF6D9}"/>
               </a:ext>
             </a:extLst>
           </p:cNvPr>
@@ -24553,8 +25777,8 @@
         </p:nvSpPr>
         <p:spPr>
           <a:xfrm>
-            <a:off x="6826931" y="5728062"/>
-            <a:ext cx="5365069" cy="830997"/>
+            <a:off x="9224387" y="6109900"/>
+            <a:ext cx="2964209" cy="276999"/>
           </a:xfrm>
           <a:prstGeom prst="rect">
             <a:avLst/>
@@ -24562,7 +25786,7 @@
           <a:noFill/>
         </p:spPr>
         <p:txBody>
-          <a:bodyPr wrap="square" rtlCol="0">
+          <a:bodyPr wrap="none" rtlCol="0">
             <a:spAutoFit/>
           </a:bodyPr>
           <a:lstStyle/>
@@ -24572,57 +25796,36 @@
                 <a:solidFill>
                   <a:schemeClr val="accent4"/>
                 </a:solidFill>
+                <a:effectLst/>
+                <a:ea typeface="Calibri" panose="020F0502020204030204" pitchFamily="34" charset="0"/>
+                <a:cs typeface="Times New Roman" panose="02020603050405020304" pitchFamily="18" charset="0"/>
               </a:rPr>
-              <a:t>Quellen: </a:t>
+              <a:t>Quelle</a:t>
             </a:r>
-          </a:p>
-          <a:p>
             <a:r>
               <a:rPr lang="de-DE" sz="1200" dirty="0">
                 <a:solidFill>
                   <a:schemeClr val="accent4"/>
                 </a:solidFill>
+                <a:effectLst/>
+                <a:latin typeface="Calibri" panose="020F0502020204030204" pitchFamily="34" charset="0"/>
+                <a:ea typeface="Calibri" panose="020F0502020204030204" pitchFamily="34" charset="0"/>
+                <a:cs typeface="Times New Roman" panose="02020603050405020304" pitchFamily="18" charset="0"/>
               </a:rPr>
-              <a:t>Eigene Darstellung</a:t>
+              <a:t>: Vgl. Romeike &amp; Hager, 2020, S. 29ff.</a:t>
             </a:r>
-          </a:p>
-          <a:p>
-            <a:r>
-              <a:rPr lang="de-DE" sz="1200" dirty="0">
-                <a:solidFill>
-                  <a:schemeClr val="accent4"/>
-                </a:solidFill>
-              </a:rPr>
-              <a:t>vgl</a:t>
-            </a:r>
-            <a:r>
-              <a:rPr lang="de-DE" sz="1200" dirty="0"/>
-              <a:t>. </a:t>
-            </a:r>
-            <a:r>
-              <a:rPr lang="de-DE" sz="1200" dirty="0">
-                <a:hlinkClick r:id="rId2"/>
-              </a:rPr>
-              <a:t>https://www.scribbr.de/methodik/empirische-sozialforschung/</a:t>
-            </a:r>
-            <a:endParaRPr lang="de-DE" sz="1200" dirty="0"/>
-          </a:p>
-          <a:p>
-            <a:r>
-              <a:rPr lang="de-DE" sz="1200" dirty="0">
-                <a:solidFill>
-                  <a:schemeClr val="accent3"/>
-                </a:solidFill>
-              </a:rPr>
-              <a:t>vgl. Moon, 2021, S. 138, 152, 169</a:t>
-            </a:r>
+            <a:endParaRPr lang="de-DE" sz="1200" dirty="0">
+              <a:solidFill>
+                <a:schemeClr val="accent4"/>
+              </a:solidFill>
+            </a:endParaRPr>
           </a:p>
         </p:txBody>
       </p:sp>
     </p:spTree>
     <p:extLst>
       <p:ext uri="{BB962C8B-B14F-4D97-AF65-F5344CB8AC3E}">
-        <p14:creationId xmlns:p14="http://schemas.microsoft.com/office/powerpoint/2010/main" val="1457865203"/>
+        <p14:creationId xmlns:p14="http://schemas.microsoft.com/office/powerpoint/2010/main" val="1043685735"/>
       </p:ext>
     </p:extLst>
   </p:cSld>
